--- a/week14/Project_deadline.pptx
+++ b/week14/Project_deadline.pptx
@@ -14,9 +14,9 @@
     <p:sldId id="303" r:id="rId5"/>
     <p:sldId id="274" r:id="rId6"/>
     <p:sldId id="302" r:id="rId7"/>
-    <p:sldId id="310" r:id="rId8"/>
-    <p:sldId id="309" r:id="rId9"/>
-    <p:sldId id="312" r:id="rId10"/>
+    <p:sldId id="309" r:id="rId8"/>
+    <p:sldId id="312" r:id="rId9"/>
+    <p:sldId id="313" r:id="rId10"/>
     <p:sldId id="304" r:id="rId11"/>
     <p:sldId id="305" r:id="rId12"/>
     <p:sldId id="306" r:id="rId13"/>
@@ -290,2579 +290,6 @@
     </p:ext>
   </p:extLst>
 </p:presentation>
-</file>
-
-<file path=ppt/diagrams/colors1.xml><?xml version="1.0" encoding="utf-8"?>
-<dgm:colorsDef xmlns:dgm="http://schemas.openxmlformats.org/drawingml/2006/diagram" xmlns:a="http://schemas.openxmlformats.org/drawingml/2006/main" uniqueId="urn:microsoft.com/office/officeart/2005/8/colors/accent1_2">
-  <dgm:title val=""/>
-  <dgm:desc val=""/>
-  <dgm:catLst>
-    <dgm:cat type="accent1" pri="11200"/>
-  </dgm:catLst>
-  <dgm:styleLbl name="node0">
-    <dgm:fillClrLst meth="repeat">
-      <a:schemeClr val="accent1"/>
-    </dgm:fillClrLst>
-    <dgm:linClrLst meth="repeat">
-      <a:schemeClr val="lt1"/>
-    </dgm:linClrLst>
-    <dgm:effectClrLst/>
-    <dgm:txLinClrLst/>
-    <dgm:txFillClrLst/>
-    <dgm:txEffectClrLst/>
-  </dgm:styleLbl>
-  <dgm:styleLbl name="alignNode1">
-    <dgm:fillClrLst meth="repeat">
-      <a:schemeClr val="accent1"/>
-    </dgm:fillClrLst>
-    <dgm:linClrLst meth="repeat">
-      <a:schemeClr val="accent1"/>
-    </dgm:linClrLst>
-    <dgm:effectClrLst/>
-    <dgm:txLinClrLst/>
-    <dgm:txFillClrLst/>
-    <dgm:txEffectClrLst/>
-  </dgm:styleLbl>
-  <dgm:styleLbl name="node1">
-    <dgm:fillClrLst meth="repeat">
-      <a:schemeClr val="accent1"/>
-    </dgm:fillClrLst>
-    <dgm:linClrLst meth="repeat">
-      <a:schemeClr val="lt1"/>
-    </dgm:linClrLst>
-    <dgm:effectClrLst/>
-    <dgm:txLinClrLst/>
-    <dgm:txFillClrLst/>
-    <dgm:txEffectClrLst/>
-  </dgm:styleLbl>
-  <dgm:styleLbl name="lnNode1">
-    <dgm:fillClrLst meth="repeat">
-      <a:schemeClr val="accent1"/>
-    </dgm:fillClrLst>
-    <dgm:linClrLst meth="repeat">
-      <a:schemeClr val="lt1"/>
-    </dgm:linClrLst>
-    <dgm:effectClrLst/>
-    <dgm:txLinClrLst/>
-    <dgm:txFillClrLst/>
-    <dgm:txEffectClrLst/>
-  </dgm:styleLbl>
-  <dgm:styleLbl name="vennNode1">
-    <dgm:fillClrLst meth="repeat">
-      <a:schemeClr val="accent1">
-        <a:alpha val="50000"/>
-      </a:schemeClr>
-    </dgm:fillClrLst>
-    <dgm:linClrLst meth="repeat">
-      <a:schemeClr val="lt1"/>
-    </dgm:linClrLst>
-    <dgm:effectClrLst/>
-    <dgm:txLinClrLst/>
-    <dgm:txFillClrLst/>
-    <dgm:txEffectClrLst/>
-  </dgm:styleLbl>
-  <dgm:styleLbl name="node2">
-    <dgm:fillClrLst meth="repeat">
-      <a:schemeClr val="accent1"/>
-    </dgm:fillClrLst>
-    <dgm:linClrLst meth="repeat">
-      <a:schemeClr val="lt1"/>
-    </dgm:linClrLst>
-    <dgm:effectClrLst/>
-    <dgm:txLinClrLst/>
-    <dgm:txFillClrLst/>
-    <dgm:txEffectClrLst/>
-  </dgm:styleLbl>
-  <dgm:styleLbl name="node3">
-    <dgm:fillClrLst meth="repeat">
-      <a:schemeClr val="accent1"/>
-    </dgm:fillClrLst>
-    <dgm:linClrLst meth="repeat">
-      <a:schemeClr val="lt1"/>
-    </dgm:linClrLst>
-    <dgm:effectClrLst/>
-    <dgm:txLinClrLst/>
-    <dgm:txFillClrLst/>
-    <dgm:txEffectClrLst/>
-  </dgm:styleLbl>
-  <dgm:styleLbl name="node4">
-    <dgm:fillClrLst meth="repeat">
-      <a:schemeClr val="accent1"/>
-    </dgm:fillClrLst>
-    <dgm:linClrLst meth="repeat">
-      <a:schemeClr val="lt1"/>
-    </dgm:linClrLst>
-    <dgm:effectClrLst/>
-    <dgm:txLinClrLst/>
-    <dgm:txFillClrLst/>
-    <dgm:txEffectClrLst/>
-  </dgm:styleLbl>
-  <dgm:styleLbl name="fgImgPlace1">
-    <dgm:fillClrLst meth="repeat">
-      <a:schemeClr val="accent1">
-        <a:tint val="50000"/>
-      </a:schemeClr>
-    </dgm:fillClrLst>
-    <dgm:linClrLst meth="repeat">
-      <a:schemeClr val="lt1"/>
-    </dgm:linClrLst>
-    <dgm:effectClrLst/>
-    <dgm:txLinClrLst/>
-    <dgm:txFillClrLst meth="repeat">
-      <a:schemeClr val="lt1"/>
-    </dgm:txFillClrLst>
-    <dgm:txEffectClrLst/>
-  </dgm:styleLbl>
-  <dgm:styleLbl name="alignImgPlace1">
-    <dgm:fillClrLst meth="repeat">
-      <a:schemeClr val="accent1">
-        <a:tint val="50000"/>
-      </a:schemeClr>
-    </dgm:fillClrLst>
-    <dgm:linClrLst meth="repeat">
-      <a:schemeClr val="lt1"/>
-    </dgm:linClrLst>
-    <dgm:effectClrLst/>
-    <dgm:txLinClrLst/>
-    <dgm:txFillClrLst meth="repeat">
-      <a:schemeClr val="lt1"/>
-    </dgm:txFillClrLst>
-    <dgm:txEffectClrLst/>
-  </dgm:styleLbl>
-  <dgm:styleLbl name="bgImgPlace1">
-    <dgm:fillClrLst meth="repeat">
-      <a:schemeClr val="accent1">
-        <a:tint val="50000"/>
-      </a:schemeClr>
-    </dgm:fillClrLst>
-    <dgm:linClrLst meth="repeat">
-      <a:schemeClr val="lt1"/>
-    </dgm:linClrLst>
-    <dgm:effectClrLst/>
-    <dgm:txLinClrLst/>
-    <dgm:txFillClrLst meth="repeat">
-      <a:schemeClr val="lt1"/>
-    </dgm:txFillClrLst>
-    <dgm:txEffectClrLst/>
-  </dgm:styleLbl>
-  <dgm:styleLbl name="sibTrans2D1">
-    <dgm:fillClrLst meth="repeat">
-      <a:schemeClr val="accent1">
-        <a:tint val="60000"/>
-      </a:schemeClr>
-    </dgm:fillClrLst>
-    <dgm:linClrLst meth="repeat">
-      <a:schemeClr val="accent1">
-        <a:tint val="60000"/>
-      </a:schemeClr>
-    </dgm:linClrLst>
-    <dgm:effectClrLst/>
-    <dgm:txLinClrLst/>
-    <dgm:txFillClrLst/>
-    <dgm:txEffectClrLst/>
-  </dgm:styleLbl>
-  <dgm:styleLbl name="fgSibTrans2D1">
-    <dgm:fillClrLst meth="repeat">
-      <a:schemeClr val="accent1">
-        <a:tint val="60000"/>
-      </a:schemeClr>
-    </dgm:fillClrLst>
-    <dgm:linClrLst meth="repeat">
-      <a:schemeClr val="accent1">
-        <a:tint val="60000"/>
-      </a:schemeClr>
-    </dgm:linClrLst>
-    <dgm:effectClrLst/>
-    <dgm:txLinClrLst/>
-    <dgm:txFillClrLst/>
-    <dgm:txEffectClrLst/>
-  </dgm:styleLbl>
-  <dgm:styleLbl name="bgSibTrans2D1">
-    <dgm:fillClrLst meth="repeat">
-      <a:schemeClr val="accent1">
-        <a:tint val="60000"/>
-      </a:schemeClr>
-    </dgm:fillClrLst>
-    <dgm:linClrLst meth="repeat">
-      <a:schemeClr val="accent1">
-        <a:tint val="60000"/>
-      </a:schemeClr>
-    </dgm:linClrLst>
-    <dgm:effectClrLst/>
-    <dgm:txLinClrLst/>
-    <dgm:txFillClrLst/>
-    <dgm:txEffectClrLst/>
-  </dgm:styleLbl>
-  <dgm:styleLbl name="sibTrans1D1">
-    <dgm:fillClrLst meth="repeat">
-      <a:schemeClr val="accent1"/>
-    </dgm:fillClrLst>
-    <dgm:linClrLst meth="repeat">
-      <a:schemeClr val="accent1"/>
-    </dgm:linClrLst>
-    <dgm:effectClrLst/>
-    <dgm:txLinClrLst/>
-    <dgm:txFillClrLst meth="repeat">
-      <a:schemeClr val="tx1"/>
-    </dgm:txFillClrLst>
-    <dgm:txEffectClrLst/>
-  </dgm:styleLbl>
-  <dgm:styleLbl name="callout">
-    <dgm:fillClrLst meth="repeat">
-      <a:schemeClr val="accent1"/>
-    </dgm:fillClrLst>
-    <dgm:linClrLst meth="repeat">
-      <a:schemeClr val="accent1">
-        <a:tint val="50000"/>
-      </a:schemeClr>
-    </dgm:linClrLst>
-    <dgm:effectClrLst/>
-    <dgm:txLinClrLst/>
-    <dgm:txFillClrLst meth="repeat">
-      <a:schemeClr val="tx1"/>
-    </dgm:txFillClrLst>
-    <dgm:txEffectClrLst/>
-  </dgm:styleLbl>
-  <dgm:styleLbl name="asst0">
-    <dgm:fillClrLst meth="repeat">
-      <a:schemeClr val="accent1"/>
-    </dgm:fillClrLst>
-    <dgm:linClrLst meth="repeat">
-      <a:schemeClr val="lt1"/>
-    </dgm:linClrLst>
-    <dgm:effectClrLst/>
-    <dgm:txLinClrLst/>
-    <dgm:txFillClrLst/>
-    <dgm:txEffectClrLst/>
-  </dgm:styleLbl>
-  <dgm:styleLbl name="asst1">
-    <dgm:fillClrLst meth="repeat">
-      <a:schemeClr val="accent1"/>
-    </dgm:fillClrLst>
-    <dgm:linClrLst meth="repeat">
-      <a:schemeClr val="lt1"/>
-    </dgm:linClrLst>
-    <dgm:effectClrLst/>
-    <dgm:txLinClrLst/>
-    <dgm:txFillClrLst/>
-    <dgm:txEffectClrLst/>
-  </dgm:styleLbl>
-  <dgm:styleLbl name="asst2">
-    <dgm:fillClrLst meth="repeat">
-      <a:schemeClr val="accent1"/>
-    </dgm:fillClrLst>
-    <dgm:linClrLst meth="repeat">
-      <a:schemeClr val="lt1"/>
-    </dgm:linClrLst>
-    <dgm:effectClrLst/>
-    <dgm:txLinClrLst/>
-    <dgm:txFillClrLst/>
-    <dgm:txEffectClrLst/>
-  </dgm:styleLbl>
-  <dgm:styleLbl name="asst3">
-    <dgm:fillClrLst meth="repeat">
-      <a:schemeClr val="accent1"/>
-    </dgm:fillClrLst>
-    <dgm:linClrLst meth="repeat">
-      <a:schemeClr val="lt1"/>
-    </dgm:linClrLst>
-    <dgm:effectClrLst/>
-    <dgm:txLinClrLst/>
-    <dgm:txFillClrLst/>
-    <dgm:txEffectClrLst/>
-  </dgm:styleLbl>
-  <dgm:styleLbl name="asst4">
-    <dgm:fillClrLst meth="repeat">
-      <a:schemeClr val="accent1"/>
-    </dgm:fillClrLst>
-    <dgm:linClrLst meth="repeat">
-      <a:schemeClr val="lt1"/>
-    </dgm:linClrLst>
-    <dgm:effectClrLst/>
-    <dgm:txLinClrLst/>
-    <dgm:txFillClrLst/>
-    <dgm:txEffectClrLst/>
-  </dgm:styleLbl>
-  <dgm:styleLbl name="parChTrans2D1">
-    <dgm:fillClrLst meth="repeat">
-      <a:schemeClr val="accent1">
-        <a:tint val="60000"/>
-      </a:schemeClr>
-    </dgm:fillClrLst>
-    <dgm:linClrLst meth="repeat">
-      <a:schemeClr val="accent1">
-        <a:tint val="60000"/>
-      </a:schemeClr>
-    </dgm:linClrLst>
-    <dgm:effectClrLst/>
-    <dgm:txLinClrLst/>
-    <dgm:txFillClrLst meth="repeat">
-      <a:schemeClr val="lt1"/>
-    </dgm:txFillClrLst>
-    <dgm:txEffectClrLst/>
-  </dgm:styleLbl>
-  <dgm:styleLbl name="parChTrans2D2">
-    <dgm:fillClrLst meth="repeat">
-      <a:schemeClr val="accent1"/>
-    </dgm:fillClrLst>
-    <dgm:linClrLst meth="repeat">
-      <a:schemeClr val="accent1"/>
-    </dgm:linClrLst>
-    <dgm:effectClrLst/>
-    <dgm:txLinClrLst/>
-    <dgm:txFillClrLst meth="repeat">
-      <a:schemeClr val="lt1"/>
-    </dgm:txFillClrLst>
-    <dgm:txEffectClrLst/>
-  </dgm:styleLbl>
-  <dgm:styleLbl name="parChTrans2D3">
-    <dgm:fillClrLst meth="repeat">
-      <a:schemeClr val="accent1"/>
-    </dgm:fillClrLst>
-    <dgm:linClrLst meth="repeat">
-      <a:schemeClr val="accent1"/>
-    </dgm:linClrLst>
-    <dgm:effectClrLst/>
-    <dgm:txLinClrLst/>
-    <dgm:txFillClrLst meth="repeat">
-      <a:schemeClr val="lt1"/>
-    </dgm:txFillClrLst>
-    <dgm:txEffectClrLst/>
-  </dgm:styleLbl>
-  <dgm:styleLbl name="parChTrans2D4">
-    <dgm:fillClrLst meth="repeat">
-      <a:schemeClr val="accent1"/>
-    </dgm:fillClrLst>
-    <dgm:linClrLst meth="repeat">
-      <a:schemeClr val="accent1"/>
-    </dgm:linClrLst>
-    <dgm:effectClrLst/>
-    <dgm:txLinClrLst/>
-    <dgm:txFillClrLst meth="repeat">
-      <a:schemeClr val="lt1"/>
-    </dgm:txFillClrLst>
-    <dgm:txEffectClrLst/>
-  </dgm:styleLbl>
-  <dgm:styleLbl name="parChTrans1D1">
-    <dgm:fillClrLst meth="repeat">
-      <a:schemeClr val="accent1"/>
-    </dgm:fillClrLst>
-    <dgm:linClrLst meth="repeat">
-      <a:schemeClr val="accent1">
-        <a:shade val="60000"/>
-      </a:schemeClr>
-    </dgm:linClrLst>
-    <dgm:effectClrLst/>
-    <dgm:txLinClrLst/>
-    <dgm:txFillClrLst meth="repeat">
-      <a:schemeClr val="tx1"/>
-    </dgm:txFillClrLst>
-    <dgm:txEffectClrLst/>
-  </dgm:styleLbl>
-  <dgm:styleLbl name="parChTrans1D2">
-    <dgm:fillClrLst meth="repeat">
-      <a:schemeClr val="accent1"/>
-    </dgm:fillClrLst>
-    <dgm:linClrLst meth="repeat">
-      <a:schemeClr val="accent1">
-        <a:shade val="60000"/>
-      </a:schemeClr>
-    </dgm:linClrLst>
-    <dgm:effectClrLst/>
-    <dgm:txLinClrLst/>
-    <dgm:txFillClrLst meth="repeat">
-      <a:schemeClr val="tx1"/>
-    </dgm:txFillClrLst>
-    <dgm:txEffectClrLst/>
-  </dgm:styleLbl>
-  <dgm:styleLbl name="parChTrans1D3">
-    <dgm:fillClrLst meth="repeat">
-      <a:schemeClr val="accent1"/>
-    </dgm:fillClrLst>
-    <dgm:linClrLst meth="repeat">
-      <a:schemeClr val="accent1">
-        <a:shade val="80000"/>
-      </a:schemeClr>
-    </dgm:linClrLst>
-    <dgm:effectClrLst/>
-    <dgm:txLinClrLst/>
-    <dgm:txFillClrLst meth="repeat">
-      <a:schemeClr val="tx1"/>
-    </dgm:txFillClrLst>
-    <dgm:txEffectClrLst/>
-  </dgm:styleLbl>
-  <dgm:styleLbl name="parChTrans1D4">
-    <dgm:fillClrLst meth="repeat">
-      <a:schemeClr val="accent1"/>
-    </dgm:fillClrLst>
-    <dgm:linClrLst meth="repeat">
-      <a:schemeClr val="accent1">
-        <a:shade val="80000"/>
-      </a:schemeClr>
-    </dgm:linClrLst>
-    <dgm:effectClrLst/>
-    <dgm:txLinClrLst/>
-    <dgm:txFillClrLst meth="repeat">
-      <a:schemeClr val="tx1"/>
-    </dgm:txFillClrLst>
-    <dgm:txEffectClrLst/>
-  </dgm:styleLbl>
-  <dgm:styleLbl name="fgAcc1">
-    <dgm:fillClrLst meth="repeat">
-      <a:schemeClr val="lt1">
-        <a:alpha val="90000"/>
-      </a:schemeClr>
-    </dgm:fillClrLst>
-    <dgm:linClrLst meth="repeat">
-      <a:schemeClr val="accent1"/>
-    </dgm:linClrLst>
-    <dgm:effectClrLst/>
-    <dgm:txLinClrLst/>
-    <dgm:txFillClrLst meth="repeat">
-      <a:schemeClr val="dk1"/>
-    </dgm:txFillClrLst>
-    <dgm:txEffectClrLst/>
-  </dgm:styleLbl>
-  <dgm:styleLbl name="conFgAcc1">
-    <dgm:fillClrLst meth="repeat">
-      <a:schemeClr val="lt1">
-        <a:alpha val="90000"/>
-      </a:schemeClr>
-    </dgm:fillClrLst>
-    <dgm:linClrLst meth="repeat">
-      <a:schemeClr val="accent1"/>
-    </dgm:linClrLst>
-    <dgm:effectClrLst/>
-    <dgm:txLinClrLst/>
-    <dgm:txFillClrLst meth="repeat">
-      <a:schemeClr val="dk1"/>
-    </dgm:txFillClrLst>
-    <dgm:txEffectClrLst/>
-  </dgm:styleLbl>
-  <dgm:styleLbl name="alignAcc1">
-    <dgm:fillClrLst meth="repeat">
-      <a:schemeClr val="lt1">
-        <a:alpha val="90000"/>
-      </a:schemeClr>
-    </dgm:fillClrLst>
-    <dgm:linClrLst meth="repeat">
-      <a:schemeClr val="accent1"/>
-    </dgm:linClrLst>
-    <dgm:effectClrLst/>
-    <dgm:txLinClrLst/>
-    <dgm:txFillClrLst meth="repeat">
-      <a:schemeClr val="dk1"/>
-    </dgm:txFillClrLst>
-    <dgm:txEffectClrLst/>
-  </dgm:styleLbl>
-  <dgm:styleLbl name="trAlignAcc1">
-    <dgm:fillClrLst meth="repeat">
-      <a:schemeClr val="lt1">
-        <a:alpha val="40000"/>
-      </a:schemeClr>
-    </dgm:fillClrLst>
-    <dgm:linClrLst meth="repeat">
-      <a:schemeClr val="accent1"/>
-    </dgm:linClrLst>
-    <dgm:effectClrLst/>
-    <dgm:txLinClrLst/>
-    <dgm:txFillClrLst meth="repeat">
-      <a:schemeClr val="dk1"/>
-    </dgm:txFillClrLst>
-    <dgm:txEffectClrLst/>
-  </dgm:styleLbl>
-  <dgm:styleLbl name="bgAcc1">
-    <dgm:fillClrLst meth="repeat">
-      <a:schemeClr val="lt1">
-        <a:alpha val="90000"/>
-      </a:schemeClr>
-    </dgm:fillClrLst>
-    <dgm:linClrLst meth="repeat">
-      <a:schemeClr val="accent1"/>
-    </dgm:linClrLst>
-    <dgm:effectClrLst/>
-    <dgm:txLinClrLst/>
-    <dgm:txFillClrLst meth="repeat">
-      <a:schemeClr val="dk1"/>
-    </dgm:txFillClrLst>
-    <dgm:txEffectClrLst/>
-  </dgm:styleLbl>
-  <dgm:styleLbl name="solidFgAcc1">
-    <dgm:fillClrLst meth="repeat">
-      <a:schemeClr val="lt1"/>
-    </dgm:fillClrLst>
-    <dgm:linClrLst meth="repeat">
-      <a:schemeClr val="accent1"/>
-    </dgm:linClrLst>
-    <dgm:effectClrLst/>
-    <dgm:txLinClrLst/>
-    <dgm:txFillClrLst meth="repeat">
-      <a:schemeClr val="dk1"/>
-    </dgm:txFillClrLst>
-    <dgm:txEffectClrLst/>
-  </dgm:styleLbl>
-  <dgm:styleLbl name="solidAlignAcc1">
-    <dgm:fillClrLst meth="repeat">
-      <a:schemeClr val="lt1"/>
-    </dgm:fillClrLst>
-    <dgm:linClrLst meth="repeat">
-      <a:schemeClr val="accent1"/>
-    </dgm:linClrLst>
-    <dgm:effectClrLst/>
-    <dgm:txLinClrLst/>
-    <dgm:txFillClrLst meth="repeat">
-      <a:schemeClr val="dk1"/>
-    </dgm:txFillClrLst>
-    <dgm:txEffectClrLst/>
-  </dgm:styleLbl>
-  <dgm:styleLbl name="solidBgAcc1">
-    <dgm:fillClrLst meth="repeat">
-      <a:schemeClr val="lt1"/>
-    </dgm:fillClrLst>
-    <dgm:linClrLst meth="repeat">
-      <a:schemeClr val="accent1"/>
-    </dgm:linClrLst>
-    <dgm:effectClrLst/>
-    <dgm:txLinClrLst/>
-    <dgm:txFillClrLst meth="repeat">
-      <a:schemeClr val="dk1"/>
-    </dgm:txFillClrLst>
-    <dgm:txEffectClrLst/>
-  </dgm:styleLbl>
-  <dgm:styleLbl name="fgAccFollowNode1">
-    <dgm:fillClrLst meth="repeat">
-      <a:schemeClr val="accent1">
-        <a:alpha val="90000"/>
-        <a:tint val="40000"/>
-      </a:schemeClr>
-    </dgm:fillClrLst>
-    <dgm:linClrLst meth="repeat">
-      <a:schemeClr val="accent1">
-        <a:alpha val="90000"/>
-        <a:tint val="40000"/>
-      </a:schemeClr>
-    </dgm:linClrLst>
-    <dgm:effectClrLst/>
-    <dgm:txLinClrLst/>
-    <dgm:txFillClrLst meth="repeat">
-      <a:schemeClr val="dk1"/>
-    </dgm:txFillClrLst>
-    <dgm:txEffectClrLst/>
-  </dgm:styleLbl>
-  <dgm:styleLbl name="alignAccFollowNode1">
-    <dgm:fillClrLst meth="repeat">
-      <a:schemeClr val="accent1">
-        <a:alpha val="90000"/>
-        <a:tint val="40000"/>
-      </a:schemeClr>
-    </dgm:fillClrLst>
-    <dgm:linClrLst meth="repeat">
-      <a:schemeClr val="accent1">
-        <a:alpha val="90000"/>
-        <a:tint val="40000"/>
-      </a:schemeClr>
-    </dgm:linClrLst>
-    <dgm:effectClrLst/>
-    <dgm:txLinClrLst/>
-    <dgm:txFillClrLst meth="repeat">
-      <a:schemeClr val="dk1"/>
-    </dgm:txFillClrLst>
-    <dgm:txEffectClrLst/>
-  </dgm:styleLbl>
-  <dgm:styleLbl name="bgAccFollowNode1">
-    <dgm:fillClrLst meth="repeat">
-      <a:schemeClr val="accent1">
-        <a:alpha val="90000"/>
-        <a:tint val="40000"/>
-      </a:schemeClr>
-    </dgm:fillClrLst>
-    <dgm:linClrLst meth="repeat">
-      <a:schemeClr val="accent1">
-        <a:alpha val="90000"/>
-        <a:tint val="40000"/>
-      </a:schemeClr>
-    </dgm:linClrLst>
-    <dgm:effectClrLst/>
-    <dgm:txLinClrLst/>
-    <dgm:txFillClrLst meth="repeat">
-      <a:schemeClr val="dk1"/>
-    </dgm:txFillClrLst>
-    <dgm:txEffectClrLst/>
-  </dgm:styleLbl>
-  <dgm:styleLbl name="fgAcc0">
-    <dgm:fillClrLst meth="repeat">
-      <a:schemeClr val="lt1">
-        <a:alpha val="90000"/>
-      </a:schemeClr>
-    </dgm:fillClrLst>
-    <dgm:linClrLst meth="repeat">
-      <a:schemeClr val="accent1"/>
-    </dgm:linClrLst>
-    <dgm:effectClrLst/>
-    <dgm:txLinClrLst/>
-    <dgm:txFillClrLst meth="repeat">
-      <a:schemeClr val="dk1"/>
-    </dgm:txFillClrLst>
-    <dgm:txEffectClrLst/>
-  </dgm:styleLbl>
-  <dgm:styleLbl name="fgAcc2">
-    <dgm:fillClrLst meth="repeat">
-      <a:schemeClr val="lt1">
-        <a:alpha val="90000"/>
-      </a:schemeClr>
-    </dgm:fillClrLst>
-    <dgm:linClrLst meth="repeat">
-      <a:schemeClr val="accent1"/>
-    </dgm:linClrLst>
-    <dgm:effectClrLst/>
-    <dgm:txLinClrLst/>
-    <dgm:txFillClrLst meth="repeat">
-      <a:schemeClr val="dk1"/>
-    </dgm:txFillClrLst>
-    <dgm:txEffectClrLst/>
-  </dgm:styleLbl>
-  <dgm:styleLbl name="fgAcc3">
-    <dgm:fillClrLst meth="repeat">
-      <a:schemeClr val="lt1">
-        <a:alpha val="90000"/>
-      </a:schemeClr>
-    </dgm:fillClrLst>
-    <dgm:linClrLst meth="repeat">
-      <a:schemeClr val="accent1"/>
-    </dgm:linClrLst>
-    <dgm:effectClrLst/>
-    <dgm:txLinClrLst/>
-    <dgm:txFillClrLst meth="repeat">
-      <a:schemeClr val="dk1"/>
-    </dgm:txFillClrLst>
-    <dgm:txEffectClrLst/>
-  </dgm:styleLbl>
-  <dgm:styleLbl name="fgAcc4">
-    <dgm:fillClrLst meth="repeat">
-      <a:schemeClr val="lt1">
-        <a:alpha val="90000"/>
-      </a:schemeClr>
-    </dgm:fillClrLst>
-    <dgm:linClrLst meth="repeat">
-      <a:schemeClr val="accent1"/>
-    </dgm:linClrLst>
-    <dgm:effectClrLst/>
-    <dgm:txLinClrLst/>
-    <dgm:txFillClrLst meth="repeat">
-      <a:schemeClr val="dk1"/>
-    </dgm:txFillClrLst>
-    <dgm:txEffectClrLst/>
-  </dgm:styleLbl>
-  <dgm:styleLbl name="bgShp">
-    <dgm:fillClrLst meth="repeat">
-      <a:schemeClr val="accent1">
-        <a:tint val="40000"/>
-      </a:schemeClr>
-    </dgm:fillClrLst>
-    <dgm:linClrLst meth="repeat">
-      <a:schemeClr val="accent1"/>
-    </dgm:linClrLst>
-    <dgm:effectClrLst/>
-    <dgm:txLinClrLst/>
-    <dgm:txFillClrLst meth="repeat">
-      <a:schemeClr val="dk1"/>
-    </dgm:txFillClrLst>
-    <dgm:txEffectClrLst/>
-  </dgm:styleLbl>
-  <dgm:styleLbl name="dkBgShp">
-    <dgm:fillClrLst meth="repeat">
-      <a:schemeClr val="accent1">
-        <a:shade val="80000"/>
-      </a:schemeClr>
-    </dgm:fillClrLst>
-    <dgm:linClrLst meth="repeat">
-      <a:schemeClr val="accent1"/>
-    </dgm:linClrLst>
-    <dgm:effectClrLst/>
-    <dgm:txLinClrLst/>
-    <dgm:txFillClrLst meth="repeat">
-      <a:schemeClr val="lt1"/>
-    </dgm:txFillClrLst>
-    <dgm:txEffectClrLst/>
-  </dgm:styleLbl>
-  <dgm:styleLbl name="trBgShp">
-    <dgm:fillClrLst meth="repeat">
-      <a:schemeClr val="accent1">
-        <a:tint val="50000"/>
-        <a:alpha val="40000"/>
-      </a:schemeClr>
-    </dgm:fillClrLst>
-    <dgm:linClrLst meth="repeat">
-      <a:schemeClr val="accent1"/>
-    </dgm:linClrLst>
-    <dgm:effectClrLst/>
-    <dgm:txLinClrLst/>
-    <dgm:txFillClrLst meth="repeat">
-      <a:schemeClr val="lt1"/>
-    </dgm:txFillClrLst>
-    <dgm:txEffectClrLst/>
-  </dgm:styleLbl>
-  <dgm:styleLbl name="fgShp">
-    <dgm:fillClrLst meth="repeat">
-      <a:schemeClr val="accent1">
-        <a:tint val="60000"/>
-      </a:schemeClr>
-    </dgm:fillClrLst>
-    <dgm:linClrLst meth="repeat">
-      <a:schemeClr val="lt1"/>
-    </dgm:linClrLst>
-    <dgm:effectClrLst/>
-    <dgm:txLinClrLst/>
-    <dgm:txFillClrLst meth="repeat">
-      <a:schemeClr val="dk1"/>
-    </dgm:txFillClrLst>
-    <dgm:txEffectClrLst/>
-  </dgm:styleLbl>
-  <dgm:styleLbl name="revTx">
-    <dgm:fillClrLst meth="repeat">
-      <a:schemeClr val="lt1">
-        <a:alpha val="0"/>
-      </a:schemeClr>
-    </dgm:fillClrLst>
-    <dgm:linClrLst meth="repeat">
-      <a:schemeClr val="dk1">
-        <a:alpha val="0"/>
-      </a:schemeClr>
-    </dgm:linClrLst>
-    <dgm:effectClrLst/>
-    <dgm:txLinClrLst/>
-    <dgm:txFillClrLst meth="repeat">
-      <a:schemeClr val="tx1"/>
-    </dgm:txFillClrLst>
-    <dgm:txEffectClrLst/>
-  </dgm:styleLbl>
-</dgm:colorsDef>
-</file>
-
-<file path=ppt/diagrams/data1.xml><?xml version="1.0" encoding="utf-8"?>
-<dgm:dataModel xmlns:dgm="http://schemas.openxmlformats.org/drawingml/2006/diagram" xmlns:a="http://schemas.openxmlformats.org/drawingml/2006/main">
-  <dgm:ptLst>
-    <dgm:pt modelId="{FE0AEBAB-157D-49B8-BDD9-B85B02B1CB9F}" type="doc">
-      <dgm:prSet loTypeId="urn:microsoft.com/office/officeart/2005/8/layout/process1" loCatId="process" qsTypeId="urn:microsoft.com/office/officeart/2005/8/quickstyle/simple1" qsCatId="simple" csTypeId="urn:microsoft.com/office/officeart/2005/8/colors/accent1_2" csCatId="accent1" phldr="1"/>
-      <dgm:spPr/>
-    </dgm:pt>
-    <dgm:pt modelId="{E56FABC8-672E-4233-B215-ABAE75FEF7EA}">
-      <dgm:prSet phldrT="[文字]" custT="1"/>
-      <dgm:spPr/>
-      <dgm:t>
-        <a:bodyPr/>
-        <a:lstStyle/>
-        <a:p>
-          <a:r>
-            <a:rPr lang="en-US" altLang="zh-TW" sz="2400" dirty="0">
-              <a:solidFill>
-                <a:schemeClr val="tx1"/>
-              </a:solidFill>
-            </a:rPr>
-            <a:t>input</a:t>
-          </a:r>
-          <a:endParaRPr lang="zh-TW" altLang="en-US" sz="2400" dirty="0">
-            <a:solidFill>
-              <a:schemeClr val="tx1"/>
-            </a:solidFill>
-          </a:endParaRPr>
-        </a:p>
-      </dgm:t>
-    </dgm:pt>
-    <dgm:pt modelId="{7CF97553-7C08-4358-9E8E-8839F53A113B}" type="parTrans" cxnId="{D54C8F48-6582-477B-9569-E3C1926B7BE9}">
-      <dgm:prSet/>
-      <dgm:spPr/>
-      <dgm:t>
-        <a:bodyPr/>
-        <a:lstStyle/>
-        <a:p>
-          <a:endParaRPr lang="zh-TW" altLang="en-US"/>
-        </a:p>
-      </dgm:t>
-    </dgm:pt>
-    <dgm:pt modelId="{F933AB5A-A0F4-43C7-9CF6-E0365626FEE4}" type="sibTrans" cxnId="{D54C8F48-6582-477B-9569-E3C1926B7BE9}">
-      <dgm:prSet/>
-      <dgm:spPr/>
-      <dgm:t>
-        <a:bodyPr/>
-        <a:lstStyle/>
-        <a:p>
-          <a:endParaRPr lang="zh-TW" altLang="en-US"/>
-        </a:p>
-      </dgm:t>
-    </dgm:pt>
-    <dgm:pt modelId="{FDA899DB-D67D-45D8-97D2-6B9CF2010098}">
-      <dgm:prSet phldrT="[文字]" custT="1"/>
-      <dgm:spPr/>
-      <dgm:t>
-        <a:bodyPr/>
-        <a:lstStyle/>
-        <a:p>
-          <a:r>
-            <a:rPr lang="en-US" altLang="zh-TW" sz="2000" dirty="0">
-              <a:solidFill>
-                <a:schemeClr val="tx1"/>
-              </a:solidFill>
-            </a:rPr>
-            <a:t>Word2vec</a:t>
-          </a:r>
-          <a:endParaRPr lang="zh-TW" altLang="en-US" sz="2000" dirty="0">
-            <a:solidFill>
-              <a:schemeClr val="tx1"/>
-            </a:solidFill>
-          </a:endParaRPr>
-        </a:p>
-      </dgm:t>
-    </dgm:pt>
-    <dgm:pt modelId="{C206BD7F-6328-4C82-852A-664DA15E01B7}" type="parTrans" cxnId="{BA8E71D3-CA16-4209-A8B1-B19000FD96B1}">
-      <dgm:prSet/>
-      <dgm:spPr/>
-      <dgm:t>
-        <a:bodyPr/>
-        <a:lstStyle/>
-        <a:p>
-          <a:endParaRPr lang="zh-TW" altLang="en-US"/>
-        </a:p>
-      </dgm:t>
-    </dgm:pt>
-    <dgm:pt modelId="{7F258AD3-83A6-4495-B396-9865A472019C}" type="sibTrans" cxnId="{BA8E71D3-CA16-4209-A8B1-B19000FD96B1}">
-      <dgm:prSet/>
-      <dgm:spPr/>
-      <dgm:t>
-        <a:bodyPr/>
-        <a:lstStyle/>
-        <a:p>
-          <a:endParaRPr lang="zh-TW" altLang="en-US"/>
-        </a:p>
-      </dgm:t>
-    </dgm:pt>
-    <dgm:pt modelId="{04327BB7-1220-472C-B9CD-246EC1101C20}">
-      <dgm:prSet phldrT="[文字]" custT="1"/>
-      <dgm:spPr/>
-      <dgm:t>
-        <a:bodyPr/>
-        <a:lstStyle/>
-        <a:p>
-          <a:pPr marL="0" lvl="0" indent="0" algn="ctr" defTabSz="1066800">
-            <a:lnSpc>
-              <a:spcPct val="90000"/>
-            </a:lnSpc>
-            <a:spcBef>
-              <a:spcPct val="0"/>
-            </a:spcBef>
-            <a:spcAft>
-              <a:spcPct val="35000"/>
-            </a:spcAft>
-            <a:buNone/>
-          </a:pPr>
-          <a:r>
-            <a:rPr lang="en-US" altLang="zh-TW" sz="2400" kern="1200" dirty="0">
-              <a:solidFill>
-                <a:srgbClr val="000000"/>
-              </a:solidFill>
-              <a:latin typeface="Arial"/>
-              <a:ea typeface="新細明體" panose="02020500000000000000" pitchFamily="18" charset="-120"/>
-              <a:cs typeface="+mn-cs"/>
-            </a:rPr>
-            <a:t>output</a:t>
-          </a:r>
-        </a:p>
-      </dgm:t>
-    </dgm:pt>
-    <dgm:pt modelId="{E4329DB3-D85E-4232-B38B-8087B9643B5B}" type="parTrans" cxnId="{33870593-DF58-4A8F-B06C-51C39FE67553}">
-      <dgm:prSet/>
-      <dgm:spPr/>
-      <dgm:t>
-        <a:bodyPr/>
-        <a:lstStyle/>
-        <a:p>
-          <a:endParaRPr lang="zh-TW" altLang="en-US"/>
-        </a:p>
-      </dgm:t>
-    </dgm:pt>
-    <dgm:pt modelId="{715D3B32-F293-44B7-85AB-723C03FEBA18}" type="sibTrans" cxnId="{33870593-DF58-4A8F-B06C-51C39FE67553}">
-      <dgm:prSet/>
-      <dgm:spPr/>
-      <dgm:t>
-        <a:bodyPr/>
-        <a:lstStyle/>
-        <a:p>
-          <a:endParaRPr lang="zh-TW" altLang="en-US"/>
-        </a:p>
-      </dgm:t>
-    </dgm:pt>
-    <dgm:pt modelId="{E7A87EF5-012F-4AEF-857B-36FAD6B8F9BF}" type="pres">
-      <dgm:prSet presAssocID="{FE0AEBAB-157D-49B8-BDD9-B85B02B1CB9F}" presName="Name0" presStyleCnt="0">
-        <dgm:presLayoutVars>
-          <dgm:dir/>
-          <dgm:resizeHandles val="exact"/>
-        </dgm:presLayoutVars>
-      </dgm:prSet>
-      <dgm:spPr/>
-    </dgm:pt>
-    <dgm:pt modelId="{7E81F4B9-7CC8-45B1-B370-F661319AC276}" type="pres">
-      <dgm:prSet presAssocID="{E56FABC8-672E-4233-B215-ABAE75FEF7EA}" presName="node" presStyleLbl="node1" presStyleIdx="0" presStyleCnt="3">
-        <dgm:presLayoutVars>
-          <dgm:bulletEnabled val="1"/>
-        </dgm:presLayoutVars>
-      </dgm:prSet>
-      <dgm:spPr/>
-    </dgm:pt>
-    <dgm:pt modelId="{79E57D71-007A-4585-AAEB-C0027172755C}" type="pres">
-      <dgm:prSet presAssocID="{F933AB5A-A0F4-43C7-9CF6-E0365626FEE4}" presName="sibTrans" presStyleLbl="sibTrans2D1" presStyleIdx="0" presStyleCnt="2"/>
-      <dgm:spPr/>
-    </dgm:pt>
-    <dgm:pt modelId="{2E27136D-FF4F-40DD-98A5-5640713FFDC6}" type="pres">
-      <dgm:prSet presAssocID="{F933AB5A-A0F4-43C7-9CF6-E0365626FEE4}" presName="connectorText" presStyleLbl="sibTrans2D1" presStyleIdx="0" presStyleCnt="2"/>
-      <dgm:spPr/>
-    </dgm:pt>
-    <dgm:pt modelId="{3F1E7577-066F-4045-9DA2-D0110CAD179D}" type="pres">
-      <dgm:prSet presAssocID="{FDA899DB-D67D-45D8-97D2-6B9CF2010098}" presName="node" presStyleLbl="node1" presStyleIdx="1" presStyleCnt="3">
-        <dgm:presLayoutVars>
-          <dgm:bulletEnabled val="1"/>
-        </dgm:presLayoutVars>
-      </dgm:prSet>
-      <dgm:spPr/>
-    </dgm:pt>
-    <dgm:pt modelId="{A4D250AB-5B8A-4375-9D90-D91FF2679105}" type="pres">
-      <dgm:prSet presAssocID="{7F258AD3-83A6-4495-B396-9865A472019C}" presName="sibTrans" presStyleLbl="sibTrans2D1" presStyleIdx="1" presStyleCnt="2"/>
-      <dgm:spPr/>
-    </dgm:pt>
-    <dgm:pt modelId="{8BB09538-C43E-46A0-9CA4-531AC9E22529}" type="pres">
-      <dgm:prSet presAssocID="{7F258AD3-83A6-4495-B396-9865A472019C}" presName="connectorText" presStyleLbl="sibTrans2D1" presStyleIdx="1" presStyleCnt="2"/>
-      <dgm:spPr/>
-    </dgm:pt>
-    <dgm:pt modelId="{CAB363AF-CC4B-4468-A72B-CEF82CC3AF8C}" type="pres">
-      <dgm:prSet presAssocID="{04327BB7-1220-472C-B9CD-246EC1101C20}" presName="node" presStyleLbl="node1" presStyleIdx="2" presStyleCnt="3">
-        <dgm:presLayoutVars>
-          <dgm:bulletEnabled val="1"/>
-        </dgm:presLayoutVars>
-      </dgm:prSet>
-      <dgm:spPr/>
-    </dgm:pt>
-  </dgm:ptLst>
-  <dgm:cxnLst>
-    <dgm:cxn modelId="{CC908E45-36C0-4455-AA1E-65C06398820A}" type="presOf" srcId="{E56FABC8-672E-4233-B215-ABAE75FEF7EA}" destId="{7E81F4B9-7CC8-45B1-B370-F661319AC276}" srcOrd="0" destOrd="0" presId="urn:microsoft.com/office/officeart/2005/8/layout/process1"/>
-    <dgm:cxn modelId="{CCFF6246-463F-439B-AE74-B564A23EEDE6}" type="presOf" srcId="{F933AB5A-A0F4-43C7-9CF6-E0365626FEE4}" destId="{79E57D71-007A-4585-AAEB-C0027172755C}" srcOrd="0" destOrd="0" presId="urn:microsoft.com/office/officeart/2005/8/layout/process1"/>
-    <dgm:cxn modelId="{D54C8F48-6582-477B-9569-E3C1926B7BE9}" srcId="{FE0AEBAB-157D-49B8-BDD9-B85B02B1CB9F}" destId="{E56FABC8-672E-4233-B215-ABAE75FEF7EA}" srcOrd="0" destOrd="0" parTransId="{7CF97553-7C08-4358-9E8E-8839F53A113B}" sibTransId="{F933AB5A-A0F4-43C7-9CF6-E0365626FEE4}"/>
-    <dgm:cxn modelId="{4D1D3B73-548D-4143-8719-B7BED6527B85}" type="presOf" srcId="{7F258AD3-83A6-4495-B396-9865A472019C}" destId="{8BB09538-C43E-46A0-9CA4-531AC9E22529}" srcOrd="1" destOrd="0" presId="urn:microsoft.com/office/officeart/2005/8/layout/process1"/>
-    <dgm:cxn modelId="{AD187D89-C653-4E6C-B016-1F7F59775D2A}" type="presOf" srcId="{FDA899DB-D67D-45D8-97D2-6B9CF2010098}" destId="{3F1E7577-066F-4045-9DA2-D0110CAD179D}" srcOrd="0" destOrd="0" presId="urn:microsoft.com/office/officeart/2005/8/layout/process1"/>
-    <dgm:cxn modelId="{33870593-DF58-4A8F-B06C-51C39FE67553}" srcId="{FE0AEBAB-157D-49B8-BDD9-B85B02B1CB9F}" destId="{04327BB7-1220-472C-B9CD-246EC1101C20}" srcOrd="2" destOrd="0" parTransId="{E4329DB3-D85E-4232-B38B-8087B9643B5B}" sibTransId="{715D3B32-F293-44B7-85AB-723C03FEBA18}"/>
-    <dgm:cxn modelId="{160EE098-2D02-486C-B2AA-C0E31FC5FF89}" type="presOf" srcId="{F933AB5A-A0F4-43C7-9CF6-E0365626FEE4}" destId="{2E27136D-FF4F-40DD-98A5-5640713FFDC6}" srcOrd="1" destOrd="0" presId="urn:microsoft.com/office/officeart/2005/8/layout/process1"/>
-    <dgm:cxn modelId="{BA8E71D3-CA16-4209-A8B1-B19000FD96B1}" srcId="{FE0AEBAB-157D-49B8-BDD9-B85B02B1CB9F}" destId="{FDA899DB-D67D-45D8-97D2-6B9CF2010098}" srcOrd="1" destOrd="0" parTransId="{C206BD7F-6328-4C82-852A-664DA15E01B7}" sibTransId="{7F258AD3-83A6-4495-B396-9865A472019C}"/>
-    <dgm:cxn modelId="{F5FA4BDC-1DEC-41A1-85EE-B92DC89ED316}" type="presOf" srcId="{7F258AD3-83A6-4495-B396-9865A472019C}" destId="{A4D250AB-5B8A-4375-9D90-D91FF2679105}" srcOrd="0" destOrd="0" presId="urn:microsoft.com/office/officeart/2005/8/layout/process1"/>
-    <dgm:cxn modelId="{75B7FFDC-92DC-48EF-B7D7-A4352E6243D8}" type="presOf" srcId="{04327BB7-1220-472C-B9CD-246EC1101C20}" destId="{CAB363AF-CC4B-4468-A72B-CEF82CC3AF8C}" srcOrd="0" destOrd="0" presId="urn:microsoft.com/office/officeart/2005/8/layout/process1"/>
-    <dgm:cxn modelId="{4080CFE0-5BCB-4461-ACEE-7A5419914162}" type="presOf" srcId="{FE0AEBAB-157D-49B8-BDD9-B85B02B1CB9F}" destId="{E7A87EF5-012F-4AEF-857B-36FAD6B8F9BF}" srcOrd="0" destOrd="0" presId="urn:microsoft.com/office/officeart/2005/8/layout/process1"/>
-    <dgm:cxn modelId="{E9977C88-8EEA-45F6-9670-4384F9ED97CF}" type="presParOf" srcId="{E7A87EF5-012F-4AEF-857B-36FAD6B8F9BF}" destId="{7E81F4B9-7CC8-45B1-B370-F661319AC276}" srcOrd="0" destOrd="0" presId="urn:microsoft.com/office/officeart/2005/8/layout/process1"/>
-    <dgm:cxn modelId="{8BF84253-03CA-4CDF-A3D5-80C4F343C8B9}" type="presParOf" srcId="{E7A87EF5-012F-4AEF-857B-36FAD6B8F9BF}" destId="{79E57D71-007A-4585-AAEB-C0027172755C}" srcOrd="1" destOrd="0" presId="urn:microsoft.com/office/officeart/2005/8/layout/process1"/>
-    <dgm:cxn modelId="{0430CB6C-8CBD-4A60-97C4-406DB87781DA}" type="presParOf" srcId="{79E57D71-007A-4585-AAEB-C0027172755C}" destId="{2E27136D-FF4F-40DD-98A5-5640713FFDC6}" srcOrd="0" destOrd="0" presId="urn:microsoft.com/office/officeart/2005/8/layout/process1"/>
-    <dgm:cxn modelId="{20D5456E-1815-4D61-A352-8E97962B84A7}" type="presParOf" srcId="{E7A87EF5-012F-4AEF-857B-36FAD6B8F9BF}" destId="{3F1E7577-066F-4045-9DA2-D0110CAD179D}" srcOrd="2" destOrd="0" presId="urn:microsoft.com/office/officeart/2005/8/layout/process1"/>
-    <dgm:cxn modelId="{88C15052-5A9E-4A5E-B494-E55EC29E1C9B}" type="presParOf" srcId="{E7A87EF5-012F-4AEF-857B-36FAD6B8F9BF}" destId="{A4D250AB-5B8A-4375-9D90-D91FF2679105}" srcOrd="3" destOrd="0" presId="urn:microsoft.com/office/officeart/2005/8/layout/process1"/>
-    <dgm:cxn modelId="{12056C2C-1B89-40F6-9B6B-840ED7C5E5BB}" type="presParOf" srcId="{A4D250AB-5B8A-4375-9D90-D91FF2679105}" destId="{8BB09538-C43E-46A0-9CA4-531AC9E22529}" srcOrd="0" destOrd="0" presId="urn:microsoft.com/office/officeart/2005/8/layout/process1"/>
-    <dgm:cxn modelId="{F1A48143-5917-4B30-98FB-5F9AC6F5BC36}" type="presParOf" srcId="{E7A87EF5-012F-4AEF-857B-36FAD6B8F9BF}" destId="{CAB363AF-CC4B-4468-A72B-CEF82CC3AF8C}" srcOrd="4" destOrd="0" presId="urn:microsoft.com/office/officeart/2005/8/layout/process1"/>
-  </dgm:cxnLst>
-  <dgm:bg/>
-  <dgm:whole/>
-  <dgm:extLst>
-    <a:ext uri="http://schemas.microsoft.com/office/drawing/2008/diagram">
-      <dsp:dataModelExt xmlns:dsp="http://schemas.microsoft.com/office/drawing/2008/diagram" relId="rId9" minVer="http://schemas.openxmlformats.org/drawingml/2006/diagram"/>
-    </a:ext>
-  </dgm:extLst>
-</dgm:dataModel>
-</file>
-
-<file path=ppt/diagrams/drawing1.xml><?xml version="1.0" encoding="utf-8"?>
-<dsp:drawing xmlns:dgm="http://schemas.openxmlformats.org/drawingml/2006/diagram" xmlns:dsp="http://schemas.microsoft.com/office/drawing/2008/diagram" xmlns:a="http://schemas.openxmlformats.org/drawingml/2006/main">
-  <dsp:spTree>
-    <dsp:nvGrpSpPr>
-      <dsp:cNvPr id="0" name=""/>
-      <dsp:cNvGrpSpPr/>
-    </dsp:nvGrpSpPr>
-    <dsp:grpSpPr/>
-    <dsp:sp modelId="{7E81F4B9-7CC8-45B1-B370-F661319AC276}">
-      <dsp:nvSpPr>
-        <dsp:cNvPr id="0" name=""/>
-        <dsp:cNvSpPr/>
-      </dsp:nvSpPr>
-      <dsp:spPr>
-        <a:xfrm>
-          <a:off x="5357" y="1551582"/>
-          <a:ext cx="1601390" cy="960834"/>
-        </a:xfrm>
-        <a:prstGeom prst="roundRect">
-          <a:avLst>
-            <a:gd name="adj" fmla="val 10000"/>
-          </a:avLst>
-        </a:prstGeom>
-        <a:solidFill>
-          <a:schemeClr val="accent1">
-            <a:hueOff val="0"/>
-            <a:satOff val="0"/>
-            <a:lumOff val="0"/>
-            <a:alphaOff val="0"/>
-          </a:schemeClr>
-        </a:solidFill>
-        <a:ln w="25400" cap="flat" cmpd="sng" algn="ctr">
-          <a:solidFill>
-            <a:schemeClr val="lt1">
-              <a:hueOff val="0"/>
-              <a:satOff val="0"/>
-              <a:lumOff val="0"/>
-              <a:alphaOff val="0"/>
-            </a:schemeClr>
-          </a:solidFill>
-          <a:prstDash val="solid"/>
-        </a:ln>
-        <a:effectLst/>
-      </dsp:spPr>
-      <dsp:style>
-        <a:lnRef idx="2">
-          <a:scrgbClr r="0" g="0" b="0"/>
-        </a:lnRef>
-        <a:fillRef idx="1">
-          <a:scrgbClr r="0" g="0" b="0"/>
-        </a:fillRef>
-        <a:effectRef idx="0">
-          <a:scrgbClr r="0" g="0" b="0"/>
-        </a:effectRef>
-        <a:fontRef idx="minor">
-          <a:schemeClr val="lt1"/>
-        </a:fontRef>
-      </dsp:style>
-      <dsp:txBody>
-        <a:bodyPr spcFirstLastPara="0" vert="horz" wrap="square" lIns="91440" tIns="91440" rIns="91440" bIns="91440" numCol="1" spcCol="1270" anchor="ctr" anchorCtr="0">
-          <a:noAutofit/>
-        </a:bodyPr>
-        <a:lstStyle/>
-        <a:p>
-          <a:pPr marL="0" lvl="0" indent="0" algn="ctr" defTabSz="1066800">
-            <a:lnSpc>
-              <a:spcPct val="90000"/>
-            </a:lnSpc>
-            <a:spcBef>
-              <a:spcPct val="0"/>
-            </a:spcBef>
-            <a:spcAft>
-              <a:spcPct val="35000"/>
-            </a:spcAft>
-            <a:buNone/>
-          </a:pPr>
-          <a:r>
-            <a:rPr lang="en-US" altLang="zh-TW" sz="2400" kern="1200" dirty="0">
-              <a:solidFill>
-                <a:schemeClr val="tx1"/>
-              </a:solidFill>
-            </a:rPr>
-            <a:t>input</a:t>
-          </a:r>
-          <a:endParaRPr lang="zh-TW" altLang="en-US" sz="2400" kern="1200" dirty="0">
-            <a:solidFill>
-              <a:schemeClr val="tx1"/>
-            </a:solidFill>
-          </a:endParaRPr>
-        </a:p>
-      </dsp:txBody>
-      <dsp:txXfrm>
-        <a:off x="33499" y="1579724"/>
-        <a:ext cx="1545106" cy="904550"/>
-      </dsp:txXfrm>
-    </dsp:sp>
-    <dsp:sp modelId="{79E57D71-007A-4585-AAEB-C0027172755C}">
-      <dsp:nvSpPr>
-        <dsp:cNvPr id="0" name=""/>
-        <dsp:cNvSpPr/>
-      </dsp:nvSpPr>
-      <dsp:spPr>
-        <a:xfrm>
-          <a:off x="1766887" y="1833427"/>
-          <a:ext cx="339494" cy="397144"/>
-        </a:xfrm>
-        <a:prstGeom prst="rightArrow">
-          <a:avLst>
-            <a:gd name="adj1" fmla="val 60000"/>
-            <a:gd name="adj2" fmla="val 50000"/>
-          </a:avLst>
-        </a:prstGeom>
-        <a:solidFill>
-          <a:schemeClr val="accent1">
-            <a:tint val="60000"/>
-            <a:hueOff val="0"/>
-            <a:satOff val="0"/>
-            <a:lumOff val="0"/>
-            <a:alphaOff val="0"/>
-          </a:schemeClr>
-        </a:solidFill>
-        <a:ln>
-          <a:noFill/>
-        </a:ln>
-        <a:effectLst/>
-      </dsp:spPr>
-      <dsp:style>
-        <a:lnRef idx="0">
-          <a:scrgbClr r="0" g="0" b="0"/>
-        </a:lnRef>
-        <a:fillRef idx="1">
-          <a:scrgbClr r="0" g="0" b="0"/>
-        </a:fillRef>
-        <a:effectRef idx="0">
-          <a:scrgbClr r="0" g="0" b="0"/>
-        </a:effectRef>
-        <a:fontRef idx="minor">
-          <a:schemeClr val="lt1"/>
-        </a:fontRef>
-      </dsp:style>
-      <dsp:txBody>
-        <a:bodyPr spcFirstLastPara="0" vert="horz" wrap="square" lIns="0" tIns="0" rIns="0" bIns="0" numCol="1" spcCol="1270" anchor="ctr" anchorCtr="0">
-          <a:noAutofit/>
-        </a:bodyPr>
-        <a:lstStyle/>
-        <a:p>
-          <a:pPr marL="0" lvl="0" indent="0" algn="ctr" defTabSz="800100">
-            <a:lnSpc>
-              <a:spcPct val="90000"/>
-            </a:lnSpc>
-            <a:spcBef>
-              <a:spcPct val="0"/>
-            </a:spcBef>
-            <a:spcAft>
-              <a:spcPct val="35000"/>
-            </a:spcAft>
-            <a:buNone/>
-          </a:pPr>
-          <a:endParaRPr lang="zh-TW" altLang="en-US" sz="1800" kern="1200"/>
-        </a:p>
-      </dsp:txBody>
-      <dsp:txXfrm>
-        <a:off x="1766887" y="1912856"/>
-        <a:ext cx="237646" cy="238286"/>
-      </dsp:txXfrm>
-    </dsp:sp>
-    <dsp:sp modelId="{3F1E7577-066F-4045-9DA2-D0110CAD179D}">
-      <dsp:nvSpPr>
-        <dsp:cNvPr id="0" name=""/>
-        <dsp:cNvSpPr/>
-      </dsp:nvSpPr>
-      <dsp:spPr>
-        <a:xfrm>
-          <a:off x="2247304" y="1551582"/>
-          <a:ext cx="1601390" cy="960834"/>
-        </a:xfrm>
-        <a:prstGeom prst="roundRect">
-          <a:avLst>
-            <a:gd name="adj" fmla="val 10000"/>
-          </a:avLst>
-        </a:prstGeom>
-        <a:solidFill>
-          <a:schemeClr val="accent1">
-            <a:hueOff val="0"/>
-            <a:satOff val="0"/>
-            <a:lumOff val="0"/>
-            <a:alphaOff val="0"/>
-          </a:schemeClr>
-        </a:solidFill>
-        <a:ln w="25400" cap="flat" cmpd="sng" algn="ctr">
-          <a:solidFill>
-            <a:schemeClr val="lt1">
-              <a:hueOff val="0"/>
-              <a:satOff val="0"/>
-              <a:lumOff val="0"/>
-              <a:alphaOff val="0"/>
-            </a:schemeClr>
-          </a:solidFill>
-          <a:prstDash val="solid"/>
-        </a:ln>
-        <a:effectLst/>
-      </dsp:spPr>
-      <dsp:style>
-        <a:lnRef idx="2">
-          <a:scrgbClr r="0" g="0" b="0"/>
-        </a:lnRef>
-        <a:fillRef idx="1">
-          <a:scrgbClr r="0" g="0" b="0"/>
-        </a:fillRef>
-        <a:effectRef idx="0">
-          <a:scrgbClr r="0" g="0" b="0"/>
-        </a:effectRef>
-        <a:fontRef idx="minor">
-          <a:schemeClr val="lt1"/>
-        </a:fontRef>
-      </dsp:style>
-      <dsp:txBody>
-        <a:bodyPr spcFirstLastPara="0" vert="horz" wrap="square" lIns="76200" tIns="76200" rIns="76200" bIns="76200" numCol="1" spcCol="1270" anchor="ctr" anchorCtr="0">
-          <a:noAutofit/>
-        </a:bodyPr>
-        <a:lstStyle/>
-        <a:p>
-          <a:pPr marL="0" lvl="0" indent="0" algn="ctr" defTabSz="889000">
-            <a:lnSpc>
-              <a:spcPct val="90000"/>
-            </a:lnSpc>
-            <a:spcBef>
-              <a:spcPct val="0"/>
-            </a:spcBef>
-            <a:spcAft>
-              <a:spcPct val="35000"/>
-            </a:spcAft>
-            <a:buNone/>
-          </a:pPr>
-          <a:r>
-            <a:rPr lang="en-US" altLang="zh-TW" sz="2000" kern="1200" dirty="0">
-              <a:solidFill>
-                <a:schemeClr val="tx1"/>
-              </a:solidFill>
-            </a:rPr>
-            <a:t>Word2vec</a:t>
-          </a:r>
-          <a:endParaRPr lang="zh-TW" altLang="en-US" sz="2000" kern="1200" dirty="0">
-            <a:solidFill>
-              <a:schemeClr val="tx1"/>
-            </a:solidFill>
-          </a:endParaRPr>
-        </a:p>
-      </dsp:txBody>
-      <dsp:txXfrm>
-        <a:off x="2275446" y="1579724"/>
-        <a:ext cx="1545106" cy="904550"/>
-      </dsp:txXfrm>
-    </dsp:sp>
-    <dsp:sp modelId="{A4D250AB-5B8A-4375-9D90-D91FF2679105}">
-      <dsp:nvSpPr>
-        <dsp:cNvPr id="0" name=""/>
-        <dsp:cNvSpPr/>
-      </dsp:nvSpPr>
-      <dsp:spPr>
-        <a:xfrm>
-          <a:off x="4008834" y="1833427"/>
-          <a:ext cx="339494" cy="397144"/>
-        </a:xfrm>
-        <a:prstGeom prst="rightArrow">
-          <a:avLst>
-            <a:gd name="adj1" fmla="val 60000"/>
-            <a:gd name="adj2" fmla="val 50000"/>
-          </a:avLst>
-        </a:prstGeom>
-        <a:solidFill>
-          <a:schemeClr val="accent1">
-            <a:tint val="60000"/>
-            <a:hueOff val="0"/>
-            <a:satOff val="0"/>
-            <a:lumOff val="0"/>
-            <a:alphaOff val="0"/>
-          </a:schemeClr>
-        </a:solidFill>
-        <a:ln>
-          <a:noFill/>
-        </a:ln>
-        <a:effectLst/>
-      </dsp:spPr>
-      <dsp:style>
-        <a:lnRef idx="0">
-          <a:scrgbClr r="0" g="0" b="0"/>
-        </a:lnRef>
-        <a:fillRef idx="1">
-          <a:scrgbClr r="0" g="0" b="0"/>
-        </a:fillRef>
-        <a:effectRef idx="0">
-          <a:scrgbClr r="0" g="0" b="0"/>
-        </a:effectRef>
-        <a:fontRef idx="minor">
-          <a:schemeClr val="lt1"/>
-        </a:fontRef>
-      </dsp:style>
-      <dsp:txBody>
-        <a:bodyPr spcFirstLastPara="0" vert="horz" wrap="square" lIns="0" tIns="0" rIns="0" bIns="0" numCol="1" spcCol="1270" anchor="ctr" anchorCtr="0">
-          <a:noAutofit/>
-        </a:bodyPr>
-        <a:lstStyle/>
-        <a:p>
-          <a:pPr marL="0" lvl="0" indent="0" algn="ctr" defTabSz="800100">
-            <a:lnSpc>
-              <a:spcPct val="90000"/>
-            </a:lnSpc>
-            <a:spcBef>
-              <a:spcPct val="0"/>
-            </a:spcBef>
-            <a:spcAft>
-              <a:spcPct val="35000"/>
-            </a:spcAft>
-            <a:buNone/>
-          </a:pPr>
-          <a:endParaRPr lang="zh-TW" altLang="en-US" sz="1800" kern="1200"/>
-        </a:p>
-      </dsp:txBody>
-      <dsp:txXfrm>
-        <a:off x="4008834" y="1912856"/>
-        <a:ext cx="237646" cy="238286"/>
-      </dsp:txXfrm>
-    </dsp:sp>
-    <dsp:sp modelId="{CAB363AF-CC4B-4468-A72B-CEF82CC3AF8C}">
-      <dsp:nvSpPr>
-        <dsp:cNvPr id="0" name=""/>
-        <dsp:cNvSpPr/>
-      </dsp:nvSpPr>
-      <dsp:spPr>
-        <a:xfrm>
-          <a:off x="4489251" y="1551582"/>
-          <a:ext cx="1601390" cy="960834"/>
-        </a:xfrm>
-        <a:prstGeom prst="roundRect">
-          <a:avLst>
-            <a:gd name="adj" fmla="val 10000"/>
-          </a:avLst>
-        </a:prstGeom>
-        <a:solidFill>
-          <a:schemeClr val="accent1">
-            <a:hueOff val="0"/>
-            <a:satOff val="0"/>
-            <a:lumOff val="0"/>
-            <a:alphaOff val="0"/>
-          </a:schemeClr>
-        </a:solidFill>
-        <a:ln w="25400" cap="flat" cmpd="sng" algn="ctr">
-          <a:solidFill>
-            <a:schemeClr val="lt1">
-              <a:hueOff val="0"/>
-              <a:satOff val="0"/>
-              <a:lumOff val="0"/>
-              <a:alphaOff val="0"/>
-            </a:schemeClr>
-          </a:solidFill>
-          <a:prstDash val="solid"/>
-        </a:ln>
-        <a:effectLst/>
-      </dsp:spPr>
-      <dsp:style>
-        <a:lnRef idx="2">
-          <a:scrgbClr r="0" g="0" b="0"/>
-        </a:lnRef>
-        <a:fillRef idx="1">
-          <a:scrgbClr r="0" g="0" b="0"/>
-        </a:fillRef>
-        <a:effectRef idx="0">
-          <a:scrgbClr r="0" g="0" b="0"/>
-        </a:effectRef>
-        <a:fontRef idx="minor">
-          <a:schemeClr val="lt1"/>
-        </a:fontRef>
-      </dsp:style>
-      <dsp:txBody>
-        <a:bodyPr spcFirstLastPara="0" vert="horz" wrap="square" lIns="91440" tIns="91440" rIns="91440" bIns="91440" numCol="1" spcCol="1270" anchor="ctr" anchorCtr="0">
-          <a:noAutofit/>
-        </a:bodyPr>
-        <a:lstStyle/>
-        <a:p>
-          <a:pPr marL="0" lvl="0" indent="0" algn="ctr" defTabSz="1066800">
-            <a:lnSpc>
-              <a:spcPct val="90000"/>
-            </a:lnSpc>
-            <a:spcBef>
-              <a:spcPct val="0"/>
-            </a:spcBef>
-            <a:spcAft>
-              <a:spcPct val="35000"/>
-            </a:spcAft>
-            <a:buNone/>
-          </a:pPr>
-          <a:r>
-            <a:rPr lang="en-US" altLang="zh-TW" sz="2400" kern="1200" dirty="0">
-              <a:solidFill>
-                <a:srgbClr val="000000"/>
-              </a:solidFill>
-              <a:latin typeface="Arial"/>
-              <a:ea typeface="新細明體" panose="02020500000000000000" pitchFamily="18" charset="-120"/>
-              <a:cs typeface="+mn-cs"/>
-            </a:rPr>
-            <a:t>output</a:t>
-          </a:r>
-        </a:p>
-      </dsp:txBody>
-      <dsp:txXfrm>
-        <a:off x="4517393" y="1579724"/>
-        <a:ext cx="1545106" cy="904550"/>
-      </dsp:txXfrm>
-    </dsp:sp>
-  </dsp:spTree>
-</dsp:drawing>
-</file>
-
-<file path=ppt/diagrams/layout1.xml><?xml version="1.0" encoding="utf-8"?>
-<dgm:layoutDef xmlns:dgm="http://schemas.openxmlformats.org/drawingml/2006/diagram" xmlns:a="http://schemas.openxmlformats.org/drawingml/2006/main" uniqueId="urn:microsoft.com/office/officeart/2005/8/layout/process1">
-  <dgm:title val=""/>
-  <dgm:desc val=""/>
-  <dgm:catLst>
-    <dgm:cat type="process" pri="1000"/>
-    <dgm:cat type="convert" pri="15000"/>
-  </dgm:catLst>
-  <dgm:sampData useDef="1">
-    <dgm:dataModel>
-      <dgm:ptLst/>
-      <dgm:bg/>
-      <dgm:whole/>
-    </dgm:dataModel>
-  </dgm:sampData>
-  <dgm:styleData>
-    <dgm:dataModel>
-      <dgm:ptLst>
-        <dgm:pt modelId="0" type="doc"/>
-        <dgm:pt modelId="1"/>
-        <dgm:pt modelId="2"/>
-      </dgm:ptLst>
-      <dgm:cxnLst>
-        <dgm:cxn modelId="3" srcId="0" destId="1" srcOrd="0" destOrd="0"/>
-        <dgm:cxn modelId="4" srcId="0" destId="2" srcOrd="1" destOrd="0"/>
-      </dgm:cxnLst>
-      <dgm:bg/>
-      <dgm:whole/>
-    </dgm:dataModel>
-  </dgm:styleData>
-  <dgm:clrData>
-    <dgm:dataModel>
-      <dgm:ptLst>
-        <dgm:pt modelId="0" type="doc"/>
-        <dgm:pt modelId="1"/>
-        <dgm:pt modelId="2"/>
-        <dgm:pt modelId="3"/>
-        <dgm:pt modelId="4"/>
-      </dgm:ptLst>
-      <dgm:cxnLst>
-        <dgm:cxn modelId="5" srcId="0" destId="1" srcOrd="0" destOrd="0"/>
-        <dgm:cxn modelId="6" srcId="0" destId="2" srcOrd="1" destOrd="0"/>
-        <dgm:cxn modelId="7" srcId="0" destId="3" srcOrd="2" destOrd="0"/>
-        <dgm:cxn modelId="8" srcId="0" destId="4" srcOrd="3" destOrd="0"/>
-      </dgm:cxnLst>
-      <dgm:bg/>
-      <dgm:whole/>
-    </dgm:dataModel>
-  </dgm:clrData>
-  <dgm:layoutNode name="Name0">
-    <dgm:varLst>
-      <dgm:dir/>
-      <dgm:resizeHandles val="exact"/>
-    </dgm:varLst>
-    <dgm:choose name="Name1">
-      <dgm:if name="Name2" func="var" arg="dir" op="equ" val="norm">
-        <dgm:alg type="lin"/>
-      </dgm:if>
-      <dgm:else name="Name3">
-        <dgm:alg type="lin">
-          <dgm:param type="linDir" val="fromR"/>
-        </dgm:alg>
-      </dgm:else>
-    </dgm:choose>
-    <dgm:shape xmlns:r="http://schemas.openxmlformats.org/officeDocument/2006/relationships" r:blip="">
-      <dgm:adjLst/>
-    </dgm:shape>
-    <dgm:presOf/>
-    <dgm:constrLst>
-      <dgm:constr type="w" for="ch" ptType="node" refType="w"/>
-      <dgm:constr type="h" for="ch" ptType="node" op="equ"/>
-      <dgm:constr type="primFontSz" for="ch" ptType="node" op="equ" val="65"/>
-      <dgm:constr type="w" for="ch" ptType="sibTrans" refType="w" refFor="ch" refPtType="node" op="equ" fact="0.4"/>
-      <dgm:constr type="h" for="ch" ptType="sibTrans" op="equ"/>
-      <dgm:constr type="primFontSz" for="des" forName="connectorText" op="equ" val="55"/>
-      <dgm:constr type="primFontSz" for="des" forName="connectorText" refType="primFontSz" refFor="ch" refPtType="node" op="lte" fact="0.8"/>
-    </dgm:constrLst>
-    <dgm:ruleLst/>
-    <dgm:forEach name="nodesForEach" axis="ch" ptType="node">
-      <dgm:layoutNode name="node">
-        <dgm:varLst>
-          <dgm:bulletEnabled val="1"/>
-        </dgm:varLst>
-        <dgm:alg type="tx"/>
-        <dgm:shape xmlns:r="http://schemas.openxmlformats.org/officeDocument/2006/relationships" type="roundRect" r:blip="">
-          <dgm:adjLst>
-            <dgm:adj idx="1" val="0.1"/>
-          </dgm:adjLst>
-        </dgm:shape>
-        <dgm:presOf axis="desOrSelf" ptType="node"/>
-        <dgm:constrLst>
-          <dgm:constr type="h" refType="w" fact="0.6"/>
-          <dgm:constr type="tMarg" refType="primFontSz" fact="0.3"/>
-          <dgm:constr type="bMarg" refType="primFontSz" fact="0.3"/>
-          <dgm:constr type="lMarg" refType="primFontSz" fact="0.3"/>
-          <dgm:constr type="rMarg" refType="primFontSz" fact="0.3"/>
-        </dgm:constrLst>
-        <dgm:ruleLst>
-          <dgm:rule type="primFontSz" val="18" fact="NaN" max="NaN"/>
-          <dgm:rule type="h" val="NaN" fact="1.5" max="NaN"/>
-          <dgm:rule type="primFontSz" val="5" fact="NaN" max="NaN"/>
-          <dgm:rule type="h" val="INF" fact="NaN" max="NaN"/>
-        </dgm:ruleLst>
-      </dgm:layoutNode>
-      <dgm:forEach name="sibTransForEach" axis="followSib" ptType="sibTrans" cnt="1">
-        <dgm:layoutNode name="sibTrans">
-          <dgm:alg type="conn">
-            <dgm:param type="begPts" val="auto"/>
-            <dgm:param type="endPts" val="auto"/>
-          </dgm:alg>
-          <dgm:shape xmlns:r="http://schemas.openxmlformats.org/officeDocument/2006/relationships" type="conn" r:blip="">
-            <dgm:adjLst/>
-          </dgm:shape>
-          <dgm:presOf axis="self"/>
-          <dgm:constrLst>
-            <dgm:constr type="h" refType="w" fact="0.62"/>
-            <dgm:constr type="connDist"/>
-            <dgm:constr type="begPad" refType="connDist" fact="0.25"/>
-            <dgm:constr type="endPad" refType="connDist" fact="0.22"/>
-          </dgm:constrLst>
-          <dgm:ruleLst/>
-          <dgm:layoutNode name="connectorText">
-            <dgm:alg type="tx">
-              <dgm:param type="autoTxRot" val="grav"/>
-            </dgm:alg>
-            <dgm:shape xmlns:r="http://schemas.openxmlformats.org/officeDocument/2006/relationships" type="conn" r:blip="" hideGeom="1">
-              <dgm:adjLst/>
-            </dgm:shape>
-            <dgm:presOf axis="self"/>
-            <dgm:constrLst>
-              <dgm:constr type="lMarg"/>
-              <dgm:constr type="rMarg"/>
-              <dgm:constr type="tMarg"/>
-              <dgm:constr type="bMarg"/>
-            </dgm:constrLst>
-            <dgm:ruleLst>
-              <dgm:rule type="primFontSz" val="5" fact="NaN" max="NaN"/>
-            </dgm:ruleLst>
-          </dgm:layoutNode>
-        </dgm:layoutNode>
-      </dgm:forEach>
-    </dgm:forEach>
-  </dgm:layoutNode>
-</dgm:layoutDef>
-</file>
-
-<file path=ppt/diagrams/quickStyle1.xml><?xml version="1.0" encoding="utf-8"?>
-<dgm:styleDef xmlns:dgm="http://schemas.openxmlformats.org/drawingml/2006/diagram" xmlns:a="http://schemas.openxmlformats.org/drawingml/2006/main" uniqueId="urn:microsoft.com/office/officeart/2005/8/quickstyle/simple1">
-  <dgm:title val=""/>
-  <dgm:desc val=""/>
-  <dgm:catLst>
-    <dgm:cat type="simple" pri="10100"/>
-  </dgm:catLst>
-  <dgm:scene3d>
-    <a:camera prst="orthographicFront"/>
-    <a:lightRig rig="threePt" dir="t"/>
-  </dgm:scene3d>
-  <dgm:styleLbl name="node0">
-    <dgm:scene3d>
-      <a:camera prst="orthographicFront"/>
-      <a:lightRig rig="threePt" dir="t"/>
-    </dgm:scene3d>
-    <dgm:sp3d/>
-    <dgm:txPr/>
-    <dgm:style>
-      <a:lnRef idx="2">
-        <a:scrgbClr r="0" g="0" b="0"/>
-      </a:lnRef>
-      <a:fillRef idx="1">
-        <a:scrgbClr r="0" g="0" b="0"/>
-      </a:fillRef>
-      <a:effectRef idx="0">
-        <a:scrgbClr r="0" g="0" b="0"/>
-      </a:effectRef>
-      <a:fontRef idx="minor">
-        <a:schemeClr val="lt1"/>
-      </a:fontRef>
-    </dgm:style>
-  </dgm:styleLbl>
-  <dgm:styleLbl name="lnNode1">
-    <dgm:scene3d>
-      <a:camera prst="orthographicFront"/>
-      <a:lightRig rig="threePt" dir="t"/>
-    </dgm:scene3d>
-    <dgm:sp3d/>
-    <dgm:txPr/>
-    <dgm:style>
-      <a:lnRef idx="2">
-        <a:scrgbClr r="0" g="0" b="0"/>
-      </a:lnRef>
-      <a:fillRef idx="1">
-        <a:scrgbClr r="0" g="0" b="0"/>
-      </a:fillRef>
-      <a:effectRef idx="0">
-        <a:scrgbClr r="0" g="0" b="0"/>
-      </a:effectRef>
-      <a:fontRef idx="minor">
-        <a:schemeClr val="lt1"/>
-      </a:fontRef>
-    </dgm:style>
-  </dgm:styleLbl>
-  <dgm:styleLbl name="vennNode1">
-    <dgm:scene3d>
-      <a:camera prst="orthographicFront"/>
-      <a:lightRig rig="threePt" dir="t"/>
-    </dgm:scene3d>
-    <dgm:sp3d/>
-    <dgm:txPr/>
-    <dgm:style>
-      <a:lnRef idx="2">
-        <a:scrgbClr r="0" g="0" b="0"/>
-      </a:lnRef>
-      <a:fillRef idx="1">
-        <a:scrgbClr r="0" g="0" b="0"/>
-      </a:fillRef>
-      <a:effectRef idx="0">
-        <a:scrgbClr r="0" g="0" b="0"/>
-      </a:effectRef>
-      <a:fontRef idx="minor">
-        <a:schemeClr val="tx1"/>
-      </a:fontRef>
-    </dgm:style>
-  </dgm:styleLbl>
-  <dgm:styleLbl name="alignNode1">
-    <dgm:scene3d>
-      <a:camera prst="orthographicFront"/>
-      <a:lightRig rig="threePt" dir="t"/>
-    </dgm:scene3d>
-    <dgm:sp3d/>
-    <dgm:txPr/>
-    <dgm:style>
-      <a:lnRef idx="2">
-        <a:scrgbClr r="0" g="0" b="0"/>
-      </a:lnRef>
-      <a:fillRef idx="1">
-        <a:scrgbClr r="0" g="0" b="0"/>
-      </a:fillRef>
-      <a:effectRef idx="0">
-        <a:scrgbClr r="0" g="0" b="0"/>
-      </a:effectRef>
-      <a:fontRef idx="minor">
-        <a:schemeClr val="lt1"/>
-      </a:fontRef>
-    </dgm:style>
-  </dgm:styleLbl>
-  <dgm:styleLbl name="node1">
-    <dgm:scene3d>
-      <a:camera prst="orthographicFront"/>
-      <a:lightRig rig="threePt" dir="t"/>
-    </dgm:scene3d>
-    <dgm:sp3d/>
-    <dgm:txPr/>
-    <dgm:style>
-      <a:lnRef idx="2">
-        <a:scrgbClr r="0" g="0" b="0"/>
-      </a:lnRef>
-      <a:fillRef idx="1">
-        <a:scrgbClr r="0" g="0" b="0"/>
-      </a:fillRef>
-      <a:effectRef idx="0">
-        <a:scrgbClr r="0" g="0" b="0"/>
-      </a:effectRef>
-      <a:fontRef idx="minor">
-        <a:schemeClr val="lt1"/>
-      </a:fontRef>
-    </dgm:style>
-  </dgm:styleLbl>
-  <dgm:styleLbl name="node2">
-    <dgm:scene3d>
-      <a:camera prst="orthographicFront"/>
-      <a:lightRig rig="threePt" dir="t"/>
-    </dgm:scene3d>
-    <dgm:sp3d/>
-    <dgm:txPr/>
-    <dgm:style>
-      <a:lnRef idx="2">
-        <a:scrgbClr r="0" g="0" b="0"/>
-      </a:lnRef>
-      <a:fillRef idx="1">
-        <a:scrgbClr r="0" g="0" b="0"/>
-      </a:fillRef>
-      <a:effectRef idx="0">
-        <a:scrgbClr r="0" g="0" b="0"/>
-      </a:effectRef>
-      <a:fontRef idx="minor">
-        <a:schemeClr val="lt1"/>
-      </a:fontRef>
-    </dgm:style>
-  </dgm:styleLbl>
-  <dgm:styleLbl name="node3">
-    <dgm:scene3d>
-      <a:camera prst="orthographicFront"/>
-      <a:lightRig rig="threePt" dir="t"/>
-    </dgm:scene3d>
-    <dgm:sp3d/>
-    <dgm:txPr/>
-    <dgm:style>
-      <a:lnRef idx="2">
-        <a:scrgbClr r="0" g="0" b="0"/>
-      </a:lnRef>
-      <a:fillRef idx="1">
-        <a:scrgbClr r="0" g="0" b="0"/>
-      </a:fillRef>
-      <a:effectRef idx="0">
-        <a:scrgbClr r="0" g="0" b="0"/>
-      </a:effectRef>
-      <a:fontRef idx="minor">
-        <a:schemeClr val="lt1"/>
-      </a:fontRef>
-    </dgm:style>
-  </dgm:styleLbl>
-  <dgm:styleLbl name="node4">
-    <dgm:scene3d>
-      <a:camera prst="orthographicFront"/>
-      <a:lightRig rig="threePt" dir="t"/>
-    </dgm:scene3d>
-    <dgm:sp3d/>
-    <dgm:txPr/>
-    <dgm:style>
-      <a:lnRef idx="2">
-        <a:scrgbClr r="0" g="0" b="0"/>
-      </a:lnRef>
-      <a:fillRef idx="1">
-        <a:scrgbClr r="0" g="0" b="0"/>
-      </a:fillRef>
-      <a:effectRef idx="0">
-        <a:scrgbClr r="0" g="0" b="0"/>
-      </a:effectRef>
-      <a:fontRef idx="minor">
-        <a:schemeClr val="lt1"/>
-      </a:fontRef>
-    </dgm:style>
-  </dgm:styleLbl>
-  <dgm:styleLbl name="fgImgPlace1">
-    <dgm:scene3d>
-      <a:camera prst="orthographicFront"/>
-      <a:lightRig rig="threePt" dir="t"/>
-    </dgm:scene3d>
-    <dgm:sp3d/>
-    <dgm:txPr/>
-    <dgm:style>
-      <a:lnRef idx="2">
-        <a:scrgbClr r="0" g="0" b="0"/>
-      </a:lnRef>
-      <a:fillRef idx="1">
-        <a:scrgbClr r="0" g="0" b="0"/>
-      </a:fillRef>
-      <a:effectRef idx="0">
-        <a:scrgbClr r="0" g="0" b="0"/>
-      </a:effectRef>
-      <a:fontRef idx="minor"/>
-    </dgm:style>
-  </dgm:styleLbl>
-  <dgm:styleLbl name="alignImgPlace1">
-    <dgm:scene3d>
-      <a:camera prst="orthographicFront"/>
-      <a:lightRig rig="threePt" dir="t"/>
-    </dgm:scene3d>
-    <dgm:sp3d/>
-    <dgm:txPr/>
-    <dgm:style>
-      <a:lnRef idx="2">
-        <a:scrgbClr r="0" g="0" b="0"/>
-      </a:lnRef>
-      <a:fillRef idx="1">
-        <a:scrgbClr r="0" g="0" b="0"/>
-      </a:fillRef>
-      <a:effectRef idx="0">
-        <a:scrgbClr r="0" g="0" b="0"/>
-      </a:effectRef>
-      <a:fontRef idx="minor"/>
-    </dgm:style>
-  </dgm:styleLbl>
-  <dgm:styleLbl name="bgImgPlace1">
-    <dgm:scene3d>
-      <a:camera prst="orthographicFront"/>
-      <a:lightRig rig="threePt" dir="t"/>
-    </dgm:scene3d>
-    <dgm:sp3d/>
-    <dgm:txPr/>
-    <dgm:style>
-      <a:lnRef idx="2">
-        <a:scrgbClr r="0" g="0" b="0"/>
-      </a:lnRef>
-      <a:fillRef idx="1">
-        <a:scrgbClr r="0" g="0" b="0"/>
-      </a:fillRef>
-      <a:effectRef idx="0">
-        <a:scrgbClr r="0" g="0" b="0"/>
-      </a:effectRef>
-      <a:fontRef idx="minor"/>
-    </dgm:style>
-  </dgm:styleLbl>
-  <dgm:styleLbl name="sibTrans2D1">
-    <dgm:scene3d>
-      <a:camera prst="orthographicFront"/>
-      <a:lightRig rig="threePt" dir="t"/>
-    </dgm:scene3d>
-    <dgm:sp3d/>
-    <dgm:txPr/>
-    <dgm:style>
-      <a:lnRef idx="0">
-        <a:scrgbClr r="0" g="0" b="0"/>
-      </a:lnRef>
-      <a:fillRef idx="1">
-        <a:scrgbClr r="0" g="0" b="0"/>
-      </a:fillRef>
-      <a:effectRef idx="0">
-        <a:scrgbClr r="0" g="0" b="0"/>
-      </a:effectRef>
-      <a:fontRef idx="minor">
-        <a:schemeClr val="lt1"/>
-      </a:fontRef>
-    </dgm:style>
-  </dgm:styleLbl>
-  <dgm:styleLbl name="fgSibTrans2D1">
-    <dgm:scene3d>
-      <a:camera prst="orthographicFront"/>
-      <a:lightRig rig="threePt" dir="t"/>
-    </dgm:scene3d>
-    <dgm:sp3d/>
-    <dgm:txPr/>
-    <dgm:style>
-      <a:lnRef idx="0">
-        <a:scrgbClr r="0" g="0" b="0"/>
-      </a:lnRef>
-      <a:fillRef idx="1">
-        <a:scrgbClr r="0" g="0" b="0"/>
-      </a:fillRef>
-      <a:effectRef idx="0">
-        <a:scrgbClr r="0" g="0" b="0"/>
-      </a:effectRef>
-      <a:fontRef idx="minor">
-        <a:schemeClr val="lt1"/>
-      </a:fontRef>
-    </dgm:style>
-  </dgm:styleLbl>
-  <dgm:styleLbl name="bgSibTrans2D1">
-    <dgm:scene3d>
-      <a:camera prst="orthographicFront"/>
-      <a:lightRig rig="threePt" dir="t"/>
-    </dgm:scene3d>
-    <dgm:sp3d/>
-    <dgm:txPr/>
-    <dgm:style>
-      <a:lnRef idx="0">
-        <a:scrgbClr r="0" g="0" b="0"/>
-      </a:lnRef>
-      <a:fillRef idx="1">
-        <a:scrgbClr r="0" g="0" b="0"/>
-      </a:fillRef>
-      <a:effectRef idx="0">
-        <a:scrgbClr r="0" g="0" b="0"/>
-      </a:effectRef>
-      <a:fontRef idx="minor">
-        <a:schemeClr val="lt1"/>
-      </a:fontRef>
-    </dgm:style>
-  </dgm:styleLbl>
-  <dgm:styleLbl name="sibTrans1D1">
-    <dgm:scene3d>
-      <a:camera prst="orthographicFront"/>
-      <a:lightRig rig="threePt" dir="t"/>
-    </dgm:scene3d>
-    <dgm:sp3d/>
-    <dgm:txPr/>
-    <dgm:style>
-      <a:lnRef idx="1">
-        <a:scrgbClr r="0" g="0" b="0"/>
-      </a:lnRef>
-      <a:fillRef idx="0">
-        <a:scrgbClr r="0" g="0" b="0"/>
-      </a:fillRef>
-      <a:effectRef idx="0">
-        <a:scrgbClr r="0" g="0" b="0"/>
-      </a:effectRef>
-      <a:fontRef idx="minor"/>
-    </dgm:style>
-  </dgm:styleLbl>
-  <dgm:styleLbl name="callout">
-    <dgm:scene3d>
-      <a:camera prst="orthographicFront"/>
-      <a:lightRig rig="threePt" dir="t"/>
-    </dgm:scene3d>
-    <dgm:sp3d/>
-    <dgm:txPr/>
-    <dgm:style>
-      <a:lnRef idx="2">
-        <a:scrgbClr r="0" g="0" b="0"/>
-      </a:lnRef>
-      <a:fillRef idx="1">
-        <a:scrgbClr r="0" g="0" b="0"/>
-      </a:fillRef>
-      <a:effectRef idx="0">
-        <a:scrgbClr r="0" g="0" b="0"/>
-      </a:effectRef>
-      <a:fontRef idx="minor"/>
-    </dgm:style>
-  </dgm:styleLbl>
-  <dgm:styleLbl name="asst0">
-    <dgm:scene3d>
-      <a:camera prst="orthographicFront"/>
-      <a:lightRig rig="threePt" dir="t"/>
-    </dgm:scene3d>
-    <dgm:sp3d/>
-    <dgm:txPr/>
-    <dgm:style>
-      <a:lnRef idx="2">
-        <a:scrgbClr r="0" g="0" b="0"/>
-      </a:lnRef>
-      <a:fillRef idx="1">
-        <a:scrgbClr r="0" g="0" b="0"/>
-      </a:fillRef>
-      <a:effectRef idx="0">
-        <a:scrgbClr r="0" g="0" b="0"/>
-      </a:effectRef>
-      <a:fontRef idx="minor">
-        <a:schemeClr val="lt1"/>
-      </a:fontRef>
-    </dgm:style>
-  </dgm:styleLbl>
-  <dgm:styleLbl name="asst1">
-    <dgm:scene3d>
-      <a:camera prst="orthographicFront"/>
-      <a:lightRig rig="threePt" dir="t"/>
-    </dgm:scene3d>
-    <dgm:sp3d/>
-    <dgm:txPr/>
-    <dgm:style>
-      <a:lnRef idx="2">
-        <a:scrgbClr r="0" g="0" b="0"/>
-      </a:lnRef>
-      <a:fillRef idx="1">
-        <a:scrgbClr r="0" g="0" b="0"/>
-      </a:fillRef>
-      <a:effectRef idx="0">
-        <a:scrgbClr r="0" g="0" b="0"/>
-      </a:effectRef>
-      <a:fontRef idx="minor">
-        <a:schemeClr val="lt1"/>
-      </a:fontRef>
-    </dgm:style>
-  </dgm:styleLbl>
-  <dgm:styleLbl name="asst2">
-    <dgm:scene3d>
-      <a:camera prst="orthographicFront"/>
-      <a:lightRig rig="threePt" dir="t"/>
-    </dgm:scene3d>
-    <dgm:sp3d/>
-    <dgm:txPr/>
-    <dgm:style>
-      <a:lnRef idx="2">
-        <a:scrgbClr r="0" g="0" b="0"/>
-      </a:lnRef>
-      <a:fillRef idx="1">
-        <a:scrgbClr r="0" g="0" b="0"/>
-      </a:fillRef>
-      <a:effectRef idx="0">
-        <a:scrgbClr r="0" g="0" b="0"/>
-      </a:effectRef>
-      <a:fontRef idx="minor">
-        <a:schemeClr val="lt1"/>
-      </a:fontRef>
-    </dgm:style>
-  </dgm:styleLbl>
-  <dgm:styleLbl name="asst3">
-    <dgm:scene3d>
-      <a:camera prst="orthographicFront"/>
-      <a:lightRig rig="threePt" dir="t"/>
-    </dgm:scene3d>
-    <dgm:sp3d/>
-    <dgm:txPr/>
-    <dgm:style>
-      <a:lnRef idx="2">
-        <a:scrgbClr r="0" g="0" b="0"/>
-      </a:lnRef>
-      <a:fillRef idx="1">
-        <a:scrgbClr r="0" g="0" b="0"/>
-      </a:fillRef>
-      <a:effectRef idx="0">
-        <a:scrgbClr r="0" g="0" b="0"/>
-      </a:effectRef>
-      <a:fontRef idx="minor">
-        <a:schemeClr val="lt1"/>
-      </a:fontRef>
-    </dgm:style>
-  </dgm:styleLbl>
-  <dgm:styleLbl name="asst4">
-    <dgm:scene3d>
-      <a:camera prst="orthographicFront"/>
-      <a:lightRig rig="threePt" dir="t"/>
-    </dgm:scene3d>
-    <dgm:sp3d/>
-    <dgm:txPr/>
-    <dgm:style>
-      <a:lnRef idx="2">
-        <a:scrgbClr r="0" g="0" b="0"/>
-      </a:lnRef>
-      <a:fillRef idx="1">
-        <a:scrgbClr r="0" g="0" b="0"/>
-      </a:fillRef>
-      <a:effectRef idx="0">
-        <a:scrgbClr r="0" g="0" b="0"/>
-      </a:effectRef>
-      <a:fontRef idx="minor">
-        <a:schemeClr val="lt1"/>
-      </a:fontRef>
-    </dgm:style>
-  </dgm:styleLbl>
-  <dgm:styleLbl name="parChTrans2D1">
-    <dgm:scene3d>
-      <a:camera prst="orthographicFront"/>
-      <a:lightRig rig="threePt" dir="t"/>
-    </dgm:scene3d>
-    <dgm:sp3d/>
-    <dgm:txPr/>
-    <dgm:style>
-      <a:lnRef idx="2">
-        <a:scrgbClr r="0" g="0" b="0"/>
-      </a:lnRef>
-      <a:fillRef idx="1">
-        <a:scrgbClr r="0" g="0" b="0"/>
-      </a:fillRef>
-      <a:effectRef idx="0">
-        <a:scrgbClr r="0" g="0" b="0"/>
-      </a:effectRef>
-      <a:fontRef idx="minor">
-        <a:schemeClr val="lt1"/>
-      </a:fontRef>
-    </dgm:style>
-  </dgm:styleLbl>
-  <dgm:styleLbl name="parChTrans2D2">
-    <dgm:scene3d>
-      <a:camera prst="orthographicFront"/>
-      <a:lightRig rig="threePt" dir="t"/>
-    </dgm:scene3d>
-    <dgm:sp3d/>
-    <dgm:txPr/>
-    <dgm:style>
-      <a:lnRef idx="2">
-        <a:scrgbClr r="0" g="0" b="0"/>
-      </a:lnRef>
-      <a:fillRef idx="1">
-        <a:scrgbClr r="0" g="0" b="0"/>
-      </a:fillRef>
-      <a:effectRef idx="0">
-        <a:scrgbClr r="0" g="0" b="0"/>
-      </a:effectRef>
-      <a:fontRef idx="minor">
-        <a:schemeClr val="lt1"/>
-      </a:fontRef>
-    </dgm:style>
-  </dgm:styleLbl>
-  <dgm:styleLbl name="parChTrans2D3">
-    <dgm:scene3d>
-      <a:camera prst="orthographicFront"/>
-      <a:lightRig rig="threePt" dir="t"/>
-    </dgm:scene3d>
-    <dgm:sp3d/>
-    <dgm:txPr/>
-    <dgm:style>
-      <a:lnRef idx="2">
-        <a:scrgbClr r="0" g="0" b="0"/>
-      </a:lnRef>
-      <a:fillRef idx="1">
-        <a:scrgbClr r="0" g="0" b="0"/>
-      </a:fillRef>
-      <a:effectRef idx="0">
-        <a:scrgbClr r="0" g="0" b="0"/>
-      </a:effectRef>
-      <a:fontRef idx="minor">
-        <a:schemeClr val="lt1"/>
-      </a:fontRef>
-    </dgm:style>
-  </dgm:styleLbl>
-  <dgm:styleLbl name="parChTrans2D4">
-    <dgm:scene3d>
-      <a:camera prst="orthographicFront"/>
-      <a:lightRig rig="threePt" dir="t"/>
-    </dgm:scene3d>
-    <dgm:sp3d/>
-    <dgm:txPr/>
-    <dgm:style>
-      <a:lnRef idx="2">
-        <a:scrgbClr r="0" g="0" b="0"/>
-      </a:lnRef>
-      <a:fillRef idx="1">
-        <a:scrgbClr r="0" g="0" b="0"/>
-      </a:fillRef>
-      <a:effectRef idx="0">
-        <a:scrgbClr r="0" g="0" b="0"/>
-      </a:effectRef>
-      <a:fontRef idx="minor">
-        <a:schemeClr val="lt1"/>
-      </a:fontRef>
-    </dgm:style>
-  </dgm:styleLbl>
-  <dgm:styleLbl name="parChTrans1D1">
-    <dgm:scene3d>
-      <a:camera prst="orthographicFront"/>
-      <a:lightRig rig="threePt" dir="t"/>
-    </dgm:scene3d>
-    <dgm:sp3d/>
-    <dgm:txPr/>
-    <dgm:style>
-      <a:lnRef idx="2">
-        <a:scrgbClr r="0" g="0" b="0"/>
-      </a:lnRef>
-      <a:fillRef idx="0">
-        <a:scrgbClr r="0" g="0" b="0"/>
-      </a:fillRef>
-      <a:effectRef idx="0">
-        <a:scrgbClr r="0" g="0" b="0"/>
-      </a:effectRef>
-      <a:fontRef idx="minor"/>
-    </dgm:style>
-  </dgm:styleLbl>
-  <dgm:styleLbl name="parChTrans1D2">
-    <dgm:scene3d>
-      <a:camera prst="orthographicFront"/>
-      <a:lightRig rig="threePt" dir="t"/>
-    </dgm:scene3d>
-    <dgm:sp3d/>
-    <dgm:txPr/>
-    <dgm:style>
-      <a:lnRef idx="2">
-        <a:scrgbClr r="0" g="0" b="0"/>
-      </a:lnRef>
-      <a:fillRef idx="0">
-        <a:scrgbClr r="0" g="0" b="0"/>
-      </a:fillRef>
-      <a:effectRef idx="0">
-        <a:scrgbClr r="0" g="0" b="0"/>
-      </a:effectRef>
-      <a:fontRef idx="minor"/>
-    </dgm:style>
-  </dgm:styleLbl>
-  <dgm:styleLbl name="parChTrans1D3">
-    <dgm:scene3d>
-      <a:camera prst="orthographicFront"/>
-      <a:lightRig rig="threePt" dir="t"/>
-    </dgm:scene3d>
-    <dgm:sp3d/>
-    <dgm:txPr/>
-    <dgm:style>
-      <a:lnRef idx="2">
-        <a:scrgbClr r="0" g="0" b="0"/>
-      </a:lnRef>
-      <a:fillRef idx="0">
-        <a:scrgbClr r="0" g="0" b="0"/>
-      </a:fillRef>
-      <a:effectRef idx="0">
-        <a:scrgbClr r="0" g="0" b="0"/>
-      </a:effectRef>
-      <a:fontRef idx="minor"/>
-    </dgm:style>
-  </dgm:styleLbl>
-  <dgm:styleLbl name="parChTrans1D4">
-    <dgm:scene3d>
-      <a:camera prst="orthographicFront"/>
-      <a:lightRig rig="threePt" dir="t"/>
-    </dgm:scene3d>
-    <dgm:sp3d/>
-    <dgm:txPr/>
-    <dgm:style>
-      <a:lnRef idx="2">
-        <a:scrgbClr r="0" g="0" b="0"/>
-      </a:lnRef>
-      <a:fillRef idx="0">
-        <a:scrgbClr r="0" g="0" b="0"/>
-      </a:fillRef>
-      <a:effectRef idx="0">
-        <a:scrgbClr r="0" g="0" b="0"/>
-      </a:effectRef>
-      <a:fontRef idx="minor"/>
-    </dgm:style>
-  </dgm:styleLbl>
-  <dgm:styleLbl name="fgAcc1">
-    <dgm:scene3d>
-      <a:camera prst="orthographicFront"/>
-      <a:lightRig rig="threePt" dir="t"/>
-    </dgm:scene3d>
-    <dgm:sp3d/>
-    <dgm:txPr/>
-    <dgm:style>
-      <a:lnRef idx="2">
-        <a:scrgbClr r="0" g="0" b="0"/>
-      </a:lnRef>
-      <a:fillRef idx="1">
-        <a:scrgbClr r="0" g="0" b="0"/>
-      </a:fillRef>
-      <a:effectRef idx="0">
-        <a:scrgbClr r="0" g="0" b="0"/>
-      </a:effectRef>
-      <a:fontRef idx="minor"/>
-    </dgm:style>
-  </dgm:styleLbl>
-  <dgm:styleLbl name="conFgAcc1">
-    <dgm:scene3d>
-      <a:camera prst="orthographicFront"/>
-      <a:lightRig rig="threePt" dir="t"/>
-    </dgm:scene3d>
-    <dgm:sp3d/>
-    <dgm:txPr/>
-    <dgm:style>
-      <a:lnRef idx="2">
-        <a:scrgbClr r="0" g="0" b="0"/>
-      </a:lnRef>
-      <a:fillRef idx="1">
-        <a:scrgbClr r="0" g="0" b="0"/>
-      </a:fillRef>
-      <a:effectRef idx="0">
-        <a:scrgbClr r="0" g="0" b="0"/>
-      </a:effectRef>
-      <a:fontRef idx="minor"/>
-    </dgm:style>
-  </dgm:styleLbl>
-  <dgm:styleLbl name="alignAcc1">
-    <dgm:scene3d>
-      <a:camera prst="orthographicFront"/>
-      <a:lightRig rig="threePt" dir="t"/>
-    </dgm:scene3d>
-    <dgm:sp3d/>
-    <dgm:txPr/>
-    <dgm:style>
-      <a:lnRef idx="2">
-        <a:scrgbClr r="0" g="0" b="0"/>
-      </a:lnRef>
-      <a:fillRef idx="1">
-        <a:scrgbClr r="0" g="0" b="0"/>
-      </a:fillRef>
-      <a:effectRef idx="0">
-        <a:scrgbClr r="0" g="0" b="0"/>
-      </a:effectRef>
-      <a:fontRef idx="minor"/>
-    </dgm:style>
-  </dgm:styleLbl>
-  <dgm:styleLbl name="trAlignAcc1">
-    <dgm:scene3d>
-      <a:camera prst="orthographicFront"/>
-      <a:lightRig rig="threePt" dir="t"/>
-    </dgm:scene3d>
-    <dgm:sp3d/>
-    <dgm:txPr/>
-    <dgm:style>
-      <a:lnRef idx="1">
-        <a:scrgbClr r="0" g="0" b="0"/>
-      </a:lnRef>
-      <a:fillRef idx="1">
-        <a:scrgbClr r="0" g="0" b="0"/>
-      </a:fillRef>
-      <a:effectRef idx="0">
-        <a:scrgbClr r="0" g="0" b="0"/>
-      </a:effectRef>
-      <a:fontRef idx="minor"/>
-    </dgm:style>
-  </dgm:styleLbl>
-  <dgm:styleLbl name="bgAcc1">
-    <dgm:scene3d>
-      <a:camera prst="orthographicFront"/>
-      <a:lightRig rig="threePt" dir="t"/>
-    </dgm:scene3d>
-    <dgm:sp3d/>
-    <dgm:txPr/>
-    <dgm:style>
-      <a:lnRef idx="2">
-        <a:scrgbClr r="0" g="0" b="0"/>
-      </a:lnRef>
-      <a:fillRef idx="1">
-        <a:scrgbClr r="0" g="0" b="0"/>
-      </a:fillRef>
-      <a:effectRef idx="0">
-        <a:scrgbClr r="0" g="0" b="0"/>
-      </a:effectRef>
-      <a:fontRef idx="minor"/>
-    </dgm:style>
-  </dgm:styleLbl>
-  <dgm:styleLbl name="solidFgAcc1">
-    <dgm:scene3d>
-      <a:camera prst="orthographicFront"/>
-      <a:lightRig rig="threePt" dir="t"/>
-    </dgm:scene3d>
-    <dgm:sp3d/>
-    <dgm:txPr/>
-    <dgm:style>
-      <a:lnRef idx="2">
-        <a:scrgbClr r="0" g="0" b="0"/>
-      </a:lnRef>
-      <a:fillRef idx="1">
-        <a:scrgbClr r="0" g="0" b="0"/>
-      </a:fillRef>
-      <a:effectRef idx="0">
-        <a:scrgbClr r="0" g="0" b="0"/>
-      </a:effectRef>
-      <a:fontRef idx="minor"/>
-    </dgm:style>
-  </dgm:styleLbl>
-  <dgm:styleLbl name="solidAlignAcc1">
-    <dgm:scene3d>
-      <a:camera prst="orthographicFront"/>
-      <a:lightRig rig="threePt" dir="t"/>
-    </dgm:scene3d>
-    <dgm:sp3d/>
-    <dgm:txPr/>
-    <dgm:style>
-      <a:lnRef idx="2">
-        <a:scrgbClr r="0" g="0" b="0"/>
-      </a:lnRef>
-      <a:fillRef idx="1">
-        <a:scrgbClr r="0" g="0" b="0"/>
-      </a:fillRef>
-      <a:effectRef idx="0">
-        <a:scrgbClr r="0" g="0" b="0"/>
-      </a:effectRef>
-      <a:fontRef idx="minor"/>
-    </dgm:style>
-  </dgm:styleLbl>
-  <dgm:styleLbl name="solidBgAcc1">
-    <dgm:scene3d>
-      <a:camera prst="orthographicFront"/>
-      <a:lightRig rig="threePt" dir="t"/>
-    </dgm:scene3d>
-    <dgm:sp3d/>
-    <dgm:txPr/>
-    <dgm:style>
-      <a:lnRef idx="2">
-        <a:scrgbClr r="0" g="0" b="0"/>
-      </a:lnRef>
-      <a:fillRef idx="1">
-        <a:scrgbClr r="0" g="0" b="0"/>
-      </a:fillRef>
-      <a:effectRef idx="0">
-        <a:scrgbClr r="0" g="0" b="0"/>
-      </a:effectRef>
-      <a:fontRef idx="minor"/>
-    </dgm:style>
-  </dgm:styleLbl>
-  <dgm:styleLbl name="fgAccFollowNode1">
-    <dgm:scene3d>
-      <a:camera prst="orthographicFront"/>
-      <a:lightRig rig="threePt" dir="t"/>
-    </dgm:scene3d>
-    <dgm:sp3d/>
-    <dgm:txPr/>
-    <dgm:style>
-      <a:lnRef idx="2">
-        <a:scrgbClr r="0" g="0" b="0"/>
-      </a:lnRef>
-      <a:fillRef idx="1">
-        <a:scrgbClr r="0" g="0" b="0"/>
-      </a:fillRef>
-      <a:effectRef idx="0">
-        <a:scrgbClr r="0" g="0" b="0"/>
-      </a:effectRef>
-      <a:fontRef idx="minor"/>
-    </dgm:style>
-  </dgm:styleLbl>
-  <dgm:styleLbl name="alignAccFollowNode1">
-    <dgm:scene3d>
-      <a:camera prst="orthographicFront"/>
-      <a:lightRig rig="threePt" dir="t"/>
-    </dgm:scene3d>
-    <dgm:sp3d/>
-    <dgm:txPr/>
-    <dgm:style>
-      <a:lnRef idx="2">
-        <a:scrgbClr r="0" g="0" b="0"/>
-      </a:lnRef>
-      <a:fillRef idx="1">
-        <a:scrgbClr r="0" g="0" b="0"/>
-      </a:fillRef>
-      <a:effectRef idx="0">
-        <a:scrgbClr r="0" g="0" b="0"/>
-      </a:effectRef>
-      <a:fontRef idx="minor"/>
-    </dgm:style>
-  </dgm:styleLbl>
-  <dgm:styleLbl name="bgAccFollowNode1">
-    <dgm:scene3d>
-      <a:camera prst="orthographicFront"/>
-      <a:lightRig rig="threePt" dir="t"/>
-    </dgm:scene3d>
-    <dgm:sp3d/>
-    <dgm:txPr/>
-    <dgm:style>
-      <a:lnRef idx="2">
-        <a:scrgbClr r="0" g="0" b="0"/>
-      </a:lnRef>
-      <a:fillRef idx="1">
-        <a:scrgbClr r="0" g="0" b="0"/>
-      </a:fillRef>
-      <a:effectRef idx="0">
-        <a:scrgbClr r="0" g="0" b="0"/>
-      </a:effectRef>
-      <a:fontRef idx="minor"/>
-    </dgm:style>
-  </dgm:styleLbl>
-  <dgm:styleLbl name="fgAcc0">
-    <dgm:scene3d>
-      <a:camera prst="orthographicFront"/>
-      <a:lightRig rig="threePt" dir="t"/>
-    </dgm:scene3d>
-    <dgm:sp3d/>
-    <dgm:txPr/>
-    <dgm:style>
-      <a:lnRef idx="2">
-        <a:scrgbClr r="0" g="0" b="0"/>
-      </a:lnRef>
-      <a:fillRef idx="1">
-        <a:scrgbClr r="0" g="0" b="0"/>
-      </a:fillRef>
-      <a:effectRef idx="0">
-        <a:scrgbClr r="0" g="0" b="0"/>
-      </a:effectRef>
-      <a:fontRef idx="minor"/>
-    </dgm:style>
-  </dgm:styleLbl>
-  <dgm:styleLbl name="fgAcc2">
-    <dgm:scene3d>
-      <a:camera prst="orthographicFront"/>
-      <a:lightRig rig="threePt" dir="t"/>
-    </dgm:scene3d>
-    <dgm:sp3d/>
-    <dgm:txPr/>
-    <dgm:style>
-      <a:lnRef idx="2">
-        <a:scrgbClr r="0" g="0" b="0"/>
-      </a:lnRef>
-      <a:fillRef idx="1">
-        <a:scrgbClr r="0" g="0" b="0"/>
-      </a:fillRef>
-      <a:effectRef idx="0">
-        <a:scrgbClr r="0" g="0" b="0"/>
-      </a:effectRef>
-      <a:fontRef idx="minor"/>
-    </dgm:style>
-  </dgm:styleLbl>
-  <dgm:styleLbl name="fgAcc3">
-    <dgm:scene3d>
-      <a:camera prst="orthographicFront"/>
-      <a:lightRig rig="threePt" dir="t"/>
-    </dgm:scene3d>
-    <dgm:sp3d/>
-    <dgm:txPr/>
-    <dgm:style>
-      <a:lnRef idx="2">
-        <a:scrgbClr r="0" g="0" b="0"/>
-      </a:lnRef>
-      <a:fillRef idx="1">
-        <a:scrgbClr r="0" g="0" b="0"/>
-      </a:fillRef>
-      <a:effectRef idx="0">
-        <a:scrgbClr r="0" g="0" b="0"/>
-      </a:effectRef>
-      <a:fontRef idx="minor"/>
-    </dgm:style>
-  </dgm:styleLbl>
-  <dgm:styleLbl name="fgAcc4">
-    <dgm:scene3d>
-      <a:camera prst="orthographicFront"/>
-      <a:lightRig rig="threePt" dir="t"/>
-    </dgm:scene3d>
-    <dgm:sp3d/>
-    <dgm:txPr/>
-    <dgm:style>
-      <a:lnRef idx="2">
-        <a:scrgbClr r="0" g="0" b="0"/>
-      </a:lnRef>
-      <a:fillRef idx="1">
-        <a:scrgbClr r="0" g="0" b="0"/>
-      </a:fillRef>
-      <a:effectRef idx="0">
-        <a:scrgbClr r="0" g="0" b="0"/>
-      </a:effectRef>
-      <a:fontRef idx="minor"/>
-    </dgm:style>
-  </dgm:styleLbl>
-  <dgm:styleLbl name="bgShp">
-    <dgm:scene3d>
-      <a:camera prst="orthographicFront"/>
-      <a:lightRig rig="threePt" dir="t"/>
-    </dgm:scene3d>
-    <dgm:sp3d/>
-    <dgm:txPr/>
-    <dgm:style>
-      <a:lnRef idx="0">
-        <a:scrgbClr r="0" g="0" b="0"/>
-      </a:lnRef>
-      <a:fillRef idx="1">
-        <a:scrgbClr r="0" g="0" b="0"/>
-      </a:fillRef>
-      <a:effectRef idx="0">
-        <a:scrgbClr r="0" g="0" b="0"/>
-      </a:effectRef>
-      <a:fontRef idx="minor"/>
-    </dgm:style>
-  </dgm:styleLbl>
-  <dgm:styleLbl name="dkBgShp">
-    <dgm:scene3d>
-      <a:camera prst="orthographicFront"/>
-      <a:lightRig rig="threePt" dir="t"/>
-    </dgm:scene3d>
-    <dgm:sp3d/>
-    <dgm:txPr/>
-    <dgm:style>
-      <a:lnRef idx="0">
-        <a:scrgbClr r="0" g="0" b="0"/>
-      </a:lnRef>
-      <a:fillRef idx="1">
-        <a:scrgbClr r="0" g="0" b="0"/>
-      </a:fillRef>
-      <a:effectRef idx="0">
-        <a:scrgbClr r="0" g="0" b="0"/>
-      </a:effectRef>
-      <a:fontRef idx="minor"/>
-    </dgm:style>
-  </dgm:styleLbl>
-  <dgm:styleLbl name="trBgShp">
-    <dgm:scene3d>
-      <a:camera prst="orthographicFront"/>
-      <a:lightRig rig="threePt" dir="t"/>
-    </dgm:scene3d>
-    <dgm:sp3d/>
-    <dgm:txPr/>
-    <dgm:style>
-      <a:lnRef idx="0">
-        <a:scrgbClr r="0" g="0" b="0"/>
-      </a:lnRef>
-      <a:fillRef idx="1">
-        <a:scrgbClr r="0" g="0" b="0"/>
-      </a:fillRef>
-      <a:effectRef idx="0">
-        <a:scrgbClr r="0" g="0" b="0"/>
-      </a:effectRef>
-      <a:fontRef idx="minor"/>
-    </dgm:style>
-  </dgm:styleLbl>
-  <dgm:styleLbl name="fgShp">
-    <dgm:scene3d>
-      <a:camera prst="orthographicFront"/>
-      <a:lightRig rig="threePt" dir="t"/>
-    </dgm:scene3d>
-    <dgm:sp3d/>
-    <dgm:txPr/>
-    <dgm:style>
-      <a:lnRef idx="2">
-        <a:scrgbClr r="0" g="0" b="0"/>
-      </a:lnRef>
-      <a:fillRef idx="1">
-        <a:scrgbClr r="0" g="0" b="0"/>
-      </a:fillRef>
-      <a:effectRef idx="0">
-        <a:scrgbClr r="0" g="0" b="0"/>
-      </a:effectRef>
-      <a:fontRef idx="minor"/>
-    </dgm:style>
-  </dgm:styleLbl>
-  <dgm:styleLbl name="revTx">
-    <dgm:scene3d>
-      <a:camera prst="orthographicFront"/>
-      <a:lightRig rig="threePt" dir="t"/>
-    </dgm:scene3d>
-    <dgm:sp3d/>
-    <dgm:txPr/>
-    <dgm:style>
-      <a:lnRef idx="0">
-        <a:scrgbClr r="0" g="0" b="0"/>
-      </a:lnRef>
-      <a:fillRef idx="0">
-        <a:scrgbClr r="0" g="0" b="0"/>
-      </a:fillRef>
-      <a:effectRef idx="0">
-        <a:scrgbClr r="0" g="0" b="0"/>
-      </a:effectRef>
-      <a:fontRef idx="minor"/>
-    </dgm:style>
-  </dgm:styleLbl>
-</dgm:styleDef>
 </file>
 
 <file path=ppt/notesMasters/notesMaster1.xml><?xml version="1.0" encoding="utf-8"?>
@@ -3951,115 +1378,6 @@
 </file>
 
 <file path=ppt/notesSlides/notesSlide7.xml><?xml version="1.0" encoding="utf-8"?>
-<p:notes xmlns:a="http://schemas.openxmlformats.org/drawingml/2006/main" xmlns:r="http://schemas.openxmlformats.org/officeDocument/2006/relationships" xmlns:p="http://schemas.openxmlformats.org/presentationml/2006/main" showMasterSp="0" showMasterPhAnim="0">
-  <p:cSld>
-    <p:spTree>
-      <p:nvGrpSpPr>
-        <p:cNvPr id="1" name="Shape 3808"/>
-        <p:cNvGrpSpPr/>
-        <p:nvPr/>
-      </p:nvGrpSpPr>
-      <p:grpSpPr>
-        <a:xfrm>
-          <a:off x="0" y="0"/>
-          <a:ext cx="0" cy="0"/>
-          <a:chOff x="0" y="0"/>
-          <a:chExt cx="0" cy="0"/>
-        </a:xfrm>
-      </p:grpSpPr>
-      <p:sp>
-        <p:nvSpPr>
-          <p:cNvPr id="3809" name="Google Shape;3809;g7189723225_0_2338:notes"/>
-          <p:cNvSpPr>
-            <a:spLocks noGrp="1" noRot="1" noChangeAspect="1"/>
-          </p:cNvSpPr>
-          <p:nvPr>
-            <p:ph type="sldImg" idx="2"/>
-          </p:nvPr>
-        </p:nvSpPr>
-        <p:spPr>
-          <a:xfrm>
-            <a:off x="381000" y="685800"/>
-            <a:ext cx="6096000" cy="3429000"/>
-          </a:xfrm>
-          <a:custGeom>
-            <a:avLst/>
-            <a:gdLst/>
-            <a:ahLst/>
-            <a:cxnLst/>
-            <a:rect l="l" t="t" r="r" b="b"/>
-            <a:pathLst>
-              <a:path w="120000" h="120000" extrusionOk="0">
-                <a:moveTo>
-                  <a:pt x="0" y="0"/>
-                </a:moveTo>
-                <a:lnTo>
-                  <a:pt x="120000" y="0"/>
-                </a:lnTo>
-                <a:lnTo>
-                  <a:pt x="120000" y="120000"/>
-                </a:lnTo>
-                <a:lnTo>
-                  <a:pt x="0" y="120000"/>
-                </a:lnTo>
-                <a:close/>
-              </a:path>
-            </a:pathLst>
-          </a:custGeom>
-        </p:spPr>
-      </p:sp>
-      <p:sp>
-        <p:nvSpPr>
-          <p:cNvPr id="3810" name="Google Shape;3810;g7189723225_0_2338:notes"/>
-          <p:cNvSpPr txBox="1">
-            <a:spLocks noGrp="1"/>
-          </p:cNvSpPr>
-          <p:nvPr>
-            <p:ph type="body" idx="1"/>
-          </p:nvPr>
-        </p:nvSpPr>
-        <p:spPr>
-          <a:xfrm>
-            <a:off x="685800" y="4343400"/>
-            <a:ext cx="5486400" cy="4114800"/>
-          </a:xfrm>
-          <a:prstGeom prst="rect">
-            <a:avLst/>
-          </a:prstGeom>
-        </p:spPr>
-        <p:txBody>
-          <a:bodyPr spcFirstLastPara="1" wrap="square" lIns="91425" tIns="91425" rIns="91425" bIns="91425" anchor="t" anchorCtr="0">
-            <a:noAutofit/>
-          </a:bodyPr>
-          <a:lstStyle/>
-          <a:p>
-            <a:pPr marL="0" lvl="0" indent="0" algn="l" rtl="0">
-              <a:spcBef>
-                <a:spcPts val="0"/>
-              </a:spcBef>
-              <a:spcAft>
-                <a:spcPts val="0"/>
-              </a:spcAft>
-              <a:buNone/>
-            </a:pPr>
-            <a:endParaRPr/>
-          </a:p>
-        </p:txBody>
-      </p:sp>
-    </p:spTree>
-    <p:extLst>
-      <p:ext uri="{BB962C8B-B14F-4D97-AF65-F5344CB8AC3E}">
-        <p14:creationId xmlns:p14="http://schemas.microsoft.com/office/powerpoint/2010/main" val="1298622982"/>
-      </p:ext>
-    </p:extLst>
-  </p:cSld>
-  <p:clrMapOvr>
-    <a:masterClrMapping/>
-  </p:clrMapOvr>
-</p:notes>
-</file>
-
-<file path=ppt/notesSlides/notesSlide8.xml><?xml version="1.0" encoding="utf-8"?>
 <p:notes xmlns:a="http://schemas.openxmlformats.org/drawingml/2006/main" xmlns:r="http://schemas.openxmlformats.org/officeDocument/2006/relationships" xmlns:p="http://schemas.openxmlformats.org/presentationml/2006/main" showMasterSp="0" showMasterPhAnim="0">
   <p:cSld>
     <p:spTree>
@@ -23393,537 +20711,6 @@
   <p:cSld>
     <p:spTree>
       <p:nvGrpSpPr>
-        <p:cNvPr id="1" name="Shape 3811"/>
-        <p:cNvGrpSpPr/>
-        <p:nvPr/>
-      </p:nvGrpSpPr>
-      <p:grpSpPr>
-        <a:xfrm>
-          <a:off x="0" y="0"/>
-          <a:ext cx="0" cy="0"/>
-          <a:chOff x="0" y="0"/>
-          <a:chExt cx="0" cy="0"/>
-        </a:xfrm>
-      </p:grpSpPr>
-      <p:sp>
-        <p:nvSpPr>
-          <p:cNvPr id="3812" name="Google Shape;3812;p44"/>
-          <p:cNvSpPr txBox="1">
-            <a:spLocks noGrp="1"/>
-          </p:cNvSpPr>
-          <p:nvPr>
-            <p:ph type="title"/>
-          </p:nvPr>
-        </p:nvSpPr>
-        <p:spPr>
-          <a:xfrm>
-            <a:off x="685050" y="436400"/>
-            <a:ext cx="5327400" cy="531000"/>
-          </a:xfrm>
-          <a:prstGeom prst="rect">
-            <a:avLst/>
-          </a:prstGeom>
-        </p:spPr>
-        <p:txBody>
-          <a:bodyPr spcFirstLastPara="1" wrap="square" lIns="91425" tIns="91425" rIns="91425" bIns="91425" anchor="b" anchorCtr="0">
-            <a:noAutofit/>
-          </a:bodyPr>
-          <a:lstStyle/>
-          <a:p>
-            <a:pPr marL="0" lvl="0" indent="0" algn="l" rtl="0">
-              <a:spcBef>
-                <a:spcPts val="0"/>
-              </a:spcBef>
-              <a:spcAft>
-                <a:spcPts val="0"/>
-              </a:spcAft>
-              <a:buNone/>
-            </a:pPr>
-            <a:r>
-              <a:rPr lang="en-US" sz="3600" dirty="0"/>
-              <a:t>Workflow</a:t>
-            </a:r>
-            <a:endParaRPr sz="3600" dirty="0"/>
-          </a:p>
-        </p:txBody>
-      </p:sp>
-      <p:cxnSp>
-        <p:nvCxnSpPr>
-          <p:cNvPr id="3813" name="Google Shape;3813;p44"/>
-          <p:cNvCxnSpPr/>
-          <p:nvPr/>
-        </p:nvCxnSpPr>
-        <p:spPr>
-          <a:xfrm rot="10800000">
-            <a:off x="-500050" y="967375"/>
-            <a:ext cx="3066600" cy="0"/>
-          </a:xfrm>
-          <a:prstGeom prst="straightConnector1">
-            <a:avLst/>
-          </a:prstGeom>
-          <a:noFill/>
-          <a:ln w="19050" cap="flat" cmpd="sng">
-            <a:solidFill>
-              <a:schemeClr val="accent4"/>
-            </a:solidFill>
-            <a:prstDash val="solid"/>
-            <a:round/>
-            <a:headEnd type="none" w="med" len="med"/>
-            <a:tailEnd type="none" w="med" len="med"/>
-          </a:ln>
-        </p:spPr>
-      </p:cxnSp>
-      <p:grpSp>
-        <p:nvGrpSpPr>
-          <p:cNvPr id="3814" name="Google Shape;3814;p44"/>
-          <p:cNvGrpSpPr/>
-          <p:nvPr/>
-        </p:nvGrpSpPr>
-        <p:grpSpPr>
-          <a:xfrm>
-            <a:off x="950878" y="1843088"/>
-            <a:ext cx="7236619" cy="1573178"/>
-            <a:chOff x="238125" y="351975"/>
-            <a:chExt cx="7143025" cy="5010575"/>
-          </a:xfrm>
-          <a:solidFill>
-            <a:schemeClr val="accent1"/>
-          </a:solidFill>
-        </p:grpSpPr>
-        <p:sp>
-          <p:nvSpPr>
-            <p:cNvPr id="3815" name="Google Shape;3815;p44"/>
-            <p:cNvSpPr/>
-            <p:nvPr/>
-          </p:nvSpPr>
-          <p:spPr>
-            <a:xfrm>
-              <a:off x="238125" y="398550"/>
-              <a:ext cx="7143025" cy="4964000"/>
-            </a:xfrm>
-            <a:custGeom>
-              <a:avLst/>
-              <a:gdLst/>
-              <a:ahLst/>
-              <a:cxnLst/>
-              <a:rect l="l" t="t" r="r" b="b"/>
-              <a:pathLst>
-                <a:path w="285721" h="198560" extrusionOk="0">
-                  <a:moveTo>
-                    <a:pt x="4894" y="1"/>
-                  </a:moveTo>
-                  <a:cubicBezTo>
-                    <a:pt x="2320" y="1"/>
-                    <a:pt x="0" y="2065"/>
-                    <a:pt x="0" y="4901"/>
-                  </a:cubicBezTo>
-                  <a:lnTo>
-                    <a:pt x="0" y="193405"/>
-                  </a:lnTo>
-                  <a:cubicBezTo>
-                    <a:pt x="0" y="196239"/>
-                    <a:pt x="2320" y="198560"/>
-                    <a:pt x="4894" y="198560"/>
-                  </a:cubicBezTo>
-                  <a:lnTo>
-                    <a:pt x="281292" y="198560"/>
-                  </a:lnTo>
-                  <a:cubicBezTo>
-                    <a:pt x="283867" y="198560"/>
-                    <a:pt x="285720" y="196239"/>
-                    <a:pt x="285720" y="193405"/>
-                  </a:cubicBezTo>
-                  <a:lnTo>
-                    <a:pt x="285719" y="4901"/>
-                  </a:lnTo>
-                  <a:cubicBezTo>
-                    <a:pt x="285719" y="2065"/>
-                    <a:pt x="283865" y="1"/>
-                    <a:pt x="281292" y="1"/>
-                  </a:cubicBezTo>
-                  <a:close/>
-                </a:path>
-              </a:pathLst>
-            </a:custGeom>
-            <a:grpFill/>
-            <a:ln>
-              <a:noFill/>
-            </a:ln>
-          </p:spPr>
-          <p:txBody>
-            <a:bodyPr spcFirstLastPara="1" wrap="square" lIns="91425" tIns="91425" rIns="91425" bIns="91425" anchor="ctr" anchorCtr="0">
-              <a:noAutofit/>
-            </a:bodyPr>
-            <a:lstStyle/>
-            <a:p>
-              <a:pPr marL="0" lvl="0" indent="0" algn="l" rtl="0">
-                <a:spcBef>
-                  <a:spcPts val="0"/>
-                </a:spcBef>
-                <a:spcAft>
-                  <a:spcPts val="0"/>
-                </a:spcAft>
-                <a:buNone/>
-              </a:pPr>
-              <a:endParaRPr/>
-            </a:p>
-          </p:txBody>
-        </p:sp>
-        <p:sp>
-          <p:nvSpPr>
-            <p:cNvPr id="3816" name="Google Shape;3816;p44"/>
-            <p:cNvSpPr/>
-            <p:nvPr/>
-          </p:nvSpPr>
-          <p:spPr>
-            <a:xfrm>
-              <a:off x="238125" y="351975"/>
-              <a:ext cx="7143025" cy="522150"/>
-            </a:xfrm>
-            <a:custGeom>
-              <a:avLst/>
-              <a:gdLst/>
-              <a:ahLst/>
-              <a:cxnLst/>
-              <a:rect l="l" t="t" r="r" b="b"/>
-              <a:pathLst>
-                <a:path w="285721" h="20886" extrusionOk="0">
-                  <a:moveTo>
-                    <a:pt x="4894" y="0"/>
-                  </a:moveTo>
-                  <a:cubicBezTo>
-                    <a:pt x="2320" y="0"/>
-                    <a:pt x="0" y="2064"/>
-                    <a:pt x="0" y="4898"/>
-                  </a:cubicBezTo>
-                  <a:lnTo>
-                    <a:pt x="0" y="20886"/>
-                  </a:lnTo>
-                  <a:lnTo>
-                    <a:pt x="285720" y="20886"/>
-                  </a:lnTo>
-                  <a:lnTo>
-                    <a:pt x="285720" y="4898"/>
-                  </a:lnTo>
-                  <a:cubicBezTo>
-                    <a:pt x="285720" y="2064"/>
-                    <a:pt x="283865" y="0"/>
-                    <a:pt x="281292" y="0"/>
-                  </a:cubicBezTo>
-                  <a:close/>
-                </a:path>
-              </a:pathLst>
-            </a:custGeom>
-            <a:grpFill/>
-            <a:ln>
-              <a:noFill/>
-            </a:ln>
-          </p:spPr>
-          <p:txBody>
-            <a:bodyPr spcFirstLastPara="1" wrap="square" lIns="91425" tIns="91425" rIns="91425" bIns="91425" anchor="ctr" anchorCtr="0">
-              <a:noAutofit/>
-            </a:bodyPr>
-            <a:lstStyle/>
-            <a:p>
-              <a:pPr marL="0" lvl="0" indent="0" algn="l" rtl="0">
-                <a:spcBef>
-                  <a:spcPts val="0"/>
-                </a:spcBef>
-                <a:spcAft>
-                  <a:spcPts val="0"/>
-                </a:spcAft>
-                <a:buNone/>
-              </a:pPr>
-              <a:endParaRPr/>
-            </a:p>
-          </p:txBody>
-        </p:sp>
-        <p:sp>
-          <p:nvSpPr>
-            <p:cNvPr id="3817" name="Google Shape;3817;p44"/>
-            <p:cNvSpPr/>
-            <p:nvPr/>
-          </p:nvSpPr>
-          <p:spPr>
-            <a:xfrm>
-              <a:off x="342975" y="461925"/>
-              <a:ext cx="6933250" cy="4784075"/>
-            </a:xfrm>
-            <a:custGeom>
-              <a:avLst/>
-              <a:gdLst/>
-              <a:ahLst/>
-              <a:cxnLst/>
-              <a:rect l="l" t="t" r="r" b="b"/>
-              <a:pathLst>
-                <a:path w="277330" h="191363" extrusionOk="0">
-                  <a:moveTo>
-                    <a:pt x="4751" y="0"/>
-                  </a:moveTo>
-                  <a:cubicBezTo>
-                    <a:pt x="2252" y="0"/>
-                    <a:pt x="1" y="2105"/>
-                    <a:pt x="1" y="4833"/>
-                  </a:cubicBezTo>
-                  <a:lnTo>
-                    <a:pt x="1" y="186284"/>
-                  </a:lnTo>
-                  <a:cubicBezTo>
-                    <a:pt x="1" y="189012"/>
-                    <a:pt x="2252" y="191363"/>
-                    <a:pt x="4751" y="191363"/>
-                  </a:cubicBezTo>
-                  <a:lnTo>
-                    <a:pt x="273033" y="191363"/>
-                  </a:lnTo>
-                  <a:cubicBezTo>
-                    <a:pt x="275530" y="191363"/>
-                    <a:pt x="277330" y="189012"/>
-                    <a:pt x="277330" y="186284"/>
-                  </a:cubicBezTo>
-                  <a:lnTo>
-                    <a:pt x="277330" y="4833"/>
-                  </a:lnTo>
-                  <a:cubicBezTo>
-                    <a:pt x="277330" y="2104"/>
-                    <a:pt x="275530" y="0"/>
-                    <a:pt x="273033" y="0"/>
-                  </a:cubicBezTo>
-                  <a:close/>
-                </a:path>
-              </a:pathLst>
-            </a:custGeom>
-            <a:grpFill/>
-            <a:ln>
-              <a:noFill/>
-            </a:ln>
-          </p:spPr>
-          <p:txBody>
-            <a:bodyPr spcFirstLastPara="1" wrap="square" lIns="91425" tIns="91425" rIns="91425" bIns="91425" anchor="ctr" anchorCtr="0">
-              <a:noAutofit/>
-            </a:bodyPr>
-            <a:lstStyle/>
-            <a:p>
-              <a:pPr marL="0" lvl="0" indent="0" algn="l" rtl="0">
-                <a:spcBef>
-                  <a:spcPts val="0"/>
-                </a:spcBef>
-                <a:spcAft>
-                  <a:spcPts val="0"/>
-                </a:spcAft>
-                <a:buNone/>
-              </a:pPr>
-              <a:endParaRPr/>
-            </a:p>
-          </p:txBody>
-        </p:sp>
-        <p:sp>
-          <p:nvSpPr>
-            <p:cNvPr id="3818" name="Google Shape;3818;p44"/>
-            <p:cNvSpPr/>
-            <p:nvPr/>
-          </p:nvSpPr>
-          <p:spPr>
-            <a:xfrm>
-              <a:off x="327525" y="4547925"/>
-              <a:ext cx="6954250" cy="788275"/>
-            </a:xfrm>
-            <a:custGeom>
-              <a:avLst/>
-              <a:gdLst/>
-              <a:ahLst/>
-              <a:cxnLst/>
-              <a:rect l="l" t="t" r="r" b="b"/>
-              <a:pathLst>
-                <a:path w="278170" h="31531" extrusionOk="0">
-                  <a:moveTo>
-                    <a:pt x="1" y="0"/>
-                  </a:moveTo>
-                  <a:lnTo>
-                    <a:pt x="1" y="31531"/>
-                  </a:lnTo>
-                  <a:lnTo>
-                    <a:pt x="278169" y="31531"/>
-                  </a:lnTo>
-                  <a:lnTo>
-                    <a:pt x="278169" y="0"/>
-                  </a:lnTo>
-                  <a:close/>
-                </a:path>
-              </a:pathLst>
-            </a:custGeom>
-            <a:grpFill/>
-            <a:ln>
-              <a:noFill/>
-            </a:ln>
-          </p:spPr>
-          <p:txBody>
-            <a:bodyPr spcFirstLastPara="1" wrap="square" lIns="91425" tIns="91425" rIns="91425" bIns="91425" anchor="ctr" anchorCtr="0">
-              <a:noAutofit/>
-            </a:bodyPr>
-            <a:lstStyle/>
-            <a:p>
-              <a:pPr marL="0" lvl="0" indent="0" algn="l" rtl="0">
-                <a:spcBef>
-                  <a:spcPts val="0"/>
-                </a:spcBef>
-                <a:spcAft>
-                  <a:spcPts val="0"/>
-                </a:spcAft>
-                <a:buNone/>
-              </a:pPr>
-              <a:endParaRPr/>
-            </a:p>
-          </p:txBody>
-        </p:sp>
-        <p:sp>
-          <p:nvSpPr>
-            <p:cNvPr id="3819" name="Google Shape;3819;p44"/>
-            <p:cNvSpPr/>
-            <p:nvPr/>
-          </p:nvSpPr>
-          <p:spPr>
-            <a:xfrm>
-              <a:off x="552775" y="4672675"/>
-              <a:ext cx="6472425" cy="36100"/>
-            </a:xfrm>
-            <a:custGeom>
-              <a:avLst/>
-              <a:gdLst/>
-              <a:ahLst/>
-              <a:cxnLst/>
-              <a:rect l="l" t="t" r="r" b="b"/>
-              <a:pathLst>
-                <a:path w="258897" h="1444" extrusionOk="0">
-                  <a:moveTo>
-                    <a:pt x="0" y="0"/>
-                  </a:moveTo>
-                  <a:lnTo>
-                    <a:pt x="0" y="1443"/>
-                  </a:lnTo>
-                  <a:lnTo>
-                    <a:pt x="258897" y="1443"/>
-                  </a:lnTo>
-                  <a:lnTo>
-                    <a:pt x="258897" y="0"/>
-                  </a:lnTo>
-                  <a:close/>
-                </a:path>
-              </a:pathLst>
-            </a:custGeom>
-            <a:grpFill/>
-            <a:ln>
-              <a:noFill/>
-            </a:ln>
-          </p:spPr>
-          <p:txBody>
-            <a:bodyPr spcFirstLastPara="1" wrap="square" lIns="91425" tIns="91425" rIns="91425" bIns="91425" anchor="ctr" anchorCtr="0">
-              <a:noAutofit/>
-            </a:bodyPr>
-            <a:lstStyle/>
-            <a:p>
-              <a:pPr marL="0" lvl="0" indent="0" algn="l" rtl="0">
-                <a:spcBef>
-                  <a:spcPts val="0"/>
-                </a:spcBef>
-                <a:spcAft>
-                  <a:spcPts val="0"/>
-                </a:spcAft>
-                <a:buNone/>
-              </a:pPr>
-              <a:endParaRPr/>
-            </a:p>
-          </p:txBody>
-        </p:sp>
-      </p:grpSp>
-      <p:pic>
-        <p:nvPicPr>
-          <p:cNvPr id="5" name="圖片 4">
-            <a:extLst>
-              <a:ext uri="{FF2B5EF4-FFF2-40B4-BE49-F238E27FC236}">
-                <a16:creationId xmlns:a16="http://schemas.microsoft.com/office/drawing/2014/main" id="{E710879D-46D4-4A4B-B540-323507A17F43}"/>
-              </a:ext>
-            </a:extLst>
-          </p:cNvPr>
-          <p:cNvPicPr>
-            <a:picLocks noChangeAspect="1"/>
-          </p:cNvPicPr>
-          <p:nvPr/>
-        </p:nvPicPr>
-        <p:blipFill>
-          <a:blip r:embed="rId3">
-            <a:extLst>
-              <a:ext uri="{BEBA8EAE-BF5A-486C-A8C5-ECC9F3942E4B}">
-                <a14:imgProps xmlns:a14="http://schemas.microsoft.com/office/drawing/2010/main">
-                  <a14:imgLayer r:embed="rId4">
-                    <a14:imgEffect>
-                      <a14:artisticCutout/>
-                    </a14:imgEffect>
-                  </a14:imgLayer>
-                </a14:imgProps>
-              </a:ext>
-            </a:extLst>
-          </a:blip>
-          <a:stretch>
-            <a:fillRect/>
-          </a:stretch>
-        </p:blipFill>
-        <p:spPr>
-          <a:xfrm rot="2233721">
-            <a:off x="2909741" y="145589"/>
-            <a:ext cx="725721" cy="725721"/>
-          </a:xfrm>
-          <a:prstGeom prst="rect">
-            <a:avLst/>
-          </a:prstGeom>
-        </p:spPr>
-      </p:pic>
-      <p:graphicFrame>
-        <p:nvGraphicFramePr>
-          <p:cNvPr id="2" name="資料庫圖表 1">
-            <a:extLst>
-              <a:ext uri="{FF2B5EF4-FFF2-40B4-BE49-F238E27FC236}">
-                <a16:creationId xmlns:a16="http://schemas.microsoft.com/office/drawing/2014/main" id="{F75E0465-75F2-4E6B-9D46-18D7BD230821}"/>
-              </a:ext>
-            </a:extLst>
-          </p:cNvPr>
-          <p:cNvGraphicFramePr/>
-          <p:nvPr>
-            <p:extLst>
-              <p:ext uri="{D42A27DB-BD31-4B8C-83A1-F6EECF244321}">
-                <p14:modId xmlns:p14="http://schemas.microsoft.com/office/powerpoint/2010/main" val="869199730"/>
-              </p:ext>
-            </p:extLst>
-          </p:nvPr>
-        </p:nvGraphicFramePr>
-        <p:xfrm>
-          <a:off x="1524000" y="539750"/>
-          <a:ext cx="6096000" cy="4064000"/>
-        </p:xfrm>
-        <a:graphic>
-          <a:graphicData uri="http://schemas.openxmlformats.org/drawingml/2006/diagram">
-            <dgm:relIds xmlns:dgm="http://schemas.openxmlformats.org/drawingml/2006/diagram" xmlns:r="http://schemas.openxmlformats.org/officeDocument/2006/relationships" r:dm="rId5" r:lo="rId6" r:qs="rId7" r:cs="rId8"/>
-          </a:graphicData>
-        </a:graphic>
-      </p:graphicFrame>
-    </p:spTree>
-    <p:extLst>
-      <p:ext uri="{BB962C8B-B14F-4D97-AF65-F5344CB8AC3E}">
-        <p14:creationId xmlns:p14="http://schemas.microsoft.com/office/powerpoint/2010/main" val="2526416374"/>
-      </p:ext>
-    </p:extLst>
-  </p:cSld>
-  <p:clrMapOvr>
-    <a:masterClrMapping/>
-  </p:clrMapOvr>
-</p:sld>
-</file>
-
-<file path=ppt/slides/slide8.xml><?xml version="1.0" encoding="utf-8"?>
-<p:sld xmlns:a="http://schemas.openxmlformats.org/drawingml/2006/main" xmlns:r="http://schemas.openxmlformats.org/officeDocument/2006/relationships" xmlns:p="http://schemas.openxmlformats.org/presentationml/2006/main">
-  <p:cSld>
-    <p:spTree>
-      <p:nvGrpSpPr>
         <p:cNvPr id="1" name=""/>
         <p:cNvGrpSpPr/>
         <p:nvPr/>
@@ -24077,7 +20864,7 @@
 </p:sld>
 </file>
 
-<file path=ppt/slides/slide9.xml><?xml version="1.0" encoding="utf-8"?>
+<file path=ppt/slides/slide8.xml><?xml version="1.0" encoding="utf-8"?>
 <p:sld xmlns:a="http://schemas.openxmlformats.org/drawingml/2006/main" xmlns:r="http://schemas.openxmlformats.org/officeDocument/2006/relationships" xmlns:p="http://schemas.openxmlformats.org/presentationml/2006/main">
   <p:cSld>
     <p:spTree>
@@ -24444,6 +21231,94 @@
     <p:extLst>
       <p:ext uri="{BB962C8B-B14F-4D97-AF65-F5344CB8AC3E}">
         <p14:creationId xmlns:p14="http://schemas.microsoft.com/office/powerpoint/2010/main" val="2192985479"/>
+      </p:ext>
+    </p:extLst>
+  </p:cSld>
+  <p:clrMapOvr>
+    <a:masterClrMapping/>
+  </p:clrMapOvr>
+</p:sld>
+</file>
+
+<file path=ppt/slides/slide9.xml><?xml version="1.0" encoding="utf-8"?>
+<p:sld xmlns:a="http://schemas.openxmlformats.org/drawingml/2006/main" xmlns:r="http://schemas.openxmlformats.org/officeDocument/2006/relationships" xmlns:p="http://schemas.openxmlformats.org/presentationml/2006/main">
+  <p:cSld>
+    <p:spTree>
+      <p:nvGrpSpPr>
+        <p:cNvPr id="1" name=""/>
+        <p:cNvGrpSpPr/>
+        <p:nvPr/>
+      </p:nvGrpSpPr>
+      <p:grpSpPr>
+        <a:xfrm>
+          <a:off x="0" y="0"/>
+          <a:ext cx="0" cy="0"/>
+          <a:chOff x="0" y="0"/>
+          <a:chExt cx="0" cy="0"/>
+        </a:xfrm>
+      </p:grpSpPr>
+      <p:sp>
+        <p:nvSpPr>
+          <p:cNvPr id="2" name="標題 1">
+            <a:extLst>
+              <a:ext uri="{FF2B5EF4-FFF2-40B4-BE49-F238E27FC236}">
+                <a16:creationId xmlns:a16="http://schemas.microsoft.com/office/drawing/2014/main" id="{50EB7DD9-2A95-4BF9-8EB2-125B2ED0E131}"/>
+              </a:ext>
+            </a:extLst>
+          </p:cNvPr>
+          <p:cNvSpPr>
+            <a:spLocks noGrp="1"/>
+          </p:cNvSpPr>
+          <p:nvPr>
+            <p:ph type="title"/>
+          </p:nvPr>
+        </p:nvSpPr>
+        <p:spPr/>
+        <p:txBody>
+          <a:bodyPr/>
+          <a:lstStyle/>
+          <a:p>
+            <a:r>
+              <a:rPr lang="en-US" altLang="zh-TW" dirty="0"/>
+              <a:t>output</a:t>
+            </a:r>
+            <a:endParaRPr lang="zh-TW" altLang="en-US" dirty="0"/>
+          </a:p>
+        </p:txBody>
+      </p:sp>
+      <p:pic>
+        <p:nvPicPr>
+          <p:cNvPr id="6" name="圖片 5">
+            <a:extLst>
+              <a:ext uri="{FF2B5EF4-FFF2-40B4-BE49-F238E27FC236}">
+                <a16:creationId xmlns:a16="http://schemas.microsoft.com/office/drawing/2014/main" id="{750106CA-1773-4449-8FAA-DAA3109495E7}"/>
+              </a:ext>
+            </a:extLst>
+          </p:cNvPr>
+          <p:cNvPicPr>
+            <a:picLocks noChangeAspect="1"/>
+          </p:cNvPicPr>
+          <p:nvPr/>
+        </p:nvPicPr>
+        <p:blipFill rotWithShape="1">
+          <a:blip r:embed="rId2"/>
+          <a:srcRect r="4462"/>
+          <a:stretch/>
+        </p:blipFill>
+        <p:spPr>
+          <a:xfrm>
+            <a:off x="888275" y="1093035"/>
+            <a:ext cx="7367451" cy="2957430"/>
+          </a:xfrm>
+          <a:prstGeom prst="rect">
+            <a:avLst/>
+          </a:prstGeom>
+        </p:spPr>
+      </p:pic>
+    </p:spTree>
+    <p:extLst>
+      <p:ext uri="{BB962C8B-B14F-4D97-AF65-F5344CB8AC3E}">
+        <p14:creationId xmlns:p14="http://schemas.microsoft.com/office/powerpoint/2010/main" val="1420504000"/>
       </p:ext>
     </p:extLst>
   </p:cSld>

--- a/week14/Project_deadline.pptx
+++ b/week14/Project_deadline.pptx
@@ -5,7 +5,7 @@
     <p:sldMasterId id="2147483673" r:id="rId1"/>
   </p:sldMasterIdLst>
   <p:notesMasterIdLst>
-    <p:notesMasterId r:id="rId16"/>
+    <p:notesMasterId r:id="rId18"/>
   </p:notesMasterIdLst>
   <p:sldIdLst>
     <p:sldId id="256" r:id="rId2"/>
@@ -14,45 +14,47 @@
     <p:sldId id="303" r:id="rId5"/>
     <p:sldId id="274" r:id="rId6"/>
     <p:sldId id="302" r:id="rId7"/>
-    <p:sldId id="309" r:id="rId8"/>
-    <p:sldId id="312" r:id="rId9"/>
-    <p:sldId id="313" r:id="rId10"/>
-    <p:sldId id="304" r:id="rId11"/>
-    <p:sldId id="305" r:id="rId12"/>
-    <p:sldId id="306" r:id="rId13"/>
-    <p:sldId id="307" r:id="rId14"/>
-    <p:sldId id="308" r:id="rId15"/>
+    <p:sldId id="315" r:id="rId8"/>
+    <p:sldId id="309" r:id="rId9"/>
+    <p:sldId id="312" r:id="rId10"/>
+    <p:sldId id="314" r:id="rId11"/>
+    <p:sldId id="313" r:id="rId12"/>
+    <p:sldId id="305" r:id="rId13"/>
+    <p:sldId id="306" r:id="rId14"/>
+    <p:sldId id="307" r:id="rId15"/>
+    <p:sldId id="308" r:id="rId16"/>
+    <p:sldId id="304" r:id="rId17"/>
   </p:sldIdLst>
   <p:sldSz cx="9144000" cy="5143500" type="screen16x9"/>
   <p:notesSz cx="6858000" cy="9144000"/>
   <p:embeddedFontLst>
     <p:embeddedFont>
       <p:font typeface="Advent Pro" panose="02020500000000000000" charset="0"/>
-      <p:regular r:id="rId17"/>
-      <p:bold r:id="rId18"/>
-    </p:embeddedFont>
-    <p:embeddedFont>
-      <p:font typeface="Advent Pro Medium" panose="02020500000000000000" charset="0"/>
       <p:regular r:id="rId19"/>
       <p:bold r:id="rId20"/>
     </p:embeddedFont>
     <p:embeddedFont>
+      <p:font typeface="Advent Pro Medium" panose="02020500000000000000" charset="0"/>
+      <p:regular r:id="rId21"/>
+      <p:bold r:id="rId22"/>
+    </p:embeddedFont>
+    <p:embeddedFont>
       <p:font typeface="Nirmala UI Semilight" panose="020B0402040204020203" pitchFamily="34" charset="0"/>
-      <p:regular r:id="rId21"/>
+      <p:regular r:id="rId23"/>
     </p:embeddedFont>
     <p:embeddedFont>
       <p:font typeface="Righteous" panose="02020500000000000000" charset="0"/>
-      <p:regular r:id="rId22"/>
+      <p:regular r:id="rId24"/>
     </p:embeddedFont>
     <p:embeddedFont>
       <p:font typeface="Tahoma" panose="020B0604030504040204" pitchFamily="34" charset="0"/>
-      <p:regular r:id="rId23"/>
-      <p:bold r:id="rId24"/>
+      <p:regular r:id="rId25"/>
+      <p:bold r:id="rId26"/>
     </p:embeddedFont>
     <p:embeddedFont>
       <p:font typeface="微軟正黑體" panose="020B0604030504040204" pitchFamily="34" charset="-120"/>
-      <p:regular r:id="rId25"/>
-      <p:bold r:id="rId26"/>
+      <p:regular r:id="rId27"/>
+      <p:bold r:id="rId28"/>
     </p:embeddedFont>
   </p:embeddedFontLst>
   <p:defaultTextStyle>
@@ -290,6 +292,2877 @@
     </p:ext>
   </p:extLst>
 </p:presentation>
+</file>
+
+<file path=ppt/diagrams/colors1.xml><?xml version="1.0" encoding="utf-8"?>
+<dgm:colorsDef xmlns:dgm="http://schemas.openxmlformats.org/drawingml/2006/diagram" xmlns:a="http://schemas.openxmlformats.org/drawingml/2006/main" uniqueId="urn:microsoft.com/office/officeart/2005/8/colors/accent1_2">
+  <dgm:title val=""/>
+  <dgm:desc val=""/>
+  <dgm:catLst>
+    <dgm:cat type="accent1" pri="11200"/>
+  </dgm:catLst>
+  <dgm:styleLbl name="node0">
+    <dgm:fillClrLst meth="repeat">
+      <a:schemeClr val="accent1"/>
+    </dgm:fillClrLst>
+    <dgm:linClrLst meth="repeat">
+      <a:schemeClr val="lt1"/>
+    </dgm:linClrLst>
+    <dgm:effectClrLst/>
+    <dgm:txLinClrLst/>
+    <dgm:txFillClrLst/>
+    <dgm:txEffectClrLst/>
+  </dgm:styleLbl>
+  <dgm:styleLbl name="alignNode1">
+    <dgm:fillClrLst meth="repeat">
+      <a:schemeClr val="accent1"/>
+    </dgm:fillClrLst>
+    <dgm:linClrLst meth="repeat">
+      <a:schemeClr val="accent1"/>
+    </dgm:linClrLst>
+    <dgm:effectClrLst/>
+    <dgm:txLinClrLst/>
+    <dgm:txFillClrLst/>
+    <dgm:txEffectClrLst/>
+  </dgm:styleLbl>
+  <dgm:styleLbl name="node1">
+    <dgm:fillClrLst meth="repeat">
+      <a:schemeClr val="accent1"/>
+    </dgm:fillClrLst>
+    <dgm:linClrLst meth="repeat">
+      <a:schemeClr val="lt1"/>
+    </dgm:linClrLst>
+    <dgm:effectClrLst/>
+    <dgm:txLinClrLst/>
+    <dgm:txFillClrLst/>
+    <dgm:txEffectClrLst/>
+  </dgm:styleLbl>
+  <dgm:styleLbl name="lnNode1">
+    <dgm:fillClrLst meth="repeat">
+      <a:schemeClr val="accent1"/>
+    </dgm:fillClrLst>
+    <dgm:linClrLst meth="repeat">
+      <a:schemeClr val="lt1"/>
+    </dgm:linClrLst>
+    <dgm:effectClrLst/>
+    <dgm:txLinClrLst/>
+    <dgm:txFillClrLst/>
+    <dgm:txEffectClrLst/>
+  </dgm:styleLbl>
+  <dgm:styleLbl name="vennNode1">
+    <dgm:fillClrLst meth="repeat">
+      <a:schemeClr val="accent1">
+        <a:alpha val="50000"/>
+      </a:schemeClr>
+    </dgm:fillClrLst>
+    <dgm:linClrLst meth="repeat">
+      <a:schemeClr val="lt1"/>
+    </dgm:linClrLst>
+    <dgm:effectClrLst/>
+    <dgm:txLinClrLst/>
+    <dgm:txFillClrLst/>
+    <dgm:txEffectClrLst/>
+  </dgm:styleLbl>
+  <dgm:styleLbl name="node2">
+    <dgm:fillClrLst meth="repeat">
+      <a:schemeClr val="accent1"/>
+    </dgm:fillClrLst>
+    <dgm:linClrLst meth="repeat">
+      <a:schemeClr val="lt1"/>
+    </dgm:linClrLst>
+    <dgm:effectClrLst/>
+    <dgm:txLinClrLst/>
+    <dgm:txFillClrLst/>
+    <dgm:txEffectClrLst/>
+  </dgm:styleLbl>
+  <dgm:styleLbl name="node3">
+    <dgm:fillClrLst meth="repeat">
+      <a:schemeClr val="accent1"/>
+    </dgm:fillClrLst>
+    <dgm:linClrLst meth="repeat">
+      <a:schemeClr val="lt1"/>
+    </dgm:linClrLst>
+    <dgm:effectClrLst/>
+    <dgm:txLinClrLst/>
+    <dgm:txFillClrLst/>
+    <dgm:txEffectClrLst/>
+  </dgm:styleLbl>
+  <dgm:styleLbl name="node4">
+    <dgm:fillClrLst meth="repeat">
+      <a:schemeClr val="accent1"/>
+    </dgm:fillClrLst>
+    <dgm:linClrLst meth="repeat">
+      <a:schemeClr val="lt1"/>
+    </dgm:linClrLst>
+    <dgm:effectClrLst/>
+    <dgm:txLinClrLst/>
+    <dgm:txFillClrLst/>
+    <dgm:txEffectClrLst/>
+  </dgm:styleLbl>
+  <dgm:styleLbl name="fgImgPlace1">
+    <dgm:fillClrLst meth="repeat">
+      <a:schemeClr val="accent1">
+        <a:tint val="50000"/>
+      </a:schemeClr>
+    </dgm:fillClrLst>
+    <dgm:linClrLst meth="repeat">
+      <a:schemeClr val="lt1"/>
+    </dgm:linClrLst>
+    <dgm:effectClrLst/>
+    <dgm:txLinClrLst/>
+    <dgm:txFillClrLst meth="repeat">
+      <a:schemeClr val="lt1"/>
+    </dgm:txFillClrLst>
+    <dgm:txEffectClrLst/>
+  </dgm:styleLbl>
+  <dgm:styleLbl name="alignImgPlace1">
+    <dgm:fillClrLst meth="repeat">
+      <a:schemeClr val="accent1">
+        <a:tint val="50000"/>
+      </a:schemeClr>
+    </dgm:fillClrLst>
+    <dgm:linClrLst meth="repeat">
+      <a:schemeClr val="lt1"/>
+    </dgm:linClrLst>
+    <dgm:effectClrLst/>
+    <dgm:txLinClrLst/>
+    <dgm:txFillClrLst meth="repeat">
+      <a:schemeClr val="lt1"/>
+    </dgm:txFillClrLst>
+    <dgm:txEffectClrLst/>
+  </dgm:styleLbl>
+  <dgm:styleLbl name="bgImgPlace1">
+    <dgm:fillClrLst meth="repeat">
+      <a:schemeClr val="accent1">
+        <a:tint val="50000"/>
+      </a:schemeClr>
+    </dgm:fillClrLst>
+    <dgm:linClrLst meth="repeat">
+      <a:schemeClr val="lt1"/>
+    </dgm:linClrLst>
+    <dgm:effectClrLst/>
+    <dgm:txLinClrLst/>
+    <dgm:txFillClrLst meth="repeat">
+      <a:schemeClr val="lt1"/>
+    </dgm:txFillClrLst>
+    <dgm:txEffectClrLst/>
+  </dgm:styleLbl>
+  <dgm:styleLbl name="sibTrans2D1">
+    <dgm:fillClrLst meth="repeat">
+      <a:schemeClr val="accent1">
+        <a:tint val="60000"/>
+      </a:schemeClr>
+    </dgm:fillClrLst>
+    <dgm:linClrLst meth="repeat">
+      <a:schemeClr val="accent1">
+        <a:tint val="60000"/>
+      </a:schemeClr>
+    </dgm:linClrLst>
+    <dgm:effectClrLst/>
+    <dgm:txLinClrLst/>
+    <dgm:txFillClrLst/>
+    <dgm:txEffectClrLst/>
+  </dgm:styleLbl>
+  <dgm:styleLbl name="fgSibTrans2D1">
+    <dgm:fillClrLst meth="repeat">
+      <a:schemeClr val="accent1">
+        <a:tint val="60000"/>
+      </a:schemeClr>
+    </dgm:fillClrLst>
+    <dgm:linClrLst meth="repeat">
+      <a:schemeClr val="accent1">
+        <a:tint val="60000"/>
+      </a:schemeClr>
+    </dgm:linClrLst>
+    <dgm:effectClrLst/>
+    <dgm:txLinClrLst/>
+    <dgm:txFillClrLst/>
+    <dgm:txEffectClrLst/>
+  </dgm:styleLbl>
+  <dgm:styleLbl name="bgSibTrans2D1">
+    <dgm:fillClrLst meth="repeat">
+      <a:schemeClr val="accent1">
+        <a:tint val="60000"/>
+      </a:schemeClr>
+    </dgm:fillClrLst>
+    <dgm:linClrLst meth="repeat">
+      <a:schemeClr val="accent1">
+        <a:tint val="60000"/>
+      </a:schemeClr>
+    </dgm:linClrLst>
+    <dgm:effectClrLst/>
+    <dgm:txLinClrLst/>
+    <dgm:txFillClrLst/>
+    <dgm:txEffectClrLst/>
+  </dgm:styleLbl>
+  <dgm:styleLbl name="sibTrans1D1">
+    <dgm:fillClrLst meth="repeat">
+      <a:schemeClr val="accent1"/>
+    </dgm:fillClrLst>
+    <dgm:linClrLst meth="repeat">
+      <a:schemeClr val="accent1"/>
+    </dgm:linClrLst>
+    <dgm:effectClrLst/>
+    <dgm:txLinClrLst/>
+    <dgm:txFillClrLst meth="repeat">
+      <a:schemeClr val="tx1"/>
+    </dgm:txFillClrLst>
+    <dgm:txEffectClrLst/>
+  </dgm:styleLbl>
+  <dgm:styleLbl name="callout">
+    <dgm:fillClrLst meth="repeat">
+      <a:schemeClr val="accent1"/>
+    </dgm:fillClrLst>
+    <dgm:linClrLst meth="repeat">
+      <a:schemeClr val="accent1">
+        <a:tint val="50000"/>
+      </a:schemeClr>
+    </dgm:linClrLst>
+    <dgm:effectClrLst/>
+    <dgm:txLinClrLst/>
+    <dgm:txFillClrLst meth="repeat">
+      <a:schemeClr val="tx1"/>
+    </dgm:txFillClrLst>
+    <dgm:txEffectClrLst/>
+  </dgm:styleLbl>
+  <dgm:styleLbl name="asst0">
+    <dgm:fillClrLst meth="repeat">
+      <a:schemeClr val="accent1"/>
+    </dgm:fillClrLst>
+    <dgm:linClrLst meth="repeat">
+      <a:schemeClr val="lt1"/>
+    </dgm:linClrLst>
+    <dgm:effectClrLst/>
+    <dgm:txLinClrLst/>
+    <dgm:txFillClrLst/>
+    <dgm:txEffectClrLst/>
+  </dgm:styleLbl>
+  <dgm:styleLbl name="asst1">
+    <dgm:fillClrLst meth="repeat">
+      <a:schemeClr val="accent1"/>
+    </dgm:fillClrLst>
+    <dgm:linClrLst meth="repeat">
+      <a:schemeClr val="lt1"/>
+    </dgm:linClrLst>
+    <dgm:effectClrLst/>
+    <dgm:txLinClrLst/>
+    <dgm:txFillClrLst/>
+    <dgm:txEffectClrLst/>
+  </dgm:styleLbl>
+  <dgm:styleLbl name="asst2">
+    <dgm:fillClrLst meth="repeat">
+      <a:schemeClr val="accent1"/>
+    </dgm:fillClrLst>
+    <dgm:linClrLst meth="repeat">
+      <a:schemeClr val="lt1"/>
+    </dgm:linClrLst>
+    <dgm:effectClrLst/>
+    <dgm:txLinClrLst/>
+    <dgm:txFillClrLst/>
+    <dgm:txEffectClrLst/>
+  </dgm:styleLbl>
+  <dgm:styleLbl name="asst3">
+    <dgm:fillClrLst meth="repeat">
+      <a:schemeClr val="accent1"/>
+    </dgm:fillClrLst>
+    <dgm:linClrLst meth="repeat">
+      <a:schemeClr val="lt1"/>
+    </dgm:linClrLst>
+    <dgm:effectClrLst/>
+    <dgm:txLinClrLst/>
+    <dgm:txFillClrLst/>
+    <dgm:txEffectClrLst/>
+  </dgm:styleLbl>
+  <dgm:styleLbl name="asst4">
+    <dgm:fillClrLst meth="repeat">
+      <a:schemeClr val="accent1"/>
+    </dgm:fillClrLst>
+    <dgm:linClrLst meth="repeat">
+      <a:schemeClr val="lt1"/>
+    </dgm:linClrLst>
+    <dgm:effectClrLst/>
+    <dgm:txLinClrLst/>
+    <dgm:txFillClrLst/>
+    <dgm:txEffectClrLst/>
+  </dgm:styleLbl>
+  <dgm:styleLbl name="parChTrans2D1">
+    <dgm:fillClrLst meth="repeat">
+      <a:schemeClr val="accent1">
+        <a:tint val="60000"/>
+      </a:schemeClr>
+    </dgm:fillClrLst>
+    <dgm:linClrLst meth="repeat">
+      <a:schemeClr val="accent1">
+        <a:tint val="60000"/>
+      </a:schemeClr>
+    </dgm:linClrLst>
+    <dgm:effectClrLst/>
+    <dgm:txLinClrLst/>
+    <dgm:txFillClrLst meth="repeat">
+      <a:schemeClr val="lt1"/>
+    </dgm:txFillClrLst>
+    <dgm:txEffectClrLst/>
+  </dgm:styleLbl>
+  <dgm:styleLbl name="parChTrans2D2">
+    <dgm:fillClrLst meth="repeat">
+      <a:schemeClr val="accent1"/>
+    </dgm:fillClrLst>
+    <dgm:linClrLst meth="repeat">
+      <a:schemeClr val="accent1"/>
+    </dgm:linClrLst>
+    <dgm:effectClrLst/>
+    <dgm:txLinClrLst/>
+    <dgm:txFillClrLst meth="repeat">
+      <a:schemeClr val="lt1"/>
+    </dgm:txFillClrLst>
+    <dgm:txEffectClrLst/>
+  </dgm:styleLbl>
+  <dgm:styleLbl name="parChTrans2D3">
+    <dgm:fillClrLst meth="repeat">
+      <a:schemeClr val="accent1"/>
+    </dgm:fillClrLst>
+    <dgm:linClrLst meth="repeat">
+      <a:schemeClr val="accent1"/>
+    </dgm:linClrLst>
+    <dgm:effectClrLst/>
+    <dgm:txLinClrLst/>
+    <dgm:txFillClrLst meth="repeat">
+      <a:schemeClr val="lt1"/>
+    </dgm:txFillClrLst>
+    <dgm:txEffectClrLst/>
+  </dgm:styleLbl>
+  <dgm:styleLbl name="parChTrans2D4">
+    <dgm:fillClrLst meth="repeat">
+      <a:schemeClr val="accent1"/>
+    </dgm:fillClrLst>
+    <dgm:linClrLst meth="repeat">
+      <a:schemeClr val="accent1"/>
+    </dgm:linClrLst>
+    <dgm:effectClrLst/>
+    <dgm:txLinClrLst/>
+    <dgm:txFillClrLst meth="repeat">
+      <a:schemeClr val="lt1"/>
+    </dgm:txFillClrLst>
+    <dgm:txEffectClrLst/>
+  </dgm:styleLbl>
+  <dgm:styleLbl name="parChTrans1D1">
+    <dgm:fillClrLst meth="repeat">
+      <a:schemeClr val="accent1"/>
+    </dgm:fillClrLst>
+    <dgm:linClrLst meth="repeat">
+      <a:schemeClr val="accent1">
+        <a:shade val="60000"/>
+      </a:schemeClr>
+    </dgm:linClrLst>
+    <dgm:effectClrLst/>
+    <dgm:txLinClrLst/>
+    <dgm:txFillClrLst meth="repeat">
+      <a:schemeClr val="tx1"/>
+    </dgm:txFillClrLst>
+    <dgm:txEffectClrLst/>
+  </dgm:styleLbl>
+  <dgm:styleLbl name="parChTrans1D2">
+    <dgm:fillClrLst meth="repeat">
+      <a:schemeClr val="accent1"/>
+    </dgm:fillClrLst>
+    <dgm:linClrLst meth="repeat">
+      <a:schemeClr val="accent1">
+        <a:shade val="60000"/>
+      </a:schemeClr>
+    </dgm:linClrLst>
+    <dgm:effectClrLst/>
+    <dgm:txLinClrLst/>
+    <dgm:txFillClrLst meth="repeat">
+      <a:schemeClr val="tx1"/>
+    </dgm:txFillClrLst>
+    <dgm:txEffectClrLst/>
+  </dgm:styleLbl>
+  <dgm:styleLbl name="parChTrans1D3">
+    <dgm:fillClrLst meth="repeat">
+      <a:schemeClr val="accent1"/>
+    </dgm:fillClrLst>
+    <dgm:linClrLst meth="repeat">
+      <a:schemeClr val="accent1">
+        <a:shade val="80000"/>
+      </a:schemeClr>
+    </dgm:linClrLst>
+    <dgm:effectClrLst/>
+    <dgm:txLinClrLst/>
+    <dgm:txFillClrLst meth="repeat">
+      <a:schemeClr val="tx1"/>
+    </dgm:txFillClrLst>
+    <dgm:txEffectClrLst/>
+  </dgm:styleLbl>
+  <dgm:styleLbl name="parChTrans1D4">
+    <dgm:fillClrLst meth="repeat">
+      <a:schemeClr val="accent1"/>
+    </dgm:fillClrLst>
+    <dgm:linClrLst meth="repeat">
+      <a:schemeClr val="accent1">
+        <a:shade val="80000"/>
+      </a:schemeClr>
+    </dgm:linClrLst>
+    <dgm:effectClrLst/>
+    <dgm:txLinClrLst/>
+    <dgm:txFillClrLst meth="repeat">
+      <a:schemeClr val="tx1"/>
+    </dgm:txFillClrLst>
+    <dgm:txEffectClrLst/>
+  </dgm:styleLbl>
+  <dgm:styleLbl name="fgAcc1">
+    <dgm:fillClrLst meth="repeat">
+      <a:schemeClr val="lt1">
+        <a:alpha val="90000"/>
+      </a:schemeClr>
+    </dgm:fillClrLst>
+    <dgm:linClrLst meth="repeat">
+      <a:schemeClr val="accent1"/>
+    </dgm:linClrLst>
+    <dgm:effectClrLst/>
+    <dgm:txLinClrLst/>
+    <dgm:txFillClrLst meth="repeat">
+      <a:schemeClr val="dk1"/>
+    </dgm:txFillClrLst>
+    <dgm:txEffectClrLst/>
+  </dgm:styleLbl>
+  <dgm:styleLbl name="conFgAcc1">
+    <dgm:fillClrLst meth="repeat">
+      <a:schemeClr val="lt1">
+        <a:alpha val="90000"/>
+      </a:schemeClr>
+    </dgm:fillClrLst>
+    <dgm:linClrLst meth="repeat">
+      <a:schemeClr val="accent1"/>
+    </dgm:linClrLst>
+    <dgm:effectClrLst/>
+    <dgm:txLinClrLst/>
+    <dgm:txFillClrLst meth="repeat">
+      <a:schemeClr val="dk1"/>
+    </dgm:txFillClrLst>
+    <dgm:txEffectClrLst/>
+  </dgm:styleLbl>
+  <dgm:styleLbl name="alignAcc1">
+    <dgm:fillClrLst meth="repeat">
+      <a:schemeClr val="lt1">
+        <a:alpha val="90000"/>
+      </a:schemeClr>
+    </dgm:fillClrLst>
+    <dgm:linClrLst meth="repeat">
+      <a:schemeClr val="accent1"/>
+    </dgm:linClrLst>
+    <dgm:effectClrLst/>
+    <dgm:txLinClrLst/>
+    <dgm:txFillClrLst meth="repeat">
+      <a:schemeClr val="dk1"/>
+    </dgm:txFillClrLst>
+    <dgm:txEffectClrLst/>
+  </dgm:styleLbl>
+  <dgm:styleLbl name="trAlignAcc1">
+    <dgm:fillClrLst meth="repeat">
+      <a:schemeClr val="lt1">
+        <a:alpha val="40000"/>
+      </a:schemeClr>
+    </dgm:fillClrLst>
+    <dgm:linClrLst meth="repeat">
+      <a:schemeClr val="accent1"/>
+    </dgm:linClrLst>
+    <dgm:effectClrLst/>
+    <dgm:txLinClrLst/>
+    <dgm:txFillClrLst meth="repeat">
+      <a:schemeClr val="dk1"/>
+    </dgm:txFillClrLst>
+    <dgm:txEffectClrLst/>
+  </dgm:styleLbl>
+  <dgm:styleLbl name="bgAcc1">
+    <dgm:fillClrLst meth="repeat">
+      <a:schemeClr val="lt1">
+        <a:alpha val="90000"/>
+      </a:schemeClr>
+    </dgm:fillClrLst>
+    <dgm:linClrLst meth="repeat">
+      <a:schemeClr val="accent1"/>
+    </dgm:linClrLst>
+    <dgm:effectClrLst/>
+    <dgm:txLinClrLst/>
+    <dgm:txFillClrLst meth="repeat">
+      <a:schemeClr val="dk1"/>
+    </dgm:txFillClrLst>
+    <dgm:txEffectClrLst/>
+  </dgm:styleLbl>
+  <dgm:styleLbl name="solidFgAcc1">
+    <dgm:fillClrLst meth="repeat">
+      <a:schemeClr val="lt1"/>
+    </dgm:fillClrLst>
+    <dgm:linClrLst meth="repeat">
+      <a:schemeClr val="accent1"/>
+    </dgm:linClrLst>
+    <dgm:effectClrLst/>
+    <dgm:txLinClrLst/>
+    <dgm:txFillClrLst meth="repeat">
+      <a:schemeClr val="dk1"/>
+    </dgm:txFillClrLst>
+    <dgm:txEffectClrLst/>
+  </dgm:styleLbl>
+  <dgm:styleLbl name="solidAlignAcc1">
+    <dgm:fillClrLst meth="repeat">
+      <a:schemeClr val="lt1"/>
+    </dgm:fillClrLst>
+    <dgm:linClrLst meth="repeat">
+      <a:schemeClr val="accent1"/>
+    </dgm:linClrLst>
+    <dgm:effectClrLst/>
+    <dgm:txLinClrLst/>
+    <dgm:txFillClrLst meth="repeat">
+      <a:schemeClr val="dk1"/>
+    </dgm:txFillClrLst>
+    <dgm:txEffectClrLst/>
+  </dgm:styleLbl>
+  <dgm:styleLbl name="solidBgAcc1">
+    <dgm:fillClrLst meth="repeat">
+      <a:schemeClr val="lt1"/>
+    </dgm:fillClrLst>
+    <dgm:linClrLst meth="repeat">
+      <a:schemeClr val="accent1"/>
+    </dgm:linClrLst>
+    <dgm:effectClrLst/>
+    <dgm:txLinClrLst/>
+    <dgm:txFillClrLst meth="repeat">
+      <a:schemeClr val="dk1"/>
+    </dgm:txFillClrLst>
+    <dgm:txEffectClrLst/>
+  </dgm:styleLbl>
+  <dgm:styleLbl name="fgAccFollowNode1">
+    <dgm:fillClrLst meth="repeat">
+      <a:schemeClr val="accent1">
+        <a:alpha val="90000"/>
+        <a:tint val="40000"/>
+      </a:schemeClr>
+    </dgm:fillClrLst>
+    <dgm:linClrLst meth="repeat">
+      <a:schemeClr val="accent1">
+        <a:alpha val="90000"/>
+        <a:tint val="40000"/>
+      </a:schemeClr>
+    </dgm:linClrLst>
+    <dgm:effectClrLst/>
+    <dgm:txLinClrLst/>
+    <dgm:txFillClrLst meth="repeat">
+      <a:schemeClr val="dk1"/>
+    </dgm:txFillClrLst>
+    <dgm:txEffectClrLst/>
+  </dgm:styleLbl>
+  <dgm:styleLbl name="alignAccFollowNode1">
+    <dgm:fillClrLst meth="repeat">
+      <a:schemeClr val="accent1">
+        <a:alpha val="90000"/>
+        <a:tint val="40000"/>
+      </a:schemeClr>
+    </dgm:fillClrLst>
+    <dgm:linClrLst meth="repeat">
+      <a:schemeClr val="accent1">
+        <a:alpha val="90000"/>
+        <a:tint val="40000"/>
+      </a:schemeClr>
+    </dgm:linClrLst>
+    <dgm:effectClrLst/>
+    <dgm:txLinClrLst/>
+    <dgm:txFillClrLst meth="repeat">
+      <a:schemeClr val="dk1"/>
+    </dgm:txFillClrLst>
+    <dgm:txEffectClrLst/>
+  </dgm:styleLbl>
+  <dgm:styleLbl name="bgAccFollowNode1">
+    <dgm:fillClrLst meth="repeat">
+      <a:schemeClr val="accent1">
+        <a:alpha val="90000"/>
+        <a:tint val="40000"/>
+      </a:schemeClr>
+    </dgm:fillClrLst>
+    <dgm:linClrLst meth="repeat">
+      <a:schemeClr val="accent1">
+        <a:alpha val="90000"/>
+        <a:tint val="40000"/>
+      </a:schemeClr>
+    </dgm:linClrLst>
+    <dgm:effectClrLst/>
+    <dgm:txLinClrLst/>
+    <dgm:txFillClrLst meth="repeat">
+      <a:schemeClr val="dk1"/>
+    </dgm:txFillClrLst>
+    <dgm:txEffectClrLst/>
+  </dgm:styleLbl>
+  <dgm:styleLbl name="fgAcc0">
+    <dgm:fillClrLst meth="repeat">
+      <a:schemeClr val="lt1">
+        <a:alpha val="90000"/>
+      </a:schemeClr>
+    </dgm:fillClrLst>
+    <dgm:linClrLst meth="repeat">
+      <a:schemeClr val="accent1"/>
+    </dgm:linClrLst>
+    <dgm:effectClrLst/>
+    <dgm:txLinClrLst/>
+    <dgm:txFillClrLst meth="repeat">
+      <a:schemeClr val="dk1"/>
+    </dgm:txFillClrLst>
+    <dgm:txEffectClrLst/>
+  </dgm:styleLbl>
+  <dgm:styleLbl name="fgAcc2">
+    <dgm:fillClrLst meth="repeat">
+      <a:schemeClr val="lt1">
+        <a:alpha val="90000"/>
+      </a:schemeClr>
+    </dgm:fillClrLst>
+    <dgm:linClrLst meth="repeat">
+      <a:schemeClr val="accent1"/>
+    </dgm:linClrLst>
+    <dgm:effectClrLst/>
+    <dgm:txLinClrLst/>
+    <dgm:txFillClrLst meth="repeat">
+      <a:schemeClr val="dk1"/>
+    </dgm:txFillClrLst>
+    <dgm:txEffectClrLst/>
+  </dgm:styleLbl>
+  <dgm:styleLbl name="fgAcc3">
+    <dgm:fillClrLst meth="repeat">
+      <a:schemeClr val="lt1">
+        <a:alpha val="90000"/>
+      </a:schemeClr>
+    </dgm:fillClrLst>
+    <dgm:linClrLst meth="repeat">
+      <a:schemeClr val="accent1"/>
+    </dgm:linClrLst>
+    <dgm:effectClrLst/>
+    <dgm:txLinClrLst/>
+    <dgm:txFillClrLst meth="repeat">
+      <a:schemeClr val="dk1"/>
+    </dgm:txFillClrLst>
+    <dgm:txEffectClrLst/>
+  </dgm:styleLbl>
+  <dgm:styleLbl name="fgAcc4">
+    <dgm:fillClrLst meth="repeat">
+      <a:schemeClr val="lt1">
+        <a:alpha val="90000"/>
+      </a:schemeClr>
+    </dgm:fillClrLst>
+    <dgm:linClrLst meth="repeat">
+      <a:schemeClr val="accent1"/>
+    </dgm:linClrLst>
+    <dgm:effectClrLst/>
+    <dgm:txLinClrLst/>
+    <dgm:txFillClrLst meth="repeat">
+      <a:schemeClr val="dk1"/>
+    </dgm:txFillClrLst>
+    <dgm:txEffectClrLst/>
+  </dgm:styleLbl>
+  <dgm:styleLbl name="bgShp">
+    <dgm:fillClrLst meth="repeat">
+      <a:schemeClr val="accent1">
+        <a:tint val="40000"/>
+      </a:schemeClr>
+    </dgm:fillClrLst>
+    <dgm:linClrLst meth="repeat">
+      <a:schemeClr val="accent1"/>
+    </dgm:linClrLst>
+    <dgm:effectClrLst/>
+    <dgm:txLinClrLst/>
+    <dgm:txFillClrLst meth="repeat">
+      <a:schemeClr val="dk1"/>
+    </dgm:txFillClrLst>
+    <dgm:txEffectClrLst/>
+  </dgm:styleLbl>
+  <dgm:styleLbl name="dkBgShp">
+    <dgm:fillClrLst meth="repeat">
+      <a:schemeClr val="accent1">
+        <a:shade val="80000"/>
+      </a:schemeClr>
+    </dgm:fillClrLst>
+    <dgm:linClrLst meth="repeat">
+      <a:schemeClr val="accent1"/>
+    </dgm:linClrLst>
+    <dgm:effectClrLst/>
+    <dgm:txLinClrLst/>
+    <dgm:txFillClrLst meth="repeat">
+      <a:schemeClr val="lt1"/>
+    </dgm:txFillClrLst>
+    <dgm:txEffectClrLst/>
+  </dgm:styleLbl>
+  <dgm:styleLbl name="trBgShp">
+    <dgm:fillClrLst meth="repeat">
+      <a:schemeClr val="accent1">
+        <a:tint val="50000"/>
+        <a:alpha val="40000"/>
+      </a:schemeClr>
+    </dgm:fillClrLst>
+    <dgm:linClrLst meth="repeat">
+      <a:schemeClr val="accent1"/>
+    </dgm:linClrLst>
+    <dgm:effectClrLst/>
+    <dgm:txLinClrLst/>
+    <dgm:txFillClrLst meth="repeat">
+      <a:schemeClr val="lt1"/>
+    </dgm:txFillClrLst>
+    <dgm:txEffectClrLst/>
+  </dgm:styleLbl>
+  <dgm:styleLbl name="fgShp">
+    <dgm:fillClrLst meth="repeat">
+      <a:schemeClr val="accent1">
+        <a:tint val="60000"/>
+      </a:schemeClr>
+    </dgm:fillClrLst>
+    <dgm:linClrLst meth="repeat">
+      <a:schemeClr val="lt1"/>
+    </dgm:linClrLst>
+    <dgm:effectClrLst/>
+    <dgm:txLinClrLst/>
+    <dgm:txFillClrLst meth="repeat">
+      <a:schemeClr val="dk1"/>
+    </dgm:txFillClrLst>
+    <dgm:txEffectClrLst/>
+  </dgm:styleLbl>
+  <dgm:styleLbl name="revTx">
+    <dgm:fillClrLst meth="repeat">
+      <a:schemeClr val="lt1">
+        <a:alpha val="0"/>
+      </a:schemeClr>
+    </dgm:fillClrLst>
+    <dgm:linClrLst meth="repeat">
+      <a:schemeClr val="dk1">
+        <a:alpha val="0"/>
+      </a:schemeClr>
+    </dgm:linClrLst>
+    <dgm:effectClrLst/>
+    <dgm:txLinClrLst/>
+    <dgm:txFillClrLst meth="repeat">
+      <a:schemeClr val="tx1"/>
+    </dgm:txFillClrLst>
+    <dgm:txEffectClrLst/>
+  </dgm:styleLbl>
+</dgm:colorsDef>
+</file>
+
+<file path=ppt/diagrams/data1.xml><?xml version="1.0" encoding="utf-8"?>
+<dgm:dataModel xmlns:dgm="http://schemas.openxmlformats.org/drawingml/2006/diagram" xmlns:a="http://schemas.openxmlformats.org/drawingml/2006/main">
+  <dgm:ptLst>
+    <dgm:pt modelId="{682FE7E9-40F6-403E-A4BE-D4589E13F3E2}" type="doc">
+      <dgm:prSet loTypeId="urn:microsoft.com/office/officeart/2005/8/layout/process1" loCatId="process" qsTypeId="urn:microsoft.com/office/officeart/2005/8/quickstyle/simple1" qsCatId="simple" csTypeId="urn:microsoft.com/office/officeart/2005/8/colors/accent1_2" csCatId="accent1" phldr="1"/>
+      <dgm:spPr/>
+    </dgm:pt>
+    <dgm:pt modelId="{9743FC2A-583D-4B91-983A-9EB583839D46}">
+      <dgm:prSet phldrT="[文字]" custT="1"/>
+      <dgm:spPr/>
+      <dgm:t>
+        <a:bodyPr/>
+        <a:lstStyle/>
+        <a:p>
+          <a:pPr marL="0" lvl="0" indent="0" algn="ctr" defTabSz="755650">
+            <a:lnSpc>
+              <a:spcPct val="90000"/>
+            </a:lnSpc>
+            <a:spcBef>
+              <a:spcPct val="0"/>
+            </a:spcBef>
+            <a:spcAft>
+              <a:spcPct val="35000"/>
+            </a:spcAft>
+            <a:buNone/>
+          </a:pPr>
+          <a:r>
+            <a:rPr lang="en-US" altLang="zh-TW" sz="1700" kern="1200" dirty="0">
+              <a:solidFill>
+                <a:srgbClr val="000000"/>
+              </a:solidFill>
+              <a:latin typeface="Arial"/>
+              <a:ea typeface="新細明體" panose="02020500000000000000" pitchFamily="18" charset="-120"/>
+              <a:cs typeface="+mn-cs"/>
+            </a:rPr>
+            <a:t>input</a:t>
+          </a:r>
+          <a:endParaRPr lang="zh-TW" altLang="en-US" sz="1700" kern="1200" dirty="0">
+            <a:solidFill>
+              <a:srgbClr val="000000"/>
+            </a:solidFill>
+            <a:latin typeface="Arial"/>
+            <a:ea typeface="新細明體" panose="02020500000000000000" pitchFamily="18" charset="-120"/>
+            <a:cs typeface="+mn-cs"/>
+          </a:endParaRPr>
+        </a:p>
+      </dgm:t>
+    </dgm:pt>
+    <dgm:pt modelId="{BC0D5F80-5BC9-4792-8DC0-3833F104C0F6}" type="parTrans" cxnId="{BB648B41-22BC-4F31-945C-1CDBD955CD4D}">
+      <dgm:prSet/>
+      <dgm:spPr/>
+      <dgm:t>
+        <a:bodyPr/>
+        <a:lstStyle/>
+        <a:p>
+          <a:endParaRPr lang="zh-TW" altLang="en-US"/>
+        </a:p>
+      </dgm:t>
+    </dgm:pt>
+    <dgm:pt modelId="{7CA67892-A046-438E-A4C9-F4FE6E4E0FE0}" type="sibTrans" cxnId="{BB648B41-22BC-4F31-945C-1CDBD955CD4D}">
+      <dgm:prSet/>
+      <dgm:spPr/>
+      <dgm:t>
+        <a:bodyPr/>
+        <a:lstStyle/>
+        <a:p>
+          <a:endParaRPr lang="zh-TW" altLang="en-US"/>
+        </a:p>
+      </dgm:t>
+    </dgm:pt>
+    <dgm:pt modelId="{FE2C76ED-FAB8-4261-AA0B-8250E7C6AB32}">
+      <dgm:prSet phldrT="[文字]" custT="1"/>
+      <dgm:spPr/>
+      <dgm:t>
+        <a:bodyPr/>
+        <a:lstStyle/>
+        <a:p>
+          <a:pPr marL="0" lvl="0" indent="0" algn="ctr" defTabSz="755650">
+            <a:lnSpc>
+              <a:spcPct val="90000"/>
+            </a:lnSpc>
+            <a:spcBef>
+              <a:spcPct val="0"/>
+            </a:spcBef>
+            <a:spcAft>
+              <a:spcPct val="35000"/>
+            </a:spcAft>
+            <a:buNone/>
+          </a:pPr>
+          <a:r>
+            <a:rPr lang="en-US" altLang="zh-TW" sz="1700" kern="1200" dirty="0">
+              <a:solidFill>
+                <a:srgbClr val="000000"/>
+              </a:solidFill>
+              <a:latin typeface="Arial"/>
+              <a:ea typeface="新細明體" panose="02020500000000000000" pitchFamily="18" charset="-120"/>
+              <a:cs typeface="+mn-cs"/>
+            </a:rPr>
+            <a:t>output</a:t>
+          </a:r>
+          <a:endParaRPr lang="zh-TW" altLang="en-US" sz="1700" kern="1200" dirty="0">
+            <a:solidFill>
+              <a:srgbClr val="000000"/>
+            </a:solidFill>
+            <a:latin typeface="Arial"/>
+            <a:ea typeface="新細明體" panose="02020500000000000000" pitchFamily="18" charset="-120"/>
+            <a:cs typeface="+mn-cs"/>
+          </a:endParaRPr>
+        </a:p>
+      </dgm:t>
+    </dgm:pt>
+    <dgm:pt modelId="{DE27195E-D86E-4E74-99E0-EDAFDFC0616F}" type="parTrans" cxnId="{8ADECCFB-24BF-4CF5-92A5-787C481B0605}">
+      <dgm:prSet/>
+      <dgm:spPr/>
+      <dgm:t>
+        <a:bodyPr/>
+        <a:lstStyle/>
+        <a:p>
+          <a:endParaRPr lang="zh-TW" altLang="en-US"/>
+        </a:p>
+      </dgm:t>
+    </dgm:pt>
+    <dgm:pt modelId="{EC270093-2856-41CA-A18B-340130418B08}" type="sibTrans" cxnId="{8ADECCFB-24BF-4CF5-92A5-787C481B0605}">
+      <dgm:prSet/>
+      <dgm:spPr/>
+      <dgm:t>
+        <a:bodyPr/>
+        <a:lstStyle/>
+        <a:p>
+          <a:endParaRPr lang="zh-TW" altLang="en-US"/>
+        </a:p>
+      </dgm:t>
+    </dgm:pt>
+    <dgm:pt modelId="{D8B7E752-7C46-4525-AE79-45B9E3374287}">
+      <dgm:prSet custT="1"/>
+      <dgm:spPr/>
+      <dgm:t>
+        <a:bodyPr/>
+        <a:lstStyle/>
+        <a:p>
+          <a:pPr marL="0" lvl="0" indent="0" algn="ctr" defTabSz="755650">
+            <a:lnSpc>
+              <a:spcPct val="90000"/>
+            </a:lnSpc>
+            <a:spcBef>
+              <a:spcPct val="0"/>
+            </a:spcBef>
+            <a:spcAft>
+              <a:spcPct val="35000"/>
+            </a:spcAft>
+            <a:buNone/>
+          </a:pPr>
+          <a:r>
+            <a:rPr lang="zh-TW" altLang="en-US" sz="1600" kern="1200" dirty="0">
+              <a:solidFill>
+                <a:srgbClr val="000000"/>
+              </a:solidFill>
+              <a:latin typeface="微軟正黑體" panose="020B0604030504040204" pitchFamily="34" charset="-120"/>
+              <a:ea typeface="微軟正黑體" panose="020B0604030504040204" pitchFamily="34" charset="-120"/>
+              <a:cs typeface="+mn-cs"/>
+            </a:rPr>
+            <a:t>法律用語的替換</a:t>
+          </a:r>
+        </a:p>
+      </dgm:t>
+    </dgm:pt>
+    <dgm:pt modelId="{4CFA4221-B117-4836-AE1E-BEA2541E558F}" type="parTrans" cxnId="{70247566-C78B-459F-9020-72985F697527}">
+      <dgm:prSet/>
+      <dgm:spPr/>
+      <dgm:t>
+        <a:bodyPr/>
+        <a:lstStyle/>
+        <a:p>
+          <a:endParaRPr lang="zh-TW" altLang="en-US"/>
+        </a:p>
+      </dgm:t>
+    </dgm:pt>
+    <dgm:pt modelId="{824E83AD-BF95-4A93-84FE-80CB8FADD71E}" type="sibTrans" cxnId="{70247566-C78B-459F-9020-72985F697527}">
+      <dgm:prSet/>
+      <dgm:spPr/>
+      <dgm:t>
+        <a:bodyPr/>
+        <a:lstStyle/>
+        <a:p>
+          <a:endParaRPr lang="zh-TW" altLang="en-US"/>
+        </a:p>
+      </dgm:t>
+    </dgm:pt>
+    <dgm:pt modelId="{7C7C674E-2C75-4755-AD7F-BA9A26058DC3}">
+      <dgm:prSet custT="1"/>
+      <dgm:spPr/>
+      <dgm:t>
+        <a:bodyPr/>
+        <a:lstStyle/>
+        <a:p>
+          <a:pPr marL="0" lvl="0" indent="0" algn="ctr" defTabSz="755650">
+            <a:lnSpc>
+              <a:spcPct val="90000"/>
+            </a:lnSpc>
+            <a:spcBef>
+              <a:spcPct val="0"/>
+            </a:spcBef>
+            <a:spcAft>
+              <a:spcPct val="35000"/>
+            </a:spcAft>
+            <a:buNone/>
+          </a:pPr>
+          <a:r>
+            <a:rPr lang="en-US" altLang="en-US" sz="1700" kern="1200" dirty="0">
+              <a:solidFill>
+                <a:srgbClr val="000000"/>
+              </a:solidFill>
+              <a:latin typeface="Arial"/>
+              <a:ea typeface="新細明體" panose="02020500000000000000" pitchFamily="18" charset="-120"/>
+              <a:cs typeface="+mn-cs"/>
+            </a:rPr>
+            <a:t>Word2vec</a:t>
+          </a:r>
+          <a:endParaRPr lang="zh-TW" altLang="en-US" sz="1700" kern="1200" dirty="0">
+            <a:solidFill>
+              <a:srgbClr val="000000"/>
+            </a:solidFill>
+            <a:latin typeface="Arial"/>
+            <a:ea typeface="新細明體" panose="02020500000000000000" pitchFamily="18" charset="-120"/>
+            <a:cs typeface="+mn-cs"/>
+          </a:endParaRPr>
+        </a:p>
+      </dgm:t>
+    </dgm:pt>
+    <dgm:pt modelId="{96354346-7130-4CF6-B537-7493B358C868}" type="parTrans" cxnId="{3995A020-BD84-4065-B2B6-B5D7BF4477C9}">
+      <dgm:prSet/>
+      <dgm:spPr/>
+      <dgm:t>
+        <a:bodyPr/>
+        <a:lstStyle/>
+        <a:p>
+          <a:endParaRPr lang="zh-TW" altLang="en-US"/>
+        </a:p>
+      </dgm:t>
+    </dgm:pt>
+    <dgm:pt modelId="{DC46D681-78B5-4A0A-9CD6-EDBB39164EF0}" type="sibTrans" cxnId="{3995A020-BD84-4065-B2B6-B5D7BF4477C9}">
+      <dgm:prSet/>
+      <dgm:spPr/>
+      <dgm:t>
+        <a:bodyPr/>
+        <a:lstStyle/>
+        <a:p>
+          <a:endParaRPr lang="zh-TW" altLang="en-US"/>
+        </a:p>
+      </dgm:t>
+    </dgm:pt>
+    <dgm:pt modelId="{A50D1419-57A5-41E5-8694-9058A86ABD72}" type="pres">
+      <dgm:prSet presAssocID="{682FE7E9-40F6-403E-A4BE-D4589E13F3E2}" presName="Name0" presStyleCnt="0">
+        <dgm:presLayoutVars>
+          <dgm:dir/>
+          <dgm:resizeHandles val="exact"/>
+        </dgm:presLayoutVars>
+      </dgm:prSet>
+      <dgm:spPr/>
+    </dgm:pt>
+    <dgm:pt modelId="{96B4CB27-0985-4881-BC78-560A717E4ACC}" type="pres">
+      <dgm:prSet presAssocID="{9743FC2A-583D-4B91-983A-9EB583839D46}" presName="node" presStyleLbl="node1" presStyleIdx="0" presStyleCnt="4">
+        <dgm:presLayoutVars>
+          <dgm:bulletEnabled val="1"/>
+        </dgm:presLayoutVars>
+      </dgm:prSet>
+      <dgm:spPr/>
+    </dgm:pt>
+    <dgm:pt modelId="{91B26250-FE89-4D44-AA6F-63099A0037E9}" type="pres">
+      <dgm:prSet presAssocID="{7CA67892-A046-438E-A4C9-F4FE6E4E0FE0}" presName="sibTrans" presStyleLbl="sibTrans2D1" presStyleIdx="0" presStyleCnt="3"/>
+      <dgm:spPr/>
+    </dgm:pt>
+    <dgm:pt modelId="{BEB1022D-A29C-47B8-AFE7-A74AB7B6A464}" type="pres">
+      <dgm:prSet presAssocID="{7CA67892-A046-438E-A4C9-F4FE6E4E0FE0}" presName="connectorText" presStyleLbl="sibTrans2D1" presStyleIdx="0" presStyleCnt="3"/>
+      <dgm:spPr/>
+    </dgm:pt>
+    <dgm:pt modelId="{FFEB7422-E402-430D-BC2E-CE25F4A1C67E}" type="pres">
+      <dgm:prSet presAssocID="{7C7C674E-2C75-4755-AD7F-BA9A26058DC3}" presName="node" presStyleLbl="node1" presStyleIdx="1" presStyleCnt="4">
+        <dgm:presLayoutVars>
+          <dgm:bulletEnabled val="1"/>
+        </dgm:presLayoutVars>
+      </dgm:prSet>
+      <dgm:spPr/>
+    </dgm:pt>
+    <dgm:pt modelId="{4F28FCDB-8EF6-4EB0-AA89-FF1126B2EEC8}" type="pres">
+      <dgm:prSet presAssocID="{DC46D681-78B5-4A0A-9CD6-EDBB39164EF0}" presName="sibTrans" presStyleLbl="sibTrans2D1" presStyleIdx="1" presStyleCnt="3"/>
+      <dgm:spPr/>
+    </dgm:pt>
+    <dgm:pt modelId="{A9DB5B70-C152-4D58-9D0E-569F9F47B11A}" type="pres">
+      <dgm:prSet presAssocID="{DC46D681-78B5-4A0A-9CD6-EDBB39164EF0}" presName="connectorText" presStyleLbl="sibTrans2D1" presStyleIdx="1" presStyleCnt="3"/>
+      <dgm:spPr/>
+    </dgm:pt>
+    <dgm:pt modelId="{04DE9AEB-21B2-4F56-AD91-E5AB4FB56386}" type="pres">
+      <dgm:prSet presAssocID="{D8B7E752-7C46-4525-AE79-45B9E3374287}" presName="node" presStyleLbl="node1" presStyleIdx="2" presStyleCnt="4">
+        <dgm:presLayoutVars>
+          <dgm:bulletEnabled val="1"/>
+        </dgm:presLayoutVars>
+      </dgm:prSet>
+      <dgm:spPr/>
+    </dgm:pt>
+    <dgm:pt modelId="{26F314A1-75AC-41C6-952B-B06855D52854}" type="pres">
+      <dgm:prSet presAssocID="{824E83AD-BF95-4A93-84FE-80CB8FADD71E}" presName="sibTrans" presStyleLbl="sibTrans2D1" presStyleIdx="2" presStyleCnt="3"/>
+      <dgm:spPr/>
+    </dgm:pt>
+    <dgm:pt modelId="{2B5B57B0-D536-4D0D-B7F3-FBB8D32956FF}" type="pres">
+      <dgm:prSet presAssocID="{824E83AD-BF95-4A93-84FE-80CB8FADD71E}" presName="connectorText" presStyleLbl="sibTrans2D1" presStyleIdx="2" presStyleCnt="3"/>
+      <dgm:spPr/>
+    </dgm:pt>
+    <dgm:pt modelId="{3DB1EF96-4CCD-4D99-A337-D7991D940CF4}" type="pres">
+      <dgm:prSet presAssocID="{FE2C76ED-FAB8-4261-AA0B-8250E7C6AB32}" presName="node" presStyleLbl="node1" presStyleIdx="3" presStyleCnt="4">
+        <dgm:presLayoutVars>
+          <dgm:bulletEnabled val="1"/>
+        </dgm:presLayoutVars>
+      </dgm:prSet>
+      <dgm:spPr/>
+    </dgm:pt>
+  </dgm:ptLst>
+  <dgm:cxnLst>
+    <dgm:cxn modelId="{5827490A-3DE8-4E4A-940D-9AC3A9382B3D}" type="presOf" srcId="{DC46D681-78B5-4A0A-9CD6-EDBB39164EF0}" destId="{A9DB5B70-C152-4D58-9D0E-569F9F47B11A}" srcOrd="1" destOrd="0" presId="urn:microsoft.com/office/officeart/2005/8/layout/process1"/>
+    <dgm:cxn modelId="{3995A020-BD84-4065-B2B6-B5D7BF4477C9}" srcId="{682FE7E9-40F6-403E-A4BE-D4589E13F3E2}" destId="{7C7C674E-2C75-4755-AD7F-BA9A26058DC3}" srcOrd="1" destOrd="0" parTransId="{96354346-7130-4CF6-B537-7493B358C868}" sibTransId="{DC46D681-78B5-4A0A-9CD6-EDBB39164EF0}"/>
+    <dgm:cxn modelId="{BB648B41-22BC-4F31-945C-1CDBD955CD4D}" srcId="{682FE7E9-40F6-403E-A4BE-D4589E13F3E2}" destId="{9743FC2A-583D-4B91-983A-9EB583839D46}" srcOrd="0" destOrd="0" parTransId="{BC0D5F80-5BC9-4792-8DC0-3833F104C0F6}" sibTransId="{7CA67892-A046-438E-A4C9-F4FE6E4E0FE0}"/>
+    <dgm:cxn modelId="{70247566-C78B-459F-9020-72985F697527}" srcId="{682FE7E9-40F6-403E-A4BE-D4589E13F3E2}" destId="{D8B7E752-7C46-4525-AE79-45B9E3374287}" srcOrd="2" destOrd="0" parTransId="{4CFA4221-B117-4836-AE1E-BEA2541E558F}" sibTransId="{824E83AD-BF95-4A93-84FE-80CB8FADD71E}"/>
+    <dgm:cxn modelId="{AD87F84D-EA54-45B5-8BAF-D6A021A878FD}" type="presOf" srcId="{9743FC2A-583D-4B91-983A-9EB583839D46}" destId="{96B4CB27-0985-4881-BC78-560A717E4ACC}" srcOrd="0" destOrd="0" presId="urn:microsoft.com/office/officeart/2005/8/layout/process1"/>
+    <dgm:cxn modelId="{33A7F983-7F40-49EB-A1BB-FF9A566AB52E}" type="presOf" srcId="{7CA67892-A046-438E-A4C9-F4FE6E4E0FE0}" destId="{BEB1022D-A29C-47B8-AFE7-A74AB7B6A464}" srcOrd="1" destOrd="0" presId="urn:microsoft.com/office/officeart/2005/8/layout/process1"/>
+    <dgm:cxn modelId="{3511B18A-FA64-43A8-BBFE-B88249523B6A}" type="presOf" srcId="{682FE7E9-40F6-403E-A4BE-D4589E13F3E2}" destId="{A50D1419-57A5-41E5-8694-9058A86ABD72}" srcOrd="0" destOrd="0" presId="urn:microsoft.com/office/officeart/2005/8/layout/process1"/>
+    <dgm:cxn modelId="{9825CCA6-11D0-416E-ABB3-C774C685FC44}" type="presOf" srcId="{824E83AD-BF95-4A93-84FE-80CB8FADD71E}" destId="{26F314A1-75AC-41C6-952B-B06855D52854}" srcOrd="0" destOrd="0" presId="urn:microsoft.com/office/officeart/2005/8/layout/process1"/>
+    <dgm:cxn modelId="{1C6E22AF-37F6-4C35-9E8A-69FF2BD1C663}" type="presOf" srcId="{DC46D681-78B5-4A0A-9CD6-EDBB39164EF0}" destId="{4F28FCDB-8EF6-4EB0-AA89-FF1126B2EEC8}" srcOrd="0" destOrd="0" presId="urn:microsoft.com/office/officeart/2005/8/layout/process1"/>
+    <dgm:cxn modelId="{8B3F85BF-FE33-4B6A-B393-F25CD445924A}" type="presOf" srcId="{FE2C76ED-FAB8-4261-AA0B-8250E7C6AB32}" destId="{3DB1EF96-4CCD-4D99-A337-D7991D940CF4}" srcOrd="0" destOrd="0" presId="urn:microsoft.com/office/officeart/2005/8/layout/process1"/>
+    <dgm:cxn modelId="{A7A582CD-EA93-491D-8364-3273C980E2BF}" type="presOf" srcId="{7CA67892-A046-438E-A4C9-F4FE6E4E0FE0}" destId="{91B26250-FE89-4D44-AA6F-63099A0037E9}" srcOrd="0" destOrd="0" presId="urn:microsoft.com/office/officeart/2005/8/layout/process1"/>
+    <dgm:cxn modelId="{B334A1D1-DC63-4175-919A-5FC7B5BA7D24}" type="presOf" srcId="{7C7C674E-2C75-4755-AD7F-BA9A26058DC3}" destId="{FFEB7422-E402-430D-BC2E-CE25F4A1C67E}" srcOrd="0" destOrd="0" presId="urn:microsoft.com/office/officeart/2005/8/layout/process1"/>
+    <dgm:cxn modelId="{8BAF5FE1-A550-4986-BC41-B8E712CD8A8D}" type="presOf" srcId="{D8B7E752-7C46-4525-AE79-45B9E3374287}" destId="{04DE9AEB-21B2-4F56-AD91-E5AB4FB56386}" srcOrd="0" destOrd="0" presId="urn:microsoft.com/office/officeart/2005/8/layout/process1"/>
+    <dgm:cxn modelId="{388C7AF6-55EC-467B-B9AE-709855905586}" type="presOf" srcId="{824E83AD-BF95-4A93-84FE-80CB8FADD71E}" destId="{2B5B57B0-D536-4D0D-B7F3-FBB8D32956FF}" srcOrd="1" destOrd="0" presId="urn:microsoft.com/office/officeart/2005/8/layout/process1"/>
+    <dgm:cxn modelId="{8ADECCFB-24BF-4CF5-92A5-787C481B0605}" srcId="{682FE7E9-40F6-403E-A4BE-D4589E13F3E2}" destId="{FE2C76ED-FAB8-4261-AA0B-8250E7C6AB32}" srcOrd="3" destOrd="0" parTransId="{DE27195E-D86E-4E74-99E0-EDAFDFC0616F}" sibTransId="{EC270093-2856-41CA-A18B-340130418B08}"/>
+    <dgm:cxn modelId="{2874F62C-44F3-487D-A752-B68BC230670C}" type="presParOf" srcId="{A50D1419-57A5-41E5-8694-9058A86ABD72}" destId="{96B4CB27-0985-4881-BC78-560A717E4ACC}" srcOrd="0" destOrd="0" presId="urn:microsoft.com/office/officeart/2005/8/layout/process1"/>
+    <dgm:cxn modelId="{A8E31491-6B07-4376-8571-F820D758553B}" type="presParOf" srcId="{A50D1419-57A5-41E5-8694-9058A86ABD72}" destId="{91B26250-FE89-4D44-AA6F-63099A0037E9}" srcOrd="1" destOrd="0" presId="urn:microsoft.com/office/officeart/2005/8/layout/process1"/>
+    <dgm:cxn modelId="{33388FC1-DA91-4D49-BBFF-1ADD8FC0EB1B}" type="presParOf" srcId="{91B26250-FE89-4D44-AA6F-63099A0037E9}" destId="{BEB1022D-A29C-47B8-AFE7-A74AB7B6A464}" srcOrd="0" destOrd="0" presId="urn:microsoft.com/office/officeart/2005/8/layout/process1"/>
+    <dgm:cxn modelId="{2794BF39-9B41-49E1-8992-279FABF9B814}" type="presParOf" srcId="{A50D1419-57A5-41E5-8694-9058A86ABD72}" destId="{FFEB7422-E402-430D-BC2E-CE25F4A1C67E}" srcOrd="2" destOrd="0" presId="urn:microsoft.com/office/officeart/2005/8/layout/process1"/>
+    <dgm:cxn modelId="{05E5AB4A-C340-42E6-B867-3B5F51EEA715}" type="presParOf" srcId="{A50D1419-57A5-41E5-8694-9058A86ABD72}" destId="{4F28FCDB-8EF6-4EB0-AA89-FF1126B2EEC8}" srcOrd="3" destOrd="0" presId="urn:microsoft.com/office/officeart/2005/8/layout/process1"/>
+    <dgm:cxn modelId="{3DC72818-E610-4775-A5A8-5A31134289F7}" type="presParOf" srcId="{4F28FCDB-8EF6-4EB0-AA89-FF1126B2EEC8}" destId="{A9DB5B70-C152-4D58-9D0E-569F9F47B11A}" srcOrd="0" destOrd="0" presId="urn:microsoft.com/office/officeart/2005/8/layout/process1"/>
+    <dgm:cxn modelId="{3C2050B6-3AD7-43D4-A612-634B4F13E484}" type="presParOf" srcId="{A50D1419-57A5-41E5-8694-9058A86ABD72}" destId="{04DE9AEB-21B2-4F56-AD91-E5AB4FB56386}" srcOrd="4" destOrd="0" presId="urn:microsoft.com/office/officeart/2005/8/layout/process1"/>
+    <dgm:cxn modelId="{6D262163-A9A3-4E4B-89F3-DADA8F0F1414}" type="presParOf" srcId="{A50D1419-57A5-41E5-8694-9058A86ABD72}" destId="{26F314A1-75AC-41C6-952B-B06855D52854}" srcOrd="5" destOrd="0" presId="urn:microsoft.com/office/officeart/2005/8/layout/process1"/>
+    <dgm:cxn modelId="{97DDE21F-5A09-4DC5-AB75-E76ADBAEBE97}" type="presParOf" srcId="{26F314A1-75AC-41C6-952B-B06855D52854}" destId="{2B5B57B0-D536-4D0D-B7F3-FBB8D32956FF}" srcOrd="0" destOrd="0" presId="urn:microsoft.com/office/officeart/2005/8/layout/process1"/>
+    <dgm:cxn modelId="{B82F1837-A78D-4C54-A563-F40D40A0A223}" type="presParOf" srcId="{A50D1419-57A5-41E5-8694-9058A86ABD72}" destId="{3DB1EF96-4CCD-4D99-A337-D7991D940CF4}" srcOrd="6" destOrd="0" presId="urn:microsoft.com/office/officeart/2005/8/layout/process1"/>
+  </dgm:cxnLst>
+  <dgm:bg/>
+  <dgm:whole/>
+  <dgm:extLst>
+    <a:ext uri="http://schemas.microsoft.com/office/drawing/2008/diagram">
+      <dsp:dataModelExt xmlns:dsp="http://schemas.microsoft.com/office/drawing/2008/diagram" relId="rId9" minVer="http://schemas.openxmlformats.org/drawingml/2006/diagram"/>
+    </a:ext>
+  </dgm:extLst>
+</dgm:dataModel>
+</file>
+
+<file path=ppt/diagrams/drawing1.xml><?xml version="1.0" encoding="utf-8"?>
+<dsp:drawing xmlns:dgm="http://schemas.openxmlformats.org/drawingml/2006/diagram" xmlns:dsp="http://schemas.microsoft.com/office/drawing/2008/diagram" xmlns:a="http://schemas.openxmlformats.org/drawingml/2006/main">
+  <dsp:spTree>
+    <dsp:nvGrpSpPr>
+      <dsp:cNvPr id="0" name=""/>
+      <dsp:cNvGrpSpPr/>
+    </dsp:nvGrpSpPr>
+    <dsp:grpSpPr/>
+    <dsp:sp modelId="{96B4CB27-0985-4881-BC78-560A717E4ACC}">
+      <dsp:nvSpPr>
+        <dsp:cNvPr id="0" name=""/>
+        <dsp:cNvSpPr/>
+      </dsp:nvSpPr>
+      <dsp:spPr>
+        <a:xfrm>
+          <a:off x="2678" y="1614732"/>
+          <a:ext cx="1171277" cy="834535"/>
+        </a:xfrm>
+        <a:prstGeom prst="roundRect">
+          <a:avLst>
+            <a:gd name="adj" fmla="val 10000"/>
+          </a:avLst>
+        </a:prstGeom>
+        <a:solidFill>
+          <a:schemeClr val="accent1">
+            <a:hueOff val="0"/>
+            <a:satOff val="0"/>
+            <a:lumOff val="0"/>
+            <a:alphaOff val="0"/>
+          </a:schemeClr>
+        </a:solidFill>
+        <a:ln w="25400" cap="flat" cmpd="sng" algn="ctr">
+          <a:solidFill>
+            <a:schemeClr val="lt1">
+              <a:hueOff val="0"/>
+              <a:satOff val="0"/>
+              <a:lumOff val="0"/>
+              <a:alphaOff val="0"/>
+            </a:schemeClr>
+          </a:solidFill>
+          <a:prstDash val="solid"/>
+        </a:ln>
+        <a:effectLst/>
+      </dsp:spPr>
+      <dsp:style>
+        <a:lnRef idx="2">
+          <a:scrgbClr r="0" g="0" b="0"/>
+        </a:lnRef>
+        <a:fillRef idx="1">
+          <a:scrgbClr r="0" g="0" b="0"/>
+        </a:fillRef>
+        <a:effectRef idx="0">
+          <a:scrgbClr r="0" g="0" b="0"/>
+        </a:effectRef>
+        <a:fontRef idx="minor">
+          <a:schemeClr val="lt1"/>
+        </a:fontRef>
+      </dsp:style>
+      <dsp:txBody>
+        <a:bodyPr spcFirstLastPara="0" vert="horz" wrap="square" lIns="64770" tIns="64770" rIns="64770" bIns="64770" numCol="1" spcCol="1270" anchor="ctr" anchorCtr="0">
+          <a:noAutofit/>
+        </a:bodyPr>
+        <a:lstStyle/>
+        <a:p>
+          <a:pPr marL="0" lvl="0" indent="0" algn="ctr" defTabSz="755650">
+            <a:lnSpc>
+              <a:spcPct val="90000"/>
+            </a:lnSpc>
+            <a:spcBef>
+              <a:spcPct val="0"/>
+            </a:spcBef>
+            <a:spcAft>
+              <a:spcPct val="35000"/>
+            </a:spcAft>
+            <a:buNone/>
+          </a:pPr>
+          <a:r>
+            <a:rPr lang="en-US" altLang="zh-TW" sz="1700" kern="1200" dirty="0">
+              <a:solidFill>
+                <a:srgbClr val="000000"/>
+              </a:solidFill>
+              <a:latin typeface="Arial"/>
+              <a:ea typeface="新細明體" panose="02020500000000000000" pitchFamily="18" charset="-120"/>
+              <a:cs typeface="+mn-cs"/>
+            </a:rPr>
+            <a:t>input</a:t>
+          </a:r>
+          <a:endParaRPr lang="zh-TW" altLang="en-US" sz="1700" kern="1200" dirty="0">
+            <a:solidFill>
+              <a:srgbClr val="000000"/>
+            </a:solidFill>
+            <a:latin typeface="Arial"/>
+            <a:ea typeface="新細明體" panose="02020500000000000000" pitchFamily="18" charset="-120"/>
+            <a:cs typeface="+mn-cs"/>
+          </a:endParaRPr>
+        </a:p>
+      </dsp:txBody>
+      <dsp:txXfrm>
+        <a:off x="27121" y="1639175"/>
+        <a:ext cx="1122391" cy="785649"/>
+      </dsp:txXfrm>
+    </dsp:sp>
+    <dsp:sp modelId="{91B26250-FE89-4D44-AA6F-63099A0037E9}">
+      <dsp:nvSpPr>
+        <dsp:cNvPr id="0" name=""/>
+        <dsp:cNvSpPr/>
+      </dsp:nvSpPr>
+      <dsp:spPr>
+        <a:xfrm>
+          <a:off x="1291083" y="1886761"/>
+          <a:ext cx="248310" cy="290476"/>
+        </a:xfrm>
+        <a:prstGeom prst="rightArrow">
+          <a:avLst>
+            <a:gd name="adj1" fmla="val 60000"/>
+            <a:gd name="adj2" fmla="val 50000"/>
+          </a:avLst>
+        </a:prstGeom>
+        <a:solidFill>
+          <a:schemeClr val="accent1">
+            <a:tint val="60000"/>
+            <a:hueOff val="0"/>
+            <a:satOff val="0"/>
+            <a:lumOff val="0"/>
+            <a:alphaOff val="0"/>
+          </a:schemeClr>
+        </a:solidFill>
+        <a:ln>
+          <a:noFill/>
+        </a:ln>
+        <a:effectLst/>
+      </dsp:spPr>
+      <dsp:style>
+        <a:lnRef idx="0">
+          <a:scrgbClr r="0" g="0" b="0"/>
+        </a:lnRef>
+        <a:fillRef idx="1">
+          <a:scrgbClr r="0" g="0" b="0"/>
+        </a:fillRef>
+        <a:effectRef idx="0">
+          <a:scrgbClr r="0" g="0" b="0"/>
+        </a:effectRef>
+        <a:fontRef idx="minor">
+          <a:schemeClr val="lt1"/>
+        </a:fontRef>
+      </dsp:style>
+      <dsp:txBody>
+        <a:bodyPr spcFirstLastPara="0" vert="horz" wrap="square" lIns="0" tIns="0" rIns="0" bIns="0" numCol="1" spcCol="1270" anchor="ctr" anchorCtr="0">
+          <a:noAutofit/>
+        </a:bodyPr>
+        <a:lstStyle/>
+        <a:p>
+          <a:pPr marL="0" lvl="0" indent="0" algn="ctr" defTabSz="577850">
+            <a:lnSpc>
+              <a:spcPct val="90000"/>
+            </a:lnSpc>
+            <a:spcBef>
+              <a:spcPct val="0"/>
+            </a:spcBef>
+            <a:spcAft>
+              <a:spcPct val="35000"/>
+            </a:spcAft>
+            <a:buNone/>
+          </a:pPr>
+          <a:endParaRPr lang="zh-TW" altLang="en-US" sz="1300" kern="1200"/>
+        </a:p>
+      </dsp:txBody>
+      <dsp:txXfrm>
+        <a:off x="1291083" y="1944856"/>
+        <a:ext cx="173817" cy="174286"/>
+      </dsp:txXfrm>
+    </dsp:sp>
+    <dsp:sp modelId="{FFEB7422-E402-430D-BC2E-CE25F4A1C67E}">
+      <dsp:nvSpPr>
+        <dsp:cNvPr id="0" name=""/>
+        <dsp:cNvSpPr/>
+      </dsp:nvSpPr>
+      <dsp:spPr>
+        <a:xfrm>
+          <a:off x="1642467" y="1614732"/>
+          <a:ext cx="1171277" cy="834535"/>
+        </a:xfrm>
+        <a:prstGeom prst="roundRect">
+          <a:avLst>
+            <a:gd name="adj" fmla="val 10000"/>
+          </a:avLst>
+        </a:prstGeom>
+        <a:solidFill>
+          <a:schemeClr val="accent1">
+            <a:hueOff val="0"/>
+            <a:satOff val="0"/>
+            <a:lumOff val="0"/>
+            <a:alphaOff val="0"/>
+          </a:schemeClr>
+        </a:solidFill>
+        <a:ln w="25400" cap="flat" cmpd="sng" algn="ctr">
+          <a:solidFill>
+            <a:schemeClr val="lt1">
+              <a:hueOff val="0"/>
+              <a:satOff val="0"/>
+              <a:lumOff val="0"/>
+              <a:alphaOff val="0"/>
+            </a:schemeClr>
+          </a:solidFill>
+          <a:prstDash val="solid"/>
+        </a:ln>
+        <a:effectLst/>
+      </dsp:spPr>
+      <dsp:style>
+        <a:lnRef idx="2">
+          <a:scrgbClr r="0" g="0" b="0"/>
+        </a:lnRef>
+        <a:fillRef idx="1">
+          <a:scrgbClr r="0" g="0" b="0"/>
+        </a:fillRef>
+        <a:effectRef idx="0">
+          <a:scrgbClr r="0" g="0" b="0"/>
+        </a:effectRef>
+        <a:fontRef idx="minor">
+          <a:schemeClr val="lt1"/>
+        </a:fontRef>
+      </dsp:style>
+      <dsp:txBody>
+        <a:bodyPr spcFirstLastPara="0" vert="horz" wrap="square" lIns="64770" tIns="64770" rIns="64770" bIns="64770" numCol="1" spcCol="1270" anchor="ctr" anchorCtr="0">
+          <a:noAutofit/>
+        </a:bodyPr>
+        <a:lstStyle/>
+        <a:p>
+          <a:pPr marL="0" lvl="0" indent="0" algn="ctr" defTabSz="755650">
+            <a:lnSpc>
+              <a:spcPct val="90000"/>
+            </a:lnSpc>
+            <a:spcBef>
+              <a:spcPct val="0"/>
+            </a:spcBef>
+            <a:spcAft>
+              <a:spcPct val="35000"/>
+            </a:spcAft>
+            <a:buNone/>
+          </a:pPr>
+          <a:r>
+            <a:rPr lang="en-US" altLang="en-US" sz="1700" kern="1200" dirty="0">
+              <a:solidFill>
+                <a:srgbClr val="000000"/>
+              </a:solidFill>
+              <a:latin typeface="Arial"/>
+              <a:ea typeface="新細明體" panose="02020500000000000000" pitchFamily="18" charset="-120"/>
+              <a:cs typeface="+mn-cs"/>
+            </a:rPr>
+            <a:t>Word2vec</a:t>
+          </a:r>
+          <a:endParaRPr lang="zh-TW" altLang="en-US" sz="1700" kern="1200" dirty="0">
+            <a:solidFill>
+              <a:srgbClr val="000000"/>
+            </a:solidFill>
+            <a:latin typeface="Arial"/>
+            <a:ea typeface="新細明體" panose="02020500000000000000" pitchFamily="18" charset="-120"/>
+            <a:cs typeface="+mn-cs"/>
+          </a:endParaRPr>
+        </a:p>
+      </dsp:txBody>
+      <dsp:txXfrm>
+        <a:off x="1666910" y="1639175"/>
+        <a:ext cx="1122391" cy="785649"/>
+      </dsp:txXfrm>
+    </dsp:sp>
+    <dsp:sp modelId="{4F28FCDB-8EF6-4EB0-AA89-FF1126B2EEC8}">
+      <dsp:nvSpPr>
+        <dsp:cNvPr id="0" name=""/>
+        <dsp:cNvSpPr/>
+      </dsp:nvSpPr>
+      <dsp:spPr>
+        <a:xfrm>
+          <a:off x="2930872" y="1886761"/>
+          <a:ext cx="248310" cy="290476"/>
+        </a:xfrm>
+        <a:prstGeom prst="rightArrow">
+          <a:avLst>
+            <a:gd name="adj1" fmla="val 60000"/>
+            <a:gd name="adj2" fmla="val 50000"/>
+          </a:avLst>
+        </a:prstGeom>
+        <a:solidFill>
+          <a:schemeClr val="accent1">
+            <a:tint val="60000"/>
+            <a:hueOff val="0"/>
+            <a:satOff val="0"/>
+            <a:lumOff val="0"/>
+            <a:alphaOff val="0"/>
+          </a:schemeClr>
+        </a:solidFill>
+        <a:ln>
+          <a:noFill/>
+        </a:ln>
+        <a:effectLst/>
+      </dsp:spPr>
+      <dsp:style>
+        <a:lnRef idx="0">
+          <a:scrgbClr r="0" g="0" b="0"/>
+        </a:lnRef>
+        <a:fillRef idx="1">
+          <a:scrgbClr r="0" g="0" b="0"/>
+        </a:fillRef>
+        <a:effectRef idx="0">
+          <a:scrgbClr r="0" g="0" b="0"/>
+        </a:effectRef>
+        <a:fontRef idx="minor">
+          <a:schemeClr val="lt1"/>
+        </a:fontRef>
+      </dsp:style>
+      <dsp:txBody>
+        <a:bodyPr spcFirstLastPara="0" vert="horz" wrap="square" lIns="0" tIns="0" rIns="0" bIns="0" numCol="1" spcCol="1270" anchor="ctr" anchorCtr="0">
+          <a:noAutofit/>
+        </a:bodyPr>
+        <a:lstStyle/>
+        <a:p>
+          <a:pPr marL="0" lvl="0" indent="0" algn="ctr" defTabSz="577850">
+            <a:lnSpc>
+              <a:spcPct val="90000"/>
+            </a:lnSpc>
+            <a:spcBef>
+              <a:spcPct val="0"/>
+            </a:spcBef>
+            <a:spcAft>
+              <a:spcPct val="35000"/>
+            </a:spcAft>
+            <a:buNone/>
+          </a:pPr>
+          <a:endParaRPr lang="zh-TW" altLang="en-US" sz="1300" kern="1200"/>
+        </a:p>
+      </dsp:txBody>
+      <dsp:txXfrm>
+        <a:off x="2930872" y="1944856"/>
+        <a:ext cx="173817" cy="174286"/>
+      </dsp:txXfrm>
+    </dsp:sp>
+    <dsp:sp modelId="{04DE9AEB-21B2-4F56-AD91-E5AB4FB56386}">
+      <dsp:nvSpPr>
+        <dsp:cNvPr id="0" name=""/>
+        <dsp:cNvSpPr/>
+      </dsp:nvSpPr>
+      <dsp:spPr>
+        <a:xfrm>
+          <a:off x="3282255" y="1614732"/>
+          <a:ext cx="1171277" cy="834535"/>
+        </a:xfrm>
+        <a:prstGeom prst="roundRect">
+          <a:avLst>
+            <a:gd name="adj" fmla="val 10000"/>
+          </a:avLst>
+        </a:prstGeom>
+        <a:solidFill>
+          <a:schemeClr val="accent1">
+            <a:hueOff val="0"/>
+            <a:satOff val="0"/>
+            <a:lumOff val="0"/>
+            <a:alphaOff val="0"/>
+          </a:schemeClr>
+        </a:solidFill>
+        <a:ln w="25400" cap="flat" cmpd="sng" algn="ctr">
+          <a:solidFill>
+            <a:schemeClr val="lt1">
+              <a:hueOff val="0"/>
+              <a:satOff val="0"/>
+              <a:lumOff val="0"/>
+              <a:alphaOff val="0"/>
+            </a:schemeClr>
+          </a:solidFill>
+          <a:prstDash val="solid"/>
+        </a:ln>
+        <a:effectLst/>
+      </dsp:spPr>
+      <dsp:style>
+        <a:lnRef idx="2">
+          <a:scrgbClr r="0" g="0" b="0"/>
+        </a:lnRef>
+        <a:fillRef idx="1">
+          <a:scrgbClr r="0" g="0" b="0"/>
+        </a:fillRef>
+        <a:effectRef idx="0">
+          <a:scrgbClr r="0" g="0" b="0"/>
+        </a:effectRef>
+        <a:fontRef idx="minor">
+          <a:schemeClr val="lt1"/>
+        </a:fontRef>
+      </dsp:style>
+      <dsp:txBody>
+        <a:bodyPr spcFirstLastPara="0" vert="horz" wrap="square" lIns="60960" tIns="60960" rIns="60960" bIns="60960" numCol="1" spcCol="1270" anchor="ctr" anchorCtr="0">
+          <a:noAutofit/>
+        </a:bodyPr>
+        <a:lstStyle/>
+        <a:p>
+          <a:pPr marL="0" lvl="0" indent="0" algn="ctr" defTabSz="755650">
+            <a:lnSpc>
+              <a:spcPct val="90000"/>
+            </a:lnSpc>
+            <a:spcBef>
+              <a:spcPct val="0"/>
+            </a:spcBef>
+            <a:spcAft>
+              <a:spcPct val="35000"/>
+            </a:spcAft>
+            <a:buNone/>
+          </a:pPr>
+          <a:r>
+            <a:rPr lang="zh-TW" altLang="en-US" sz="1600" kern="1200" dirty="0">
+              <a:solidFill>
+                <a:srgbClr val="000000"/>
+              </a:solidFill>
+              <a:latin typeface="微軟正黑體" panose="020B0604030504040204" pitchFamily="34" charset="-120"/>
+              <a:ea typeface="微軟正黑體" panose="020B0604030504040204" pitchFamily="34" charset="-120"/>
+              <a:cs typeface="+mn-cs"/>
+            </a:rPr>
+            <a:t>法律用語的替換</a:t>
+          </a:r>
+        </a:p>
+      </dsp:txBody>
+      <dsp:txXfrm>
+        <a:off x="3306698" y="1639175"/>
+        <a:ext cx="1122391" cy="785649"/>
+      </dsp:txXfrm>
+    </dsp:sp>
+    <dsp:sp modelId="{26F314A1-75AC-41C6-952B-B06855D52854}">
+      <dsp:nvSpPr>
+        <dsp:cNvPr id="0" name=""/>
+        <dsp:cNvSpPr/>
+      </dsp:nvSpPr>
+      <dsp:spPr>
+        <a:xfrm>
+          <a:off x="4570660" y="1886761"/>
+          <a:ext cx="248310" cy="290476"/>
+        </a:xfrm>
+        <a:prstGeom prst="rightArrow">
+          <a:avLst>
+            <a:gd name="adj1" fmla="val 60000"/>
+            <a:gd name="adj2" fmla="val 50000"/>
+          </a:avLst>
+        </a:prstGeom>
+        <a:solidFill>
+          <a:schemeClr val="accent1">
+            <a:tint val="60000"/>
+            <a:hueOff val="0"/>
+            <a:satOff val="0"/>
+            <a:lumOff val="0"/>
+            <a:alphaOff val="0"/>
+          </a:schemeClr>
+        </a:solidFill>
+        <a:ln>
+          <a:noFill/>
+        </a:ln>
+        <a:effectLst/>
+      </dsp:spPr>
+      <dsp:style>
+        <a:lnRef idx="0">
+          <a:scrgbClr r="0" g="0" b="0"/>
+        </a:lnRef>
+        <a:fillRef idx="1">
+          <a:scrgbClr r="0" g="0" b="0"/>
+        </a:fillRef>
+        <a:effectRef idx="0">
+          <a:scrgbClr r="0" g="0" b="0"/>
+        </a:effectRef>
+        <a:fontRef idx="minor">
+          <a:schemeClr val="lt1"/>
+        </a:fontRef>
+      </dsp:style>
+      <dsp:txBody>
+        <a:bodyPr spcFirstLastPara="0" vert="horz" wrap="square" lIns="0" tIns="0" rIns="0" bIns="0" numCol="1" spcCol="1270" anchor="ctr" anchorCtr="0">
+          <a:noAutofit/>
+        </a:bodyPr>
+        <a:lstStyle/>
+        <a:p>
+          <a:pPr marL="0" lvl="0" indent="0" algn="ctr" defTabSz="577850">
+            <a:lnSpc>
+              <a:spcPct val="90000"/>
+            </a:lnSpc>
+            <a:spcBef>
+              <a:spcPct val="0"/>
+            </a:spcBef>
+            <a:spcAft>
+              <a:spcPct val="35000"/>
+            </a:spcAft>
+            <a:buNone/>
+          </a:pPr>
+          <a:endParaRPr lang="zh-TW" altLang="en-US" sz="1300" kern="1200"/>
+        </a:p>
+      </dsp:txBody>
+      <dsp:txXfrm>
+        <a:off x="4570660" y="1944856"/>
+        <a:ext cx="173817" cy="174286"/>
+      </dsp:txXfrm>
+    </dsp:sp>
+    <dsp:sp modelId="{3DB1EF96-4CCD-4D99-A337-D7991D940CF4}">
+      <dsp:nvSpPr>
+        <dsp:cNvPr id="0" name=""/>
+        <dsp:cNvSpPr/>
+      </dsp:nvSpPr>
+      <dsp:spPr>
+        <a:xfrm>
+          <a:off x="4922043" y="1614732"/>
+          <a:ext cx="1171277" cy="834535"/>
+        </a:xfrm>
+        <a:prstGeom prst="roundRect">
+          <a:avLst>
+            <a:gd name="adj" fmla="val 10000"/>
+          </a:avLst>
+        </a:prstGeom>
+        <a:solidFill>
+          <a:schemeClr val="accent1">
+            <a:hueOff val="0"/>
+            <a:satOff val="0"/>
+            <a:lumOff val="0"/>
+            <a:alphaOff val="0"/>
+          </a:schemeClr>
+        </a:solidFill>
+        <a:ln w="25400" cap="flat" cmpd="sng" algn="ctr">
+          <a:solidFill>
+            <a:schemeClr val="lt1">
+              <a:hueOff val="0"/>
+              <a:satOff val="0"/>
+              <a:lumOff val="0"/>
+              <a:alphaOff val="0"/>
+            </a:schemeClr>
+          </a:solidFill>
+          <a:prstDash val="solid"/>
+        </a:ln>
+        <a:effectLst/>
+      </dsp:spPr>
+      <dsp:style>
+        <a:lnRef idx="2">
+          <a:scrgbClr r="0" g="0" b="0"/>
+        </a:lnRef>
+        <a:fillRef idx="1">
+          <a:scrgbClr r="0" g="0" b="0"/>
+        </a:fillRef>
+        <a:effectRef idx="0">
+          <a:scrgbClr r="0" g="0" b="0"/>
+        </a:effectRef>
+        <a:fontRef idx="minor">
+          <a:schemeClr val="lt1"/>
+        </a:fontRef>
+      </dsp:style>
+      <dsp:txBody>
+        <a:bodyPr spcFirstLastPara="0" vert="horz" wrap="square" lIns="64770" tIns="64770" rIns="64770" bIns="64770" numCol="1" spcCol="1270" anchor="ctr" anchorCtr="0">
+          <a:noAutofit/>
+        </a:bodyPr>
+        <a:lstStyle/>
+        <a:p>
+          <a:pPr marL="0" lvl="0" indent="0" algn="ctr" defTabSz="755650">
+            <a:lnSpc>
+              <a:spcPct val="90000"/>
+            </a:lnSpc>
+            <a:spcBef>
+              <a:spcPct val="0"/>
+            </a:spcBef>
+            <a:spcAft>
+              <a:spcPct val="35000"/>
+            </a:spcAft>
+            <a:buNone/>
+          </a:pPr>
+          <a:r>
+            <a:rPr lang="en-US" altLang="zh-TW" sz="1700" kern="1200" dirty="0">
+              <a:solidFill>
+                <a:srgbClr val="000000"/>
+              </a:solidFill>
+              <a:latin typeface="Arial"/>
+              <a:ea typeface="新細明體" panose="02020500000000000000" pitchFamily="18" charset="-120"/>
+              <a:cs typeface="+mn-cs"/>
+            </a:rPr>
+            <a:t>output</a:t>
+          </a:r>
+          <a:endParaRPr lang="zh-TW" altLang="en-US" sz="1700" kern="1200" dirty="0">
+            <a:solidFill>
+              <a:srgbClr val="000000"/>
+            </a:solidFill>
+            <a:latin typeface="Arial"/>
+            <a:ea typeface="新細明體" panose="02020500000000000000" pitchFamily="18" charset="-120"/>
+            <a:cs typeface="+mn-cs"/>
+          </a:endParaRPr>
+        </a:p>
+      </dsp:txBody>
+      <dsp:txXfrm>
+        <a:off x="4946486" y="1639175"/>
+        <a:ext cx="1122391" cy="785649"/>
+      </dsp:txXfrm>
+    </dsp:sp>
+  </dsp:spTree>
+</dsp:drawing>
+</file>
+
+<file path=ppt/diagrams/layout1.xml><?xml version="1.0" encoding="utf-8"?>
+<dgm:layoutDef xmlns:dgm="http://schemas.openxmlformats.org/drawingml/2006/diagram" xmlns:a="http://schemas.openxmlformats.org/drawingml/2006/main" uniqueId="urn:microsoft.com/office/officeart/2005/8/layout/process1">
+  <dgm:title val=""/>
+  <dgm:desc val=""/>
+  <dgm:catLst>
+    <dgm:cat type="process" pri="1000"/>
+    <dgm:cat type="convert" pri="15000"/>
+  </dgm:catLst>
+  <dgm:sampData useDef="1">
+    <dgm:dataModel>
+      <dgm:ptLst/>
+      <dgm:bg/>
+      <dgm:whole/>
+    </dgm:dataModel>
+  </dgm:sampData>
+  <dgm:styleData>
+    <dgm:dataModel>
+      <dgm:ptLst>
+        <dgm:pt modelId="0" type="doc"/>
+        <dgm:pt modelId="1"/>
+        <dgm:pt modelId="2"/>
+      </dgm:ptLst>
+      <dgm:cxnLst>
+        <dgm:cxn modelId="3" srcId="0" destId="1" srcOrd="0" destOrd="0"/>
+        <dgm:cxn modelId="4" srcId="0" destId="2" srcOrd="1" destOrd="0"/>
+      </dgm:cxnLst>
+      <dgm:bg/>
+      <dgm:whole/>
+    </dgm:dataModel>
+  </dgm:styleData>
+  <dgm:clrData>
+    <dgm:dataModel>
+      <dgm:ptLst>
+        <dgm:pt modelId="0" type="doc"/>
+        <dgm:pt modelId="1"/>
+        <dgm:pt modelId="2"/>
+        <dgm:pt modelId="3"/>
+        <dgm:pt modelId="4"/>
+      </dgm:ptLst>
+      <dgm:cxnLst>
+        <dgm:cxn modelId="5" srcId="0" destId="1" srcOrd="0" destOrd="0"/>
+        <dgm:cxn modelId="6" srcId="0" destId="2" srcOrd="1" destOrd="0"/>
+        <dgm:cxn modelId="7" srcId="0" destId="3" srcOrd="2" destOrd="0"/>
+        <dgm:cxn modelId="8" srcId="0" destId="4" srcOrd="3" destOrd="0"/>
+      </dgm:cxnLst>
+      <dgm:bg/>
+      <dgm:whole/>
+    </dgm:dataModel>
+  </dgm:clrData>
+  <dgm:layoutNode name="Name0">
+    <dgm:varLst>
+      <dgm:dir/>
+      <dgm:resizeHandles val="exact"/>
+    </dgm:varLst>
+    <dgm:choose name="Name1">
+      <dgm:if name="Name2" func="var" arg="dir" op="equ" val="norm">
+        <dgm:alg type="lin"/>
+      </dgm:if>
+      <dgm:else name="Name3">
+        <dgm:alg type="lin">
+          <dgm:param type="linDir" val="fromR"/>
+        </dgm:alg>
+      </dgm:else>
+    </dgm:choose>
+    <dgm:shape xmlns:r="http://schemas.openxmlformats.org/officeDocument/2006/relationships" r:blip="">
+      <dgm:adjLst/>
+    </dgm:shape>
+    <dgm:presOf/>
+    <dgm:constrLst>
+      <dgm:constr type="w" for="ch" ptType="node" refType="w"/>
+      <dgm:constr type="h" for="ch" ptType="node" op="equ"/>
+      <dgm:constr type="primFontSz" for="ch" ptType="node" op="equ" val="65"/>
+      <dgm:constr type="w" for="ch" ptType="sibTrans" refType="w" refFor="ch" refPtType="node" op="equ" fact="0.4"/>
+      <dgm:constr type="h" for="ch" ptType="sibTrans" op="equ"/>
+      <dgm:constr type="primFontSz" for="des" forName="connectorText" op="equ" val="55"/>
+      <dgm:constr type="primFontSz" for="des" forName="connectorText" refType="primFontSz" refFor="ch" refPtType="node" op="lte" fact="0.8"/>
+    </dgm:constrLst>
+    <dgm:ruleLst/>
+    <dgm:forEach name="nodesForEach" axis="ch" ptType="node">
+      <dgm:layoutNode name="node">
+        <dgm:varLst>
+          <dgm:bulletEnabled val="1"/>
+        </dgm:varLst>
+        <dgm:alg type="tx"/>
+        <dgm:shape xmlns:r="http://schemas.openxmlformats.org/officeDocument/2006/relationships" type="roundRect" r:blip="">
+          <dgm:adjLst>
+            <dgm:adj idx="1" val="0.1"/>
+          </dgm:adjLst>
+        </dgm:shape>
+        <dgm:presOf axis="desOrSelf" ptType="node"/>
+        <dgm:constrLst>
+          <dgm:constr type="h" refType="w" fact="0.6"/>
+          <dgm:constr type="tMarg" refType="primFontSz" fact="0.3"/>
+          <dgm:constr type="bMarg" refType="primFontSz" fact="0.3"/>
+          <dgm:constr type="lMarg" refType="primFontSz" fact="0.3"/>
+          <dgm:constr type="rMarg" refType="primFontSz" fact="0.3"/>
+        </dgm:constrLst>
+        <dgm:ruleLst>
+          <dgm:rule type="primFontSz" val="18" fact="NaN" max="NaN"/>
+          <dgm:rule type="h" val="NaN" fact="1.5" max="NaN"/>
+          <dgm:rule type="primFontSz" val="5" fact="NaN" max="NaN"/>
+          <dgm:rule type="h" val="INF" fact="NaN" max="NaN"/>
+        </dgm:ruleLst>
+      </dgm:layoutNode>
+      <dgm:forEach name="sibTransForEach" axis="followSib" ptType="sibTrans" cnt="1">
+        <dgm:layoutNode name="sibTrans">
+          <dgm:alg type="conn">
+            <dgm:param type="begPts" val="auto"/>
+            <dgm:param type="endPts" val="auto"/>
+          </dgm:alg>
+          <dgm:shape xmlns:r="http://schemas.openxmlformats.org/officeDocument/2006/relationships" type="conn" r:blip="">
+            <dgm:adjLst/>
+          </dgm:shape>
+          <dgm:presOf axis="self"/>
+          <dgm:constrLst>
+            <dgm:constr type="h" refType="w" fact="0.62"/>
+            <dgm:constr type="connDist"/>
+            <dgm:constr type="begPad" refType="connDist" fact="0.25"/>
+            <dgm:constr type="endPad" refType="connDist" fact="0.22"/>
+          </dgm:constrLst>
+          <dgm:ruleLst/>
+          <dgm:layoutNode name="connectorText">
+            <dgm:alg type="tx">
+              <dgm:param type="autoTxRot" val="grav"/>
+            </dgm:alg>
+            <dgm:shape xmlns:r="http://schemas.openxmlformats.org/officeDocument/2006/relationships" type="conn" r:blip="" hideGeom="1">
+              <dgm:adjLst/>
+            </dgm:shape>
+            <dgm:presOf axis="self"/>
+            <dgm:constrLst>
+              <dgm:constr type="lMarg"/>
+              <dgm:constr type="rMarg"/>
+              <dgm:constr type="tMarg"/>
+              <dgm:constr type="bMarg"/>
+            </dgm:constrLst>
+            <dgm:ruleLst>
+              <dgm:rule type="primFontSz" val="5" fact="NaN" max="NaN"/>
+            </dgm:ruleLst>
+          </dgm:layoutNode>
+        </dgm:layoutNode>
+      </dgm:forEach>
+    </dgm:forEach>
+  </dgm:layoutNode>
+</dgm:layoutDef>
+</file>
+
+<file path=ppt/diagrams/quickStyle1.xml><?xml version="1.0" encoding="utf-8"?>
+<dgm:styleDef xmlns:dgm="http://schemas.openxmlformats.org/drawingml/2006/diagram" xmlns:a="http://schemas.openxmlformats.org/drawingml/2006/main" uniqueId="urn:microsoft.com/office/officeart/2005/8/quickstyle/simple1">
+  <dgm:title val=""/>
+  <dgm:desc val=""/>
+  <dgm:catLst>
+    <dgm:cat type="simple" pri="10100"/>
+  </dgm:catLst>
+  <dgm:scene3d>
+    <a:camera prst="orthographicFront"/>
+    <a:lightRig rig="threePt" dir="t"/>
+  </dgm:scene3d>
+  <dgm:styleLbl name="node0">
+    <dgm:scene3d>
+      <a:camera prst="orthographicFront"/>
+      <a:lightRig rig="threePt" dir="t"/>
+    </dgm:scene3d>
+    <dgm:sp3d/>
+    <dgm:txPr/>
+    <dgm:style>
+      <a:lnRef idx="2">
+        <a:scrgbClr r="0" g="0" b="0"/>
+      </a:lnRef>
+      <a:fillRef idx="1">
+        <a:scrgbClr r="0" g="0" b="0"/>
+      </a:fillRef>
+      <a:effectRef idx="0">
+        <a:scrgbClr r="0" g="0" b="0"/>
+      </a:effectRef>
+      <a:fontRef idx="minor">
+        <a:schemeClr val="lt1"/>
+      </a:fontRef>
+    </dgm:style>
+  </dgm:styleLbl>
+  <dgm:styleLbl name="lnNode1">
+    <dgm:scene3d>
+      <a:camera prst="orthographicFront"/>
+      <a:lightRig rig="threePt" dir="t"/>
+    </dgm:scene3d>
+    <dgm:sp3d/>
+    <dgm:txPr/>
+    <dgm:style>
+      <a:lnRef idx="2">
+        <a:scrgbClr r="0" g="0" b="0"/>
+      </a:lnRef>
+      <a:fillRef idx="1">
+        <a:scrgbClr r="0" g="0" b="0"/>
+      </a:fillRef>
+      <a:effectRef idx="0">
+        <a:scrgbClr r="0" g="0" b="0"/>
+      </a:effectRef>
+      <a:fontRef idx="minor">
+        <a:schemeClr val="lt1"/>
+      </a:fontRef>
+    </dgm:style>
+  </dgm:styleLbl>
+  <dgm:styleLbl name="vennNode1">
+    <dgm:scene3d>
+      <a:camera prst="orthographicFront"/>
+      <a:lightRig rig="threePt" dir="t"/>
+    </dgm:scene3d>
+    <dgm:sp3d/>
+    <dgm:txPr/>
+    <dgm:style>
+      <a:lnRef idx="2">
+        <a:scrgbClr r="0" g="0" b="0"/>
+      </a:lnRef>
+      <a:fillRef idx="1">
+        <a:scrgbClr r="0" g="0" b="0"/>
+      </a:fillRef>
+      <a:effectRef idx="0">
+        <a:scrgbClr r="0" g="0" b="0"/>
+      </a:effectRef>
+      <a:fontRef idx="minor">
+        <a:schemeClr val="tx1"/>
+      </a:fontRef>
+    </dgm:style>
+  </dgm:styleLbl>
+  <dgm:styleLbl name="alignNode1">
+    <dgm:scene3d>
+      <a:camera prst="orthographicFront"/>
+      <a:lightRig rig="threePt" dir="t"/>
+    </dgm:scene3d>
+    <dgm:sp3d/>
+    <dgm:txPr/>
+    <dgm:style>
+      <a:lnRef idx="2">
+        <a:scrgbClr r="0" g="0" b="0"/>
+      </a:lnRef>
+      <a:fillRef idx="1">
+        <a:scrgbClr r="0" g="0" b="0"/>
+      </a:fillRef>
+      <a:effectRef idx="0">
+        <a:scrgbClr r="0" g="0" b="0"/>
+      </a:effectRef>
+      <a:fontRef idx="minor">
+        <a:schemeClr val="lt1"/>
+      </a:fontRef>
+    </dgm:style>
+  </dgm:styleLbl>
+  <dgm:styleLbl name="node1">
+    <dgm:scene3d>
+      <a:camera prst="orthographicFront"/>
+      <a:lightRig rig="threePt" dir="t"/>
+    </dgm:scene3d>
+    <dgm:sp3d/>
+    <dgm:txPr/>
+    <dgm:style>
+      <a:lnRef idx="2">
+        <a:scrgbClr r="0" g="0" b="0"/>
+      </a:lnRef>
+      <a:fillRef idx="1">
+        <a:scrgbClr r="0" g="0" b="0"/>
+      </a:fillRef>
+      <a:effectRef idx="0">
+        <a:scrgbClr r="0" g="0" b="0"/>
+      </a:effectRef>
+      <a:fontRef idx="minor">
+        <a:schemeClr val="lt1"/>
+      </a:fontRef>
+    </dgm:style>
+  </dgm:styleLbl>
+  <dgm:styleLbl name="node2">
+    <dgm:scene3d>
+      <a:camera prst="orthographicFront"/>
+      <a:lightRig rig="threePt" dir="t"/>
+    </dgm:scene3d>
+    <dgm:sp3d/>
+    <dgm:txPr/>
+    <dgm:style>
+      <a:lnRef idx="2">
+        <a:scrgbClr r="0" g="0" b="0"/>
+      </a:lnRef>
+      <a:fillRef idx="1">
+        <a:scrgbClr r="0" g="0" b="0"/>
+      </a:fillRef>
+      <a:effectRef idx="0">
+        <a:scrgbClr r="0" g="0" b="0"/>
+      </a:effectRef>
+      <a:fontRef idx="minor">
+        <a:schemeClr val="lt1"/>
+      </a:fontRef>
+    </dgm:style>
+  </dgm:styleLbl>
+  <dgm:styleLbl name="node3">
+    <dgm:scene3d>
+      <a:camera prst="orthographicFront"/>
+      <a:lightRig rig="threePt" dir="t"/>
+    </dgm:scene3d>
+    <dgm:sp3d/>
+    <dgm:txPr/>
+    <dgm:style>
+      <a:lnRef idx="2">
+        <a:scrgbClr r="0" g="0" b="0"/>
+      </a:lnRef>
+      <a:fillRef idx="1">
+        <a:scrgbClr r="0" g="0" b="0"/>
+      </a:fillRef>
+      <a:effectRef idx="0">
+        <a:scrgbClr r="0" g="0" b="0"/>
+      </a:effectRef>
+      <a:fontRef idx="minor">
+        <a:schemeClr val="lt1"/>
+      </a:fontRef>
+    </dgm:style>
+  </dgm:styleLbl>
+  <dgm:styleLbl name="node4">
+    <dgm:scene3d>
+      <a:camera prst="orthographicFront"/>
+      <a:lightRig rig="threePt" dir="t"/>
+    </dgm:scene3d>
+    <dgm:sp3d/>
+    <dgm:txPr/>
+    <dgm:style>
+      <a:lnRef idx="2">
+        <a:scrgbClr r="0" g="0" b="0"/>
+      </a:lnRef>
+      <a:fillRef idx="1">
+        <a:scrgbClr r="0" g="0" b="0"/>
+      </a:fillRef>
+      <a:effectRef idx="0">
+        <a:scrgbClr r="0" g="0" b="0"/>
+      </a:effectRef>
+      <a:fontRef idx="minor">
+        <a:schemeClr val="lt1"/>
+      </a:fontRef>
+    </dgm:style>
+  </dgm:styleLbl>
+  <dgm:styleLbl name="fgImgPlace1">
+    <dgm:scene3d>
+      <a:camera prst="orthographicFront"/>
+      <a:lightRig rig="threePt" dir="t"/>
+    </dgm:scene3d>
+    <dgm:sp3d/>
+    <dgm:txPr/>
+    <dgm:style>
+      <a:lnRef idx="2">
+        <a:scrgbClr r="0" g="0" b="0"/>
+      </a:lnRef>
+      <a:fillRef idx="1">
+        <a:scrgbClr r="0" g="0" b="0"/>
+      </a:fillRef>
+      <a:effectRef idx="0">
+        <a:scrgbClr r="0" g="0" b="0"/>
+      </a:effectRef>
+      <a:fontRef idx="minor"/>
+    </dgm:style>
+  </dgm:styleLbl>
+  <dgm:styleLbl name="alignImgPlace1">
+    <dgm:scene3d>
+      <a:camera prst="orthographicFront"/>
+      <a:lightRig rig="threePt" dir="t"/>
+    </dgm:scene3d>
+    <dgm:sp3d/>
+    <dgm:txPr/>
+    <dgm:style>
+      <a:lnRef idx="2">
+        <a:scrgbClr r="0" g="0" b="0"/>
+      </a:lnRef>
+      <a:fillRef idx="1">
+        <a:scrgbClr r="0" g="0" b="0"/>
+      </a:fillRef>
+      <a:effectRef idx="0">
+        <a:scrgbClr r="0" g="0" b="0"/>
+      </a:effectRef>
+      <a:fontRef idx="minor"/>
+    </dgm:style>
+  </dgm:styleLbl>
+  <dgm:styleLbl name="bgImgPlace1">
+    <dgm:scene3d>
+      <a:camera prst="orthographicFront"/>
+      <a:lightRig rig="threePt" dir="t"/>
+    </dgm:scene3d>
+    <dgm:sp3d/>
+    <dgm:txPr/>
+    <dgm:style>
+      <a:lnRef idx="2">
+        <a:scrgbClr r="0" g="0" b="0"/>
+      </a:lnRef>
+      <a:fillRef idx="1">
+        <a:scrgbClr r="0" g="0" b="0"/>
+      </a:fillRef>
+      <a:effectRef idx="0">
+        <a:scrgbClr r="0" g="0" b="0"/>
+      </a:effectRef>
+      <a:fontRef idx="minor"/>
+    </dgm:style>
+  </dgm:styleLbl>
+  <dgm:styleLbl name="sibTrans2D1">
+    <dgm:scene3d>
+      <a:camera prst="orthographicFront"/>
+      <a:lightRig rig="threePt" dir="t"/>
+    </dgm:scene3d>
+    <dgm:sp3d/>
+    <dgm:txPr/>
+    <dgm:style>
+      <a:lnRef idx="0">
+        <a:scrgbClr r="0" g="0" b="0"/>
+      </a:lnRef>
+      <a:fillRef idx="1">
+        <a:scrgbClr r="0" g="0" b="0"/>
+      </a:fillRef>
+      <a:effectRef idx="0">
+        <a:scrgbClr r="0" g="0" b="0"/>
+      </a:effectRef>
+      <a:fontRef idx="minor">
+        <a:schemeClr val="lt1"/>
+      </a:fontRef>
+    </dgm:style>
+  </dgm:styleLbl>
+  <dgm:styleLbl name="fgSibTrans2D1">
+    <dgm:scene3d>
+      <a:camera prst="orthographicFront"/>
+      <a:lightRig rig="threePt" dir="t"/>
+    </dgm:scene3d>
+    <dgm:sp3d/>
+    <dgm:txPr/>
+    <dgm:style>
+      <a:lnRef idx="0">
+        <a:scrgbClr r="0" g="0" b="0"/>
+      </a:lnRef>
+      <a:fillRef idx="1">
+        <a:scrgbClr r="0" g="0" b="0"/>
+      </a:fillRef>
+      <a:effectRef idx="0">
+        <a:scrgbClr r="0" g="0" b="0"/>
+      </a:effectRef>
+      <a:fontRef idx="minor">
+        <a:schemeClr val="lt1"/>
+      </a:fontRef>
+    </dgm:style>
+  </dgm:styleLbl>
+  <dgm:styleLbl name="bgSibTrans2D1">
+    <dgm:scene3d>
+      <a:camera prst="orthographicFront"/>
+      <a:lightRig rig="threePt" dir="t"/>
+    </dgm:scene3d>
+    <dgm:sp3d/>
+    <dgm:txPr/>
+    <dgm:style>
+      <a:lnRef idx="0">
+        <a:scrgbClr r="0" g="0" b="0"/>
+      </a:lnRef>
+      <a:fillRef idx="1">
+        <a:scrgbClr r="0" g="0" b="0"/>
+      </a:fillRef>
+      <a:effectRef idx="0">
+        <a:scrgbClr r="0" g="0" b="0"/>
+      </a:effectRef>
+      <a:fontRef idx="minor">
+        <a:schemeClr val="lt1"/>
+      </a:fontRef>
+    </dgm:style>
+  </dgm:styleLbl>
+  <dgm:styleLbl name="sibTrans1D1">
+    <dgm:scene3d>
+      <a:camera prst="orthographicFront"/>
+      <a:lightRig rig="threePt" dir="t"/>
+    </dgm:scene3d>
+    <dgm:sp3d/>
+    <dgm:txPr/>
+    <dgm:style>
+      <a:lnRef idx="1">
+        <a:scrgbClr r="0" g="0" b="0"/>
+      </a:lnRef>
+      <a:fillRef idx="0">
+        <a:scrgbClr r="0" g="0" b="0"/>
+      </a:fillRef>
+      <a:effectRef idx="0">
+        <a:scrgbClr r="0" g="0" b="0"/>
+      </a:effectRef>
+      <a:fontRef idx="minor"/>
+    </dgm:style>
+  </dgm:styleLbl>
+  <dgm:styleLbl name="callout">
+    <dgm:scene3d>
+      <a:camera prst="orthographicFront"/>
+      <a:lightRig rig="threePt" dir="t"/>
+    </dgm:scene3d>
+    <dgm:sp3d/>
+    <dgm:txPr/>
+    <dgm:style>
+      <a:lnRef idx="2">
+        <a:scrgbClr r="0" g="0" b="0"/>
+      </a:lnRef>
+      <a:fillRef idx="1">
+        <a:scrgbClr r="0" g="0" b="0"/>
+      </a:fillRef>
+      <a:effectRef idx="0">
+        <a:scrgbClr r="0" g="0" b="0"/>
+      </a:effectRef>
+      <a:fontRef idx="minor"/>
+    </dgm:style>
+  </dgm:styleLbl>
+  <dgm:styleLbl name="asst0">
+    <dgm:scene3d>
+      <a:camera prst="orthographicFront"/>
+      <a:lightRig rig="threePt" dir="t"/>
+    </dgm:scene3d>
+    <dgm:sp3d/>
+    <dgm:txPr/>
+    <dgm:style>
+      <a:lnRef idx="2">
+        <a:scrgbClr r="0" g="0" b="0"/>
+      </a:lnRef>
+      <a:fillRef idx="1">
+        <a:scrgbClr r="0" g="0" b="0"/>
+      </a:fillRef>
+      <a:effectRef idx="0">
+        <a:scrgbClr r="0" g="0" b="0"/>
+      </a:effectRef>
+      <a:fontRef idx="minor">
+        <a:schemeClr val="lt1"/>
+      </a:fontRef>
+    </dgm:style>
+  </dgm:styleLbl>
+  <dgm:styleLbl name="asst1">
+    <dgm:scene3d>
+      <a:camera prst="orthographicFront"/>
+      <a:lightRig rig="threePt" dir="t"/>
+    </dgm:scene3d>
+    <dgm:sp3d/>
+    <dgm:txPr/>
+    <dgm:style>
+      <a:lnRef idx="2">
+        <a:scrgbClr r="0" g="0" b="0"/>
+      </a:lnRef>
+      <a:fillRef idx="1">
+        <a:scrgbClr r="0" g="0" b="0"/>
+      </a:fillRef>
+      <a:effectRef idx="0">
+        <a:scrgbClr r="0" g="0" b="0"/>
+      </a:effectRef>
+      <a:fontRef idx="minor">
+        <a:schemeClr val="lt1"/>
+      </a:fontRef>
+    </dgm:style>
+  </dgm:styleLbl>
+  <dgm:styleLbl name="asst2">
+    <dgm:scene3d>
+      <a:camera prst="orthographicFront"/>
+      <a:lightRig rig="threePt" dir="t"/>
+    </dgm:scene3d>
+    <dgm:sp3d/>
+    <dgm:txPr/>
+    <dgm:style>
+      <a:lnRef idx="2">
+        <a:scrgbClr r="0" g="0" b="0"/>
+      </a:lnRef>
+      <a:fillRef idx="1">
+        <a:scrgbClr r="0" g="0" b="0"/>
+      </a:fillRef>
+      <a:effectRef idx="0">
+        <a:scrgbClr r="0" g="0" b="0"/>
+      </a:effectRef>
+      <a:fontRef idx="minor">
+        <a:schemeClr val="lt1"/>
+      </a:fontRef>
+    </dgm:style>
+  </dgm:styleLbl>
+  <dgm:styleLbl name="asst3">
+    <dgm:scene3d>
+      <a:camera prst="orthographicFront"/>
+      <a:lightRig rig="threePt" dir="t"/>
+    </dgm:scene3d>
+    <dgm:sp3d/>
+    <dgm:txPr/>
+    <dgm:style>
+      <a:lnRef idx="2">
+        <a:scrgbClr r="0" g="0" b="0"/>
+      </a:lnRef>
+      <a:fillRef idx="1">
+        <a:scrgbClr r="0" g="0" b="0"/>
+      </a:fillRef>
+      <a:effectRef idx="0">
+        <a:scrgbClr r="0" g="0" b="0"/>
+      </a:effectRef>
+      <a:fontRef idx="minor">
+        <a:schemeClr val="lt1"/>
+      </a:fontRef>
+    </dgm:style>
+  </dgm:styleLbl>
+  <dgm:styleLbl name="asst4">
+    <dgm:scene3d>
+      <a:camera prst="orthographicFront"/>
+      <a:lightRig rig="threePt" dir="t"/>
+    </dgm:scene3d>
+    <dgm:sp3d/>
+    <dgm:txPr/>
+    <dgm:style>
+      <a:lnRef idx="2">
+        <a:scrgbClr r="0" g="0" b="0"/>
+      </a:lnRef>
+      <a:fillRef idx="1">
+        <a:scrgbClr r="0" g="0" b="0"/>
+      </a:fillRef>
+      <a:effectRef idx="0">
+        <a:scrgbClr r="0" g="0" b="0"/>
+      </a:effectRef>
+      <a:fontRef idx="minor">
+        <a:schemeClr val="lt1"/>
+      </a:fontRef>
+    </dgm:style>
+  </dgm:styleLbl>
+  <dgm:styleLbl name="parChTrans2D1">
+    <dgm:scene3d>
+      <a:camera prst="orthographicFront"/>
+      <a:lightRig rig="threePt" dir="t"/>
+    </dgm:scene3d>
+    <dgm:sp3d/>
+    <dgm:txPr/>
+    <dgm:style>
+      <a:lnRef idx="2">
+        <a:scrgbClr r="0" g="0" b="0"/>
+      </a:lnRef>
+      <a:fillRef idx="1">
+        <a:scrgbClr r="0" g="0" b="0"/>
+      </a:fillRef>
+      <a:effectRef idx="0">
+        <a:scrgbClr r="0" g="0" b="0"/>
+      </a:effectRef>
+      <a:fontRef idx="minor">
+        <a:schemeClr val="lt1"/>
+      </a:fontRef>
+    </dgm:style>
+  </dgm:styleLbl>
+  <dgm:styleLbl name="parChTrans2D2">
+    <dgm:scene3d>
+      <a:camera prst="orthographicFront"/>
+      <a:lightRig rig="threePt" dir="t"/>
+    </dgm:scene3d>
+    <dgm:sp3d/>
+    <dgm:txPr/>
+    <dgm:style>
+      <a:lnRef idx="2">
+        <a:scrgbClr r="0" g="0" b="0"/>
+      </a:lnRef>
+      <a:fillRef idx="1">
+        <a:scrgbClr r="0" g="0" b="0"/>
+      </a:fillRef>
+      <a:effectRef idx="0">
+        <a:scrgbClr r="0" g="0" b="0"/>
+      </a:effectRef>
+      <a:fontRef idx="minor">
+        <a:schemeClr val="lt1"/>
+      </a:fontRef>
+    </dgm:style>
+  </dgm:styleLbl>
+  <dgm:styleLbl name="parChTrans2D3">
+    <dgm:scene3d>
+      <a:camera prst="orthographicFront"/>
+      <a:lightRig rig="threePt" dir="t"/>
+    </dgm:scene3d>
+    <dgm:sp3d/>
+    <dgm:txPr/>
+    <dgm:style>
+      <a:lnRef idx="2">
+        <a:scrgbClr r="0" g="0" b="0"/>
+      </a:lnRef>
+      <a:fillRef idx="1">
+        <a:scrgbClr r="0" g="0" b="0"/>
+      </a:fillRef>
+      <a:effectRef idx="0">
+        <a:scrgbClr r="0" g="0" b="0"/>
+      </a:effectRef>
+      <a:fontRef idx="minor">
+        <a:schemeClr val="lt1"/>
+      </a:fontRef>
+    </dgm:style>
+  </dgm:styleLbl>
+  <dgm:styleLbl name="parChTrans2D4">
+    <dgm:scene3d>
+      <a:camera prst="orthographicFront"/>
+      <a:lightRig rig="threePt" dir="t"/>
+    </dgm:scene3d>
+    <dgm:sp3d/>
+    <dgm:txPr/>
+    <dgm:style>
+      <a:lnRef idx="2">
+        <a:scrgbClr r="0" g="0" b="0"/>
+      </a:lnRef>
+      <a:fillRef idx="1">
+        <a:scrgbClr r="0" g="0" b="0"/>
+      </a:fillRef>
+      <a:effectRef idx="0">
+        <a:scrgbClr r="0" g="0" b="0"/>
+      </a:effectRef>
+      <a:fontRef idx="minor">
+        <a:schemeClr val="lt1"/>
+      </a:fontRef>
+    </dgm:style>
+  </dgm:styleLbl>
+  <dgm:styleLbl name="parChTrans1D1">
+    <dgm:scene3d>
+      <a:camera prst="orthographicFront"/>
+      <a:lightRig rig="threePt" dir="t"/>
+    </dgm:scene3d>
+    <dgm:sp3d/>
+    <dgm:txPr/>
+    <dgm:style>
+      <a:lnRef idx="2">
+        <a:scrgbClr r="0" g="0" b="0"/>
+      </a:lnRef>
+      <a:fillRef idx="0">
+        <a:scrgbClr r="0" g="0" b="0"/>
+      </a:fillRef>
+      <a:effectRef idx="0">
+        <a:scrgbClr r="0" g="0" b="0"/>
+      </a:effectRef>
+      <a:fontRef idx="minor"/>
+    </dgm:style>
+  </dgm:styleLbl>
+  <dgm:styleLbl name="parChTrans1D2">
+    <dgm:scene3d>
+      <a:camera prst="orthographicFront"/>
+      <a:lightRig rig="threePt" dir="t"/>
+    </dgm:scene3d>
+    <dgm:sp3d/>
+    <dgm:txPr/>
+    <dgm:style>
+      <a:lnRef idx="2">
+        <a:scrgbClr r="0" g="0" b="0"/>
+      </a:lnRef>
+      <a:fillRef idx="0">
+        <a:scrgbClr r="0" g="0" b="0"/>
+      </a:fillRef>
+      <a:effectRef idx="0">
+        <a:scrgbClr r="0" g="0" b="0"/>
+      </a:effectRef>
+      <a:fontRef idx="minor"/>
+    </dgm:style>
+  </dgm:styleLbl>
+  <dgm:styleLbl name="parChTrans1D3">
+    <dgm:scene3d>
+      <a:camera prst="orthographicFront"/>
+      <a:lightRig rig="threePt" dir="t"/>
+    </dgm:scene3d>
+    <dgm:sp3d/>
+    <dgm:txPr/>
+    <dgm:style>
+      <a:lnRef idx="2">
+        <a:scrgbClr r="0" g="0" b="0"/>
+      </a:lnRef>
+      <a:fillRef idx="0">
+        <a:scrgbClr r="0" g="0" b="0"/>
+      </a:fillRef>
+      <a:effectRef idx="0">
+        <a:scrgbClr r="0" g="0" b="0"/>
+      </a:effectRef>
+      <a:fontRef idx="minor"/>
+    </dgm:style>
+  </dgm:styleLbl>
+  <dgm:styleLbl name="parChTrans1D4">
+    <dgm:scene3d>
+      <a:camera prst="orthographicFront"/>
+      <a:lightRig rig="threePt" dir="t"/>
+    </dgm:scene3d>
+    <dgm:sp3d/>
+    <dgm:txPr/>
+    <dgm:style>
+      <a:lnRef idx="2">
+        <a:scrgbClr r="0" g="0" b="0"/>
+      </a:lnRef>
+      <a:fillRef idx="0">
+        <a:scrgbClr r="0" g="0" b="0"/>
+      </a:fillRef>
+      <a:effectRef idx="0">
+        <a:scrgbClr r="0" g="0" b="0"/>
+      </a:effectRef>
+      <a:fontRef idx="minor"/>
+    </dgm:style>
+  </dgm:styleLbl>
+  <dgm:styleLbl name="fgAcc1">
+    <dgm:scene3d>
+      <a:camera prst="orthographicFront"/>
+      <a:lightRig rig="threePt" dir="t"/>
+    </dgm:scene3d>
+    <dgm:sp3d/>
+    <dgm:txPr/>
+    <dgm:style>
+      <a:lnRef idx="2">
+        <a:scrgbClr r="0" g="0" b="0"/>
+      </a:lnRef>
+      <a:fillRef idx="1">
+        <a:scrgbClr r="0" g="0" b="0"/>
+      </a:fillRef>
+      <a:effectRef idx="0">
+        <a:scrgbClr r="0" g="0" b="0"/>
+      </a:effectRef>
+      <a:fontRef idx="minor"/>
+    </dgm:style>
+  </dgm:styleLbl>
+  <dgm:styleLbl name="conFgAcc1">
+    <dgm:scene3d>
+      <a:camera prst="orthographicFront"/>
+      <a:lightRig rig="threePt" dir="t"/>
+    </dgm:scene3d>
+    <dgm:sp3d/>
+    <dgm:txPr/>
+    <dgm:style>
+      <a:lnRef idx="2">
+        <a:scrgbClr r="0" g="0" b="0"/>
+      </a:lnRef>
+      <a:fillRef idx="1">
+        <a:scrgbClr r="0" g="0" b="0"/>
+      </a:fillRef>
+      <a:effectRef idx="0">
+        <a:scrgbClr r="0" g="0" b="0"/>
+      </a:effectRef>
+      <a:fontRef idx="minor"/>
+    </dgm:style>
+  </dgm:styleLbl>
+  <dgm:styleLbl name="alignAcc1">
+    <dgm:scene3d>
+      <a:camera prst="orthographicFront"/>
+      <a:lightRig rig="threePt" dir="t"/>
+    </dgm:scene3d>
+    <dgm:sp3d/>
+    <dgm:txPr/>
+    <dgm:style>
+      <a:lnRef idx="2">
+        <a:scrgbClr r="0" g="0" b="0"/>
+      </a:lnRef>
+      <a:fillRef idx="1">
+        <a:scrgbClr r="0" g="0" b="0"/>
+      </a:fillRef>
+      <a:effectRef idx="0">
+        <a:scrgbClr r="0" g="0" b="0"/>
+      </a:effectRef>
+      <a:fontRef idx="minor"/>
+    </dgm:style>
+  </dgm:styleLbl>
+  <dgm:styleLbl name="trAlignAcc1">
+    <dgm:scene3d>
+      <a:camera prst="orthographicFront"/>
+      <a:lightRig rig="threePt" dir="t"/>
+    </dgm:scene3d>
+    <dgm:sp3d/>
+    <dgm:txPr/>
+    <dgm:style>
+      <a:lnRef idx="1">
+        <a:scrgbClr r="0" g="0" b="0"/>
+      </a:lnRef>
+      <a:fillRef idx="1">
+        <a:scrgbClr r="0" g="0" b="0"/>
+      </a:fillRef>
+      <a:effectRef idx="0">
+        <a:scrgbClr r="0" g="0" b="0"/>
+      </a:effectRef>
+      <a:fontRef idx="minor"/>
+    </dgm:style>
+  </dgm:styleLbl>
+  <dgm:styleLbl name="bgAcc1">
+    <dgm:scene3d>
+      <a:camera prst="orthographicFront"/>
+      <a:lightRig rig="threePt" dir="t"/>
+    </dgm:scene3d>
+    <dgm:sp3d/>
+    <dgm:txPr/>
+    <dgm:style>
+      <a:lnRef idx="2">
+        <a:scrgbClr r="0" g="0" b="0"/>
+      </a:lnRef>
+      <a:fillRef idx="1">
+        <a:scrgbClr r="0" g="0" b="0"/>
+      </a:fillRef>
+      <a:effectRef idx="0">
+        <a:scrgbClr r="0" g="0" b="0"/>
+      </a:effectRef>
+      <a:fontRef idx="minor"/>
+    </dgm:style>
+  </dgm:styleLbl>
+  <dgm:styleLbl name="solidFgAcc1">
+    <dgm:scene3d>
+      <a:camera prst="orthographicFront"/>
+      <a:lightRig rig="threePt" dir="t"/>
+    </dgm:scene3d>
+    <dgm:sp3d/>
+    <dgm:txPr/>
+    <dgm:style>
+      <a:lnRef idx="2">
+        <a:scrgbClr r="0" g="0" b="0"/>
+      </a:lnRef>
+      <a:fillRef idx="1">
+        <a:scrgbClr r="0" g="0" b="0"/>
+      </a:fillRef>
+      <a:effectRef idx="0">
+        <a:scrgbClr r="0" g="0" b="0"/>
+      </a:effectRef>
+      <a:fontRef idx="minor"/>
+    </dgm:style>
+  </dgm:styleLbl>
+  <dgm:styleLbl name="solidAlignAcc1">
+    <dgm:scene3d>
+      <a:camera prst="orthographicFront"/>
+      <a:lightRig rig="threePt" dir="t"/>
+    </dgm:scene3d>
+    <dgm:sp3d/>
+    <dgm:txPr/>
+    <dgm:style>
+      <a:lnRef idx="2">
+        <a:scrgbClr r="0" g="0" b="0"/>
+      </a:lnRef>
+      <a:fillRef idx="1">
+        <a:scrgbClr r="0" g="0" b="0"/>
+      </a:fillRef>
+      <a:effectRef idx="0">
+        <a:scrgbClr r="0" g="0" b="0"/>
+      </a:effectRef>
+      <a:fontRef idx="minor"/>
+    </dgm:style>
+  </dgm:styleLbl>
+  <dgm:styleLbl name="solidBgAcc1">
+    <dgm:scene3d>
+      <a:camera prst="orthographicFront"/>
+      <a:lightRig rig="threePt" dir="t"/>
+    </dgm:scene3d>
+    <dgm:sp3d/>
+    <dgm:txPr/>
+    <dgm:style>
+      <a:lnRef idx="2">
+        <a:scrgbClr r="0" g="0" b="0"/>
+      </a:lnRef>
+      <a:fillRef idx="1">
+        <a:scrgbClr r="0" g="0" b="0"/>
+      </a:fillRef>
+      <a:effectRef idx="0">
+        <a:scrgbClr r="0" g="0" b="0"/>
+      </a:effectRef>
+      <a:fontRef idx="minor"/>
+    </dgm:style>
+  </dgm:styleLbl>
+  <dgm:styleLbl name="fgAccFollowNode1">
+    <dgm:scene3d>
+      <a:camera prst="orthographicFront"/>
+      <a:lightRig rig="threePt" dir="t"/>
+    </dgm:scene3d>
+    <dgm:sp3d/>
+    <dgm:txPr/>
+    <dgm:style>
+      <a:lnRef idx="2">
+        <a:scrgbClr r="0" g="0" b="0"/>
+      </a:lnRef>
+      <a:fillRef idx="1">
+        <a:scrgbClr r="0" g="0" b="0"/>
+      </a:fillRef>
+      <a:effectRef idx="0">
+        <a:scrgbClr r="0" g="0" b="0"/>
+      </a:effectRef>
+      <a:fontRef idx="minor"/>
+    </dgm:style>
+  </dgm:styleLbl>
+  <dgm:styleLbl name="alignAccFollowNode1">
+    <dgm:scene3d>
+      <a:camera prst="orthographicFront"/>
+      <a:lightRig rig="threePt" dir="t"/>
+    </dgm:scene3d>
+    <dgm:sp3d/>
+    <dgm:txPr/>
+    <dgm:style>
+      <a:lnRef idx="2">
+        <a:scrgbClr r="0" g="0" b="0"/>
+      </a:lnRef>
+      <a:fillRef idx="1">
+        <a:scrgbClr r="0" g="0" b="0"/>
+      </a:fillRef>
+      <a:effectRef idx="0">
+        <a:scrgbClr r="0" g="0" b="0"/>
+      </a:effectRef>
+      <a:fontRef idx="minor"/>
+    </dgm:style>
+  </dgm:styleLbl>
+  <dgm:styleLbl name="bgAccFollowNode1">
+    <dgm:scene3d>
+      <a:camera prst="orthographicFront"/>
+      <a:lightRig rig="threePt" dir="t"/>
+    </dgm:scene3d>
+    <dgm:sp3d/>
+    <dgm:txPr/>
+    <dgm:style>
+      <a:lnRef idx="2">
+        <a:scrgbClr r="0" g="0" b="0"/>
+      </a:lnRef>
+      <a:fillRef idx="1">
+        <a:scrgbClr r="0" g="0" b="0"/>
+      </a:fillRef>
+      <a:effectRef idx="0">
+        <a:scrgbClr r="0" g="0" b="0"/>
+      </a:effectRef>
+      <a:fontRef idx="minor"/>
+    </dgm:style>
+  </dgm:styleLbl>
+  <dgm:styleLbl name="fgAcc0">
+    <dgm:scene3d>
+      <a:camera prst="orthographicFront"/>
+      <a:lightRig rig="threePt" dir="t"/>
+    </dgm:scene3d>
+    <dgm:sp3d/>
+    <dgm:txPr/>
+    <dgm:style>
+      <a:lnRef idx="2">
+        <a:scrgbClr r="0" g="0" b="0"/>
+      </a:lnRef>
+      <a:fillRef idx="1">
+        <a:scrgbClr r="0" g="0" b="0"/>
+      </a:fillRef>
+      <a:effectRef idx="0">
+        <a:scrgbClr r="0" g="0" b="0"/>
+      </a:effectRef>
+      <a:fontRef idx="minor"/>
+    </dgm:style>
+  </dgm:styleLbl>
+  <dgm:styleLbl name="fgAcc2">
+    <dgm:scene3d>
+      <a:camera prst="orthographicFront"/>
+      <a:lightRig rig="threePt" dir="t"/>
+    </dgm:scene3d>
+    <dgm:sp3d/>
+    <dgm:txPr/>
+    <dgm:style>
+      <a:lnRef idx="2">
+        <a:scrgbClr r="0" g="0" b="0"/>
+      </a:lnRef>
+      <a:fillRef idx="1">
+        <a:scrgbClr r="0" g="0" b="0"/>
+      </a:fillRef>
+      <a:effectRef idx="0">
+        <a:scrgbClr r="0" g="0" b="0"/>
+      </a:effectRef>
+      <a:fontRef idx="minor"/>
+    </dgm:style>
+  </dgm:styleLbl>
+  <dgm:styleLbl name="fgAcc3">
+    <dgm:scene3d>
+      <a:camera prst="orthographicFront"/>
+      <a:lightRig rig="threePt" dir="t"/>
+    </dgm:scene3d>
+    <dgm:sp3d/>
+    <dgm:txPr/>
+    <dgm:style>
+      <a:lnRef idx="2">
+        <a:scrgbClr r="0" g="0" b="0"/>
+      </a:lnRef>
+      <a:fillRef idx="1">
+        <a:scrgbClr r="0" g="0" b="0"/>
+      </a:fillRef>
+      <a:effectRef idx="0">
+        <a:scrgbClr r="0" g="0" b="0"/>
+      </a:effectRef>
+      <a:fontRef idx="minor"/>
+    </dgm:style>
+  </dgm:styleLbl>
+  <dgm:styleLbl name="fgAcc4">
+    <dgm:scene3d>
+      <a:camera prst="orthographicFront"/>
+      <a:lightRig rig="threePt" dir="t"/>
+    </dgm:scene3d>
+    <dgm:sp3d/>
+    <dgm:txPr/>
+    <dgm:style>
+      <a:lnRef idx="2">
+        <a:scrgbClr r="0" g="0" b="0"/>
+      </a:lnRef>
+      <a:fillRef idx="1">
+        <a:scrgbClr r="0" g="0" b="0"/>
+      </a:fillRef>
+      <a:effectRef idx="0">
+        <a:scrgbClr r="0" g="0" b="0"/>
+      </a:effectRef>
+      <a:fontRef idx="minor"/>
+    </dgm:style>
+  </dgm:styleLbl>
+  <dgm:styleLbl name="bgShp">
+    <dgm:scene3d>
+      <a:camera prst="orthographicFront"/>
+      <a:lightRig rig="threePt" dir="t"/>
+    </dgm:scene3d>
+    <dgm:sp3d/>
+    <dgm:txPr/>
+    <dgm:style>
+      <a:lnRef idx="0">
+        <a:scrgbClr r="0" g="0" b="0"/>
+      </a:lnRef>
+      <a:fillRef idx="1">
+        <a:scrgbClr r="0" g="0" b="0"/>
+      </a:fillRef>
+      <a:effectRef idx="0">
+        <a:scrgbClr r="0" g="0" b="0"/>
+      </a:effectRef>
+      <a:fontRef idx="minor"/>
+    </dgm:style>
+  </dgm:styleLbl>
+  <dgm:styleLbl name="dkBgShp">
+    <dgm:scene3d>
+      <a:camera prst="orthographicFront"/>
+      <a:lightRig rig="threePt" dir="t"/>
+    </dgm:scene3d>
+    <dgm:sp3d/>
+    <dgm:txPr/>
+    <dgm:style>
+      <a:lnRef idx="0">
+        <a:scrgbClr r="0" g="0" b="0"/>
+      </a:lnRef>
+      <a:fillRef idx="1">
+        <a:scrgbClr r="0" g="0" b="0"/>
+      </a:fillRef>
+      <a:effectRef idx="0">
+        <a:scrgbClr r="0" g="0" b="0"/>
+      </a:effectRef>
+      <a:fontRef idx="minor"/>
+    </dgm:style>
+  </dgm:styleLbl>
+  <dgm:styleLbl name="trBgShp">
+    <dgm:scene3d>
+      <a:camera prst="orthographicFront"/>
+      <a:lightRig rig="threePt" dir="t"/>
+    </dgm:scene3d>
+    <dgm:sp3d/>
+    <dgm:txPr/>
+    <dgm:style>
+      <a:lnRef idx="0">
+        <a:scrgbClr r="0" g="0" b="0"/>
+      </a:lnRef>
+      <a:fillRef idx="1">
+        <a:scrgbClr r="0" g="0" b="0"/>
+      </a:fillRef>
+      <a:effectRef idx="0">
+        <a:scrgbClr r="0" g="0" b="0"/>
+      </a:effectRef>
+      <a:fontRef idx="minor"/>
+    </dgm:style>
+  </dgm:styleLbl>
+  <dgm:styleLbl name="fgShp">
+    <dgm:scene3d>
+      <a:camera prst="orthographicFront"/>
+      <a:lightRig rig="threePt" dir="t"/>
+    </dgm:scene3d>
+    <dgm:sp3d/>
+    <dgm:txPr/>
+    <dgm:style>
+      <a:lnRef idx="2">
+        <a:scrgbClr r="0" g="0" b="0"/>
+      </a:lnRef>
+      <a:fillRef idx="1">
+        <a:scrgbClr r="0" g="0" b="0"/>
+      </a:fillRef>
+      <a:effectRef idx="0">
+        <a:scrgbClr r="0" g="0" b="0"/>
+      </a:effectRef>
+      <a:fontRef idx="minor"/>
+    </dgm:style>
+  </dgm:styleLbl>
+  <dgm:styleLbl name="revTx">
+    <dgm:scene3d>
+      <a:camera prst="orthographicFront"/>
+      <a:lightRig rig="threePt" dir="t"/>
+    </dgm:scene3d>
+    <dgm:sp3d/>
+    <dgm:txPr/>
+    <dgm:style>
+      <a:lnRef idx="0">
+        <a:scrgbClr r="0" g="0" b="0"/>
+      </a:lnRef>
+      <a:fillRef idx="0">
+        <a:scrgbClr r="0" g="0" b="0"/>
+      </a:fillRef>
+      <a:effectRef idx="0">
+        <a:scrgbClr r="0" g="0" b="0"/>
+      </a:effectRef>
+      <a:fontRef idx="minor"/>
+    </dgm:style>
+  </dgm:styleLbl>
+</dgm:styleDef>
 </file>
 
 <file path=ppt/notesMasters/notesMaster1.xml><?xml version="1.0" encoding="utf-8"?>
@@ -1378,6 +4251,115 @@
 </file>
 
 <file path=ppt/notesSlides/notesSlide7.xml><?xml version="1.0" encoding="utf-8"?>
+<p:notes xmlns:a="http://schemas.openxmlformats.org/drawingml/2006/main" xmlns:r="http://schemas.openxmlformats.org/officeDocument/2006/relationships" xmlns:p="http://schemas.openxmlformats.org/presentationml/2006/main" showMasterSp="0" showMasterPhAnim="0">
+  <p:cSld>
+    <p:spTree>
+      <p:nvGrpSpPr>
+        <p:cNvPr id="1" name="Shape 3808"/>
+        <p:cNvGrpSpPr/>
+        <p:nvPr/>
+      </p:nvGrpSpPr>
+      <p:grpSpPr>
+        <a:xfrm>
+          <a:off x="0" y="0"/>
+          <a:ext cx="0" cy="0"/>
+          <a:chOff x="0" y="0"/>
+          <a:chExt cx="0" cy="0"/>
+        </a:xfrm>
+      </p:grpSpPr>
+      <p:sp>
+        <p:nvSpPr>
+          <p:cNvPr id="3809" name="Google Shape;3809;g7189723225_0_2338:notes"/>
+          <p:cNvSpPr>
+            <a:spLocks noGrp="1" noRot="1" noChangeAspect="1"/>
+          </p:cNvSpPr>
+          <p:nvPr>
+            <p:ph type="sldImg" idx="2"/>
+          </p:nvPr>
+        </p:nvSpPr>
+        <p:spPr>
+          <a:xfrm>
+            <a:off x="381000" y="685800"/>
+            <a:ext cx="6096000" cy="3429000"/>
+          </a:xfrm>
+          <a:custGeom>
+            <a:avLst/>
+            <a:gdLst/>
+            <a:ahLst/>
+            <a:cxnLst/>
+            <a:rect l="l" t="t" r="r" b="b"/>
+            <a:pathLst>
+              <a:path w="120000" h="120000" extrusionOk="0">
+                <a:moveTo>
+                  <a:pt x="0" y="0"/>
+                </a:moveTo>
+                <a:lnTo>
+                  <a:pt x="120000" y="0"/>
+                </a:lnTo>
+                <a:lnTo>
+                  <a:pt x="120000" y="120000"/>
+                </a:lnTo>
+                <a:lnTo>
+                  <a:pt x="0" y="120000"/>
+                </a:lnTo>
+                <a:close/>
+              </a:path>
+            </a:pathLst>
+          </a:custGeom>
+        </p:spPr>
+      </p:sp>
+      <p:sp>
+        <p:nvSpPr>
+          <p:cNvPr id="3810" name="Google Shape;3810;g7189723225_0_2338:notes"/>
+          <p:cNvSpPr txBox="1">
+            <a:spLocks noGrp="1"/>
+          </p:cNvSpPr>
+          <p:nvPr>
+            <p:ph type="body" idx="1"/>
+          </p:nvPr>
+        </p:nvSpPr>
+        <p:spPr>
+          <a:xfrm>
+            <a:off x="685800" y="4343400"/>
+            <a:ext cx="5486400" cy="4114800"/>
+          </a:xfrm>
+          <a:prstGeom prst="rect">
+            <a:avLst/>
+          </a:prstGeom>
+        </p:spPr>
+        <p:txBody>
+          <a:bodyPr spcFirstLastPara="1" wrap="square" lIns="91425" tIns="91425" rIns="91425" bIns="91425" anchor="t" anchorCtr="0">
+            <a:noAutofit/>
+          </a:bodyPr>
+          <a:lstStyle/>
+          <a:p>
+            <a:pPr marL="0" lvl="0" indent="0" algn="l" rtl="0">
+              <a:spcBef>
+                <a:spcPts val="0"/>
+              </a:spcBef>
+              <a:spcAft>
+                <a:spcPts val="0"/>
+              </a:spcAft>
+              <a:buNone/>
+            </a:pPr>
+            <a:endParaRPr/>
+          </a:p>
+        </p:txBody>
+      </p:sp>
+    </p:spTree>
+    <p:extLst>
+      <p:ext uri="{BB962C8B-B14F-4D97-AF65-F5344CB8AC3E}">
+        <p14:creationId xmlns:p14="http://schemas.microsoft.com/office/powerpoint/2010/main" val="136435418"/>
+      </p:ext>
+    </p:extLst>
+  </p:cSld>
+  <p:clrMapOvr>
+    <a:masterClrMapping/>
+  </p:clrMapOvr>
+</p:notes>
+</file>
+
+<file path=ppt/notesSlides/notesSlide8.xml><?xml version="1.0" encoding="utf-8"?>
 <p:notes xmlns:a="http://schemas.openxmlformats.org/drawingml/2006/main" xmlns:r="http://schemas.openxmlformats.org/officeDocument/2006/relationships" xmlns:p="http://schemas.openxmlformats.org/presentationml/2006/main" showMasterSp="0" showMasterPhAnim="0">
   <p:cSld>
     <p:spTree>
@@ -10277,7 +13259,7 @@
   <p:cSld>
     <p:spTree>
       <p:nvGrpSpPr>
-        <p:cNvPr id="1" name="Shape 3915"/>
+        <p:cNvPr id="1" name=""/>
         <p:cNvGrpSpPr/>
         <p:nvPr/>
       </p:nvGrpSpPr>
@@ -10291,8 +13273,14 @@
       </p:grpSpPr>
       <p:sp>
         <p:nvSpPr>
-          <p:cNvPr id="3916" name="Google Shape;3916;p50"/>
-          <p:cNvSpPr txBox="1">
+          <p:cNvPr id="2" name="標題 1">
+            <a:extLst>
+              <a:ext uri="{FF2B5EF4-FFF2-40B4-BE49-F238E27FC236}">
+                <a16:creationId xmlns:a16="http://schemas.microsoft.com/office/drawing/2014/main" id="{50EB7DD9-2A95-4BF9-8EB2-125B2ED0E131}"/>
+              </a:ext>
+            </a:extLst>
+          </p:cNvPr>
+          <p:cNvSpPr>
             <a:spLocks noGrp="1"/>
           </p:cNvSpPr>
           <p:nvPr>
@@ -10301,78 +13289,46 @@
         </p:nvSpPr>
         <p:spPr>
           <a:xfrm>
-            <a:off x="685049" y="436400"/>
-            <a:ext cx="6405037" cy="531000"/>
+            <a:off x="300129" y="508570"/>
+            <a:ext cx="2599825" cy="531000"/>
           </a:xfrm>
-          <a:prstGeom prst="rect">
-            <a:avLst/>
-          </a:prstGeom>
         </p:spPr>
         <p:txBody>
-          <a:bodyPr spcFirstLastPara="1" wrap="square" lIns="91425" tIns="91425" rIns="91425" bIns="91425" anchor="b" anchorCtr="0">
-            <a:noAutofit/>
-          </a:bodyPr>
+          <a:bodyPr/>
           <a:lstStyle/>
           <a:p>
-            <a:pPr marL="0" lvl="0" indent="0" algn="l" rtl="0">
-              <a:spcBef>
-                <a:spcPts val="0"/>
-              </a:spcBef>
-              <a:spcAft>
-                <a:spcPts val="0"/>
-              </a:spcAft>
-              <a:buNone/>
+            <a:pPr algn="ctr" defTabSz="1066800">
+              <a:buSzPts val="1800"/>
             </a:pPr>
             <a:r>
-              <a:rPr lang="en-US" sz="3600" dirty="0"/>
-              <a:t>Who did what in your team?</a:t>
-            </a:r>
-            <a:endParaRPr sz="3600" dirty="0"/>
-          </a:p>
-        </p:txBody>
-      </p:sp>
-      <p:sp>
-        <p:nvSpPr>
-          <p:cNvPr id="3917" name="Google Shape;3917;p50"/>
-          <p:cNvSpPr txBox="1">
-            <a:spLocks noGrp="1"/>
-          </p:cNvSpPr>
-          <p:nvPr>
-            <p:ph type="ctrTitle" idx="2"/>
-          </p:nvPr>
-        </p:nvSpPr>
-        <p:spPr>
-          <a:xfrm>
-            <a:off x="1101688" y="3611425"/>
-            <a:ext cx="2082300" cy="458100"/>
-          </a:xfrm>
-          <a:prstGeom prst="rect">
-            <a:avLst/>
-          </a:prstGeom>
-        </p:spPr>
-        <p:txBody>
-          <a:bodyPr spcFirstLastPara="1" wrap="square" lIns="91425" tIns="91425" rIns="91425" bIns="91425" anchor="b" anchorCtr="0">
-            <a:noAutofit/>
-          </a:bodyPr>
-          <a:lstStyle/>
-          <a:p>
-            <a:pPr marL="0" lvl="0" indent="0" algn="ctr" rtl="0">
-              <a:spcBef>
-                <a:spcPts val="0"/>
-              </a:spcBef>
-              <a:spcAft>
-                <a:spcPts val="0"/>
-              </a:spcAft>
-              <a:buNone/>
-            </a:pPr>
-            <a:r>
-              <a:rPr lang="zh-TW" altLang="en-US" b="1" dirty="0">
+              <a:rPr lang="zh-TW" altLang="zh-TW" sz="2400" b="1" dirty="0">
                 <a:latin typeface="微軟正黑體" panose="020B0604030504040204" pitchFamily="34" charset="-120"/>
                 <a:ea typeface="微軟正黑體" panose="020B0604030504040204" pitchFamily="34" charset="-120"/>
               </a:rPr>
-              <a:t>林彤頤</a:t>
+              <a:t>法</a:t>
             </a:r>
-            <a:endParaRPr b="1" dirty="0">
+            <a:r>
+              <a:rPr lang="zh-TW" altLang="en-US" sz="2400" b="1" dirty="0">
+                <a:latin typeface="微軟正黑體" panose="020B0604030504040204" pitchFamily="34" charset="-120"/>
+                <a:ea typeface="微軟正黑體" panose="020B0604030504040204" pitchFamily="34" charset="-120"/>
+              </a:rPr>
+              <a:t>律</a:t>
+            </a:r>
+            <a:r>
+              <a:rPr lang="zh-TW" altLang="zh-TW" sz="2400" b="1" dirty="0">
+                <a:latin typeface="微軟正黑體" panose="020B0604030504040204" pitchFamily="34" charset="-120"/>
+                <a:ea typeface="微軟正黑體" panose="020B0604030504040204" pitchFamily="34" charset="-120"/>
+              </a:rPr>
+              <a:t>用語</a:t>
+            </a:r>
+            <a:r>
+              <a:rPr lang="zh-TW" altLang="en-US" sz="2400" b="1" dirty="0">
+                <a:latin typeface="微軟正黑體" panose="020B0604030504040204" pitchFamily="34" charset="-120"/>
+                <a:ea typeface="微軟正黑體" panose="020B0604030504040204" pitchFamily="34" charset="-120"/>
+              </a:rPr>
+              <a:t>的替換</a:t>
+            </a:r>
+            <a:endParaRPr lang="en-US" altLang="zh-TW" sz="2400" b="1" dirty="0">
               <a:latin typeface="微軟正黑體" panose="020B0604030504040204" pitchFamily="34" charset="-120"/>
               <a:ea typeface="微軟正黑體" panose="020B0604030504040204" pitchFamily="34" charset="-120"/>
             </a:endParaRPr>
@@ -10381,639 +13337,139 @@
       </p:sp>
       <p:sp>
         <p:nvSpPr>
-          <p:cNvPr id="3918" name="Google Shape;3918;p50"/>
-          <p:cNvSpPr txBox="1">
-            <a:spLocks noGrp="1"/>
-          </p:cNvSpPr>
-          <p:nvPr>
-            <p:ph type="subTitle" idx="1"/>
-          </p:nvPr>
+          <p:cNvPr id="9" name="矩形 8">
+            <a:extLst>
+              <a:ext uri="{FF2B5EF4-FFF2-40B4-BE49-F238E27FC236}">
+                <a16:creationId xmlns:a16="http://schemas.microsoft.com/office/drawing/2014/main" id="{14D7DED6-E763-437A-8759-CC06243CB614}"/>
+              </a:ext>
+            </a:extLst>
+          </p:cNvPr>
+          <p:cNvSpPr/>
+          <p:nvPr/>
         </p:nvSpPr>
         <p:spPr>
           <a:xfrm>
-            <a:off x="1101600" y="3933449"/>
-            <a:ext cx="2082300" cy="624300"/>
+            <a:off x="5787146" y="1227909"/>
+            <a:ext cx="605247" cy="3762102"/>
+          </a:xfrm>
+          <a:prstGeom prst="rect">
+            <a:avLst/>
+          </a:prstGeom>
+          <a:solidFill>
+            <a:schemeClr val="bg1"/>
+          </a:solidFill>
+          <a:ln>
+            <a:solidFill>
+              <a:schemeClr val="bg1"/>
+            </a:solidFill>
+          </a:ln>
+        </p:spPr>
+        <p:style>
+          <a:lnRef idx="2">
+            <a:schemeClr val="accent1">
+              <a:shade val="50000"/>
+            </a:schemeClr>
+          </a:lnRef>
+          <a:fillRef idx="1">
+            <a:schemeClr val="accent1"/>
+          </a:fillRef>
+          <a:effectRef idx="0">
+            <a:schemeClr val="accent1"/>
+          </a:effectRef>
+          <a:fontRef idx="minor">
+            <a:schemeClr val="lt1"/>
+          </a:fontRef>
+        </p:style>
+        <p:txBody>
+          <a:bodyPr rtlCol="0" anchor="ctr"/>
+          <a:lstStyle/>
+          <a:p>
+            <a:pPr algn="ctr"/>
+            <a:endParaRPr lang="zh-TW" altLang="en-US"/>
+          </a:p>
+        </p:txBody>
+      </p:sp>
+      <p:pic>
+        <p:nvPicPr>
+          <p:cNvPr id="11" name="圖片 10" descr="06.法規用語與法規解釋之淺析.doc(受保護的檢視) - Word">
+            <a:extLst>
+              <a:ext uri="{FF2B5EF4-FFF2-40B4-BE49-F238E27FC236}">
+                <a16:creationId xmlns:a16="http://schemas.microsoft.com/office/drawing/2014/main" id="{F1D67177-6AC0-408E-AFA5-FE18D205E455}"/>
+              </a:ext>
+            </a:extLst>
+          </p:cNvPr>
+          <p:cNvPicPr>
+            <a:picLocks noChangeAspect="1"/>
+          </p:cNvPicPr>
+          <p:nvPr/>
+        </p:nvPicPr>
+        <p:blipFill rotWithShape="1">
+          <a:blip r:embed="rId2"/>
+          <a:srcRect l="24348" t="13714" r="24870"/>
+          <a:stretch/>
+        </p:blipFill>
+        <p:spPr>
+          <a:xfrm>
+            <a:off x="467081" y="1039570"/>
+            <a:ext cx="4065161" cy="4438106"/>
           </a:xfrm>
           <a:prstGeom prst="rect">
             <a:avLst/>
           </a:prstGeom>
         </p:spPr>
-        <p:txBody>
-          <a:bodyPr spcFirstLastPara="1" wrap="square" lIns="91425" tIns="91425" rIns="91425" bIns="91425" anchor="t" anchorCtr="0">
-            <a:noAutofit/>
-          </a:bodyPr>
-          <a:lstStyle/>
-          <a:p>
-            <a:pPr marL="0" lvl="0" indent="0" algn="ctr" rtl="0">
-              <a:spcBef>
-                <a:spcPts val="0"/>
-              </a:spcBef>
-              <a:spcAft>
-                <a:spcPts val="0"/>
-              </a:spcAft>
-              <a:buClr>
-                <a:schemeClr val="dk1"/>
-              </a:buClr>
-              <a:buSzPts val="1100"/>
-              <a:buFont typeface="Arial"/>
-              <a:buNone/>
-            </a:pPr>
-            <a:r>
-              <a:rPr lang="zh-TW" altLang="en-US" dirty="0">
-                <a:latin typeface="微軟正黑體" panose="020B0604030504040204" pitchFamily="34" charset="-120"/>
-                <a:ea typeface="微軟正黑體" panose="020B0604030504040204" pitchFamily="34" charset="-120"/>
-              </a:rPr>
-              <a:t>主題發想</a:t>
-            </a:r>
-            <a:endParaRPr lang="en-US" altLang="zh-TW" dirty="0">
-              <a:latin typeface="微軟正黑體" panose="020B0604030504040204" pitchFamily="34" charset="-120"/>
-              <a:ea typeface="微軟正黑體" panose="020B0604030504040204" pitchFamily="34" charset="-120"/>
-            </a:endParaRPr>
-          </a:p>
-          <a:p>
-            <a:pPr marL="0" lvl="0" indent="0" algn="ctr" rtl="0">
-              <a:spcBef>
-                <a:spcPts val="0"/>
-              </a:spcBef>
-              <a:spcAft>
-                <a:spcPts val="0"/>
-              </a:spcAft>
-              <a:buClr>
-                <a:schemeClr val="dk1"/>
-              </a:buClr>
-              <a:buSzPts val="1100"/>
-              <a:buFont typeface="Arial"/>
-              <a:buNone/>
-            </a:pPr>
-            <a:r>
-              <a:rPr lang="zh-TW" altLang="en-US" dirty="0">
-                <a:latin typeface="微軟正黑體" panose="020B0604030504040204" pitchFamily="34" charset="-120"/>
-                <a:ea typeface="微軟正黑體" panose="020B0604030504040204" pitchFamily="34" charset="-120"/>
-              </a:rPr>
-              <a:t>內容提供</a:t>
-            </a:r>
-            <a:endParaRPr dirty="0">
-              <a:latin typeface="微軟正黑體" panose="020B0604030504040204" pitchFamily="34" charset="-120"/>
-              <a:ea typeface="微軟正黑體" panose="020B0604030504040204" pitchFamily="34" charset="-120"/>
-            </a:endParaRPr>
-          </a:p>
-        </p:txBody>
-      </p:sp>
+      </p:pic>
       <p:sp>
         <p:nvSpPr>
-          <p:cNvPr id="3919" name="Google Shape;3919;p50"/>
-          <p:cNvSpPr txBox="1">
-            <a:spLocks noGrp="1"/>
-          </p:cNvSpPr>
-          <p:nvPr>
-            <p:ph type="ctrTitle" idx="3"/>
-          </p:nvPr>
+          <p:cNvPr id="12" name="文字方塊 11">
+            <a:extLst>
+              <a:ext uri="{FF2B5EF4-FFF2-40B4-BE49-F238E27FC236}">
+                <a16:creationId xmlns:a16="http://schemas.microsoft.com/office/drawing/2014/main" id="{F62C9E38-63AA-4C43-8605-BAE1C954680D}"/>
+              </a:ext>
+            </a:extLst>
+          </p:cNvPr>
+          <p:cNvSpPr txBox="1"/>
+          <p:nvPr/>
         </p:nvSpPr>
         <p:spPr>
           <a:xfrm>
-            <a:off x="3530888" y="3611425"/>
-            <a:ext cx="2082300" cy="458100"/>
+            <a:off x="5063162" y="1786999"/>
+            <a:ext cx="3263671" cy="2246769"/>
           </a:xfrm>
           <a:prstGeom prst="rect">
             <a:avLst/>
           </a:prstGeom>
+          <a:noFill/>
         </p:spPr>
         <p:txBody>
-          <a:bodyPr spcFirstLastPara="1" wrap="square" lIns="91425" tIns="91425" rIns="91425" bIns="91425" anchor="b" anchorCtr="0">
-            <a:noAutofit/>
+          <a:bodyPr wrap="square" rtlCol="0">
+            <a:spAutoFit/>
           </a:bodyPr>
           <a:lstStyle/>
           <a:p>
-            <a:pPr marL="0" lvl="0" indent="0" algn="ctr" rtl="0">
-              <a:spcBef>
-                <a:spcPts val="0"/>
-              </a:spcBef>
-              <a:spcAft>
-                <a:spcPts val="0"/>
-              </a:spcAft>
-              <a:buNone/>
-            </a:pPr>
             <a:r>
-              <a:rPr lang="zh-TW" altLang="en-US" b="1" dirty="0">
-                <a:latin typeface="微軟正黑體" panose="020B0604030504040204" pitchFamily="34" charset="-120"/>
-                <a:ea typeface="微軟正黑體" panose="020B0604030504040204" pitchFamily="34" charset="-120"/>
-              </a:rPr>
-              <a:t>丁語婕</a:t>
+              <a:rPr lang="zh-TW" altLang="en-US" dirty="0"/>
+              <a:t>例：</a:t>
             </a:r>
-            <a:endParaRPr b="1" dirty="0">
-              <a:latin typeface="微軟正黑體" panose="020B0604030504040204" pitchFamily="34" charset="-120"/>
-              <a:ea typeface="微軟正黑體" panose="020B0604030504040204" pitchFamily="34" charset="-120"/>
-            </a:endParaRPr>
+            <a:endParaRPr lang="en-US" altLang="zh-TW" dirty="0"/>
+          </a:p>
+          <a:p>
+            <a:r>
+              <a:rPr lang="zh-TW" altLang="en-US" dirty="0"/>
+              <a:t>屆期、逾期 ：</a:t>
+            </a:r>
+          </a:p>
+          <a:p>
+            <a:r>
+              <a:rPr lang="zh-TW" altLang="en-US" dirty="0"/>
+              <a:t>「屆期」與「逾期」以往多未予區分使用，然二者意義實有所不同，所謂「屆期」係指在一定期間內必須行為者，例如「．．限期命其改善；屆期不改善者．．．。」；而「逾期」係表達已過一定期限之事實，例如「．．請求權之行使，以二年為限，逾期不予受理。．．」。</a:t>
+            </a:r>
           </a:p>
         </p:txBody>
       </p:sp>
-      <p:sp>
-        <p:nvSpPr>
-          <p:cNvPr id="3920" name="Google Shape;3920;p50"/>
-          <p:cNvSpPr txBox="1">
-            <a:spLocks noGrp="1"/>
-          </p:cNvSpPr>
-          <p:nvPr>
-            <p:ph type="subTitle" idx="4"/>
-          </p:nvPr>
-        </p:nvSpPr>
-        <p:spPr>
-          <a:xfrm>
-            <a:off x="3530800" y="3933449"/>
-            <a:ext cx="2082300" cy="624300"/>
-          </a:xfrm>
-          <a:prstGeom prst="rect">
-            <a:avLst/>
-          </a:prstGeom>
-        </p:spPr>
-        <p:txBody>
-          <a:bodyPr spcFirstLastPara="1" wrap="square" lIns="91425" tIns="91425" rIns="91425" bIns="91425" anchor="t" anchorCtr="0">
-            <a:noAutofit/>
-          </a:bodyPr>
-          <a:lstStyle/>
-          <a:p>
-            <a:pPr marL="0" indent="0">
-              <a:buClr>
-                <a:schemeClr val="dk1"/>
-              </a:buClr>
-              <a:buSzPts val="1100"/>
-            </a:pPr>
-            <a:r>
-              <a:rPr lang="zh-TW" altLang="en-US" dirty="0">
-                <a:latin typeface="微軟正黑體" panose="020B0604030504040204" pitchFamily="34" charset="-120"/>
-                <a:ea typeface="微軟正黑體" panose="020B0604030504040204" pitchFamily="34" charset="-120"/>
-              </a:rPr>
-              <a:t>程式構想</a:t>
-            </a:r>
-            <a:endParaRPr lang="en-US" altLang="zh-TW" dirty="0">
-              <a:latin typeface="微軟正黑體" panose="020B0604030504040204" pitchFamily="34" charset="-120"/>
-              <a:ea typeface="微軟正黑體" panose="020B0604030504040204" pitchFamily="34" charset="-120"/>
-            </a:endParaRPr>
-          </a:p>
-          <a:p>
-            <a:pPr marL="0" lvl="0" indent="0" algn="ctr" rtl="0">
-              <a:spcBef>
-                <a:spcPts val="0"/>
-              </a:spcBef>
-              <a:spcAft>
-                <a:spcPts val="0"/>
-              </a:spcAft>
-              <a:buClr>
-                <a:schemeClr val="dk1"/>
-              </a:buClr>
-              <a:buSzPts val="1100"/>
-              <a:buFont typeface="Arial"/>
-              <a:buNone/>
-            </a:pPr>
-            <a:r>
-              <a:rPr lang="zh-TW" altLang="en-US" dirty="0">
-                <a:latin typeface="微軟正黑體" panose="020B0604030504040204" pitchFamily="34" charset="-120"/>
-                <a:ea typeface="微軟正黑體" panose="020B0604030504040204" pitchFamily="34" charset="-120"/>
-              </a:rPr>
-              <a:t>資料收集</a:t>
-            </a:r>
-            <a:endParaRPr dirty="0">
-              <a:latin typeface="微軟正黑體" panose="020B0604030504040204" pitchFamily="34" charset="-120"/>
-              <a:ea typeface="微軟正黑體" panose="020B0604030504040204" pitchFamily="34" charset="-120"/>
-            </a:endParaRPr>
-          </a:p>
-        </p:txBody>
-      </p:sp>
-      <p:sp>
-        <p:nvSpPr>
-          <p:cNvPr id="3923" name="Google Shape;3923;p50"/>
-          <p:cNvSpPr txBox="1">
-            <a:spLocks noGrp="1"/>
-          </p:cNvSpPr>
-          <p:nvPr>
-            <p:ph type="ctrTitle" idx="7"/>
-          </p:nvPr>
-        </p:nvSpPr>
-        <p:spPr>
-          <a:xfrm>
-            <a:off x="1101688" y="1900750"/>
-            <a:ext cx="2082300" cy="458100"/>
-          </a:xfrm>
-          <a:prstGeom prst="rect">
-            <a:avLst/>
-          </a:prstGeom>
-        </p:spPr>
-        <p:txBody>
-          <a:bodyPr spcFirstLastPara="1" wrap="square" lIns="91425" tIns="91425" rIns="91425" bIns="91425" anchor="b" anchorCtr="0">
-            <a:noAutofit/>
-          </a:bodyPr>
-          <a:lstStyle/>
-          <a:p>
-            <a:pPr marL="0" lvl="0" indent="0" algn="ctr" rtl="0">
-              <a:spcBef>
-                <a:spcPts val="0"/>
-              </a:spcBef>
-              <a:spcAft>
-                <a:spcPts val="0"/>
-              </a:spcAft>
-              <a:buNone/>
-            </a:pPr>
-            <a:r>
-              <a:rPr lang="zh-TW" altLang="en-US" b="1" dirty="0">
-                <a:latin typeface="微軟正黑體" panose="020B0604030504040204" pitchFamily="34" charset="-120"/>
-                <a:ea typeface="微軟正黑體" panose="020B0604030504040204" pitchFamily="34" charset="-120"/>
-              </a:rPr>
-              <a:t>黃至瑜</a:t>
-            </a:r>
-            <a:endParaRPr b="1" dirty="0">
-              <a:latin typeface="微軟正黑體" panose="020B0604030504040204" pitchFamily="34" charset="-120"/>
-              <a:ea typeface="微軟正黑體" panose="020B0604030504040204" pitchFamily="34" charset="-120"/>
-            </a:endParaRPr>
-          </a:p>
-        </p:txBody>
-      </p:sp>
-      <p:sp>
-        <p:nvSpPr>
-          <p:cNvPr id="3924" name="Google Shape;3924;p50"/>
-          <p:cNvSpPr txBox="1">
-            <a:spLocks noGrp="1"/>
-          </p:cNvSpPr>
-          <p:nvPr>
-            <p:ph type="subTitle" idx="8"/>
-          </p:nvPr>
-        </p:nvSpPr>
-        <p:spPr>
-          <a:xfrm>
-            <a:off x="1101600" y="2222774"/>
-            <a:ext cx="2082300" cy="624300"/>
-          </a:xfrm>
-          <a:prstGeom prst="rect">
-            <a:avLst/>
-          </a:prstGeom>
-        </p:spPr>
-        <p:txBody>
-          <a:bodyPr spcFirstLastPara="1" wrap="square" lIns="91425" tIns="91425" rIns="91425" bIns="91425" anchor="t" anchorCtr="0">
-            <a:noAutofit/>
-          </a:bodyPr>
-          <a:lstStyle/>
-          <a:p>
-            <a:pPr marL="0" lvl="0" indent="0" algn="ctr" rtl="0">
-              <a:spcBef>
-                <a:spcPts val="0"/>
-              </a:spcBef>
-              <a:spcAft>
-                <a:spcPts val="0"/>
-              </a:spcAft>
-              <a:buClr>
-                <a:schemeClr val="dk1"/>
-              </a:buClr>
-              <a:buSzPts val="1100"/>
-              <a:buFont typeface="Arial"/>
-              <a:buNone/>
-            </a:pPr>
-            <a:r>
-              <a:rPr lang="en-US" altLang="zh-TW" dirty="0"/>
-              <a:t>PPT</a:t>
-            </a:r>
-            <a:r>
-              <a:rPr lang="zh-TW" altLang="en-US" dirty="0">
-                <a:latin typeface="微軟正黑體" panose="020B0604030504040204" pitchFamily="34" charset="-120"/>
-                <a:ea typeface="微軟正黑體" panose="020B0604030504040204" pitchFamily="34" charset="-120"/>
-              </a:rPr>
-              <a:t>製作</a:t>
-            </a:r>
-            <a:endParaRPr lang="en-US" altLang="zh-TW" dirty="0">
-              <a:latin typeface="微軟正黑體" panose="020B0604030504040204" pitchFamily="34" charset="-120"/>
-              <a:ea typeface="微軟正黑體" panose="020B0604030504040204" pitchFamily="34" charset="-120"/>
-            </a:endParaRPr>
-          </a:p>
-          <a:p>
-            <a:pPr marL="0" lvl="0" indent="0" algn="ctr" rtl="0">
-              <a:spcBef>
-                <a:spcPts val="0"/>
-              </a:spcBef>
-              <a:spcAft>
-                <a:spcPts val="0"/>
-              </a:spcAft>
-              <a:buClr>
-                <a:schemeClr val="dk1"/>
-              </a:buClr>
-              <a:buSzPts val="1100"/>
-              <a:buFont typeface="Arial"/>
-              <a:buNone/>
-            </a:pPr>
-            <a:r>
-              <a:rPr lang="zh-TW" altLang="en-US" dirty="0">
-                <a:latin typeface="微軟正黑體" panose="020B0604030504040204" pitchFamily="34" charset="-120"/>
-                <a:ea typeface="微軟正黑體" panose="020B0604030504040204" pitchFamily="34" charset="-120"/>
-              </a:rPr>
-              <a:t>統合</a:t>
-            </a:r>
-            <a:endParaRPr dirty="0">
-              <a:latin typeface="微軟正黑體" panose="020B0604030504040204" pitchFamily="34" charset="-120"/>
-              <a:ea typeface="微軟正黑體" panose="020B0604030504040204" pitchFamily="34" charset="-120"/>
-            </a:endParaRPr>
-          </a:p>
-        </p:txBody>
-      </p:sp>
-      <p:sp>
-        <p:nvSpPr>
-          <p:cNvPr id="3925" name="Google Shape;3925;p50"/>
-          <p:cNvSpPr txBox="1">
-            <a:spLocks noGrp="1"/>
-          </p:cNvSpPr>
-          <p:nvPr>
-            <p:ph type="ctrTitle" idx="9"/>
-          </p:nvPr>
-        </p:nvSpPr>
-        <p:spPr>
-          <a:xfrm>
-            <a:off x="3530888" y="1900750"/>
-            <a:ext cx="2082300" cy="458100"/>
-          </a:xfrm>
-          <a:prstGeom prst="rect">
-            <a:avLst/>
-          </a:prstGeom>
-        </p:spPr>
-        <p:txBody>
-          <a:bodyPr spcFirstLastPara="1" wrap="square" lIns="91425" tIns="91425" rIns="91425" bIns="91425" anchor="b" anchorCtr="0">
-            <a:noAutofit/>
-          </a:bodyPr>
-          <a:lstStyle/>
-          <a:p>
-            <a:pPr marL="0" lvl="0" indent="0" algn="ctr" rtl="0">
-              <a:spcBef>
-                <a:spcPts val="0"/>
-              </a:spcBef>
-              <a:spcAft>
-                <a:spcPts val="0"/>
-              </a:spcAft>
-              <a:buNone/>
-            </a:pPr>
-            <a:r>
-              <a:rPr lang="zh-TW" altLang="en-US" b="1" dirty="0">
-                <a:latin typeface="微軟正黑體" panose="020B0604030504040204" pitchFamily="34" charset="-120"/>
-                <a:ea typeface="微軟正黑體" panose="020B0604030504040204" pitchFamily="34" charset="-120"/>
-              </a:rPr>
-              <a:t>孫韻婷</a:t>
-            </a:r>
-            <a:endParaRPr b="1" dirty="0">
-              <a:latin typeface="微軟正黑體" panose="020B0604030504040204" pitchFamily="34" charset="-120"/>
-              <a:ea typeface="微軟正黑體" panose="020B0604030504040204" pitchFamily="34" charset="-120"/>
-            </a:endParaRPr>
-          </a:p>
-        </p:txBody>
-      </p:sp>
-      <p:sp>
-        <p:nvSpPr>
-          <p:cNvPr id="3926" name="Google Shape;3926;p50"/>
-          <p:cNvSpPr txBox="1">
-            <a:spLocks noGrp="1"/>
-          </p:cNvSpPr>
-          <p:nvPr>
-            <p:ph type="subTitle" idx="13"/>
-          </p:nvPr>
-        </p:nvSpPr>
-        <p:spPr>
-          <a:xfrm>
-            <a:off x="3530800" y="2222774"/>
-            <a:ext cx="2082300" cy="624300"/>
-          </a:xfrm>
-          <a:prstGeom prst="rect">
-            <a:avLst/>
-          </a:prstGeom>
-        </p:spPr>
-        <p:txBody>
-          <a:bodyPr spcFirstLastPara="1" wrap="square" lIns="91425" tIns="91425" rIns="91425" bIns="91425" anchor="t" anchorCtr="0">
-            <a:noAutofit/>
-          </a:bodyPr>
-          <a:lstStyle/>
-          <a:p>
-            <a:pPr marL="0" lvl="0" indent="0" algn="ctr" rtl="0">
-              <a:spcBef>
-                <a:spcPts val="0"/>
-              </a:spcBef>
-              <a:spcAft>
-                <a:spcPts val="0"/>
-              </a:spcAft>
-              <a:buNone/>
-            </a:pPr>
-            <a:r>
-              <a:rPr lang="zh-TW" altLang="en-US" dirty="0">
-                <a:latin typeface="微軟正黑體" panose="020B0604030504040204" pitchFamily="34" charset="-120"/>
-                <a:ea typeface="微軟正黑體" panose="020B0604030504040204" pitchFamily="34" charset="-120"/>
-              </a:rPr>
-              <a:t>內容提供</a:t>
-            </a:r>
-            <a:endParaRPr lang="en-US" altLang="zh-TW" dirty="0">
-              <a:latin typeface="微軟正黑體" panose="020B0604030504040204" pitchFamily="34" charset="-120"/>
-              <a:ea typeface="微軟正黑體" panose="020B0604030504040204" pitchFamily="34" charset="-120"/>
-            </a:endParaRPr>
-          </a:p>
-          <a:p>
-            <a:pPr marL="0" lvl="0" indent="0" algn="ctr" rtl="0">
-              <a:spcBef>
-                <a:spcPts val="0"/>
-              </a:spcBef>
-              <a:spcAft>
-                <a:spcPts val="0"/>
-              </a:spcAft>
-              <a:buNone/>
-            </a:pPr>
-            <a:r>
-              <a:rPr lang="zh-TW" altLang="en-US" dirty="0">
-                <a:latin typeface="微軟正黑體" panose="020B0604030504040204" pitchFamily="34" charset="-120"/>
-                <a:ea typeface="微軟正黑體" panose="020B0604030504040204" pitchFamily="34" charset="-120"/>
-              </a:rPr>
-              <a:t>討論</a:t>
-            </a:r>
-            <a:endParaRPr dirty="0">
-              <a:latin typeface="微軟正黑體" panose="020B0604030504040204" pitchFamily="34" charset="-120"/>
-              <a:ea typeface="微軟正黑體" panose="020B0604030504040204" pitchFamily="34" charset="-120"/>
-            </a:endParaRPr>
-          </a:p>
-        </p:txBody>
-      </p:sp>
-      <p:sp>
-        <p:nvSpPr>
-          <p:cNvPr id="3927" name="Google Shape;3927;p50"/>
-          <p:cNvSpPr txBox="1">
-            <a:spLocks noGrp="1"/>
-          </p:cNvSpPr>
-          <p:nvPr>
-            <p:ph type="ctrTitle" idx="14"/>
-          </p:nvPr>
-        </p:nvSpPr>
-        <p:spPr>
-          <a:xfrm>
-            <a:off x="5960088" y="1900750"/>
-            <a:ext cx="2082300" cy="458100"/>
-          </a:xfrm>
-          <a:prstGeom prst="rect">
-            <a:avLst/>
-          </a:prstGeom>
-        </p:spPr>
-        <p:txBody>
-          <a:bodyPr spcFirstLastPara="1" wrap="square" lIns="91425" tIns="91425" rIns="91425" bIns="91425" anchor="b" anchorCtr="0">
-            <a:noAutofit/>
-          </a:bodyPr>
-          <a:lstStyle/>
-          <a:p>
-            <a:pPr marL="0" lvl="0" indent="0" algn="ctr" rtl="0">
-              <a:spcBef>
-                <a:spcPts val="0"/>
-              </a:spcBef>
-              <a:spcAft>
-                <a:spcPts val="0"/>
-              </a:spcAft>
-              <a:buNone/>
-            </a:pPr>
-            <a:r>
-              <a:rPr lang="zh-TW" altLang="en-US" b="1" dirty="0">
-                <a:latin typeface="微軟正黑體" panose="020B0604030504040204" pitchFamily="34" charset="-120"/>
-                <a:ea typeface="微軟正黑體" panose="020B0604030504040204" pitchFamily="34" charset="-120"/>
-              </a:rPr>
-              <a:t>彭安慈</a:t>
-            </a:r>
-            <a:endParaRPr b="1" dirty="0">
-              <a:latin typeface="微軟正黑體" panose="020B0604030504040204" pitchFamily="34" charset="-120"/>
-              <a:ea typeface="微軟正黑體" panose="020B0604030504040204" pitchFamily="34" charset="-120"/>
-            </a:endParaRPr>
-          </a:p>
-        </p:txBody>
-      </p:sp>
-      <p:sp>
-        <p:nvSpPr>
-          <p:cNvPr id="3928" name="Google Shape;3928;p50"/>
-          <p:cNvSpPr txBox="1">
-            <a:spLocks noGrp="1"/>
-          </p:cNvSpPr>
-          <p:nvPr>
-            <p:ph type="subTitle" idx="15"/>
-          </p:nvPr>
-        </p:nvSpPr>
-        <p:spPr>
-          <a:xfrm>
-            <a:off x="5960000" y="2222773"/>
-            <a:ext cx="2082300" cy="764051"/>
-          </a:xfrm>
-          <a:prstGeom prst="rect">
-            <a:avLst/>
-          </a:prstGeom>
-        </p:spPr>
-        <p:txBody>
-          <a:bodyPr spcFirstLastPara="1" wrap="square" lIns="91425" tIns="91425" rIns="91425" bIns="91425" anchor="t" anchorCtr="0">
-            <a:noAutofit/>
-          </a:bodyPr>
-          <a:lstStyle/>
-          <a:p>
-            <a:pPr marL="0" lvl="0" indent="0" algn="ctr" rtl="0">
-              <a:spcBef>
-                <a:spcPts val="0"/>
-              </a:spcBef>
-              <a:spcAft>
-                <a:spcPts val="0"/>
-              </a:spcAft>
-              <a:buClr>
-                <a:schemeClr val="dk1"/>
-              </a:buClr>
-              <a:buSzPts val="1100"/>
-              <a:buFont typeface="Arial"/>
-              <a:buNone/>
-            </a:pPr>
-            <a:r>
-              <a:rPr lang="zh-TW" altLang="en-US" dirty="0">
-                <a:latin typeface="微軟正黑體" panose="020B0604030504040204" pitchFamily="34" charset="-120"/>
-                <a:ea typeface="微軟正黑體" panose="020B0604030504040204" pitchFamily="34" charset="-120"/>
-              </a:rPr>
-              <a:t>程式構想</a:t>
-            </a:r>
-            <a:endParaRPr lang="en-US" altLang="zh-TW" dirty="0">
-              <a:latin typeface="微軟正黑體" panose="020B0604030504040204" pitchFamily="34" charset="-120"/>
-              <a:ea typeface="微軟正黑體" panose="020B0604030504040204" pitchFamily="34" charset="-120"/>
-            </a:endParaRPr>
-          </a:p>
-          <a:p>
-            <a:pPr marL="0" lvl="0" indent="0" algn="ctr" rtl="0">
-              <a:spcBef>
-                <a:spcPts val="0"/>
-              </a:spcBef>
-              <a:spcAft>
-                <a:spcPts val="0"/>
-              </a:spcAft>
-              <a:buClr>
-                <a:schemeClr val="dk1"/>
-              </a:buClr>
-              <a:buSzPts val="1100"/>
-              <a:buFont typeface="Arial"/>
-              <a:buNone/>
-            </a:pPr>
-            <a:r>
-              <a:rPr lang="zh-TW" altLang="en-US" dirty="0">
-                <a:latin typeface="微軟正黑體" panose="020B0604030504040204" pitchFamily="34" charset="-120"/>
-                <a:ea typeface="微軟正黑體" panose="020B0604030504040204" pitchFamily="34" charset="-120"/>
-              </a:rPr>
-              <a:t>內容提供</a:t>
-            </a:r>
-            <a:endParaRPr lang="en-US" altLang="zh-TW" dirty="0">
-              <a:latin typeface="微軟正黑體" panose="020B0604030504040204" pitchFamily="34" charset="-120"/>
-              <a:ea typeface="微軟正黑體" panose="020B0604030504040204" pitchFamily="34" charset="-120"/>
-            </a:endParaRPr>
-          </a:p>
-          <a:p>
-            <a:pPr marL="0" lvl="0" indent="0" algn="ctr" rtl="0">
-              <a:spcBef>
-                <a:spcPts val="0"/>
-              </a:spcBef>
-              <a:spcAft>
-                <a:spcPts val="0"/>
-              </a:spcAft>
-              <a:buClr>
-                <a:schemeClr val="dk1"/>
-              </a:buClr>
-              <a:buSzPts val="1100"/>
-              <a:buFont typeface="Arial"/>
-              <a:buNone/>
-            </a:pPr>
-            <a:r>
-              <a:rPr lang="zh-TW" altLang="en-US" dirty="0">
-                <a:latin typeface="微軟正黑體" panose="020B0604030504040204" pitchFamily="34" charset="-120"/>
-                <a:ea typeface="微軟正黑體" panose="020B0604030504040204" pitchFamily="34" charset="-120"/>
-              </a:rPr>
-              <a:t>討論</a:t>
-            </a:r>
-            <a:endParaRPr dirty="0">
-              <a:latin typeface="微軟正黑體" panose="020B0604030504040204" pitchFamily="34" charset="-120"/>
-              <a:ea typeface="微軟正黑體" panose="020B0604030504040204" pitchFamily="34" charset="-120"/>
-            </a:endParaRPr>
-          </a:p>
-        </p:txBody>
-      </p:sp>
-      <p:cxnSp>
-        <p:nvCxnSpPr>
-          <p:cNvPr id="3973" name="Google Shape;3973;p50"/>
-          <p:cNvCxnSpPr/>
-          <p:nvPr/>
-        </p:nvCxnSpPr>
-        <p:spPr>
-          <a:xfrm rot="10800000">
-            <a:off x="-810725" y="967400"/>
-            <a:ext cx="3604800" cy="0"/>
-          </a:xfrm>
-          <a:prstGeom prst="straightConnector1">
-            <a:avLst/>
-          </a:prstGeom>
-          <a:noFill/>
-          <a:ln w="19050" cap="flat" cmpd="sng">
-            <a:solidFill>
-              <a:srgbClr val="D3B5C8"/>
-            </a:solidFill>
-            <a:prstDash val="solid"/>
-            <a:round/>
-            <a:headEnd type="none" w="med" len="med"/>
-            <a:tailEnd type="none" w="med" len="med"/>
-          </a:ln>
-        </p:spPr>
-      </p:cxnSp>
     </p:spTree>
     <p:extLst>
       <p:ext uri="{BB962C8B-B14F-4D97-AF65-F5344CB8AC3E}">
-        <p14:creationId xmlns:p14="http://schemas.microsoft.com/office/powerpoint/2010/main" val="179956463"/>
+        <p14:creationId xmlns:p14="http://schemas.microsoft.com/office/powerpoint/2010/main" val="3710534227"/>
       </p:ext>
     </p:extLst>
   </p:cSld>
@@ -11024,6 +13480,94 @@
 </file>
 
 <file path=ppt/slides/slide11.xml><?xml version="1.0" encoding="utf-8"?>
+<p:sld xmlns:a="http://schemas.openxmlformats.org/drawingml/2006/main" xmlns:r="http://schemas.openxmlformats.org/officeDocument/2006/relationships" xmlns:p="http://schemas.openxmlformats.org/presentationml/2006/main">
+  <p:cSld>
+    <p:spTree>
+      <p:nvGrpSpPr>
+        <p:cNvPr id="1" name=""/>
+        <p:cNvGrpSpPr/>
+        <p:nvPr/>
+      </p:nvGrpSpPr>
+      <p:grpSpPr>
+        <a:xfrm>
+          <a:off x="0" y="0"/>
+          <a:ext cx="0" cy="0"/>
+          <a:chOff x="0" y="0"/>
+          <a:chExt cx="0" cy="0"/>
+        </a:xfrm>
+      </p:grpSpPr>
+      <p:sp>
+        <p:nvSpPr>
+          <p:cNvPr id="2" name="標題 1">
+            <a:extLst>
+              <a:ext uri="{FF2B5EF4-FFF2-40B4-BE49-F238E27FC236}">
+                <a16:creationId xmlns:a16="http://schemas.microsoft.com/office/drawing/2014/main" id="{50EB7DD9-2A95-4BF9-8EB2-125B2ED0E131}"/>
+              </a:ext>
+            </a:extLst>
+          </p:cNvPr>
+          <p:cNvSpPr>
+            <a:spLocks noGrp="1"/>
+          </p:cNvSpPr>
+          <p:nvPr>
+            <p:ph type="title"/>
+          </p:nvPr>
+        </p:nvSpPr>
+        <p:spPr/>
+        <p:txBody>
+          <a:bodyPr/>
+          <a:lstStyle/>
+          <a:p>
+            <a:r>
+              <a:rPr lang="en-US" altLang="zh-TW" dirty="0"/>
+              <a:t>output</a:t>
+            </a:r>
+            <a:endParaRPr lang="zh-TW" altLang="en-US" dirty="0"/>
+          </a:p>
+        </p:txBody>
+      </p:sp>
+      <p:pic>
+        <p:nvPicPr>
+          <p:cNvPr id="6" name="圖片 5">
+            <a:extLst>
+              <a:ext uri="{FF2B5EF4-FFF2-40B4-BE49-F238E27FC236}">
+                <a16:creationId xmlns:a16="http://schemas.microsoft.com/office/drawing/2014/main" id="{750106CA-1773-4449-8FAA-DAA3109495E7}"/>
+              </a:ext>
+            </a:extLst>
+          </p:cNvPr>
+          <p:cNvPicPr>
+            <a:picLocks noChangeAspect="1"/>
+          </p:cNvPicPr>
+          <p:nvPr/>
+        </p:nvPicPr>
+        <p:blipFill rotWithShape="1">
+          <a:blip r:embed="rId2"/>
+          <a:srcRect r="4462"/>
+          <a:stretch/>
+        </p:blipFill>
+        <p:spPr>
+          <a:xfrm>
+            <a:off x="888275" y="1093035"/>
+            <a:ext cx="7367451" cy="2957430"/>
+          </a:xfrm>
+          <a:prstGeom prst="rect">
+            <a:avLst/>
+          </a:prstGeom>
+        </p:spPr>
+      </p:pic>
+    </p:spTree>
+    <p:extLst>
+      <p:ext uri="{BB962C8B-B14F-4D97-AF65-F5344CB8AC3E}">
+        <p14:creationId xmlns:p14="http://schemas.microsoft.com/office/powerpoint/2010/main" val="1420504000"/>
+      </p:ext>
+    </p:extLst>
+  </p:cSld>
+  <p:clrMapOvr>
+    <a:masterClrMapping/>
+  </p:clrMapOvr>
+</p:sld>
+</file>
+
+<file path=ppt/slides/slide12.xml><?xml version="1.0" encoding="utf-8"?>
 <p:sld xmlns:a="http://schemas.openxmlformats.org/drawingml/2006/main" xmlns:r="http://schemas.openxmlformats.org/officeDocument/2006/relationships" xmlns:p="http://schemas.openxmlformats.org/presentationml/2006/main">
   <p:cSld>
     <p:spTree>
@@ -11339,7 +13883,7 @@
 </p:sld>
 </file>
 
-<file path=ppt/slides/slide12.xml><?xml version="1.0" encoding="utf-8"?>
+<file path=ppt/slides/slide13.xml><?xml version="1.0" encoding="utf-8"?>
 <p:sld xmlns:a="http://schemas.openxmlformats.org/drawingml/2006/main" xmlns:r="http://schemas.openxmlformats.org/officeDocument/2006/relationships" xmlns:p="http://schemas.openxmlformats.org/presentationml/2006/main">
   <p:cSld>
     <p:spTree>
@@ -11437,7 +13981,7 @@
 </p:sld>
 </file>
 
-<file path=ppt/slides/slide13.xml><?xml version="1.0" encoding="utf-8"?>
+<file path=ppt/slides/slide14.xml><?xml version="1.0" encoding="utf-8"?>
 <p:sld xmlns:a="http://schemas.openxmlformats.org/drawingml/2006/main" xmlns:r="http://schemas.openxmlformats.org/officeDocument/2006/relationships" xmlns:p="http://schemas.openxmlformats.org/presentationml/2006/main">
   <p:cSld>
     <p:spTree>
@@ -11619,7 +14163,7 @@
 </p:sld>
 </file>
 
-<file path=ppt/slides/slide14.xml><?xml version="1.0" encoding="utf-8"?>
+<file path=ppt/slides/slide15.xml><?xml version="1.0" encoding="utf-8"?>
 <p:sld xmlns:a="http://schemas.openxmlformats.org/drawingml/2006/main" xmlns:r="http://schemas.openxmlformats.org/officeDocument/2006/relationships" xmlns:p="http://schemas.openxmlformats.org/presentationml/2006/main">
   <p:cSld>
     <p:spTree>
@@ -11708,6 +14252,757 @@
     <p:extLst>
       <p:ext uri="{BB962C8B-B14F-4D97-AF65-F5344CB8AC3E}">
         <p14:creationId xmlns:p14="http://schemas.microsoft.com/office/powerpoint/2010/main" val="3016777372"/>
+      </p:ext>
+    </p:extLst>
+  </p:cSld>
+  <p:clrMapOvr>
+    <a:masterClrMapping/>
+  </p:clrMapOvr>
+</p:sld>
+</file>
+
+<file path=ppt/slides/slide16.xml><?xml version="1.0" encoding="utf-8"?>
+<p:sld xmlns:a="http://schemas.openxmlformats.org/drawingml/2006/main" xmlns:r="http://schemas.openxmlformats.org/officeDocument/2006/relationships" xmlns:p="http://schemas.openxmlformats.org/presentationml/2006/main">
+  <p:cSld>
+    <p:spTree>
+      <p:nvGrpSpPr>
+        <p:cNvPr id="1" name="Shape 3915"/>
+        <p:cNvGrpSpPr/>
+        <p:nvPr/>
+      </p:nvGrpSpPr>
+      <p:grpSpPr>
+        <a:xfrm>
+          <a:off x="0" y="0"/>
+          <a:ext cx="0" cy="0"/>
+          <a:chOff x="0" y="0"/>
+          <a:chExt cx="0" cy="0"/>
+        </a:xfrm>
+      </p:grpSpPr>
+      <p:sp>
+        <p:nvSpPr>
+          <p:cNvPr id="3916" name="Google Shape;3916;p50"/>
+          <p:cNvSpPr txBox="1">
+            <a:spLocks noGrp="1"/>
+          </p:cNvSpPr>
+          <p:nvPr>
+            <p:ph type="title"/>
+          </p:nvPr>
+        </p:nvSpPr>
+        <p:spPr>
+          <a:xfrm>
+            <a:off x="685049" y="436400"/>
+            <a:ext cx="6405037" cy="531000"/>
+          </a:xfrm>
+          <a:prstGeom prst="rect">
+            <a:avLst/>
+          </a:prstGeom>
+        </p:spPr>
+        <p:txBody>
+          <a:bodyPr spcFirstLastPara="1" wrap="square" lIns="91425" tIns="91425" rIns="91425" bIns="91425" anchor="b" anchorCtr="0">
+            <a:noAutofit/>
+          </a:bodyPr>
+          <a:lstStyle/>
+          <a:p>
+            <a:pPr marL="0" lvl="0" indent="0" algn="l" rtl="0">
+              <a:spcBef>
+                <a:spcPts val="0"/>
+              </a:spcBef>
+              <a:spcAft>
+                <a:spcPts val="0"/>
+              </a:spcAft>
+              <a:buNone/>
+            </a:pPr>
+            <a:r>
+              <a:rPr lang="en-US" sz="3600" dirty="0"/>
+              <a:t>Who did what in your team?</a:t>
+            </a:r>
+            <a:endParaRPr sz="3600" dirty="0"/>
+          </a:p>
+        </p:txBody>
+      </p:sp>
+      <p:sp>
+        <p:nvSpPr>
+          <p:cNvPr id="3917" name="Google Shape;3917;p50"/>
+          <p:cNvSpPr txBox="1">
+            <a:spLocks noGrp="1"/>
+          </p:cNvSpPr>
+          <p:nvPr>
+            <p:ph type="ctrTitle" idx="2"/>
+          </p:nvPr>
+        </p:nvSpPr>
+        <p:spPr>
+          <a:xfrm>
+            <a:off x="1101688" y="3611425"/>
+            <a:ext cx="2082300" cy="458100"/>
+          </a:xfrm>
+          <a:prstGeom prst="rect">
+            <a:avLst/>
+          </a:prstGeom>
+        </p:spPr>
+        <p:txBody>
+          <a:bodyPr spcFirstLastPara="1" wrap="square" lIns="91425" tIns="91425" rIns="91425" bIns="91425" anchor="b" anchorCtr="0">
+            <a:noAutofit/>
+          </a:bodyPr>
+          <a:lstStyle/>
+          <a:p>
+            <a:pPr marL="0" lvl="0" indent="0" algn="ctr" rtl="0">
+              <a:spcBef>
+                <a:spcPts val="0"/>
+              </a:spcBef>
+              <a:spcAft>
+                <a:spcPts val="0"/>
+              </a:spcAft>
+              <a:buNone/>
+            </a:pPr>
+            <a:r>
+              <a:rPr lang="zh-TW" altLang="en-US" b="1" dirty="0">
+                <a:latin typeface="微軟正黑體" panose="020B0604030504040204" pitchFamily="34" charset="-120"/>
+                <a:ea typeface="微軟正黑體" panose="020B0604030504040204" pitchFamily="34" charset="-120"/>
+              </a:rPr>
+              <a:t>林彤頤</a:t>
+            </a:r>
+            <a:endParaRPr b="1" dirty="0">
+              <a:latin typeface="微軟正黑體" panose="020B0604030504040204" pitchFamily="34" charset="-120"/>
+              <a:ea typeface="微軟正黑體" panose="020B0604030504040204" pitchFamily="34" charset="-120"/>
+            </a:endParaRPr>
+          </a:p>
+        </p:txBody>
+      </p:sp>
+      <p:sp>
+        <p:nvSpPr>
+          <p:cNvPr id="3918" name="Google Shape;3918;p50"/>
+          <p:cNvSpPr txBox="1">
+            <a:spLocks noGrp="1"/>
+          </p:cNvSpPr>
+          <p:nvPr>
+            <p:ph type="subTitle" idx="1"/>
+          </p:nvPr>
+        </p:nvSpPr>
+        <p:spPr>
+          <a:xfrm>
+            <a:off x="1101600" y="3933449"/>
+            <a:ext cx="2082300" cy="624300"/>
+          </a:xfrm>
+          <a:prstGeom prst="rect">
+            <a:avLst/>
+          </a:prstGeom>
+        </p:spPr>
+        <p:txBody>
+          <a:bodyPr spcFirstLastPara="1" wrap="square" lIns="91425" tIns="91425" rIns="91425" bIns="91425" anchor="t" anchorCtr="0">
+            <a:noAutofit/>
+          </a:bodyPr>
+          <a:lstStyle/>
+          <a:p>
+            <a:pPr marL="0" lvl="0" indent="0" algn="ctr" rtl="0">
+              <a:spcBef>
+                <a:spcPts val="0"/>
+              </a:spcBef>
+              <a:spcAft>
+                <a:spcPts val="0"/>
+              </a:spcAft>
+              <a:buClr>
+                <a:schemeClr val="dk1"/>
+              </a:buClr>
+              <a:buSzPts val="1100"/>
+              <a:buFont typeface="Arial"/>
+              <a:buNone/>
+            </a:pPr>
+            <a:r>
+              <a:rPr lang="zh-TW" altLang="en-US" dirty="0">
+                <a:latin typeface="微軟正黑體" panose="020B0604030504040204" pitchFamily="34" charset="-120"/>
+                <a:ea typeface="微軟正黑體" panose="020B0604030504040204" pitchFamily="34" charset="-120"/>
+              </a:rPr>
+              <a:t>主題發想</a:t>
+            </a:r>
+            <a:endParaRPr lang="en-US" altLang="zh-TW" dirty="0">
+              <a:latin typeface="微軟正黑體" panose="020B0604030504040204" pitchFamily="34" charset="-120"/>
+              <a:ea typeface="微軟正黑體" panose="020B0604030504040204" pitchFamily="34" charset="-120"/>
+            </a:endParaRPr>
+          </a:p>
+          <a:p>
+            <a:pPr marL="0" lvl="0" indent="0" algn="ctr" rtl="0">
+              <a:spcBef>
+                <a:spcPts val="0"/>
+              </a:spcBef>
+              <a:spcAft>
+                <a:spcPts val="0"/>
+              </a:spcAft>
+              <a:buClr>
+                <a:schemeClr val="dk1"/>
+              </a:buClr>
+              <a:buSzPts val="1100"/>
+              <a:buFont typeface="Arial"/>
+              <a:buNone/>
+            </a:pPr>
+            <a:r>
+              <a:rPr lang="zh-TW" altLang="en-US" dirty="0">
+                <a:latin typeface="微軟正黑體" panose="020B0604030504040204" pitchFamily="34" charset="-120"/>
+                <a:ea typeface="微軟正黑體" panose="020B0604030504040204" pitchFamily="34" charset="-120"/>
+              </a:rPr>
+              <a:t>內容提供</a:t>
+            </a:r>
+            <a:endParaRPr dirty="0">
+              <a:latin typeface="微軟正黑體" panose="020B0604030504040204" pitchFamily="34" charset="-120"/>
+              <a:ea typeface="微軟正黑體" panose="020B0604030504040204" pitchFamily="34" charset="-120"/>
+            </a:endParaRPr>
+          </a:p>
+        </p:txBody>
+      </p:sp>
+      <p:sp>
+        <p:nvSpPr>
+          <p:cNvPr id="3919" name="Google Shape;3919;p50"/>
+          <p:cNvSpPr txBox="1">
+            <a:spLocks noGrp="1"/>
+          </p:cNvSpPr>
+          <p:nvPr>
+            <p:ph type="ctrTitle" idx="3"/>
+          </p:nvPr>
+        </p:nvSpPr>
+        <p:spPr>
+          <a:xfrm>
+            <a:off x="3530888" y="3611425"/>
+            <a:ext cx="2082300" cy="458100"/>
+          </a:xfrm>
+          <a:prstGeom prst="rect">
+            <a:avLst/>
+          </a:prstGeom>
+        </p:spPr>
+        <p:txBody>
+          <a:bodyPr spcFirstLastPara="1" wrap="square" lIns="91425" tIns="91425" rIns="91425" bIns="91425" anchor="b" anchorCtr="0">
+            <a:noAutofit/>
+          </a:bodyPr>
+          <a:lstStyle/>
+          <a:p>
+            <a:pPr marL="0" lvl="0" indent="0" algn="ctr" rtl="0">
+              <a:spcBef>
+                <a:spcPts val="0"/>
+              </a:spcBef>
+              <a:spcAft>
+                <a:spcPts val="0"/>
+              </a:spcAft>
+              <a:buNone/>
+            </a:pPr>
+            <a:r>
+              <a:rPr lang="zh-TW" altLang="en-US" b="1" dirty="0">
+                <a:latin typeface="微軟正黑體" panose="020B0604030504040204" pitchFamily="34" charset="-120"/>
+                <a:ea typeface="微軟正黑體" panose="020B0604030504040204" pitchFamily="34" charset="-120"/>
+              </a:rPr>
+              <a:t>丁語婕</a:t>
+            </a:r>
+            <a:endParaRPr b="1" dirty="0">
+              <a:latin typeface="微軟正黑體" panose="020B0604030504040204" pitchFamily="34" charset="-120"/>
+              <a:ea typeface="微軟正黑體" panose="020B0604030504040204" pitchFamily="34" charset="-120"/>
+            </a:endParaRPr>
+          </a:p>
+        </p:txBody>
+      </p:sp>
+      <p:sp>
+        <p:nvSpPr>
+          <p:cNvPr id="3920" name="Google Shape;3920;p50"/>
+          <p:cNvSpPr txBox="1">
+            <a:spLocks noGrp="1"/>
+          </p:cNvSpPr>
+          <p:nvPr>
+            <p:ph type="subTitle" idx="4"/>
+          </p:nvPr>
+        </p:nvSpPr>
+        <p:spPr>
+          <a:xfrm>
+            <a:off x="3530800" y="3933449"/>
+            <a:ext cx="2082300" cy="624300"/>
+          </a:xfrm>
+          <a:prstGeom prst="rect">
+            <a:avLst/>
+          </a:prstGeom>
+        </p:spPr>
+        <p:txBody>
+          <a:bodyPr spcFirstLastPara="1" wrap="square" lIns="91425" tIns="91425" rIns="91425" bIns="91425" anchor="t" anchorCtr="0">
+            <a:noAutofit/>
+          </a:bodyPr>
+          <a:lstStyle/>
+          <a:p>
+            <a:pPr marL="0" indent="0">
+              <a:buClr>
+                <a:schemeClr val="dk1"/>
+              </a:buClr>
+              <a:buSzPts val="1100"/>
+            </a:pPr>
+            <a:r>
+              <a:rPr lang="zh-TW" altLang="en-US" dirty="0">
+                <a:latin typeface="微軟正黑體" panose="020B0604030504040204" pitchFamily="34" charset="-120"/>
+                <a:ea typeface="微軟正黑體" panose="020B0604030504040204" pitchFamily="34" charset="-120"/>
+              </a:rPr>
+              <a:t>程式構想</a:t>
+            </a:r>
+            <a:endParaRPr lang="en-US" altLang="zh-TW" dirty="0">
+              <a:latin typeface="微軟正黑體" panose="020B0604030504040204" pitchFamily="34" charset="-120"/>
+              <a:ea typeface="微軟正黑體" panose="020B0604030504040204" pitchFamily="34" charset="-120"/>
+            </a:endParaRPr>
+          </a:p>
+          <a:p>
+            <a:pPr marL="0" lvl="0" indent="0" algn="ctr" rtl="0">
+              <a:spcBef>
+                <a:spcPts val="0"/>
+              </a:spcBef>
+              <a:spcAft>
+                <a:spcPts val="0"/>
+              </a:spcAft>
+              <a:buClr>
+                <a:schemeClr val="dk1"/>
+              </a:buClr>
+              <a:buSzPts val="1100"/>
+              <a:buFont typeface="Arial"/>
+              <a:buNone/>
+            </a:pPr>
+            <a:r>
+              <a:rPr lang="zh-TW" altLang="en-US" dirty="0">
+                <a:latin typeface="微軟正黑體" panose="020B0604030504040204" pitchFamily="34" charset="-120"/>
+                <a:ea typeface="微軟正黑體" panose="020B0604030504040204" pitchFamily="34" charset="-120"/>
+              </a:rPr>
+              <a:t>資料收集</a:t>
+            </a:r>
+            <a:endParaRPr dirty="0">
+              <a:latin typeface="微軟正黑體" panose="020B0604030504040204" pitchFamily="34" charset="-120"/>
+              <a:ea typeface="微軟正黑體" panose="020B0604030504040204" pitchFamily="34" charset="-120"/>
+            </a:endParaRPr>
+          </a:p>
+        </p:txBody>
+      </p:sp>
+      <p:sp>
+        <p:nvSpPr>
+          <p:cNvPr id="3923" name="Google Shape;3923;p50"/>
+          <p:cNvSpPr txBox="1">
+            <a:spLocks noGrp="1"/>
+          </p:cNvSpPr>
+          <p:nvPr>
+            <p:ph type="ctrTitle" idx="7"/>
+          </p:nvPr>
+        </p:nvSpPr>
+        <p:spPr>
+          <a:xfrm>
+            <a:off x="1101688" y="1900750"/>
+            <a:ext cx="2082300" cy="458100"/>
+          </a:xfrm>
+          <a:prstGeom prst="rect">
+            <a:avLst/>
+          </a:prstGeom>
+        </p:spPr>
+        <p:txBody>
+          <a:bodyPr spcFirstLastPara="1" wrap="square" lIns="91425" tIns="91425" rIns="91425" bIns="91425" anchor="b" anchorCtr="0">
+            <a:noAutofit/>
+          </a:bodyPr>
+          <a:lstStyle/>
+          <a:p>
+            <a:pPr marL="0" lvl="0" indent="0" algn="ctr" rtl="0">
+              <a:spcBef>
+                <a:spcPts val="0"/>
+              </a:spcBef>
+              <a:spcAft>
+                <a:spcPts val="0"/>
+              </a:spcAft>
+              <a:buNone/>
+            </a:pPr>
+            <a:r>
+              <a:rPr lang="zh-TW" altLang="en-US" b="1" dirty="0">
+                <a:latin typeface="微軟正黑體" panose="020B0604030504040204" pitchFamily="34" charset="-120"/>
+                <a:ea typeface="微軟正黑體" panose="020B0604030504040204" pitchFamily="34" charset="-120"/>
+              </a:rPr>
+              <a:t>黃至瑜</a:t>
+            </a:r>
+            <a:endParaRPr b="1" dirty="0">
+              <a:latin typeface="微軟正黑體" panose="020B0604030504040204" pitchFamily="34" charset="-120"/>
+              <a:ea typeface="微軟正黑體" panose="020B0604030504040204" pitchFamily="34" charset="-120"/>
+            </a:endParaRPr>
+          </a:p>
+        </p:txBody>
+      </p:sp>
+      <p:sp>
+        <p:nvSpPr>
+          <p:cNvPr id="3924" name="Google Shape;3924;p50"/>
+          <p:cNvSpPr txBox="1">
+            <a:spLocks noGrp="1"/>
+          </p:cNvSpPr>
+          <p:nvPr>
+            <p:ph type="subTitle" idx="8"/>
+          </p:nvPr>
+        </p:nvSpPr>
+        <p:spPr>
+          <a:xfrm>
+            <a:off x="1101600" y="2222774"/>
+            <a:ext cx="2082300" cy="624300"/>
+          </a:xfrm>
+          <a:prstGeom prst="rect">
+            <a:avLst/>
+          </a:prstGeom>
+        </p:spPr>
+        <p:txBody>
+          <a:bodyPr spcFirstLastPara="1" wrap="square" lIns="91425" tIns="91425" rIns="91425" bIns="91425" anchor="t" anchorCtr="0">
+            <a:noAutofit/>
+          </a:bodyPr>
+          <a:lstStyle/>
+          <a:p>
+            <a:pPr marL="0" lvl="0" indent="0" algn="ctr" rtl="0">
+              <a:spcBef>
+                <a:spcPts val="0"/>
+              </a:spcBef>
+              <a:spcAft>
+                <a:spcPts val="0"/>
+              </a:spcAft>
+              <a:buClr>
+                <a:schemeClr val="dk1"/>
+              </a:buClr>
+              <a:buSzPts val="1100"/>
+              <a:buFont typeface="Arial"/>
+              <a:buNone/>
+            </a:pPr>
+            <a:r>
+              <a:rPr lang="en-US" altLang="zh-TW" dirty="0"/>
+              <a:t>PPT</a:t>
+            </a:r>
+            <a:r>
+              <a:rPr lang="zh-TW" altLang="en-US" dirty="0">
+                <a:latin typeface="微軟正黑體" panose="020B0604030504040204" pitchFamily="34" charset="-120"/>
+                <a:ea typeface="微軟正黑體" panose="020B0604030504040204" pitchFamily="34" charset="-120"/>
+              </a:rPr>
+              <a:t>製作</a:t>
+            </a:r>
+            <a:endParaRPr lang="en-US" altLang="zh-TW" dirty="0">
+              <a:latin typeface="微軟正黑體" panose="020B0604030504040204" pitchFamily="34" charset="-120"/>
+              <a:ea typeface="微軟正黑體" panose="020B0604030504040204" pitchFamily="34" charset="-120"/>
+            </a:endParaRPr>
+          </a:p>
+          <a:p>
+            <a:pPr marL="0" lvl="0" indent="0" algn="ctr" rtl="0">
+              <a:spcBef>
+                <a:spcPts val="0"/>
+              </a:spcBef>
+              <a:spcAft>
+                <a:spcPts val="0"/>
+              </a:spcAft>
+              <a:buClr>
+                <a:schemeClr val="dk1"/>
+              </a:buClr>
+              <a:buSzPts val="1100"/>
+              <a:buFont typeface="Arial"/>
+              <a:buNone/>
+            </a:pPr>
+            <a:r>
+              <a:rPr lang="zh-TW" altLang="en-US" dirty="0">
+                <a:latin typeface="微軟正黑體" panose="020B0604030504040204" pitchFamily="34" charset="-120"/>
+                <a:ea typeface="微軟正黑體" panose="020B0604030504040204" pitchFamily="34" charset="-120"/>
+              </a:rPr>
+              <a:t>統合</a:t>
+            </a:r>
+            <a:endParaRPr dirty="0">
+              <a:latin typeface="微軟正黑體" panose="020B0604030504040204" pitchFamily="34" charset="-120"/>
+              <a:ea typeface="微軟正黑體" panose="020B0604030504040204" pitchFamily="34" charset="-120"/>
+            </a:endParaRPr>
+          </a:p>
+        </p:txBody>
+      </p:sp>
+      <p:sp>
+        <p:nvSpPr>
+          <p:cNvPr id="3925" name="Google Shape;3925;p50"/>
+          <p:cNvSpPr txBox="1">
+            <a:spLocks noGrp="1"/>
+          </p:cNvSpPr>
+          <p:nvPr>
+            <p:ph type="ctrTitle" idx="9"/>
+          </p:nvPr>
+        </p:nvSpPr>
+        <p:spPr>
+          <a:xfrm>
+            <a:off x="3530888" y="1900750"/>
+            <a:ext cx="2082300" cy="458100"/>
+          </a:xfrm>
+          <a:prstGeom prst="rect">
+            <a:avLst/>
+          </a:prstGeom>
+        </p:spPr>
+        <p:txBody>
+          <a:bodyPr spcFirstLastPara="1" wrap="square" lIns="91425" tIns="91425" rIns="91425" bIns="91425" anchor="b" anchorCtr="0">
+            <a:noAutofit/>
+          </a:bodyPr>
+          <a:lstStyle/>
+          <a:p>
+            <a:pPr marL="0" lvl="0" indent="0" algn="ctr" rtl="0">
+              <a:spcBef>
+                <a:spcPts val="0"/>
+              </a:spcBef>
+              <a:spcAft>
+                <a:spcPts val="0"/>
+              </a:spcAft>
+              <a:buNone/>
+            </a:pPr>
+            <a:r>
+              <a:rPr lang="zh-TW" altLang="en-US" b="1" dirty="0">
+                <a:latin typeface="微軟正黑體" panose="020B0604030504040204" pitchFamily="34" charset="-120"/>
+                <a:ea typeface="微軟正黑體" panose="020B0604030504040204" pitchFamily="34" charset="-120"/>
+              </a:rPr>
+              <a:t>孫韻婷</a:t>
+            </a:r>
+            <a:endParaRPr b="1" dirty="0">
+              <a:latin typeface="微軟正黑體" panose="020B0604030504040204" pitchFamily="34" charset="-120"/>
+              <a:ea typeface="微軟正黑體" panose="020B0604030504040204" pitchFamily="34" charset="-120"/>
+            </a:endParaRPr>
+          </a:p>
+        </p:txBody>
+      </p:sp>
+      <p:sp>
+        <p:nvSpPr>
+          <p:cNvPr id="3926" name="Google Shape;3926;p50"/>
+          <p:cNvSpPr txBox="1">
+            <a:spLocks noGrp="1"/>
+          </p:cNvSpPr>
+          <p:nvPr>
+            <p:ph type="subTitle" idx="13"/>
+          </p:nvPr>
+        </p:nvSpPr>
+        <p:spPr>
+          <a:xfrm>
+            <a:off x="3530800" y="2222774"/>
+            <a:ext cx="2082300" cy="624300"/>
+          </a:xfrm>
+          <a:prstGeom prst="rect">
+            <a:avLst/>
+          </a:prstGeom>
+        </p:spPr>
+        <p:txBody>
+          <a:bodyPr spcFirstLastPara="1" wrap="square" lIns="91425" tIns="91425" rIns="91425" bIns="91425" anchor="t" anchorCtr="0">
+            <a:noAutofit/>
+          </a:bodyPr>
+          <a:lstStyle/>
+          <a:p>
+            <a:pPr marL="0" lvl="0" indent="0" algn="ctr" rtl="0">
+              <a:spcBef>
+                <a:spcPts val="0"/>
+              </a:spcBef>
+              <a:spcAft>
+                <a:spcPts val="0"/>
+              </a:spcAft>
+              <a:buNone/>
+            </a:pPr>
+            <a:r>
+              <a:rPr lang="zh-TW" altLang="en-US" dirty="0">
+                <a:latin typeface="微軟正黑體" panose="020B0604030504040204" pitchFamily="34" charset="-120"/>
+                <a:ea typeface="微軟正黑體" panose="020B0604030504040204" pitchFamily="34" charset="-120"/>
+              </a:rPr>
+              <a:t>內容提供</a:t>
+            </a:r>
+            <a:endParaRPr lang="en-US" altLang="zh-TW" dirty="0">
+              <a:latin typeface="微軟正黑體" panose="020B0604030504040204" pitchFamily="34" charset="-120"/>
+              <a:ea typeface="微軟正黑體" panose="020B0604030504040204" pitchFamily="34" charset="-120"/>
+            </a:endParaRPr>
+          </a:p>
+          <a:p>
+            <a:pPr marL="0" lvl="0" indent="0" algn="ctr" rtl="0">
+              <a:spcBef>
+                <a:spcPts val="0"/>
+              </a:spcBef>
+              <a:spcAft>
+                <a:spcPts val="0"/>
+              </a:spcAft>
+              <a:buNone/>
+            </a:pPr>
+            <a:r>
+              <a:rPr lang="zh-TW" altLang="en-US" dirty="0">
+                <a:latin typeface="微軟正黑體" panose="020B0604030504040204" pitchFamily="34" charset="-120"/>
+                <a:ea typeface="微軟正黑體" panose="020B0604030504040204" pitchFamily="34" charset="-120"/>
+              </a:rPr>
+              <a:t>討論</a:t>
+            </a:r>
+            <a:endParaRPr dirty="0">
+              <a:latin typeface="微軟正黑體" panose="020B0604030504040204" pitchFamily="34" charset="-120"/>
+              <a:ea typeface="微軟正黑體" panose="020B0604030504040204" pitchFamily="34" charset="-120"/>
+            </a:endParaRPr>
+          </a:p>
+        </p:txBody>
+      </p:sp>
+      <p:sp>
+        <p:nvSpPr>
+          <p:cNvPr id="3927" name="Google Shape;3927;p50"/>
+          <p:cNvSpPr txBox="1">
+            <a:spLocks noGrp="1"/>
+          </p:cNvSpPr>
+          <p:nvPr>
+            <p:ph type="ctrTitle" idx="14"/>
+          </p:nvPr>
+        </p:nvSpPr>
+        <p:spPr>
+          <a:xfrm>
+            <a:off x="5960088" y="1900750"/>
+            <a:ext cx="2082300" cy="458100"/>
+          </a:xfrm>
+          <a:prstGeom prst="rect">
+            <a:avLst/>
+          </a:prstGeom>
+        </p:spPr>
+        <p:txBody>
+          <a:bodyPr spcFirstLastPara="1" wrap="square" lIns="91425" tIns="91425" rIns="91425" bIns="91425" anchor="b" anchorCtr="0">
+            <a:noAutofit/>
+          </a:bodyPr>
+          <a:lstStyle/>
+          <a:p>
+            <a:pPr marL="0" lvl="0" indent="0" algn="ctr" rtl="0">
+              <a:spcBef>
+                <a:spcPts val="0"/>
+              </a:spcBef>
+              <a:spcAft>
+                <a:spcPts val="0"/>
+              </a:spcAft>
+              <a:buNone/>
+            </a:pPr>
+            <a:r>
+              <a:rPr lang="zh-TW" altLang="en-US" b="1" dirty="0">
+                <a:latin typeface="微軟正黑體" panose="020B0604030504040204" pitchFamily="34" charset="-120"/>
+                <a:ea typeface="微軟正黑體" panose="020B0604030504040204" pitchFamily="34" charset="-120"/>
+              </a:rPr>
+              <a:t>彭安慈</a:t>
+            </a:r>
+            <a:endParaRPr b="1" dirty="0">
+              <a:latin typeface="微軟正黑體" panose="020B0604030504040204" pitchFamily="34" charset="-120"/>
+              <a:ea typeface="微軟正黑體" panose="020B0604030504040204" pitchFamily="34" charset="-120"/>
+            </a:endParaRPr>
+          </a:p>
+        </p:txBody>
+      </p:sp>
+      <p:sp>
+        <p:nvSpPr>
+          <p:cNvPr id="3928" name="Google Shape;3928;p50"/>
+          <p:cNvSpPr txBox="1">
+            <a:spLocks noGrp="1"/>
+          </p:cNvSpPr>
+          <p:nvPr>
+            <p:ph type="subTitle" idx="15"/>
+          </p:nvPr>
+        </p:nvSpPr>
+        <p:spPr>
+          <a:xfrm>
+            <a:off x="5960000" y="2222773"/>
+            <a:ext cx="2082300" cy="764051"/>
+          </a:xfrm>
+          <a:prstGeom prst="rect">
+            <a:avLst/>
+          </a:prstGeom>
+        </p:spPr>
+        <p:txBody>
+          <a:bodyPr spcFirstLastPara="1" wrap="square" lIns="91425" tIns="91425" rIns="91425" bIns="91425" anchor="t" anchorCtr="0">
+            <a:noAutofit/>
+          </a:bodyPr>
+          <a:lstStyle/>
+          <a:p>
+            <a:pPr marL="0" lvl="0" indent="0" algn="ctr" rtl="0">
+              <a:spcBef>
+                <a:spcPts val="0"/>
+              </a:spcBef>
+              <a:spcAft>
+                <a:spcPts val="0"/>
+              </a:spcAft>
+              <a:buClr>
+                <a:schemeClr val="dk1"/>
+              </a:buClr>
+              <a:buSzPts val="1100"/>
+              <a:buFont typeface="Arial"/>
+              <a:buNone/>
+            </a:pPr>
+            <a:r>
+              <a:rPr lang="zh-TW" altLang="en-US" dirty="0">
+                <a:latin typeface="微軟正黑體" panose="020B0604030504040204" pitchFamily="34" charset="-120"/>
+                <a:ea typeface="微軟正黑體" panose="020B0604030504040204" pitchFamily="34" charset="-120"/>
+              </a:rPr>
+              <a:t>程式構想</a:t>
+            </a:r>
+            <a:endParaRPr lang="en-US" altLang="zh-TW" dirty="0">
+              <a:latin typeface="微軟正黑體" panose="020B0604030504040204" pitchFamily="34" charset="-120"/>
+              <a:ea typeface="微軟正黑體" panose="020B0604030504040204" pitchFamily="34" charset="-120"/>
+            </a:endParaRPr>
+          </a:p>
+          <a:p>
+            <a:pPr marL="0" lvl="0" indent="0" algn="ctr" rtl="0">
+              <a:spcBef>
+                <a:spcPts val="0"/>
+              </a:spcBef>
+              <a:spcAft>
+                <a:spcPts val="0"/>
+              </a:spcAft>
+              <a:buClr>
+                <a:schemeClr val="dk1"/>
+              </a:buClr>
+              <a:buSzPts val="1100"/>
+              <a:buFont typeface="Arial"/>
+              <a:buNone/>
+            </a:pPr>
+            <a:r>
+              <a:rPr lang="zh-TW" altLang="en-US" dirty="0">
+                <a:latin typeface="微軟正黑體" panose="020B0604030504040204" pitchFamily="34" charset="-120"/>
+                <a:ea typeface="微軟正黑體" panose="020B0604030504040204" pitchFamily="34" charset="-120"/>
+              </a:rPr>
+              <a:t>內容提供</a:t>
+            </a:r>
+            <a:endParaRPr lang="en-US" altLang="zh-TW" dirty="0">
+              <a:latin typeface="微軟正黑體" panose="020B0604030504040204" pitchFamily="34" charset="-120"/>
+              <a:ea typeface="微軟正黑體" panose="020B0604030504040204" pitchFamily="34" charset="-120"/>
+            </a:endParaRPr>
+          </a:p>
+          <a:p>
+            <a:pPr marL="0" lvl="0" indent="0" algn="ctr" rtl="0">
+              <a:spcBef>
+                <a:spcPts val="0"/>
+              </a:spcBef>
+              <a:spcAft>
+                <a:spcPts val="0"/>
+              </a:spcAft>
+              <a:buClr>
+                <a:schemeClr val="dk1"/>
+              </a:buClr>
+              <a:buSzPts val="1100"/>
+              <a:buFont typeface="Arial"/>
+              <a:buNone/>
+            </a:pPr>
+            <a:r>
+              <a:rPr lang="zh-TW" altLang="en-US" dirty="0">
+                <a:latin typeface="微軟正黑體" panose="020B0604030504040204" pitchFamily="34" charset="-120"/>
+                <a:ea typeface="微軟正黑體" panose="020B0604030504040204" pitchFamily="34" charset="-120"/>
+              </a:rPr>
+              <a:t>討論</a:t>
+            </a:r>
+            <a:endParaRPr dirty="0">
+              <a:latin typeface="微軟正黑體" panose="020B0604030504040204" pitchFamily="34" charset="-120"/>
+              <a:ea typeface="微軟正黑體" panose="020B0604030504040204" pitchFamily="34" charset="-120"/>
+            </a:endParaRPr>
+          </a:p>
+        </p:txBody>
+      </p:sp>
+      <p:cxnSp>
+        <p:nvCxnSpPr>
+          <p:cNvPr id="3973" name="Google Shape;3973;p50"/>
+          <p:cNvCxnSpPr/>
+          <p:nvPr/>
+        </p:nvCxnSpPr>
+        <p:spPr>
+          <a:xfrm rot="10800000">
+            <a:off x="-810725" y="967400"/>
+            <a:ext cx="3604800" cy="0"/>
+          </a:xfrm>
+          <a:prstGeom prst="straightConnector1">
+            <a:avLst/>
+          </a:prstGeom>
+          <a:noFill/>
+          <a:ln w="19050" cap="flat" cmpd="sng">
+            <a:solidFill>
+              <a:srgbClr val="D3B5C8"/>
+            </a:solidFill>
+            <a:prstDash val="solid"/>
+            <a:round/>
+            <a:headEnd type="none" w="med" len="med"/>
+            <a:tailEnd type="none" w="med" len="med"/>
+          </a:ln>
+        </p:spPr>
+      </p:cxnSp>
+    </p:spTree>
+    <p:extLst>
+      <p:ext uri="{BB962C8B-B14F-4D97-AF65-F5344CB8AC3E}">
+        <p14:creationId xmlns:p14="http://schemas.microsoft.com/office/powerpoint/2010/main" val="179956463"/>
       </p:ext>
     </p:extLst>
   </p:cSld>
@@ -20693,6 +23988,325 @@
           </a:prstGeom>
         </p:spPr>
       </p:pic>
+      <p:sp>
+        <p:nvSpPr>
+          <p:cNvPr id="12" name="標題 1">
+            <a:extLst>
+              <a:ext uri="{FF2B5EF4-FFF2-40B4-BE49-F238E27FC236}">
+                <a16:creationId xmlns:a16="http://schemas.microsoft.com/office/drawing/2014/main" id="{D9A5ED53-3C32-4D3F-88CC-B88A83F7030A}"/>
+              </a:ext>
+            </a:extLst>
+          </p:cNvPr>
+          <p:cNvSpPr txBox="1">
+            <a:spLocks/>
+          </p:cNvSpPr>
+          <p:nvPr/>
+        </p:nvSpPr>
+        <p:spPr>
+          <a:xfrm>
+            <a:off x="2664875" y="2567717"/>
+            <a:ext cx="3507756" cy="531000"/>
+          </a:xfrm>
+          <a:prstGeom prst="rect">
+            <a:avLst/>
+          </a:prstGeom>
+          <a:noFill/>
+          <a:ln>
+            <a:noFill/>
+          </a:ln>
+        </p:spPr>
+        <p:txBody>
+          <a:bodyPr spcFirstLastPara="1" wrap="square" lIns="91425" tIns="91425" rIns="91425" bIns="91425" anchor="b" anchorCtr="0">
+            <a:noAutofit/>
+          </a:bodyPr>
+          <a:lstStyle>
+            <a:defPPr marR="0" lvl="0" algn="l" rtl="0">
+              <a:lnSpc>
+                <a:spcPct val="100000"/>
+              </a:lnSpc>
+              <a:spcBef>
+                <a:spcPts val="0"/>
+              </a:spcBef>
+              <a:spcAft>
+                <a:spcPts val="0"/>
+              </a:spcAft>
+            </a:defPPr>
+            <a:lvl1pPr marR="0" lvl="0" algn="l" rtl="0">
+              <a:lnSpc>
+                <a:spcPct val="100000"/>
+              </a:lnSpc>
+              <a:spcBef>
+                <a:spcPts val="0"/>
+              </a:spcBef>
+              <a:spcAft>
+                <a:spcPts val="0"/>
+              </a:spcAft>
+              <a:buClr>
+                <a:schemeClr val="accent5"/>
+              </a:buClr>
+              <a:buSzPts val="2600"/>
+              <a:buFont typeface="Righteous"/>
+              <a:buNone/>
+              <a:defRPr sz="2600" b="0" i="0" u="none" strike="noStrike" cap="none">
+                <a:solidFill>
+                  <a:schemeClr val="accent5"/>
+                </a:solidFill>
+                <a:latin typeface="Righteous"/>
+                <a:ea typeface="Righteous"/>
+                <a:cs typeface="Righteous"/>
+                <a:sym typeface="Righteous"/>
+              </a:defRPr>
+            </a:lvl1pPr>
+            <a:lvl2pPr marR="0" lvl="1" algn="l" rtl="0">
+              <a:lnSpc>
+                <a:spcPct val="100000"/>
+              </a:lnSpc>
+              <a:spcBef>
+                <a:spcPts val="0"/>
+              </a:spcBef>
+              <a:spcAft>
+                <a:spcPts val="0"/>
+              </a:spcAft>
+              <a:buClr>
+                <a:schemeClr val="accent5"/>
+              </a:buClr>
+              <a:buSzPts val="2400"/>
+              <a:buFont typeface="Advent Pro"/>
+              <a:buNone/>
+              <a:defRPr sz="2400" b="1" i="0" u="none" strike="noStrike" cap="none">
+                <a:solidFill>
+                  <a:schemeClr val="accent5"/>
+                </a:solidFill>
+                <a:latin typeface="Advent Pro"/>
+                <a:ea typeface="Advent Pro"/>
+                <a:cs typeface="Advent Pro"/>
+                <a:sym typeface="Advent Pro"/>
+              </a:defRPr>
+            </a:lvl2pPr>
+            <a:lvl3pPr marR="0" lvl="2" algn="l" rtl="0">
+              <a:lnSpc>
+                <a:spcPct val="100000"/>
+              </a:lnSpc>
+              <a:spcBef>
+                <a:spcPts val="0"/>
+              </a:spcBef>
+              <a:spcAft>
+                <a:spcPts val="0"/>
+              </a:spcAft>
+              <a:buClr>
+                <a:schemeClr val="accent5"/>
+              </a:buClr>
+              <a:buSzPts val="2400"/>
+              <a:buFont typeface="Advent Pro"/>
+              <a:buNone/>
+              <a:defRPr sz="2400" b="1" i="0" u="none" strike="noStrike" cap="none">
+                <a:solidFill>
+                  <a:schemeClr val="accent5"/>
+                </a:solidFill>
+                <a:latin typeface="Advent Pro"/>
+                <a:ea typeface="Advent Pro"/>
+                <a:cs typeface="Advent Pro"/>
+                <a:sym typeface="Advent Pro"/>
+              </a:defRPr>
+            </a:lvl3pPr>
+            <a:lvl4pPr marR="0" lvl="3" algn="l" rtl="0">
+              <a:lnSpc>
+                <a:spcPct val="100000"/>
+              </a:lnSpc>
+              <a:spcBef>
+                <a:spcPts val="0"/>
+              </a:spcBef>
+              <a:spcAft>
+                <a:spcPts val="0"/>
+              </a:spcAft>
+              <a:buClr>
+                <a:schemeClr val="accent5"/>
+              </a:buClr>
+              <a:buSzPts val="2400"/>
+              <a:buFont typeface="Advent Pro"/>
+              <a:buNone/>
+              <a:defRPr sz="2400" b="1" i="0" u="none" strike="noStrike" cap="none">
+                <a:solidFill>
+                  <a:schemeClr val="accent5"/>
+                </a:solidFill>
+                <a:latin typeface="Advent Pro"/>
+                <a:ea typeface="Advent Pro"/>
+                <a:cs typeface="Advent Pro"/>
+                <a:sym typeface="Advent Pro"/>
+              </a:defRPr>
+            </a:lvl4pPr>
+            <a:lvl5pPr marR="0" lvl="4" algn="l" rtl="0">
+              <a:lnSpc>
+                <a:spcPct val="100000"/>
+              </a:lnSpc>
+              <a:spcBef>
+                <a:spcPts val="0"/>
+              </a:spcBef>
+              <a:spcAft>
+                <a:spcPts val="0"/>
+              </a:spcAft>
+              <a:buClr>
+                <a:schemeClr val="accent5"/>
+              </a:buClr>
+              <a:buSzPts val="2400"/>
+              <a:buFont typeface="Advent Pro"/>
+              <a:buNone/>
+              <a:defRPr sz="2400" b="1" i="0" u="none" strike="noStrike" cap="none">
+                <a:solidFill>
+                  <a:schemeClr val="accent5"/>
+                </a:solidFill>
+                <a:latin typeface="Advent Pro"/>
+                <a:ea typeface="Advent Pro"/>
+                <a:cs typeface="Advent Pro"/>
+                <a:sym typeface="Advent Pro"/>
+              </a:defRPr>
+            </a:lvl5pPr>
+            <a:lvl6pPr marR="0" lvl="5" algn="l" rtl="0">
+              <a:lnSpc>
+                <a:spcPct val="100000"/>
+              </a:lnSpc>
+              <a:spcBef>
+                <a:spcPts val="0"/>
+              </a:spcBef>
+              <a:spcAft>
+                <a:spcPts val="0"/>
+              </a:spcAft>
+              <a:buClr>
+                <a:schemeClr val="accent5"/>
+              </a:buClr>
+              <a:buSzPts val="2400"/>
+              <a:buFont typeface="Advent Pro"/>
+              <a:buNone/>
+              <a:defRPr sz="2400" b="1" i="0" u="none" strike="noStrike" cap="none">
+                <a:solidFill>
+                  <a:schemeClr val="accent5"/>
+                </a:solidFill>
+                <a:latin typeface="Advent Pro"/>
+                <a:ea typeface="Advent Pro"/>
+                <a:cs typeface="Advent Pro"/>
+                <a:sym typeface="Advent Pro"/>
+              </a:defRPr>
+            </a:lvl6pPr>
+            <a:lvl7pPr marR="0" lvl="6" algn="l" rtl="0">
+              <a:lnSpc>
+                <a:spcPct val="100000"/>
+              </a:lnSpc>
+              <a:spcBef>
+                <a:spcPts val="0"/>
+              </a:spcBef>
+              <a:spcAft>
+                <a:spcPts val="0"/>
+              </a:spcAft>
+              <a:buClr>
+                <a:schemeClr val="accent5"/>
+              </a:buClr>
+              <a:buSzPts val="2400"/>
+              <a:buFont typeface="Advent Pro"/>
+              <a:buNone/>
+              <a:defRPr sz="2400" b="1" i="0" u="none" strike="noStrike" cap="none">
+                <a:solidFill>
+                  <a:schemeClr val="accent5"/>
+                </a:solidFill>
+                <a:latin typeface="Advent Pro"/>
+                <a:ea typeface="Advent Pro"/>
+                <a:cs typeface="Advent Pro"/>
+                <a:sym typeface="Advent Pro"/>
+              </a:defRPr>
+            </a:lvl7pPr>
+            <a:lvl8pPr marR="0" lvl="7" algn="l" rtl="0">
+              <a:lnSpc>
+                <a:spcPct val="100000"/>
+              </a:lnSpc>
+              <a:spcBef>
+                <a:spcPts val="0"/>
+              </a:spcBef>
+              <a:spcAft>
+                <a:spcPts val="0"/>
+              </a:spcAft>
+              <a:buClr>
+                <a:schemeClr val="accent5"/>
+              </a:buClr>
+              <a:buSzPts val="2400"/>
+              <a:buFont typeface="Advent Pro"/>
+              <a:buNone/>
+              <a:defRPr sz="2400" b="1" i="0" u="none" strike="noStrike" cap="none">
+                <a:solidFill>
+                  <a:schemeClr val="accent5"/>
+                </a:solidFill>
+                <a:latin typeface="Advent Pro"/>
+                <a:ea typeface="Advent Pro"/>
+                <a:cs typeface="Advent Pro"/>
+                <a:sym typeface="Advent Pro"/>
+              </a:defRPr>
+            </a:lvl8pPr>
+            <a:lvl9pPr marR="0" lvl="8" algn="l" rtl="0">
+              <a:lnSpc>
+                <a:spcPct val="100000"/>
+              </a:lnSpc>
+              <a:spcBef>
+                <a:spcPts val="0"/>
+              </a:spcBef>
+              <a:spcAft>
+                <a:spcPts val="0"/>
+              </a:spcAft>
+              <a:buClr>
+                <a:schemeClr val="accent5"/>
+              </a:buClr>
+              <a:buSzPts val="2400"/>
+              <a:buFont typeface="Advent Pro"/>
+              <a:buNone/>
+              <a:defRPr sz="2400" b="1" i="0" u="none" strike="noStrike" cap="none">
+                <a:solidFill>
+                  <a:schemeClr val="accent5"/>
+                </a:solidFill>
+                <a:latin typeface="Advent Pro"/>
+                <a:ea typeface="Advent Pro"/>
+                <a:cs typeface="Advent Pro"/>
+                <a:sym typeface="Advent Pro"/>
+              </a:defRPr>
+            </a:lvl9pPr>
+          </a:lstStyle>
+          <a:p>
+            <a:pPr marL="342900" indent="-342900" algn="ctr" defTabSz="1066800">
+              <a:buSzPts val="1800"/>
+              <a:buFont typeface="Arial" panose="020B0604020202020204" pitchFamily="34" charset="0"/>
+              <a:buChar char="•"/>
+            </a:pPr>
+            <a:r>
+              <a:rPr lang="zh-TW" altLang="zh-TW" sz="1200" dirty="0">
+                <a:latin typeface="微軟正黑體" panose="020B0604030504040204" pitchFamily="34" charset="-120"/>
+                <a:ea typeface="微軟正黑體" panose="020B0604030504040204" pitchFamily="34" charset="-120"/>
+              </a:rPr>
+              <a:t>法</a:t>
+            </a:r>
+            <a:r>
+              <a:rPr lang="zh-TW" altLang="en-US" sz="1200" dirty="0">
+                <a:latin typeface="微軟正黑體" panose="020B0604030504040204" pitchFamily="34" charset="-120"/>
+                <a:ea typeface="微軟正黑體" panose="020B0604030504040204" pitchFamily="34" charset="-120"/>
+              </a:rPr>
+              <a:t>律</a:t>
+            </a:r>
+            <a:r>
+              <a:rPr lang="zh-TW" altLang="zh-TW" sz="1200" dirty="0">
+                <a:latin typeface="微軟正黑體" panose="020B0604030504040204" pitchFamily="34" charset="-120"/>
+                <a:ea typeface="微軟正黑體" panose="020B0604030504040204" pitchFamily="34" charset="-120"/>
+              </a:rPr>
+              <a:t>用語</a:t>
+            </a:r>
+            <a:r>
+              <a:rPr lang="zh-TW" altLang="en-US" sz="1200" dirty="0">
+                <a:latin typeface="微軟正黑體" panose="020B0604030504040204" pitchFamily="34" charset="-120"/>
+                <a:ea typeface="微軟正黑體" panose="020B0604030504040204" pitchFamily="34" charset="-120"/>
+              </a:rPr>
+              <a:t>的替換</a:t>
+            </a:r>
+            <a:endParaRPr lang="en-US" altLang="zh-TW" sz="1200" dirty="0">
+              <a:latin typeface="微軟正黑體" panose="020B0604030504040204" pitchFamily="34" charset="-120"/>
+              <a:ea typeface="微軟正黑體" panose="020B0604030504040204" pitchFamily="34" charset="-120"/>
+            </a:endParaRPr>
+          </a:p>
+        </p:txBody>
+      </p:sp>
     </p:spTree>
     <p:extLst>
       <p:ext uri="{BB962C8B-B14F-4D97-AF65-F5344CB8AC3E}">
@@ -20707,6 +24321,828 @@
 </file>
 
 <file path=ppt/slides/slide7.xml><?xml version="1.0" encoding="utf-8"?>
+<p:sld xmlns:a="http://schemas.openxmlformats.org/drawingml/2006/main" xmlns:r="http://schemas.openxmlformats.org/officeDocument/2006/relationships" xmlns:p="http://schemas.openxmlformats.org/presentationml/2006/main">
+  <p:cSld>
+    <p:spTree>
+      <p:nvGrpSpPr>
+        <p:cNvPr id="1" name="Shape 3811"/>
+        <p:cNvGrpSpPr/>
+        <p:nvPr/>
+      </p:nvGrpSpPr>
+      <p:grpSpPr>
+        <a:xfrm>
+          <a:off x="0" y="0"/>
+          <a:ext cx="0" cy="0"/>
+          <a:chOff x="0" y="0"/>
+          <a:chExt cx="0" cy="0"/>
+        </a:xfrm>
+      </p:grpSpPr>
+      <p:sp>
+        <p:nvSpPr>
+          <p:cNvPr id="3812" name="Google Shape;3812;p44"/>
+          <p:cNvSpPr txBox="1">
+            <a:spLocks noGrp="1"/>
+          </p:cNvSpPr>
+          <p:nvPr>
+            <p:ph type="title"/>
+          </p:nvPr>
+        </p:nvSpPr>
+        <p:spPr>
+          <a:xfrm>
+            <a:off x="685050" y="436400"/>
+            <a:ext cx="5327400" cy="531000"/>
+          </a:xfrm>
+          <a:prstGeom prst="rect">
+            <a:avLst/>
+          </a:prstGeom>
+        </p:spPr>
+        <p:txBody>
+          <a:bodyPr spcFirstLastPara="1" wrap="square" lIns="91425" tIns="91425" rIns="91425" bIns="91425" anchor="b" anchorCtr="0">
+            <a:noAutofit/>
+          </a:bodyPr>
+          <a:lstStyle/>
+          <a:p>
+            <a:pPr marL="0" lvl="0" indent="0" algn="l" rtl="0">
+              <a:spcBef>
+                <a:spcPts val="0"/>
+              </a:spcBef>
+              <a:spcAft>
+                <a:spcPts val="0"/>
+              </a:spcAft>
+              <a:buNone/>
+            </a:pPr>
+            <a:r>
+              <a:rPr lang="en-US" sz="3600" dirty="0"/>
+              <a:t>Workflow</a:t>
+            </a:r>
+            <a:endParaRPr sz="3600" dirty="0"/>
+          </a:p>
+        </p:txBody>
+      </p:sp>
+      <p:cxnSp>
+        <p:nvCxnSpPr>
+          <p:cNvPr id="3813" name="Google Shape;3813;p44"/>
+          <p:cNvCxnSpPr/>
+          <p:nvPr/>
+        </p:nvCxnSpPr>
+        <p:spPr>
+          <a:xfrm rot="10800000">
+            <a:off x="-500050" y="967375"/>
+            <a:ext cx="3066600" cy="0"/>
+          </a:xfrm>
+          <a:prstGeom prst="straightConnector1">
+            <a:avLst/>
+          </a:prstGeom>
+          <a:noFill/>
+          <a:ln w="19050" cap="flat" cmpd="sng">
+            <a:solidFill>
+              <a:schemeClr val="accent4"/>
+            </a:solidFill>
+            <a:prstDash val="solid"/>
+            <a:round/>
+            <a:headEnd type="none" w="med" len="med"/>
+            <a:tailEnd type="none" w="med" len="med"/>
+          </a:ln>
+        </p:spPr>
+      </p:cxnSp>
+      <p:grpSp>
+        <p:nvGrpSpPr>
+          <p:cNvPr id="3814" name="Google Shape;3814;p44"/>
+          <p:cNvGrpSpPr/>
+          <p:nvPr/>
+        </p:nvGrpSpPr>
+        <p:grpSpPr>
+          <a:xfrm>
+            <a:off x="950878" y="1843088"/>
+            <a:ext cx="7236619" cy="1573178"/>
+            <a:chOff x="238125" y="351975"/>
+            <a:chExt cx="7143025" cy="5010575"/>
+          </a:xfrm>
+          <a:solidFill>
+            <a:schemeClr val="accent2"/>
+          </a:solidFill>
+        </p:grpSpPr>
+        <p:sp>
+          <p:nvSpPr>
+            <p:cNvPr id="3815" name="Google Shape;3815;p44"/>
+            <p:cNvSpPr/>
+            <p:nvPr/>
+          </p:nvSpPr>
+          <p:spPr>
+            <a:xfrm>
+              <a:off x="238125" y="398550"/>
+              <a:ext cx="7143025" cy="4964000"/>
+            </a:xfrm>
+            <a:custGeom>
+              <a:avLst/>
+              <a:gdLst/>
+              <a:ahLst/>
+              <a:cxnLst/>
+              <a:rect l="l" t="t" r="r" b="b"/>
+              <a:pathLst>
+                <a:path w="285721" h="198560" extrusionOk="0">
+                  <a:moveTo>
+                    <a:pt x="4894" y="1"/>
+                  </a:moveTo>
+                  <a:cubicBezTo>
+                    <a:pt x="2320" y="1"/>
+                    <a:pt x="0" y="2065"/>
+                    <a:pt x="0" y="4901"/>
+                  </a:cubicBezTo>
+                  <a:lnTo>
+                    <a:pt x="0" y="193405"/>
+                  </a:lnTo>
+                  <a:cubicBezTo>
+                    <a:pt x="0" y="196239"/>
+                    <a:pt x="2320" y="198560"/>
+                    <a:pt x="4894" y="198560"/>
+                  </a:cubicBezTo>
+                  <a:lnTo>
+                    <a:pt x="281292" y="198560"/>
+                  </a:lnTo>
+                  <a:cubicBezTo>
+                    <a:pt x="283867" y="198560"/>
+                    <a:pt x="285720" y="196239"/>
+                    <a:pt x="285720" y="193405"/>
+                  </a:cubicBezTo>
+                  <a:lnTo>
+                    <a:pt x="285719" y="4901"/>
+                  </a:lnTo>
+                  <a:cubicBezTo>
+                    <a:pt x="285719" y="2065"/>
+                    <a:pt x="283865" y="1"/>
+                    <a:pt x="281292" y="1"/>
+                  </a:cubicBezTo>
+                  <a:close/>
+                </a:path>
+              </a:pathLst>
+            </a:custGeom>
+            <a:grpFill/>
+            <a:ln>
+              <a:noFill/>
+            </a:ln>
+          </p:spPr>
+          <p:txBody>
+            <a:bodyPr spcFirstLastPara="1" wrap="square" lIns="91425" tIns="91425" rIns="91425" bIns="91425" anchor="ctr" anchorCtr="0">
+              <a:noAutofit/>
+            </a:bodyPr>
+            <a:lstStyle/>
+            <a:p>
+              <a:pPr marL="0" lvl="0" indent="0" algn="l" rtl="0">
+                <a:spcBef>
+                  <a:spcPts val="0"/>
+                </a:spcBef>
+                <a:spcAft>
+                  <a:spcPts val="0"/>
+                </a:spcAft>
+                <a:buNone/>
+              </a:pPr>
+              <a:endParaRPr/>
+            </a:p>
+          </p:txBody>
+        </p:sp>
+        <p:sp>
+          <p:nvSpPr>
+            <p:cNvPr id="3816" name="Google Shape;3816;p44"/>
+            <p:cNvSpPr/>
+            <p:nvPr/>
+          </p:nvSpPr>
+          <p:spPr>
+            <a:xfrm>
+              <a:off x="238125" y="351975"/>
+              <a:ext cx="7143025" cy="522150"/>
+            </a:xfrm>
+            <a:custGeom>
+              <a:avLst/>
+              <a:gdLst/>
+              <a:ahLst/>
+              <a:cxnLst/>
+              <a:rect l="l" t="t" r="r" b="b"/>
+              <a:pathLst>
+                <a:path w="285721" h="20886" extrusionOk="0">
+                  <a:moveTo>
+                    <a:pt x="4894" y="0"/>
+                  </a:moveTo>
+                  <a:cubicBezTo>
+                    <a:pt x="2320" y="0"/>
+                    <a:pt x="0" y="2064"/>
+                    <a:pt x="0" y="4898"/>
+                  </a:cubicBezTo>
+                  <a:lnTo>
+                    <a:pt x="0" y="20886"/>
+                  </a:lnTo>
+                  <a:lnTo>
+                    <a:pt x="285720" y="20886"/>
+                  </a:lnTo>
+                  <a:lnTo>
+                    <a:pt x="285720" y="4898"/>
+                  </a:lnTo>
+                  <a:cubicBezTo>
+                    <a:pt x="285720" y="2064"/>
+                    <a:pt x="283865" y="0"/>
+                    <a:pt x="281292" y="0"/>
+                  </a:cubicBezTo>
+                  <a:close/>
+                </a:path>
+              </a:pathLst>
+            </a:custGeom>
+            <a:grpFill/>
+            <a:ln>
+              <a:noFill/>
+            </a:ln>
+          </p:spPr>
+          <p:txBody>
+            <a:bodyPr spcFirstLastPara="1" wrap="square" lIns="91425" tIns="91425" rIns="91425" bIns="91425" anchor="ctr" anchorCtr="0">
+              <a:noAutofit/>
+            </a:bodyPr>
+            <a:lstStyle/>
+            <a:p>
+              <a:pPr marL="0" lvl="0" indent="0" algn="l" rtl="0">
+                <a:spcBef>
+                  <a:spcPts val="0"/>
+                </a:spcBef>
+                <a:spcAft>
+                  <a:spcPts val="0"/>
+                </a:spcAft>
+                <a:buNone/>
+              </a:pPr>
+              <a:endParaRPr/>
+            </a:p>
+          </p:txBody>
+        </p:sp>
+        <p:sp>
+          <p:nvSpPr>
+            <p:cNvPr id="3817" name="Google Shape;3817;p44"/>
+            <p:cNvSpPr/>
+            <p:nvPr/>
+          </p:nvSpPr>
+          <p:spPr>
+            <a:xfrm>
+              <a:off x="342975" y="461925"/>
+              <a:ext cx="6933250" cy="4784075"/>
+            </a:xfrm>
+            <a:custGeom>
+              <a:avLst/>
+              <a:gdLst/>
+              <a:ahLst/>
+              <a:cxnLst/>
+              <a:rect l="l" t="t" r="r" b="b"/>
+              <a:pathLst>
+                <a:path w="277330" h="191363" extrusionOk="0">
+                  <a:moveTo>
+                    <a:pt x="4751" y="0"/>
+                  </a:moveTo>
+                  <a:cubicBezTo>
+                    <a:pt x="2252" y="0"/>
+                    <a:pt x="1" y="2105"/>
+                    <a:pt x="1" y="4833"/>
+                  </a:cubicBezTo>
+                  <a:lnTo>
+                    <a:pt x="1" y="186284"/>
+                  </a:lnTo>
+                  <a:cubicBezTo>
+                    <a:pt x="1" y="189012"/>
+                    <a:pt x="2252" y="191363"/>
+                    <a:pt x="4751" y="191363"/>
+                  </a:cubicBezTo>
+                  <a:lnTo>
+                    <a:pt x="273033" y="191363"/>
+                  </a:lnTo>
+                  <a:cubicBezTo>
+                    <a:pt x="275530" y="191363"/>
+                    <a:pt x="277330" y="189012"/>
+                    <a:pt x="277330" y="186284"/>
+                  </a:cubicBezTo>
+                  <a:lnTo>
+                    <a:pt x="277330" y="4833"/>
+                  </a:lnTo>
+                  <a:cubicBezTo>
+                    <a:pt x="277330" y="2104"/>
+                    <a:pt x="275530" y="0"/>
+                    <a:pt x="273033" y="0"/>
+                  </a:cubicBezTo>
+                  <a:close/>
+                </a:path>
+              </a:pathLst>
+            </a:custGeom>
+            <a:grpFill/>
+            <a:ln>
+              <a:noFill/>
+            </a:ln>
+          </p:spPr>
+          <p:txBody>
+            <a:bodyPr spcFirstLastPara="1" wrap="square" lIns="91425" tIns="91425" rIns="91425" bIns="91425" anchor="ctr" anchorCtr="0">
+              <a:noAutofit/>
+            </a:bodyPr>
+            <a:lstStyle/>
+            <a:p>
+              <a:pPr marL="0" lvl="0" indent="0" algn="l" rtl="0">
+                <a:spcBef>
+                  <a:spcPts val="0"/>
+                </a:spcBef>
+                <a:spcAft>
+                  <a:spcPts val="0"/>
+                </a:spcAft>
+                <a:buNone/>
+              </a:pPr>
+              <a:endParaRPr/>
+            </a:p>
+          </p:txBody>
+        </p:sp>
+        <p:sp>
+          <p:nvSpPr>
+            <p:cNvPr id="3818" name="Google Shape;3818;p44"/>
+            <p:cNvSpPr/>
+            <p:nvPr/>
+          </p:nvSpPr>
+          <p:spPr>
+            <a:xfrm>
+              <a:off x="327525" y="4547925"/>
+              <a:ext cx="6954250" cy="788275"/>
+            </a:xfrm>
+            <a:custGeom>
+              <a:avLst/>
+              <a:gdLst/>
+              <a:ahLst/>
+              <a:cxnLst/>
+              <a:rect l="l" t="t" r="r" b="b"/>
+              <a:pathLst>
+                <a:path w="278170" h="31531" extrusionOk="0">
+                  <a:moveTo>
+                    <a:pt x="1" y="0"/>
+                  </a:moveTo>
+                  <a:lnTo>
+                    <a:pt x="1" y="31531"/>
+                  </a:lnTo>
+                  <a:lnTo>
+                    <a:pt x="278169" y="31531"/>
+                  </a:lnTo>
+                  <a:lnTo>
+                    <a:pt x="278169" y="0"/>
+                  </a:lnTo>
+                  <a:close/>
+                </a:path>
+              </a:pathLst>
+            </a:custGeom>
+            <a:grpFill/>
+            <a:ln>
+              <a:noFill/>
+            </a:ln>
+          </p:spPr>
+          <p:txBody>
+            <a:bodyPr spcFirstLastPara="1" wrap="square" lIns="91425" tIns="91425" rIns="91425" bIns="91425" anchor="ctr" anchorCtr="0">
+              <a:noAutofit/>
+            </a:bodyPr>
+            <a:lstStyle/>
+            <a:p>
+              <a:pPr marL="0" lvl="0" indent="0" algn="l" rtl="0">
+                <a:spcBef>
+                  <a:spcPts val="0"/>
+                </a:spcBef>
+                <a:spcAft>
+                  <a:spcPts val="0"/>
+                </a:spcAft>
+                <a:buNone/>
+              </a:pPr>
+              <a:endParaRPr/>
+            </a:p>
+          </p:txBody>
+        </p:sp>
+        <p:sp>
+          <p:nvSpPr>
+            <p:cNvPr id="3819" name="Google Shape;3819;p44"/>
+            <p:cNvSpPr/>
+            <p:nvPr/>
+          </p:nvSpPr>
+          <p:spPr>
+            <a:xfrm>
+              <a:off x="552775" y="4672675"/>
+              <a:ext cx="6472425" cy="36100"/>
+            </a:xfrm>
+            <a:custGeom>
+              <a:avLst/>
+              <a:gdLst/>
+              <a:ahLst/>
+              <a:cxnLst/>
+              <a:rect l="l" t="t" r="r" b="b"/>
+              <a:pathLst>
+                <a:path w="258897" h="1444" extrusionOk="0">
+                  <a:moveTo>
+                    <a:pt x="0" y="0"/>
+                  </a:moveTo>
+                  <a:lnTo>
+                    <a:pt x="0" y="1443"/>
+                  </a:lnTo>
+                  <a:lnTo>
+                    <a:pt x="258897" y="1443"/>
+                  </a:lnTo>
+                  <a:lnTo>
+                    <a:pt x="258897" y="0"/>
+                  </a:lnTo>
+                  <a:close/>
+                </a:path>
+              </a:pathLst>
+            </a:custGeom>
+            <a:grpFill/>
+            <a:ln>
+              <a:noFill/>
+            </a:ln>
+          </p:spPr>
+          <p:txBody>
+            <a:bodyPr spcFirstLastPara="1" wrap="square" lIns="91425" tIns="91425" rIns="91425" bIns="91425" anchor="ctr" anchorCtr="0">
+              <a:noAutofit/>
+            </a:bodyPr>
+            <a:lstStyle/>
+            <a:p>
+              <a:pPr marL="0" lvl="0" indent="0" algn="l" rtl="0">
+                <a:spcBef>
+                  <a:spcPts val="0"/>
+                </a:spcBef>
+                <a:spcAft>
+                  <a:spcPts val="0"/>
+                </a:spcAft>
+                <a:buNone/>
+              </a:pPr>
+              <a:endParaRPr/>
+            </a:p>
+          </p:txBody>
+        </p:sp>
+      </p:grpSp>
+      <p:pic>
+        <p:nvPicPr>
+          <p:cNvPr id="5" name="圖片 4">
+            <a:extLst>
+              <a:ext uri="{FF2B5EF4-FFF2-40B4-BE49-F238E27FC236}">
+                <a16:creationId xmlns:a16="http://schemas.microsoft.com/office/drawing/2014/main" id="{E710879D-46D4-4A4B-B540-323507A17F43}"/>
+              </a:ext>
+            </a:extLst>
+          </p:cNvPr>
+          <p:cNvPicPr>
+            <a:picLocks noChangeAspect="1"/>
+          </p:cNvPicPr>
+          <p:nvPr/>
+        </p:nvPicPr>
+        <p:blipFill>
+          <a:blip r:embed="rId3">
+            <a:extLst>
+              <a:ext uri="{BEBA8EAE-BF5A-486C-A8C5-ECC9F3942E4B}">
+                <a14:imgProps xmlns:a14="http://schemas.microsoft.com/office/drawing/2010/main">
+                  <a14:imgLayer r:embed="rId4">
+                    <a14:imgEffect>
+                      <a14:artisticCutout/>
+                    </a14:imgEffect>
+                  </a14:imgLayer>
+                </a14:imgProps>
+              </a:ext>
+            </a:extLst>
+          </a:blip>
+          <a:stretch>
+            <a:fillRect/>
+          </a:stretch>
+        </p:blipFill>
+        <p:spPr>
+          <a:xfrm rot="2233721">
+            <a:off x="2909741" y="145589"/>
+            <a:ext cx="725721" cy="725721"/>
+          </a:xfrm>
+          <a:prstGeom prst="rect">
+            <a:avLst/>
+          </a:prstGeom>
+        </p:spPr>
+      </p:pic>
+      <p:sp>
+        <p:nvSpPr>
+          <p:cNvPr id="12" name="標題 1">
+            <a:extLst>
+              <a:ext uri="{FF2B5EF4-FFF2-40B4-BE49-F238E27FC236}">
+                <a16:creationId xmlns:a16="http://schemas.microsoft.com/office/drawing/2014/main" id="{D9A5ED53-3C32-4D3F-88CC-B88A83F7030A}"/>
+              </a:ext>
+            </a:extLst>
+          </p:cNvPr>
+          <p:cNvSpPr txBox="1">
+            <a:spLocks/>
+          </p:cNvSpPr>
+          <p:nvPr/>
+        </p:nvSpPr>
+        <p:spPr>
+          <a:xfrm>
+            <a:off x="2566550" y="4603724"/>
+            <a:ext cx="3507756" cy="531000"/>
+          </a:xfrm>
+          <a:prstGeom prst="rect">
+            <a:avLst/>
+          </a:prstGeom>
+          <a:noFill/>
+          <a:ln>
+            <a:noFill/>
+          </a:ln>
+        </p:spPr>
+        <p:txBody>
+          <a:bodyPr spcFirstLastPara="1" wrap="square" lIns="91425" tIns="91425" rIns="91425" bIns="91425" anchor="b" anchorCtr="0">
+            <a:noAutofit/>
+          </a:bodyPr>
+          <a:lstStyle>
+            <a:defPPr marR="0" lvl="0" algn="l" rtl="0">
+              <a:lnSpc>
+                <a:spcPct val="100000"/>
+              </a:lnSpc>
+              <a:spcBef>
+                <a:spcPts val="0"/>
+              </a:spcBef>
+              <a:spcAft>
+                <a:spcPts val="0"/>
+              </a:spcAft>
+            </a:defPPr>
+            <a:lvl1pPr marR="0" lvl="0" algn="l" rtl="0">
+              <a:lnSpc>
+                <a:spcPct val="100000"/>
+              </a:lnSpc>
+              <a:spcBef>
+                <a:spcPts val="0"/>
+              </a:spcBef>
+              <a:spcAft>
+                <a:spcPts val="0"/>
+              </a:spcAft>
+              <a:buClr>
+                <a:schemeClr val="accent5"/>
+              </a:buClr>
+              <a:buSzPts val="2600"/>
+              <a:buFont typeface="Righteous"/>
+              <a:buNone/>
+              <a:defRPr sz="2600" b="0" i="0" u="none" strike="noStrike" cap="none">
+                <a:solidFill>
+                  <a:schemeClr val="accent5"/>
+                </a:solidFill>
+                <a:latin typeface="Righteous"/>
+                <a:ea typeface="Righteous"/>
+                <a:cs typeface="Righteous"/>
+                <a:sym typeface="Righteous"/>
+              </a:defRPr>
+            </a:lvl1pPr>
+            <a:lvl2pPr marR="0" lvl="1" algn="l" rtl="0">
+              <a:lnSpc>
+                <a:spcPct val="100000"/>
+              </a:lnSpc>
+              <a:spcBef>
+                <a:spcPts val="0"/>
+              </a:spcBef>
+              <a:spcAft>
+                <a:spcPts val="0"/>
+              </a:spcAft>
+              <a:buClr>
+                <a:schemeClr val="accent5"/>
+              </a:buClr>
+              <a:buSzPts val="2400"/>
+              <a:buFont typeface="Advent Pro"/>
+              <a:buNone/>
+              <a:defRPr sz="2400" b="1" i="0" u="none" strike="noStrike" cap="none">
+                <a:solidFill>
+                  <a:schemeClr val="accent5"/>
+                </a:solidFill>
+                <a:latin typeface="Advent Pro"/>
+                <a:ea typeface="Advent Pro"/>
+                <a:cs typeface="Advent Pro"/>
+                <a:sym typeface="Advent Pro"/>
+              </a:defRPr>
+            </a:lvl2pPr>
+            <a:lvl3pPr marR="0" lvl="2" algn="l" rtl="0">
+              <a:lnSpc>
+                <a:spcPct val="100000"/>
+              </a:lnSpc>
+              <a:spcBef>
+                <a:spcPts val="0"/>
+              </a:spcBef>
+              <a:spcAft>
+                <a:spcPts val="0"/>
+              </a:spcAft>
+              <a:buClr>
+                <a:schemeClr val="accent5"/>
+              </a:buClr>
+              <a:buSzPts val="2400"/>
+              <a:buFont typeface="Advent Pro"/>
+              <a:buNone/>
+              <a:defRPr sz="2400" b="1" i="0" u="none" strike="noStrike" cap="none">
+                <a:solidFill>
+                  <a:schemeClr val="accent5"/>
+                </a:solidFill>
+                <a:latin typeface="Advent Pro"/>
+                <a:ea typeface="Advent Pro"/>
+                <a:cs typeface="Advent Pro"/>
+                <a:sym typeface="Advent Pro"/>
+              </a:defRPr>
+            </a:lvl3pPr>
+            <a:lvl4pPr marR="0" lvl="3" algn="l" rtl="0">
+              <a:lnSpc>
+                <a:spcPct val="100000"/>
+              </a:lnSpc>
+              <a:spcBef>
+                <a:spcPts val="0"/>
+              </a:spcBef>
+              <a:spcAft>
+                <a:spcPts val="0"/>
+              </a:spcAft>
+              <a:buClr>
+                <a:schemeClr val="accent5"/>
+              </a:buClr>
+              <a:buSzPts val="2400"/>
+              <a:buFont typeface="Advent Pro"/>
+              <a:buNone/>
+              <a:defRPr sz="2400" b="1" i="0" u="none" strike="noStrike" cap="none">
+                <a:solidFill>
+                  <a:schemeClr val="accent5"/>
+                </a:solidFill>
+                <a:latin typeface="Advent Pro"/>
+                <a:ea typeface="Advent Pro"/>
+                <a:cs typeface="Advent Pro"/>
+                <a:sym typeface="Advent Pro"/>
+              </a:defRPr>
+            </a:lvl4pPr>
+            <a:lvl5pPr marR="0" lvl="4" algn="l" rtl="0">
+              <a:lnSpc>
+                <a:spcPct val="100000"/>
+              </a:lnSpc>
+              <a:spcBef>
+                <a:spcPts val="0"/>
+              </a:spcBef>
+              <a:spcAft>
+                <a:spcPts val="0"/>
+              </a:spcAft>
+              <a:buClr>
+                <a:schemeClr val="accent5"/>
+              </a:buClr>
+              <a:buSzPts val="2400"/>
+              <a:buFont typeface="Advent Pro"/>
+              <a:buNone/>
+              <a:defRPr sz="2400" b="1" i="0" u="none" strike="noStrike" cap="none">
+                <a:solidFill>
+                  <a:schemeClr val="accent5"/>
+                </a:solidFill>
+                <a:latin typeface="Advent Pro"/>
+                <a:ea typeface="Advent Pro"/>
+                <a:cs typeface="Advent Pro"/>
+                <a:sym typeface="Advent Pro"/>
+              </a:defRPr>
+            </a:lvl5pPr>
+            <a:lvl6pPr marR="0" lvl="5" algn="l" rtl="0">
+              <a:lnSpc>
+                <a:spcPct val="100000"/>
+              </a:lnSpc>
+              <a:spcBef>
+                <a:spcPts val="0"/>
+              </a:spcBef>
+              <a:spcAft>
+                <a:spcPts val="0"/>
+              </a:spcAft>
+              <a:buClr>
+                <a:schemeClr val="accent5"/>
+              </a:buClr>
+              <a:buSzPts val="2400"/>
+              <a:buFont typeface="Advent Pro"/>
+              <a:buNone/>
+              <a:defRPr sz="2400" b="1" i="0" u="none" strike="noStrike" cap="none">
+                <a:solidFill>
+                  <a:schemeClr val="accent5"/>
+                </a:solidFill>
+                <a:latin typeface="Advent Pro"/>
+                <a:ea typeface="Advent Pro"/>
+                <a:cs typeface="Advent Pro"/>
+                <a:sym typeface="Advent Pro"/>
+              </a:defRPr>
+            </a:lvl6pPr>
+            <a:lvl7pPr marR="0" lvl="6" algn="l" rtl="0">
+              <a:lnSpc>
+                <a:spcPct val="100000"/>
+              </a:lnSpc>
+              <a:spcBef>
+                <a:spcPts val="0"/>
+              </a:spcBef>
+              <a:spcAft>
+                <a:spcPts val="0"/>
+              </a:spcAft>
+              <a:buClr>
+                <a:schemeClr val="accent5"/>
+              </a:buClr>
+              <a:buSzPts val="2400"/>
+              <a:buFont typeface="Advent Pro"/>
+              <a:buNone/>
+              <a:defRPr sz="2400" b="1" i="0" u="none" strike="noStrike" cap="none">
+                <a:solidFill>
+                  <a:schemeClr val="accent5"/>
+                </a:solidFill>
+                <a:latin typeface="Advent Pro"/>
+                <a:ea typeface="Advent Pro"/>
+                <a:cs typeface="Advent Pro"/>
+                <a:sym typeface="Advent Pro"/>
+              </a:defRPr>
+            </a:lvl7pPr>
+            <a:lvl8pPr marR="0" lvl="7" algn="l" rtl="0">
+              <a:lnSpc>
+                <a:spcPct val="100000"/>
+              </a:lnSpc>
+              <a:spcBef>
+                <a:spcPts val="0"/>
+              </a:spcBef>
+              <a:spcAft>
+                <a:spcPts val="0"/>
+              </a:spcAft>
+              <a:buClr>
+                <a:schemeClr val="accent5"/>
+              </a:buClr>
+              <a:buSzPts val="2400"/>
+              <a:buFont typeface="Advent Pro"/>
+              <a:buNone/>
+              <a:defRPr sz="2400" b="1" i="0" u="none" strike="noStrike" cap="none">
+                <a:solidFill>
+                  <a:schemeClr val="accent5"/>
+                </a:solidFill>
+                <a:latin typeface="Advent Pro"/>
+                <a:ea typeface="Advent Pro"/>
+                <a:cs typeface="Advent Pro"/>
+                <a:sym typeface="Advent Pro"/>
+              </a:defRPr>
+            </a:lvl8pPr>
+            <a:lvl9pPr marR="0" lvl="8" algn="l" rtl="0">
+              <a:lnSpc>
+                <a:spcPct val="100000"/>
+              </a:lnSpc>
+              <a:spcBef>
+                <a:spcPts val="0"/>
+              </a:spcBef>
+              <a:spcAft>
+                <a:spcPts val="0"/>
+              </a:spcAft>
+              <a:buClr>
+                <a:schemeClr val="accent5"/>
+              </a:buClr>
+              <a:buSzPts val="2400"/>
+              <a:buFont typeface="Advent Pro"/>
+              <a:buNone/>
+              <a:defRPr sz="2400" b="1" i="0" u="none" strike="noStrike" cap="none">
+                <a:solidFill>
+                  <a:schemeClr val="accent5"/>
+                </a:solidFill>
+                <a:latin typeface="Advent Pro"/>
+                <a:ea typeface="Advent Pro"/>
+                <a:cs typeface="Advent Pro"/>
+                <a:sym typeface="Advent Pro"/>
+              </a:defRPr>
+            </a:lvl9pPr>
+          </a:lstStyle>
+          <a:p>
+            <a:pPr marL="342900" indent="-342900" algn="ctr" defTabSz="1066800">
+              <a:buSzPts val="1800"/>
+              <a:buFont typeface="Arial" panose="020B0604020202020204" pitchFamily="34" charset="0"/>
+              <a:buChar char="•"/>
+            </a:pPr>
+            <a:endParaRPr lang="en-US" altLang="zh-TW" sz="1200" dirty="0">
+              <a:latin typeface="微軟正黑體" panose="020B0604030504040204" pitchFamily="34" charset="-120"/>
+              <a:ea typeface="微軟正黑體" panose="020B0604030504040204" pitchFamily="34" charset="-120"/>
+            </a:endParaRPr>
+          </a:p>
+        </p:txBody>
+      </p:sp>
+      <p:graphicFrame>
+        <p:nvGraphicFramePr>
+          <p:cNvPr id="2" name="資料庫圖表 1">
+            <a:extLst>
+              <a:ext uri="{FF2B5EF4-FFF2-40B4-BE49-F238E27FC236}">
+                <a16:creationId xmlns:a16="http://schemas.microsoft.com/office/drawing/2014/main" id="{10B35B34-6A1B-42EF-8468-21FA17E1C0A9}"/>
+              </a:ext>
+            </a:extLst>
+          </p:cNvPr>
+          <p:cNvGraphicFramePr/>
+          <p:nvPr>
+            <p:extLst>
+              <p:ext uri="{D42A27DB-BD31-4B8C-83A1-F6EECF244321}">
+                <p14:modId xmlns:p14="http://schemas.microsoft.com/office/powerpoint/2010/main" val="2946124142"/>
+              </p:ext>
+            </p:extLst>
+          </p:nvPr>
+        </p:nvGraphicFramePr>
+        <p:xfrm>
+          <a:off x="1524000" y="539750"/>
+          <a:ext cx="6096000" cy="4064000"/>
+        </p:xfrm>
+        <a:graphic>
+          <a:graphicData uri="http://schemas.openxmlformats.org/drawingml/2006/diagram">
+            <dgm:relIds xmlns:dgm="http://schemas.openxmlformats.org/drawingml/2006/diagram" xmlns:r="http://schemas.openxmlformats.org/officeDocument/2006/relationships" r:dm="rId5" r:lo="rId6" r:qs="rId7" r:cs="rId8"/>
+          </a:graphicData>
+        </a:graphic>
+      </p:graphicFrame>
+    </p:spTree>
+    <p:extLst>
+      <p:ext uri="{BB962C8B-B14F-4D97-AF65-F5344CB8AC3E}">
+        <p14:creationId xmlns:p14="http://schemas.microsoft.com/office/powerpoint/2010/main" val="2650385976"/>
+      </p:ext>
+    </p:extLst>
+  </p:cSld>
+  <p:clrMapOvr>
+    <a:masterClrMapping/>
+  </p:clrMapOvr>
+</p:sld>
+</file>
+
+<file path=ppt/slides/slide8.xml><?xml version="1.0" encoding="utf-8"?>
 <p:sld xmlns:a="http://schemas.openxmlformats.org/drawingml/2006/main" xmlns:r="http://schemas.openxmlformats.org/officeDocument/2006/relationships" xmlns:p="http://schemas.openxmlformats.org/presentationml/2006/main">
   <p:cSld>
     <p:spTree>
@@ -20864,7 +25300,7 @@
 </p:sld>
 </file>
 
-<file path=ppt/slides/slide8.xml><?xml version="1.0" encoding="utf-8"?>
+<file path=ppt/slides/slide9.xml><?xml version="1.0" encoding="utf-8"?>
 <p:sld xmlns:a="http://schemas.openxmlformats.org/drawingml/2006/main" xmlns:r="http://schemas.openxmlformats.org/officeDocument/2006/relationships" xmlns:p="http://schemas.openxmlformats.org/presentationml/2006/main">
   <p:cSld>
     <p:spTree>
@@ -21231,94 +25667,6 @@
     <p:extLst>
       <p:ext uri="{BB962C8B-B14F-4D97-AF65-F5344CB8AC3E}">
         <p14:creationId xmlns:p14="http://schemas.microsoft.com/office/powerpoint/2010/main" val="2192985479"/>
-      </p:ext>
-    </p:extLst>
-  </p:cSld>
-  <p:clrMapOvr>
-    <a:masterClrMapping/>
-  </p:clrMapOvr>
-</p:sld>
-</file>
-
-<file path=ppt/slides/slide9.xml><?xml version="1.0" encoding="utf-8"?>
-<p:sld xmlns:a="http://schemas.openxmlformats.org/drawingml/2006/main" xmlns:r="http://schemas.openxmlformats.org/officeDocument/2006/relationships" xmlns:p="http://schemas.openxmlformats.org/presentationml/2006/main">
-  <p:cSld>
-    <p:spTree>
-      <p:nvGrpSpPr>
-        <p:cNvPr id="1" name=""/>
-        <p:cNvGrpSpPr/>
-        <p:nvPr/>
-      </p:nvGrpSpPr>
-      <p:grpSpPr>
-        <a:xfrm>
-          <a:off x="0" y="0"/>
-          <a:ext cx="0" cy="0"/>
-          <a:chOff x="0" y="0"/>
-          <a:chExt cx="0" cy="0"/>
-        </a:xfrm>
-      </p:grpSpPr>
-      <p:sp>
-        <p:nvSpPr>
-          <p:cNvPr id="2" name="標題 1">
-            <a:extLst>
-              <a:ext uri="{FF2B5EF4-FFF2-40B4-BE49-F238E27FC236}">
-                <a16:creationId xmlns:a16="http://schemas.microsoft.com/office/drawing/2014/main" id="{50EB7DD9-2A95-4BF9-8EB2-125B2ED0E131}"/>
-              </a:ext>
-            </a:extLst>
-          </p:cNvPr>
-          <p:cNvSpPr>
-            <a:spLocks noGrp="1"/>
-          </p:cNvSpPr>
-          <p:nvPr>
-            <p:ph type="title"/>
-          </p:nvPr>
-        </p:nvSpPr>
-        <p:spPr/>
-        <p:txBody>
-          <a:bodyPr/>
-          <a:lstStyle/>
-          <a:p>
-            <a:r>
-              <a:rPr lang="en-US" altLang="zh-TW" dirty="0"/>
-              <a:t>output</a:t>
-            </a:r>
-            <a:endParaRPr lang="zh-TW" altLang="en-US" dirty="0"/>
-          </a:p>
-        </p:txBody>
-      </p:sp>
-      <p:pic>
-        <p:nvPicPr>
-          <p:cNvPr id="6" name="圖片 5">
-            <a:extLst>
-              <a:ext uri="{FF2B5EF4-FFF2-40B4-BE49-F238E27FC236}">
-                <a16:creationId xmlns:a16="http://schemas.microsoft.com/office/drawing/2014/main" id="{750106CA-1773-4449-8FAA-DAA3109495E7}"/>
-              </a:ext>
-            </a:extLst>
-          </p:cNvPr>
-          <p:cNvPicPr>
-            <a:picLocks noChangeAspect="1"/>
-          </p:cNvPicPr>
-          <p:nvPr/>
-        </p:nvPicPr>
-        <p:blipFill rotWithShape="1">
-          <a:blip r:embed="rId2"/>
-          <a:srcRect r="4462"/>
-          <a:stretch/>
-        </p:blipFill>
-        <p:spPr>
-          <a:xfrm>
-            <a:off x="888275" y="1093035"/>
-            <a:ext cx="7367451" cy="2957430"/>
-          </a:xfrm>
-          <a:prstGeom prst="rect">
-            <a:avLst/>
-          </a:prstGeom>
-        </p:spPr>
-      </p:pic>
-    </p:spTree>
-    <p:extLst>
-      <p:ext uri="{BB962C8B-B14F-4D97-AF65-F5344CB8AC3E}">
-        <p14:creationId xmlns:p14="http://schemas.microsoft.com/office/powerpoint/2010/main" val="1420504000"/>
       </p:ext>
     </p:extLst>
   </p:cSld>

--- a/week14/Project_deadline.pptx
+++ b/week14/Project_deadline.pptx
@@ -5,7 +5,7 @@
     <p:sldMasterId id="2147483673" r:id="rId1"/>
   </p:sldMasterIdLst>
   <p:notesMasterIdLst>
-    <p:notesMasterId r:id="rId18"/>
+    <p:notesMasterId r:id="rId17"/>
   </p:notesMasterIdLst>
   <p:sldIdLst>
     <p:sldId id="256" r:id="rId2"/>
@@ -13,48 +13,47 @@
     <p:sldId id="301" r:id="rId4"/>
     <p:sldId id="303" r:id="rId5"/>
     <p:sldId id="274" r:id="rId6"/>
-    <p:sldId id="302" r:id="rId7"/>
-    <p:sldId id="315" r:id="rId8"/>
-    <p:sldId id="309" r:id="rId9"/>
-    <p:sldId id="312" r:id="rId10"/>
-    <p:sldId id="314" r:id="rId11"/>
-    <p:sldId id="313" r:id="rId12"/>
-    <p:sldId id="305" r:id="rId13"/>
-    <p:sldId id="306" r:id="rId14"/>
-    <p:sldId id="307" r:id="rId15"/>
-    <p:sldId id="308" r:id="rId16"/>
-    <p:sldId id="304" r:id="rId17"/>
+    <p:sldId id="315" r:id="rId7"/>
+    <p:sldId id="309" r:id="rId8"/>
+    <p:sldId id="312" r:id="rId9"/>
+    <p:sldId id="314" r:id="rId10"/>
+    <p:sldId id="313" r:id="rId11"/>
+    <p:sldId id="305" r:id="rId12"/>
+    <p:sldId id="306" r:id="rId13"/>
+    <p:sldId id="307" r:id="rId14"/>
+    <p:sldId id="308" r:id="rId15"/>
+    <p:sldId id="304" r:id="rId16"/>
   </p:sldIdLst>
   <p:sldSz cx="9144000" cy="5143500" type="screen16x9"/>
   <p:notesSz cx="6858000" cy="9144000"/>
   <p:embeddedFontLst>
     <p:embeddedFont>
       <p:font typeface="Advent Pro" panose="02020500000000000000" charset="0"/>
-      <p:regular r:id="rId19"/>
-      <p:bold r:id="rId20"/>
+      <p:regular r:id="rId18"/>
+      <p:bold r:id="rId19"/>
     </p:embeddedFont>
     <p:embeddedFont>
       <p:font typeface="Advent Pro Medium" panose="02020500000000000000" charset="0"/>
-      <p:regular r:id="rId21"/>
-      <p:bold r:id="rId22"/>
+      <p:regular r:id="rId20"/>
+      <p:bold r:id="rId21"/>
     </p:embeddedFont>
     <p:embeddedFont>
       <p:font typeface="Nirmala UI Semilight" panose="020B0402040204020203" pitchFamily="34" charset="0"/>
+      <p:regular r:id="rId22"/>
+    </p:embeddedFont>
+    <p:embeddedFont>
+      <p:font typeface="Righteous" panose="02020500000000000000" charset="0"/>
       <p:regular r:id="rId23"/>
     </p:embeddedFont>
     <p:embeddedFont>
-      <p:font typeface="Righteous" panose="02020500000000000000" charset="0"/>
+      <p:font typeface="Tahoma" panose="020B0604030504040204" pitchFamily="34" charset="0"/>
       <p:regular r:id="rId24"/>
-    </p:embeddedFont>
-    <p:embeddedFont>
-      <p:font typeface="Tahoma" panose="020B0604030504040204" pitchFamily="34" charset="0"/>
-      <p:regular r:id="rId25"/>
-      <p:bold r:id="rId26"/>
+      <p:bold r:id="rId25"/>
     </p:embeddedFont>
     <p:embeddedFont>
       <p:font typeface="微軟正黑體" panose="020B0604030504040204" pitchFamily="34" charset="-120"/>
-      <p:regular r:id="rId27"/>
-      <p:bold r:id="rId28"/>
+      <p:regular r:id="rId26"/>
+      <p:bold r:id="rId27"/>
     </p:embeddedFont>
   </p:embeddedFontLst>
   <p:defaultTextStyle>
@@ -4240,7 +4239,7 @@
     </p:spTree>
     <p:extLst>
       <p:ext uri="{BB962C8B-B14F-4D97-AF65-F5344CB8AC3E}">
-        <p14:creationId xmlns:p14="http://schemas.microsoft.com/office/powerpoint/2010/main" val="3676581964"/>
+        <p14:creationId xmlns:p14="http://schemas.microsoft.com/office/powerpoint/2010/main" val="136435418"/>
       </p:ext>
     </p:extLst>
   </p:cSld>
@@ -4251,115 +4250,6 @@
 </file>
 
 <file path=ppt/notesSlides/notesSlide7.xml><?xml version="1.0" encoding="utf-8"?>
-<p:notes xmlns:a="http://schemas.openxmlformats.org/drawingml/2006/main" xmlns:r="http://schemas.openxmlformats.org/officeDocument/2006/relationships" xmlns:p="http://schemas.openxmlformats.org/presentationml/2006/main" showMasterSp="0" showMasterPhAnim="0">
-  <p:cSld>
-    <p:spTree>
-      <p:nvGrpSpPr>
-        <p:cNvPr id="1" name="Shape 3808"/>
-        <p:cNvGrpSpPr/>
-        <p:nvPr/>
-      </p:nvGrpSpPr>
-      <p:grpSpPr>
-        <a:xfrm>
-          <a:off x="0" y="0"/>
-          <a:ext cx="0" cy="0"/>
-          <a:chOff x="0" y="0"/>
-          <a:chExt cx="0" cy="0"/>
-        </a:xfrm>
-      </p:grpSpPr>
-      <p:sp>
-        <p:nvSpPr>
-          <p:cNvPr id="3809" name="Google Shape;3809;g7189723225_0_2338:notes"/>
-          <p:cNvSpPr>
-            <a:spLocks noGrp="1" noRot="1" noChangeAspect="1"/>
-          </p:cNvSpPr>
-          <p:nvPr>
-            <p:ph type="sldImg" idx="2"/>
-          </p:nvPr>
-        </p:nvSpPr>
-        <p:spPr>
-          <a:xfrm>
-            <a:off x="381000" y="685800"/>
-            <a:ext cx="6096000" cy="3429000"/>
-          </a:xfrm>
-          <a:custGeom>
-            <a:avLst/>
-            <a:gdLst/>
-            <a:ahLst/>
-            <a:cxnLst/>
-            <a:rect l="l" t="t" r="r" b="b"/>
-            <a:pathLst>
-              <a:path w="120000" h="120000" extrusionOk="0">
-                <a:moveTo>
-                  <a:pt x="0" y="0"/>
-                </a:moveTo>
-                <a:lnTo>
-                  <a:pt x="120000" y="0"/>
-                </a:lnTo>
-                <a:lnTo>
-                  <a:pt x="120000" y="120000"/>
-                </a:lnTo>
-                <a:lnTo>
-                  <a:pt x="0" y="120000"/>
-                </a:lnTo>
-                <a:close/>
-              </a:path>
-            </a:pathLst>
-          </a:custGeom>
-        </p:spPr>
-      </p:sp>
-      <p:sp>
-        <p:nvSpPr>
-          <p:cNvPr id="3810" name="Google Shape;3810;g7189723225_0_2338:notes"/>
-          <p:cNvSpPr txBox="1">
-            <a:spLocks noGrp="1"/>
-          </p:cNvSpPr>
-          <p:nvPr>
-            <p:ph type="body" idx="1"/>
-          </p:nvPr>
-        </p:nvSpPr>
-        <p:spPr>
-          <a:xfrm>
-            <a:off x="685800" y="4343400"/>
-            <a:ext cx="5486400" cy="4114800"/>
-          </a:xfrm>
-          <a:prstGeom prst="rect">
-            <a:avLst/>
-          </a:prstGeom>
-        </p:spPr>
-        <p:txBody>
-          <a:bodyPr spcFirstLastPara="1" wrap="square" lIns="91425" tIns="91425" rIns="91425" bIns="91425" anchor="t" anchorCtr="0">
-            <a:noAutofit/>
-          </a:bodyPr>
-          <a:lstStyle/>
-          <a:p>
-            <a:pPr marL="0" lvl="0" indent="0" algn="l" rtl="0">
-              <a:spcBef>
-                <a:spcPts val="0"/>
-              </a:spcBef>
-              <a:spcAft>
-                <a:spcPts val="0"/>
-              </a:spcAft>
-              <a:buNone/>
-            </a:pPr>
-            <a:endParaRPr/>
-          </a:p>
-        </p:txBody>
-      </p:sp>
-    </p:spTree>
-    <p:extLst>
-      <p:ext uri="{BB962C8B-B14F-4D97-AF65-F5344CB8AC3E}">
-        <p14:creationId xmlns:p14="http://schemas.microsoft.com/office/powerpoint/2010/main" val="136435418"/>
-      </p:ext>
-    </p:extLst>
-  </p:cSld>
-  <p:clrMapOvr>
-    <a:masterClrMapping/>
-  </p:clrMapOvr>
-</p:notes>
-</file>
-
-<file path=ppt/notesSlides/notesSlide8.xml><?xml version="1.0" encoding="utf-8"?>
 <p:notes xmlns:a="http://schemas.openxmlformats.org/drawingml/2006/main" xmlns:r="http://schemas.openxmlformats.org/officeDocument/2006/relationships" xmlns:p="http://schemas.openxmlformats.org/presentationml/2006/main" showMasterSp="0" showMasterPhAnim="0">
   <p:cSld>
     <p:spTree>
@@ -13287,231 +13177,6 @@
             <p:ph type="title"/>
           </p:nvPr>
         </p:nvSpPr>
-        <p:spPr>
-          <a:xfrm>
-            <a:off x="300129" y="508570"/>
-            <a:ext cx="2599825" cy="531000"/>
-          </a:xfrm>
-        </p:spPr>
-        <p:txBody>
-          <a:bodyPr/>
-          <a:lstStyle/>
-          <a:p>
-            <a:pPr algn="ctr" defTabSz="1066800">
-              <a:buSzPts val="1800"/>
-            </a:pPr>
-            <a:r>
-              <a:rPr lang="zh-TW" altLang="zh-TW" sz="2400" b="1" dirty="0">
-                <a:latin typeface="微軟正黑體" panose="020B0604030504040204" pitchFamily="34" charset="-120"/>
-                <a:ea typeface="微軟正黑體" panose="020B0604030504040204" pitchFamily="34" charset="-120"/>
-              </a:rPr>
-              <a:t>法</a:t>
-            </a:r>
-            <a:r>
-              <a:rPr lang="zh-TW" altLang="en-US" sz="2400" b="1" dirty="0">
-                <a:latin typeface="微軟正黑體" panose="020B0604030504040204" pitchFamily="34" charset="-120"/>
-                <a:ea typeface="微軟正黑體" panose="020B0604030504040204" pitchFamily="34" charset="-120"/>
-              </a:rPr>
-              <a:t>律</a:t>
-            </a:r>
-            <a:r>
-              <a:rPr lang="zh-TW" altLang="zh-TW" sz="2400" b="1" dirty="0">
-                <a:latin typeface="微軟正黑體" panose="020B0604030504040204" pitchFamily="34" charset="-120"/>
-                <a:ea typeface="微軟正黑體" panose="020B0604030504040204" pitchFamily="34" charset="-120"/>
-              </a:rPr>
-              <a:t>用語</a:t>
-            </a:r>
-            <a:r>
-              <a:rPr lang="zh-TW" altLang="en-US" sz="2400" b="1" dirty="0">
-                <a:latin typeface="微軟正黑體" panose="020B0604030504040204" pitchFamily="34" charset="-120"/>
-                <a:ea typeface="微軟正黑體" panose="020B0604030504040204" pitchFamily="34" charset="-120"/>
-              </a:rPr>
-              <a:t>的替換</a:t>
-            </a:r>
-            <a:endParaRPr lang="en-US" altLang="zh-TW" sz="2400" b="1" dirty="0">
-              <a:latin typeface="微軟正黑體" panose="020B0604030504040204" pitchFamily="34" charset="-120"/>
-              <a:ea typeface="微軟正黑體" panose="020B0604030504040204" pitchFamily="34" charset="-120"/>
-            </a:endParaRPr>
-          </a:p>
-        </p:txBody>
-      </p:sp>
-      <p:sp>
-        <p:nvSpPr>
-          <p:cNvPr id="9" name="矩形 8">
-            <a:extLst>
-              <a:ext uri="{FF2B5EF4-FFF2-40B4-BE49-F238E27FC236}">
-                <a16:creationId xmlns:a16="http://schemas.microsoft.com/office/drawing/2014/main" id="{14D7DED6-E763-437A-8759-CC06243CB614}"/>
-              </a:ext>
-            </a:extLst>
-          </p:cNvPr>
-          <p:cNvSpPr/>
-          <p:nvPr/>
-        </p:nvSpPr>
-        <p:spPr>
-          <a:xfrm>
-            <a:off x="5787146" y="1227909"/>
-            <a:ext cx="605247" cy="3762102"/>
-          </a:xfrm>
-          <a:prstGeom prst="rect">
-            <a:avLst/>
-          </a:prstGeom>
-          <a:solidFill>
-            <a:schemeClr val="bg1"/>
-          </a:solidFill>
-          <a:ln>
-            <a:solidFill>
-              <a:schemeClr val="bg1"/>
-            </a:solidFill>
-          </a:ln>
-        </p:spPr>
-        <p:style>
-          <a:lnRef idx="2">
-            <a:schemeClr val="accent1">
-              <a:shade val="50000"/>
-            </a:schemeClr>
-          </a:lnRef>
-          <a:fillRef idx="1">
-            <a:schemeClr val="accent1"/>
-          </a:fillRef>
-          <a:effectRef idx="0">
-            <a:schemeClr val="accent1"/>
-          </a:effectRef>
-          <a:fontRef idx="minor">
-            <a:schemeClr val="lt1"/>
-          </a:fontRef>
-        </p:style>
-        <p:txBody>
-          <a:bodyPr rtlCol="0" anchor="ctr"/>
-          <a:lstStyle/>
-          <a:p>
-            <a:pPr algn="ctr"/>
-            <a:endParaRPr lang="zh-TW" altLang="en-US"/>
-          </a:p>
-        </p:txBody>
-      </p:sp>
-      <p:pic>
-        <p:nvPicPr>
-          <p:cNvPr id="11" name="圖片 10" descr="06.法規用語與法規解釋之淺析.doc(受保護的檢視) - Word">
-            <a:extLst>
-              <a:ext uri="{FF2B5EF4-FFF2-40B4-BE49-F238E27FC236}">
-                <a16:creationId xmlns:a16="http://schemas.microsoft.com/office/drawing/2014/main" id="{F1D67177-6AC0-408E-AFA5-FE18D205E455}"/>
-              </a:ext>
-            </a:extLst>
-          </p:cNvPr>
-          <p:cNvPicPr>
-            <a:picLocks noChangeAspect="1"/>
-          </p:cNvPicPr>
-          <p:nvPr/>
-        </p:nvPicPr>
-        <p:blipFill rotWithShape="1">
-          <a:blip r:embed="rId2"/>
-          <a:srcRect l="24348" t="13714" r="24870"/>
-          <a:stretch/>
-        </p:blipFill>
-        <p:spPr>
-          <a:xfrm>
-            <a:off x="467081" y="1039570"/>
-            <a:ext cx="4065161" cy="4438106"/>
-          </a:xfrm>
-          <a:prstGeom prst="rect">
-            <a:avLst/>
-          </a:prstGeom>
-        </p:spPr>
-      </p:pic>
-      <p:sp>
-        <p:nvSpPr>
-          <p:cNvPr id="12" name="文字方塊 11">
-            <a:extLst>
-              <a:ext uri="{FF2B5EF4-FFF2-40B4-BE49-F238E27FC236}">
-                <a16:creationId xmlns:a16="http://schemas.microsoft.com/office/drawing/2014/main" id="{F62C9E38-63AA-4C43-8605-BAE1C954680D}"/>
-              </a:ext>
-            </a:extLst>
-          </p:cNvPr>
-          <p:cNvSpPr txBox="1"/>
-          <p:nvPr/>
-        </p:nvSpPr>
-        <p:spPr>
-          <a:xfrm>
-            <a:off x="5063162" y="1786999"/>
-            <a:ext cx="3263671" cy="2246769"/>
-          </a:xfrm>
-          <a:prstGeom prst="rect">
-            <a:avLst/>
-          </a:prstGeom>
-          <a:noFill/>
-        </p:spPr>
-        <p:txBody>
-          <a:bodyPr wrap="square" rtlCol="0">
-            <a:spAutoFit/>
-          </a:bodyPr>
-          <a:lstStyle/>
-          <a:p>
-            <a:r>
-              <a:rPr lang="zh-TW" altLang="en-US" dirty="0"/>
-              <a:t>例：</a:t>
-            </a:r>
-            <a:endParaRPr lang="en-US" altLang="zh-TW" dirty="0"/>
-          </a:p>
-          <a:p>
-            <a:r>
-              <a:rPr lang="zh-TW" altLang="en-US" dirty="0"/>
-              <a:t>屆期、逾期 ：</a:t>
-            </a:r>
-          </a:p>
-          <a:p>
-            <a:r>
-              <a:rPr lang="zh-TW" altLang="en-US" dirty="0"/>
-              <a:t>「屆期」與「逾期」以往多未予區分使用，然二者意義實有所不同，所謂「屆期」係指在一定期間內必須行為者，例如「．．限期命其改善；屆期不改善者．．．。」；而「逾期」係表達已過一定期限之事實，例如「．．請求權之行使，以二年為限，逾期不予受理。．．」。</a:t>
-            </a:r>
-          </a:p>
-        </p:txBody>
-      </p:sp>
-    </p:spTree>
-    <p:extLst>
-      <p:ext uri="{BB962C8B-B14F-4D97-AF65-F5344CB8AC3E}">
-        <p14:creationId xmlns:p14="http://schemas.microsoft.com/office/powerpoint/2010/main" val="3710534227"/>
-      </p:ext>
-    </p:extLst>
-  </p:cSld>
-  <p:clrMapOvr>
-    <a:masterClrMapping/>
-  </p:clrMapOvr>
-</p:sld>
-</file>
-
-<file path=ppt/slides/slide11.xml><?xml version="1.0" encoding="utf-8"?>
-<p:sld xmlns:a="http://schemas.openxmlformats.org/drawingml/2006/main" xmlns:r="http://schemas.openxmlformats.org/officeDocument/2006/relationships" xmlns:p="http://schemas.openxmlformats.org/presentationml/2006/main">
-  <p:cSld>
-    <p:spTree>
-      <p:nvGrpSpPr>
-        <p:cNvPr id="1" name=""/>
-        <p:cNvGrpSpPr/>
-        <p:nvPr/>
-      </p:nvGrpSpPr>
-      <p:grpSpPr>
-        <a:xfrm>
-          <a:off x="0" y="0"/>
-          <a:ext cx="0" cy="0"/>
-          <a:chOff x="0" y="0"/>
-          <a:chExt cx="0" cy="0"/>
-        </a:xfrm>
-      </p:grpSpPr>
-      <p:sp>
-        <p:nvSpPr>
-          <p:cNvPr id="2" name="標題 1">
-            <a:extLst>
-              <a:ext uri="{FF2B5EF4-FFF2-40B4-BE49-F238E27FC236}">
-                <a16:creationId xmlns:a16="http://schemas.microsoft.com/office/drawing/2014/main" id="{50EB7DD9-2A95-4BF9-8EB2-125B2ED0E131}"/>
-              </a:ext>
-            </a:extLst>
-          </p:cNvPr>
-          <p:cNvSpPr>
-            <a:spLocks noGrp="1"/>
-          </p:cNvSpPr>
-          <p:nvPr>
-            <p:ph type="title"/>
-          </p:nvPr>
-        </p:nvSpPr>
         <p:spPr/>
         <p:txBody>
           <a:bodyPr/>
@@ -13567,7 +13232,7 @@
 </p:sld>
 </file>
 
-<file path=ppt/slides/slide12.xml><?xml version="1.0" encoding="utf-8"?>
+<file path=ppt/slides/slide11.xml><?xml version="1.0" encoding="utf-8"?>
 <p:sld xmlns:a="http://schemas.openxmlformats.org/drawingml/2006/main" xmlns:r="http://schemas.openxmlformats.org/officeDocument/2006/relationships" xmlns:p="http://schemas.openxmlformats.org/presentationml/2006/main">
   <p:cSld>
     <p:spTree>
@@ -13883,7 +13548,7 @@
 </p:sld>
 </file>
 
-<file path=ppt/slides/slide13.xml><?xml version="1.0" encoding="utf-8"?>
+<file path=ppt/slides/slide12.xml><?xml version="1.0" encoding="utf-8"?>
 <p:sld xmlns:a="http://schemas.openxmlformats.org/drawingml/2006/main" xmlns:r="http://schemas.openxmlformats.org/officeDocument/2006/relationships" xmlns:p="http://schemas.openxmlformats.org/presentationml/2006/main">
   <p:cSld>
     <p:spTree>
@@ -13981,7 +13646,7 @@
 </p:sld>
 </file>
 
-<file path=ppt/slides/slide14.xml><?xml version="1.0" encoding="utf-8"?>
+<file path=ppt/slides/slide13.xml><?xml version="1.0" encoding="utf-8"?>
 <p:sld xmlns:a="http://schemas.openxmlformats.org/drawingml/2006/main" xmlns:r="http://schemas.openxmlformats.org/officeDocument/2006/relationships" xmlns:p="http://schemas.openxmlformats.org/presentationml/2006/main">
   <p:cSld>
     <p:spTree>
@@ -14163,7 +13828,7 @@
 </p:sld>
 </file>
 
-<file path=ppt/slides/slide15.xml><?xml version="1.0" encoding="utf-8"?>
+<file path=ppt/slides/slide14.xml><?xml version="1.0" encoding="utf-8"?>
 <p:sld xmlns:a="http://schemas.openxmlformats.org/drawingml/2006/main" xmlns:r="http://schemas.openxmlformats.org/officeDocument/2006/relationships" xmlns:p="http://schemas.openxmlformats.org/presentationml/2006/main">
   <p:cSld>
     <p:spTree>
@@ -14261,7 +13926,7 @@
 </p:sld>
 </file>
 
-<file path=ppt/slides/slide16.xml><?xml version="1.0" encoding="utf-8"?>
+<file path=ppt/slides/slide15.xml><?xml version="1.0" encoding="utf-8"?>
 <p:sld xmlns:a="http://schemas.openxmlformats.org/drawingml/2006/main" xmlns:r="http://schemas.openxmlformats.org/officeDocument/2006/relationships" xmlns:p="http://schemas.openxmlformats.org/presentationml/2006/main">
   <p:cSld>
     <p:spTree>
@@ -23529,895 +23194,6 @@
             <a:chOff x="238125" y="351975"/>
             <a:chExt cx="7143025" cy="5010575"/>
           </a:xfrm>
-        </p:grpSpPr>
-        <p:sp>
-          <p:nvSpPr>
-            <p:cNvPr id="3815" name="Google Shape;3815;p44"/>
-            <p:cNvSpPr/>
-            <p:nvPr/>
-          </p:nvSpPr>
-          <p:spPr>
-            <a:xfrm>
-              <a:off x="238125" y="398550"/>
-              <a:ext cx="7143025" cy="4964000"/>
-            </a:xfrm>
-            <a:custGeom>
-              <a:avLst/>
-              <a:gdLst/>
-              <a:ahLst/>
-              <a:cxnLst/>
-              <a:rect l="l" t="t" r="r" b="b"/>
-              <a:pathLst>
-                <a:path w="285721" h="198560" extrusionOk="0">
-                  <a:moveTo>
-                    <a:pt x="4894" y="1"/>
-                  </a:moveTo>
-                  <a:cubicBezTo>
-                    <a:pt x="2320" y="1"/>
-                    <a:pt x="0" y="2065"/>
-                    <a:pt x="0" y="4901"/>
-                  </a:cubicBezTo>
-                  <a:lnTo>
-                    <a:pt x="0" y="193405"/>
-                  </a:lnTo>
-                  <a:cubicBezTo>
-                    <a:pt x="0" y="196239"/>
-                    <a:pt x="2320" y="198560"/>
-                    <a:pt x="4894" y="198560"/>
-                  </a:cubicBezTo>
-                  <a:lnTo>
-                    <a:pt x="281292" y="198560"/>
-                  </a:lnTo>
-                  <a:cubicBezTo>
-                    <a:pt x="283867" y="198560"/>
-                    <a:pt x="285720" y="196239"/>
-                    <a:pt x="285720" y="193405"/>
-                  </a:cubicBezTo>
-                  <a:lnTo>
-                    <a:pt x="285719" y="4901"/>
-                  </a:lnTo>
-                  <a:cubicBezTo>
-                    <a:pt x="285719" y="2065"/>
-                    <a:pt x="283865" y="1"/>
-                    <a:pt x="281292" y="1"/>
-                  </a:cubicBezTo>
-                  <a:close/>
-                </a:path>
-              </a:pathLst>
-            </a:custGeom>
-            <a:solidFill>
-              <a:schemeClr val="accent2"/>
-            </a:solidFill>
-            <a:ln>
-              <a:noFill/>
-            </a:ln>
-          </p:spPr>
-          <p:txBody>
-            <a:bodyPr spcFirstLastPara="1" wrap="square" lIns="91425" tIns="91425" rIns="91425" bIns="91425" anchor="ctr" anchorCtr="0">
-              <a:noAutofit/>
-            </a:bodyPr>
-            <a:lstStyle/>
-            <a:p>
-              <a:pPr marL="0" lvl="0" indent="0" algn="l" rtl="0">
-                <a:spcBef>
-                  <a:spcPts val="0"/>
-                </a:spcBef>
-                <a:spcAft>
-                  <a:spcPts val="0"/>
-                </a:spcAft>
-                <a:buNone/>
-              </a:pPr>
-              <a:endParaRPr/>
-            </a:p>
-          </p:txBody>
-        </p:sp>
-        <p:sp>
-          <p:nvSpPr>
-            <p:cNvPr id="3816" name="Google Shape;3816;p44"/>
-            <p:cNvSpPr/>
-            <p:nvPr/>
-          </p:nvSpPr>
-          <p:spPr>
-            <a:xfrm>
-              <a:off x="238125" y="351975"/>
-              <a:ext cx="7143025" cy="522150"/>
-            </a:xfrm>
-            <a:custGeom>
-              <a:avLst/>
-              <a:gdLst/>
-              <a:ahLst/>
-              <a:cxnLst/>
-              <a:rect l="l" t="t" r="r" b="b"/>
-              <a:pathLst>
-                <a:path w="285721" h="20886" extrusionOk="0">
-                  <a:moveTo>
-                    <a:pt x="4894" y="0"/>
-                  </a:moveTo>
-                  <a:cubicBezTo>
-                    <a:pt x="2320" y="0"/>
-                    <a:pt x="0" y="2064"/>
-                    <a:pt x="0" y="4898"/>
-                  </a:cubicBezTo>
-                  <a:lnTo>
-                    <a:pt x="0" y="20886"/>
-                  </a:lnTo>
-                  <a:lnTo>
-                    <a:pt x="285720" y="20886"/>
-                  </a:lnTo>
-                  <a:lnTo>
-                    <a:pt x="285720" y="4898"/>
-                  </a:lnTo>
-                  <a:cubicBezTo>
-                    <a:pt x="285720" y="2064"/>
-                    <a:pt x="283865" y="0"/>
-                    <a:pt x="281292" y="0"/>
-                  </a:cubicBezTo>
-                  <a:close/>
-                </a:path>
-              </a:pathLst>
-            </a:custGeom>
-            <a:solidFill>
-              <a:schemeClr val="accent2"/>
-            </a:solidFill>
-            <a:ln>
-              <a:noFill/>
-            </a:ln>
-          </p:spPr>
-          <p:txBody>
-            <a:bodyPr spcFirstLastPara="1" wrap="square" lIns="91425" tIns="91425" rIns="91425" bIns="91425" anchor="ctr" anchorCtr="0">
-              <a:noAutofit/>
-            </a:bodyPr>
-            <a:lstStyle/>
-            <a:p>
-              <a:pPr marL="0" lvl="0" indent="0" algn="l" rtl="0">
-                <a:spcBef>
-                  <a:spcPts val="0"/>
-                </a:spcBef>
-                <a:spcAft>
-                  <a:spcPts val="0"/>
-                </a:spcAft>
-                <a:buNone/>
-              </a:pPr>
-              <a:endParaRPr/>
-            </a:p>
-          </p:txBody>
-        </p:sp>
-        <p:sp>
-          <p:nvSpPr>
-            <p:cNvPr id="3817" name="Google Shape;3817;p44"/>
-            <p:cNvSpPr/>
-            <p:nvPr/>
-          </p:nvSpPr>
-          <p:spPr>
-            <a:xfrm>
-              <a:off x="342975" y="461925"/>
-              <a:ext cx="6933250" cy="4784075"/>
-            </a:xfrm>
-            <a:custGeom>
-              <a:avLst/>
-              <a:gdLst/>
-              <a:ahLst/>
-              <a:cxnLst/>
-              <a:rect l="l" t="t" r="r" b="b"/>
-              <a:pathLst>
-                <a:path w="277330" h="191363" extrusionOk="0">
-                  <a:moveTo>
-                    <a:pt x="4751" y="0"/>
-                  </a:moveTo>
-                  <a:cubicBezTo>
-                    <a:pt x="2252" y="0"/>
-                    <a:pt x="1" y="2105"/>
-                    <a:pt x="1" y="4833"/>
-                  </a:cubicBezTo>
-                  <a:lnTo>
-                    <a:pt x="1" y="186284"/>
-                  </a:lnTo>
-                  <a:cubicBezTo>
-                    <a:pt x="1" y="189012"/>
-                    <a:pt x="2252" y="191363"/>
-                    <a:pt x="4751" y="191363"/>
-                  </a:cubicBezTo>
-                  <a:lnTo>
-                    <a:pt x="273033" y="191363"/>
-                  </a:lnTo>
-                  <a:cubicBezTo>
-                    <a:pt x="275530" y="191363"/>
-                    <a:pt x="277330" y="189012"/>
-                    <a:pt x="277330" y="186284"/>
-                  </a:cubicBezTo>
-                  <a:lnTo>
-                    <a:pt x="277330" y="4833"/>
-                  </a:lnTo>
-                  <a:cubicBezTo>
-                    <a:pt x="277330" y="2104"/>
-                    <a:pt x="275530" y="0"/>
-                    <a:pt x="273033" y="0"/>
-                  </a:cubicBezTo>
-                  <a:close/>
-                </a:path>
-              </a:pathLst>
-            </a:custGeom>
-            <a:solidFill>
-              <a:srgbClr val="B6503C"/>
-            </a:solidFill>
-            <a:ln>
-              <a:noFill/>
-            </a:ln>
-          </p:spPr>
-          <p:txBody>
-            <a:bodyPr spcFirstLastPara="1" wrap="square" lIns="91425" tIns="91425" rIns="91425" bIns="91425" anchor="ctr" anchorCtr="0">
-              <a:noAutofit/>
-            </a:bodyPr>
-            <a:lstStyle/>
-            <a:p>
-              <a:pPr marL="0" lvl="0" indent="0" algn="l" rtl="0">
-                <a:spcBef>
-                  <a:spcPts val="0"/>
-                </a:spcBef>
-                <a:spcAft>
-                  <a:spcPts val="0"/>
-                </a:spcAft>
-                <a:buNone/>
-              </a:pPr>
-              <a:endParaRPr/>
-            </a:p>
-          </p:txBody>
-        </p:sp>
-        <p:sp>
-          <p:nvSpPr>
-            <p:cNvPr id="3818" name="Google Shape;3818;p44"/>
-            <p:cNvSpPr/>
-            <p:nvPr/>
-          </p:nvSpPr>
-          <p:spPr>
-            <a:xfrm>
-              <a:off x="327525" y="4547925"/>
-              <a:ext cx="6954250" cy="788275"/>
-            </a:xfrm>
-            <a:custGeom>
-              <a:avLst/>
-              <a:gdLst/>
-              <a:ahLst/>
-              <a:cxnLst/>
-              <a:rect l="l" t="t" r="r" b="b"/>
-              <a:pathLst>
-                <a:path w="278170" h="31531" extrusionOk="0">
-                  <a:moveTo>
-                    <a:pt x="1" y="0"/>
-                  </a:moveTo>
-                  <a:lnTo>
-                    <a:pt x="1" y="31531"/>
-                  </a:lnTo>
-                  <a:lnTo>
-                    <a:pt x="278169" y="31531"/>
-                  </a:lnTo>
-                  <a:lnTo>
-                    <a:pt x="278169" y="0"/>
-                  </a:lnTo>
-                  <a:close/>
-                </a:path>
-              </a:pathLst>
-            </a:custGeom>
-            <a:solidFill>
-              <a:schemeClr val="accent2"/>
-            </a:solidFill>
-            <a:ln>
-              <a:noFill/>
-            </a:ln>
-          </p:spPr>
-          <p:txBody>
-            <a:bodyPr spcFirstLastPara="1" wrap="square" lIns="91425" tIns="91425" rIns="91425" bIns="91425" anchor="ctr" anchorCtr="0">
-              <a:noAutofit/>
-            </a:bodyPr>
-            <a:lstStyle/>
-            <a:p>
-              <a:pPr marL="0" lvl="0" indent="0" algn="l" rtl="0">
-                <a:spcBef>
-                  <a:spcPts val="0"/>
-                </a:spcBef>
-                <a:spcAft>
-                  <a:spcPts val="0"/>
-                </a:spcAft>
-                <a:buNone/>
-              </a:pPr>
-              <a:endParaRPr/>
-            </a:p>
-          </p:txBody>
-        </p:sp>
-        <p:sp>
-          <p:nvSpPr>
-            <p:cNvPr id="3819" name="Google Shape;3819;p44"/>
-            <p:cNvSpPr/>
-            <p:nvPr/>
-          </p:nvSpPr>
-          <p:spPr>
-            <a:xfrm>
-              <a:off x="552775" y="4672675"/>
-              <a:ext cx="6472425" cy="36100"/>
-            </a:xfrm>
-            <a:custGeom>
-              <a:avLst/>
-              <a:gdLst/>
-              <a:ahLst/>
-              <a:cxnLst/>
-              <a:rect l="l" t="t" r="r" b="b"/>
-              <a:pathLst>
-                <a:path w="258897" h="1444" extrusionOk="0">
-                  <a:moveTo>
-                    <a:pt x="0" y="0"/>
-                  </a:moveTo>
-                  <a:lnTo>
-                    <a:pt x="0" y="1443"/>
-                  </a:lnTo>
-                  <a:lnTo>
-                    <a:pt x="258897" y="1443"/>
-                  </a:lnTo>
-                  <a:lnTo>
-                    <a:pt x="258897" y="0"/>
-                  </a:lnTo>
-                  <a:close/>
-                </a:path>
-              </a:pathLst>
-            </a:custGeom>
-            <a:solidFill>
-              <a:schemeClr val="accent1"/>
-            </a:solidFill>
-            <a:ln>
-              <a:noFill/>
-            </a:ln>
-          </p:spPr>
-          <p:txBody>
-            <a:bodyPr spcFirstLastPara="1" wrap="square" lIns="91425" tIns="91425" rIns="91425" bIns="91425" anchor="ctr" anchorCtr="0">
-              <a:noAutofit/>
-            </a:bodyPr>
-            <a:lstStyle/>
-            <a:p>
-              <a:pPr marL="0" lvl="0" indent="0" algn="l" rtl="0">
-                <a:spcBef>
-                  <a:spcPts val="0"/>
-                </a:spcBef>
-                <a:spcAft>
-                  <a:spcPts val="0"/>
-                </a:spcAft>
-                <a:buNone/>
-              </a:pPr>
-              <a:endParaRPr/>
-            </a:p>
-          </p:txBody>
-        </p:sp>
-      </p:grpSp>
-      <p:pic>
-        <p:nvPicPr>
-          <p:cNvPr id="3" name="圖片 2" descr="一張含有 文字 的圖片&#10;&#10;自動產生的描述">
-            <a:extLst>
-              <a:ext uri="{FF2B5EF4-FFF2-40B4-BE49-F238E27FC236}">
-                <a16:creationId xmlns:a16="http://schemas.microsoft.com/office/drawing/2014/main" id="{EBAD6C3F-F13D-400D-936D-FDA85D0497A4}"/>
-              </a:ext>
-            </a:extLst>
-          </p:cNvPr>
-          <p:cNvPicPr>
-            <a:picLocks noChangeAspect="1"/>
-          </p:cNvPicPr>
-          <p:nvPr/>
-        </p:nvPicPr>
-        <p:blipFill>
-          <a:blip r:embed="rId3"/>
-          <a:stretch>
-            <a:fillRect/>
-          </a:stretch>
-        </p:blipFill>
-        <p:spPr>
-          <a:xfrm>
-            <a:off x="1033250" y="1901790"/>
-            <a:ext cx="7045371" cy="1339919"/>
-          </a:xfrm>
-          <a:prstGeom prst="rect">
-            <a:avLst/>
-          </a:prstGeom>
-          <a:solidFill>
-            <a:srgbClr val="FFFFFF">
-              <a:shade val="85000"/>
-            </a:srgbClr>
-          </a:solidFill>
-          <a:ln w="88900" cap="sq">
-            <a:solidFill>
-              <a:srgbClr val="FFFFFF"/>
-            </a:solidFill>
-            <a:miter lim="800000"/>
-          </a:ln>
-          <a:effectLst>
-            <a:outerShdw blurRad="55000" dist="18000" dir="5400000" algn="tl" rotWithShape="0">
-              <a:srgbClr val="000000">
-                <a:alpha val="40000"/>
-              </a:srgbClr>
-            </a:outerShdw>
-          </a:effectLst>
-          <a:scene3d>
-            <a:camera prst="orthographicFront"/>
-            <a:lightRig rig="twoPt" dir="t">
-              <a:rot lat="0" lon="0" rev="7200000"/>
-            </a:lightRig>
-          </a:scene3d>
-          <a:sp3d>
-            <a:bevelT w="25400" h="19050"/>
-            <a:contourClr>
-              <a:srgbClr val="FFFFFF"/>
-            </a:contourClr>
-          </a:sp3d>
-        </p:spPr>
-      </p:pic>
-      <p:pic>
-        <p:nvPicPr>
-          <p:cNvPr id="5" name="圖片 4">
-            <a:extLst>
-              <a:ext uri="{FF2B5EF4-FFF2-40B4-BE49-F238E27FC236}">
-                <a16:creationId xmlns:a16="http://schemas.microsoft.com/office/drawing/2014/main" id="{E710879D-46D4-4A4B-B540-323507A17F43}"/>
-              </a:ext>
-            </a:extLst>
-          </p:cNvPr>
-          <p:cNvPicPr>
-            <a:picLocks noChangeAspect="1"/>
-          </p:cNvPicPr>
-          <p:nvPr/>
-        </p:nvPicPr>
-        <p:blipFill>
-          <a:blip r:embed="rId4">
-            <a:extLst>
-              <a:ext uri="{BEBA8EAE-BF5A-486C-A8C5-ECC9F3942E4B}">
-                <a14:imgProps xmlns:a14="http://schemas.microsoft.com/office/drawing/2010/main">
-                  <a14:imgLayer r:embed="rId5">
-                    <a14:imgEffect>
-                      <a14:artisticCutout/>
-                    </a14:imgEffect>
-                  </a14:imgLayer>
-                </a14:imgProps>
-              </a:ext>
-            </a:extLst>
-          </a:blip>
-          <a:stretch>
-            <a:fillRect/>
-          </a:stretch>
-        </p:blipFill>
-        <p:spPr>
-          <a:xfrm rot="2233721">
-            <a:off x="2909741" y="145589"/>
-            <a:ext cx="725721" cy="725721"/>
-          </a:xfrm>
-          <a:prstGeom prst="rect">
-            <a:avLst/>
-          </a:prstGeom>
-        </p:spPr>
-      </p:pic>
-      <p:sp>
-        <p:nvSpPr>
-          <p:cNvPr id="12" name="標題 1">
-            <a:extLst>
-              <a:ext uri="{FF2B5EF4-FFF2-40B4-BE49-F238E27FC236}">
-                <a16:creationId xmlns:a16="http://schemas.microsoft.com/office/drawing/2014/main" id="{D9A5ED53-3C32-4D3F-88CC-B88A83F7030A}"/>
-              </a:ext>
-            </a:extLst>
-          </p:cNvPr>
-          <p:cNvSpPr txBox="1">
-            <a:spLocks/>
-          </p:cNvSpPr>
-          <p:nvPr/>
-        </p:nvSpPr>
-        <p:spPr>
-          <a:xfrm>
-            <a:off x="2664875" y="2567717"/>
-            <a:ext cx="3507756" cy="531000"/>
-          </a:xfrm>
-          <a:prstGeom prst="rect">
-            <a:avLst/>
-          </a:prstGeom>
-          <a:noFill/>
-          <a:ln>
-            <a:noFill/>
-          </a:ln>
-        </p:spPr>
-        <p:txBody>
-          <a:bodyPr spcFirstLastPara="1" wrap="square" lIns="91425" tIns="91425" rIns="91425" bIns="91425" anchor="b" anchorCtr="0">
-            <a:noAutofit/>
-          </a:bodyPr>
-          <a:lstStyle>
-            <a:defPPr marR="0" lvl="0" algn="l" rtl="0">
-              <a:lnSpc>
-                <a:spcPct val="100000"/>
-              </a:lnSpc>
-              <a:spcBef>
-                <a:spcPts val="0"/>
-              </a:spcBef>
-              <a:spcAft>
-                <a:spcPts val="0"/>
-              </a:spcAft>
-            </a:defPPr>
-            <a:lvl1pPr marR="0" lvl="0" algn="l" rtl="0">
-              <a:lnSpc>
-                <a:spcPct val="100000"/>
-              </a:lnSpc>
-              <a:spcBef>
-                <a:spcPts val="0"/>
-              </a:spcBef>
-              <a:spcAft>
-                <a:spcPts val="0"/>
-              </a:spcAft>
-              <a:buClr>
-                <a:schemeClr val="accent5"/>
-              </a:buClr>
-              <a:buSzPts val="2600"/>
-              <a:buFont typeface="Righteous"/>
-              <a:buNone/>
-              <a:defRPr sz="2600" b="0" i="0" u="none" strike="noStrike" cap="none">
-                <a:solidFill>
-                  <a:schemeClr val="accent5"/>
-                </a:solidFill>
-                <a:latin typeface="Righteous"/>
-                <a:ea typeface="Righteous"/>
-                <a:cs typeface="Righteous"/>
-                <a:sym typeface="Righteous"/>
-              </a:defRPr>
-            </a:lvl1pPr>
-            <a:lvl2pPr marR="0" lvl="1" algn="l" rtl="0">
-              <a:lnSpc>
-                <a:spcPct val="100000"/>
-              </a:lnSpc>
-              <a:spcBef>
-                <a:spcPts val="0"/>
-              </a:spcBef>
-              <a:spcAft>
-                <a:spcPts val="0"/>
-              </a:spcAft>
-              <a:buClr>
-                <a:schemeClr val="accent5"/>
-              </a:buClr>
-              <a:buSzPts val="2400"/>
-              <a:buFont typeface="Advent Pro"/>
-              <a:buNone/>
-              <a:defRPr sz="2400" b="1" i="0" u="none" strike="noStrike" cap="none">
-                <a:solidFill>
-                  <a:schemeClr val="accent5"/>
-                </a:solidFill>
-                <a:latin typeface="Advent Pro"/>
-                <a:ea typeface="Advent Pro"/>
-                <a:cs typeface="Advent Pro"/>
-                <a:sym typeface="Advent Pro"/>
-              </a:defRPr>
-            </a:lvl2pPr>
-            <a:lvl3pPr marR="0" lvl="2" algn="l" rtl="0">
-              <a:lnSpc>
-                <a:spcPct val="100000"/>
-              </a:lnSpc>
-              <a:spcBef>
-                <a:spcPts val="0"/>
-              </a:spcBef>
-              <a:spcAft>
-                <a:spcPts val="0"/>
-              </a:spcAft>
-              <a:buClr>
-                <a:schemeClr val="accent5"/>
-              </a:buClr>
-              <a:buSzPts val="2400"/>
-              <a:buFont typeface="Advent Pro"/>
-              <a:buNone/>
-              <a:defRPr sz="2400" b="1" i="0" u="none" strike="noStrike" cap="none">
-                <a:solidFill>
-                  <a:schemeClr val="accent5"/>
-                </a:solidFill>
-                <a:latin typeface="Advent Pro"/>
-                <a:ea typeface="Advent Pro"/>
-                <a:cs typeface="Advent Pro"/>
-                <a:sym typeface="Advent Pro"/>
-              </a:defRPr>
-            </a:lvl3pPr>
-            <a:lvl4pPr marR="0" lvl="3" algn="l" rtl="0">
-              <a:lnSpc>
-                <a:spcPct val="100000"/>
-              </a:lnSpc>
-              <a:spcBef>
-                <a:spcPts val="0"/>
-              </a:spcBef>
-              <a:spcAft>
-                <a:spcPts val="0"/>
-              </a:spcAft>
-              <a:buClr>
-                <a:schemeClr val="accent5"/>
-              </a:buClr>
-              <a:buSzPts val="2400"/>
-              <a:buFont typeface="Advent Pro"/>
-              <a:buNone/>
-              <a:defRPr sz="2400" b="1" i="0" u="none" strike="noStrike" cap="none">
-                <a:solidFill>
-                  <a:schemeClr val="accent5"/>
-                </a:solidFill>
-                <a:latin typeface="Advent Pro"/>
-                <a:ea typeface="Advent Pro"/>
-                <a:cs typeface="Advent Pro"/>
-                <a:sym typeface="Advent Pro"/>
-              </a:defRPr>
-            </a:lvl4pPr>
-            <a:lvl5pPr marR="0" lvl="4" algn="l" rtl="0">
-              <a:lnSpc>
-                <a:spcPct val="100000"/>
-              </a:lnSpc>
-              <a:spcBef>
-                <a:spcPts val="0"/>
-              </a:spcBef>
-              <a:spcAft>
-                <a:spcPts val="0"/>
-              </a:spcAft>
-              <a:buClr>
-                <a:schemeClr val="accent5"/>
-              </a:buClr>
-              <a:buSzPts val="2400"/>
-              <a:buFont typeface="Advent Pro"/>
-              <a:buNone/>
-              <a:defRPr sz="2400" b="1" i="0" u="none" strike="noStrike" cap="none">
-                <a:solidFill>
-                  <a:schemeClr val="accent5"/>
-                </a:solidFill>
-                <a:latin typeface="Advent Pro"/>
-                <a:ea typeface="Advent Pro"/>
-                <a:cs typeface="Advent Pro"/>
-                <a:sym typeface="Advent Pro"/>
-              </a:defRPr>
-            </a:lvl5pPr>
-            <a:lvl6pPr marR="0" lvl="5" algn="l" rtl="0">
-              <a:lnSpc>
-                <a:spcPct val="100000"/>
-              </a:lnSpc>
-              <a:spcBef>
-                <a:spcPts val="0"/>
-              </a:spcBef>
-              <a:spcAft>
-                <a:spcPts val="0"/>
-              </a:spcAft>
-              <a:buClr>
-                <a:schemeClr val="accent5"/>
-              </a:buClr>
-              <a:buSzPts val="2400"/>
-              <a:buFont typeface="Advent Pro"/>
-              <a:buNone/>
-              <a:defRPr sz="2400" b="1" i="0" u="none" strike="noStrike" cap="none">
-                <a:solidFill>
-                  <a:schemeClr val="accent5"/>
-                </a:solidFill>
-                <a:latin typeface="Advent Pro"/>
-                <a:ea typeface="Advent Pro"/>
-                <a:cs typeface="Advent Pro"/>
-                <a:sym typeface="Advent Pro"/>
-              </a:defRPr>
-            </a:lvl6pPr>
-            <a:lvl7pPr marR="0" lvl="6" algn="l" rtl="0">
-              <a:lnSpc>
-                <a:spcPct val="100000"/>
-              </a:lnSpc>
-              <a:spcBef>
-                <a:spcPts val="0"/>
-              </a:spcBef>
-              <a:spcAft>
-                <a:spcPts val="0"/>
-              </a:spcAft>
-              <a:buClr>
-                <a:schemeClr val="accent5"/>
-              </a:buClr>
-              <a:buSzPts val="2400"/>
-              <a:buFont typeface="Advent Pro"/>
-              <a:buNone/>
-              <a:defRPr sz="2400" b="1" i="0" u="none" strike="noStrike" cap="none">
-                <a:solidFill>
-                  <a:schemeClr val="accent5"/>
-                </a:solidFill>
-                <a:latin typeface="Advent Pro"/>
-                <a:ea typeface="Advent Pro"/>
-                <a:cs typeface="Advent Pro"/>
-                <a:sym typeface="Advent Pro"/>
-              </a:defRPr>
-            </a:lvl7pPr>
-            <a:lvl8pPr marR="0" lvl="7" algn="l" rtl="0">
-              <a:lnSpc>
-                <a:spcPct val="100000"/>
-              </a:lnSpc>
-              <a:spcBef>
-                <a:spcPts val="0"/>
-              </a:spcBef>
-              <a:spcAft>
-                <a:spcPts val="0"/>
-              </a:spcAft>
-              <a:buClr>
-                <a:schemeClr val="accent5"/>
-              </a:buClr>
-              <a:buSzPts val="2400"/>
-              <a:buFont typeface="Advent Pro"/>
-              <a:buNone/>
-              <a:defRPr sz="2400" b="1" i="0" u="none" strike="noStrike" cap="none">
-                <a:solidFill>
-                  <a:schemeClr val="accent5"/>
-                </a:solidFill>
-                <a:latin typeface="Advent Pro"/>
-                <a:ea typeface="Advent Pro"/>
-                <a:cs typeface="Advent Pro"/>
-                <a:sym typeface="Advent Pro"/>
-              </a:defRPr>
-            </a:lvl8pPr>
-            <a:lvl9pPr marR="0" lvl="8" algn="l" rtl="0">
-              <a:lnSpc>
-                <a:spcPct val="100000"/>
-              </a:lnSpc>
-              <a:spcBef>
-                <a:spcPts val="0"/>
-              </a:spcBef>
-              <a:spcAft>
-                <a:spcPts val="0"/>
-              </a:spcAft>
-              <a:buClr>
-                <a:schemeClr val="accent5"/>
-              </a:buClr>
-              <a:buSzPts val="2400"/>
-              <a:buFont typeface="Advent Pro"/>
-              <a:buNone/>
-              <a:defRPr sz="2400" b="1" i="0" u="none" strike="noStrike" cap="none">
-                <a:solidFill>
-                  <a:schemeClr val="accent5"/>
-                </a:solidFill>
-                <a:latin typeface="Advent Pro"/>
-                <a:ea typeface="Advent Pro"/>
-                <a:cs typeface="Advent Pro"/>
-                <a:sym typeface="Advent Pro"/>
-              </a:defRPr>
-            </a:lvl9pPr>
-          </a:lstStyle>
-          <a:p>
-            <a:pPr marL="342900" indent="-342900" algn="ctr" defTabSz="1066800">
-              <a:buSzPts val="1800"/>
-              <a:buFont typeface="Arial" panose="020B0604020202020204" pitchFamily="34" charset="0"/>
-              <a:buChar char="•"/>
-            </a:pPr>
-            <a:r>
-              <a:rPr lang="zh-TW" altLang="zh-TW" sz="1200" dirty="0">
-                <a:latin typeface="微軟正黑體" panose="020B0604030504040204" pitchFamily="34" charset="-120"/>
-                <a:ea typeface="微軟正黑體" panose="020B0604030504040204" pitchFamily="34" charset="-120"/>
-              </a:rPr>
-              <a:t>法</a:t>
-            </a:r>
-            <a:r>
-              <a:rPr lang="zh-TW" altLang="en-US" sz="1200" dirty="0">
-                <a:latin typeface="微軟正黑體" panose="020B0604030504040204" pitchFamily="34" charset="-120"/>
-                <a:ea typeface="微軟正黑體" panose="020B0604030504040204" pitchFamily="34" charset="-120"/>
-              </a:rPr>
-              <a:t>律</a:t>
-            </a:r>
-            <a:r>
-              <a:rPr lang="zh-TW" altLang="zh-TW" sz="1200" dirty="0">
-                <a:latin typeface="微軟正黑體" panose="020B0604030504040204" pitchFamily="34" charset="-120"/>
-                <a:ea typeface="微軟正黑體" panose="020B0604030504040204" pitchFamily="34" charset="-120"/>
-              </a:rPr>
-              <a:t>用語</a:t>
-            </a:r>
-            <a:r>
-              <a:rPr lang="zh-TW" altLang="en-US" sz="1200" dirty="0">
-                <a:latin typeface="微軟正黑體" panose="020B0604030504040204" pitchFamily="34" charset="-120"/>
-                <a:ea typeface="微軟正黑體" panose="020B0604030504040204" pitchFamily="34" charset="-120"/>
-              </a:rPr>
-              <a:t>的替換</a:t>
-            </a:r>
-            <a:endParaRPr lang="en-US" altLang="zh-TW" sz="1200" dirty="0">
-              <a:latin typeface="微軟正黑體" panose="020B0604030504040204" pitchFamily="34" charset="-120"/>
-              <a:ea typeface="微軟正黑體" panose="020B0604030504040204" pitchFamily="34" charset="-120"/>
-            </a:endParaRPr>
-          </a:p>
-        </p:txBody>
-      </p:sp>
-    </p:spTree>
-    <p:extLst>
-      <p:ext uri="{BB962C8B-B14F-4D97-AF65-F5344CB8AC3E}">
-        <p14:creationId xmlns:p14="http://schemas.microsoft.com/office/powerpoint/2010/main" val="3625725310"/>
-      </p:ext>
-    </p:extLst>
-  </p:cSld>
-  <p:clrMapOvr>
-    <a:masterClrMapping/>
-  </p:clrMapOvr>
-</p:sld>
-</file>
-
-<file path=ppt/slides/slide7.xml><?xml version="1.0" encoding="utf-8"?>
-<p:sld xmlns:a="http://schemas.openxmlformats.org/drawingml/2006/main" xmlns:r="http://schemas.openxmlformats.org/officeDocument/2006/relationships" xmlns:p="http://schemas.openxmlformats.org/presentationml/2006/main">
-  <p:cSld>
-    <p:spTree>
-      <p:nvGrpSpPr>
-        <p:cNvPr id="1" name="Shape 3811"/>
-        <p:cNvGrpSpPr/>
-        <p:nvPr/>
-      </p:nvGrpSpPr>
-      <p:grpSpPr>
-        <a:xfrm>
-          <a:off x="0" y="0"/>
-          <a:ext cx="0" cy="0"/>
-          <a:chOff x="0" y="0"/>
-          <a:chExt cx="0" cy="0"/>
-        </a:xfrm>
-      </p:grpSpPr>
-      <p:sp>
-        <p:nvSpPr>
-          <p:cNvPr id="3812" name="Google Shape;3812;p44"/>
-          <p:cNvSpPr txBox="1">
-            <a:spLocks noGrp="1"/>
-          </p:cNvSpPr>
-          <p:nvPr>
-            <p:ph type="title"/>
-          </p:nvPr>
-        </p:nvSpPr>
-        <p:spPr>
-          <a:xfrm>
-            <a:off x="685050" y="436400"/>
-            <a:ext cx="5327400" cy="531000"/>
-          </a:xfrm>
-          <a:prstGeom prst="rect">
-            <a:avLst/>
-          </a:prstGeom>
-        </p:spPr>
-        <p:txBody>
-          <a:bodyPr spcFirstLastPara="1" wrap="square" lIns="91425" tIns="91425" rIns="91425" bIns="91425" anchor="b" anchorCtr="0">
-            <a:noAutofit/>
-          </a:bodyPr>
-          <a:lstStyle/>
-          <a:p>
-            <a:pPr marL="0" lvl="0" indent="0" algn="l" rtl="0">
-              <a:spcBef>
-                <a:spcPts val="0"/>
-              </a:spcBef>
-              <a:spcAft>
-                <a:spcPts val="0"/>
-              </a:spcAft>
-              <a:buNone/>
-            </a:pPr>
-            <a:r>
-              <a:rPr lang="en-US" sz="3600" dirty="0"/>
-              <a:t>Workflow</a:t>
-            </a:r>
-            <a:endParaRPr sz="3600" dirty="0"/>
-          </a:p>
-        </p:txBody>
-      </p:sp>
-      <p:cxnSp>
-        <p:nvCxnSpPr>
-          <p:cNvPr id="3813" name="Google Shape;3813;p44"/>
-          <p:cNvCxnSpPr/>
-          <p:nvPr/>
-        </p:nvCxnSpPr>
-        <p:spPr>
-          <a:xfrm rot="10800000">
-            <a:off x="-500050" y="967375"/>
-            <a:ext cx="3066600" cy="0"/>
-          </a:xfrm>
-          <a:prstGeom prst="straightConnector1">
-            <a:avLst/>
-          </a:prstGeom>
-          <a:noFill/>
-          <a:ln w="19050" cap="flat" cmpd="sng">
-            <a:solidFill>
-              <a:schemeClr val="accent4"/>
-            </a:solidFill>
-            <a:prstDash val="solid"/>
-            <a:round/>
-            <a:headEnd type="none" w="med" len="med"/>
-            <a:tailEnd type="none" w="med" len="med"/>
-          </a:ln>
-        </p:spPr>
-      </p:cxnSp>
-      <p:grpSp>
-        <p:nvGrpSpPr>
-          <p:cNvPr id="3814" name="Google Shape;3814;p44"/>
-          <p:cNvGrpSpPr/>
-          <p:nvPr/>
-        </p:nvGrpSpPr>
-        <p:grpSpPr>
-          <a:xfrm>
-            <a:off x="950878" y="1843088"/>
-            <a:ext cx="7236619" cy="1573178"/>
-            <a:chOff x="238125" y="351975"/>
-            <a:chExt cx="7143025" cy="5010575"/>
-          </a:xfrm>
           <a:solidFill>
             <a:schemeClr val="accent2"/>
           </a:solidFill>
@@ -25142,7 +23918,7 @@
 </p:sld>
 </file>
 
-<file path=ppt/slides/slide8.xml><?xml version="1.0" encoding="utf-8"?>
+<file path=ppt/slides/slide7.xml><?xml version="1.0" encoding="utf-8"?>
 <p:sld xmlns:a="http://schemas.openxmlformats.org/drawingml/2006/main" xmlns:r="http://schemas.openxmlformats.org/officeDocument/2006/relationships" xmlns:p="http://schemas.openxmlformats.org/presentationml/2006/main">
   <p:cSld>
     <p:spTree>
@@ -25300,7 +24076,7 @@
 </p:sld>
 </file>
 
-<file path=ppt/slides/slide9.xml><?xml version="1.0" encoding="utf-8"?>
+<file path=ppt/slides/slide8.xml><?xml version="1.0" encoding="utf-8"?>
 <p:sld xmlns:a="http://schemas.openxmlformats.org/drawingml/2006/main" xmlns:r="http://schemas.openxmlformats.org/officeDocument/2006/relationships" xmlns:p="http://schemas.openxmlformats.org/presentationml/2006/main">
   <p:cSld>
     <p:spTree>
@@ -25667,6 +24443,231 @@
     <p:extLst>
       <p:ext uri="{BB962C8B-B14F-4D97-AF65-F5344CB8AC3E}">
         <p14:creationId xmlns:p14="http://schemas.microsoft.com/office/powerpoint/2010/main" val="2192985479"/>
+      </p:ext>
+    </p:extLst>
+  </p:cSld>
+  <p:clrMapOvr>
+    <a:masterClrMapping/>
+  </p:clrMapOvr>
+</p:sld>
+</file>
+
+<file path=ppt/slides/slide9.xml><?xml version="1.0" encoding="utf-8"?>
+<p:sld xmlns:a="http://schemas.openxmlformats.org/drawingml/2006/main" xmlns:r="http://schemas.openxmlformats.org/officeDocument/2006/relationships" xmlns:p="http://schemas.openxmlformats.org/presentationml/2006/main">
+  <p:cSld>
+    <p:spTree>
+      <p:nvGrpSpPr>
+        <p:cNvPr id="1" name=""/>
+        <p:cNvGrpSpPr/>
+        <p:nvPr/>
+      </p:nvGrpSpPr>
+      <p:grpSpPr>
+        <a:xfrm>
+          <a:off x="0" y="0"/>
+          <a:ext cx="0" cy="0"/>
+          <a:chOff x="0" y="0"/>
+          <a:chExt cx="0" cy="0"/>
+        </a:xfrm>
+      </p:grpSpPr>
+      <p:sp>
+        <p:nvSpPr>
+          <p:cNvPr id="2" name="標題 1">
+            <a:extLst>
+              <a:ext uri="{FF2B5EF4-FFF2-40B4-BE49-F238E27FC236}">
+                <a16:creationId xmlns:a16="http://schemas.microsoft.com/office/drawing/2014/main" id="{50EB7DD9-2A95-4BF9-8EB2-125B2ED0E131}"/>
+              </a:ext>
+            </a:extLst>
+          </p:cNvPr>
+          <p:cNvSpPr>
+            <a:spLocks noGrp="1"/>
+          </p:cNvSpPr>
+          <p:nvPr>
+            <p:ph type="title"/>
+          </p:nvPr>
+        </p:nvSpPr>
+        <p:spPr>
+          <a:xfrm>
+            <a:off x="300129" y="508570"/>
+            <a:ext cx="2599825" cy="531000"/>
+          </a:xfrm>
+        </p:spPr>
+        <p:txBody>
+          <a:bodyPr/>
+          <a:lstStyle/>
+          <a:p>
+            <a:pPr algn="ctr" defTabSz="1066800">
+              <a:buSzPts val="1800"/>
+            </a:pPr>
+            <a:r>
+              <a:rPr lang="zh-TW" altLang="zh-TW" sz="2400" b="1" dirty="0">
+                <a:latin typeface="微軟正黑體" panose="020B0604030504040204" pitchFamily="34" charset="-120"/>
+                <a:ea typeface="微軟正黑體" panose="020B0604030504040204" pitchFamily="34" charset="-120"/>
+              </a:rPr>
+              <a:t>法</a:t>
+            </a:r>
+            <a:r>
+              <a:rPr lang="zh-TW" altLang="en-US" sz="2400" b="1" dirty="0">
+                <a:latin typeface="微軟正黑體" panose="020B0604030504040204" pitchFamily="34" charset="-120"/>
+                <a:ea typeface="微軟正黑體" panose="020B0604030504040204" pitchFamily="34" charset="-120"/>
+              </a:rPr>
+              <a:t>律</a:t>
+            </a:r>
+            <a:r>
+              <a:rPr lang="zh-TW" altLang="zh-TW" sz="2400" b="1" dirty="0">
+                <a:latin typeface="微軟正黑體" panose="020B0604030504040204" pitchFamily="34" charset="-120"/>
+                <a:ea typeface="微軟正黑體" panose="020B0604030504040204" pitchFamily="34" charset="-120"/>
+              </a:rPr>
+              <a:t>用語</a:t>
+            </a:r>
+            <a:r>
+              <a:rPr lang="zh-TW" altLang="en-US" sz="2400" b="1" dirty="0">
+                <a:latin typeface="微軟正黑體" panose="020B0604030504040204" pitchFamily="34" charset="-120"/>
+                <a:ea typeface="微軟正黑體" panose="020B0604030504040204" pitchFamily="34" charset="-120"/>
+              </a:rPr>
+              <a:t>的替換</a:t>
+            </a:r>
+            <a:endParaRPr lang="en-US" altLang="zh-TW" sz="2400" b="1" dirty="0">
+              <a:latin typeface="微軟正黑體" panose="020B0604030504040204" pitchFamily="34" charset="-120"/>
+              <a:ea typeface="微軟正黑體" panose="020B0604030504040204" pitchFamily="34" charset="-120"/>
+            </a:endParaRPr>
+          </a:p>
+        </p:txBody>
+      </p:sp>
+      <p:sp>
+        <p:nvSpPr>
+          <p:cNvPr id="9" name="矩形 8">
+            <a:extLst>
+              <a:ext uri="{FF2B5EF4-FFF2-40B4-BE49-F238E27FC236}">
+                <a16:creationId xmlns:a16="http://schemas.microsoft.com/office/drawing/2014/main" id="{14D7DED6-E763-437A-8759-CC06243CB614}"/>
+              </a:ext>
+            </a:extLst>
+          </p:cNvPr>
+          <p:cNvSpPr/>
+          <p:nvPr/>
+        </p:nvSpPr>
+        <p:spPr>
+          <a:xfrm>
+            <a:off x="5787146" y="1227909"/>
+            <a:ext cx="605247" cy="3762102"/>
+          </a:xfrm>
+          <a:prstGeom prst="rect">
+            <a:avLst/>
+          </a:prstGeom>
+          <a:solidFill>
+            <a:schemeClr val="bg1"/>
+          </a:solidFill>
+          <a:ln>
+            <a:solidFill>
+              <a:schemeClr val="bg1"/>
+            </a:solidFill>
+          </a:ln>
+        </p:spPr>
+        <p:style>
+          <a:lnRef idx="2">
+            <a:schemeClr val="accent1">
+              <a:shade val="50000"/>
+            </a:schemeClr>
+          </a:lnRef>
+          <a:fillRef idx="1">
+            <a:schemeClr val="accent1"/>
+          </a:fillRef>
+          <a:effectRef idx="0">
+            <a:schemeClr val="accent1"/>
+          </a:effectRef>
+          <a:fontRef idx="minor">
+            <a:schemeClr val="lt1"/>
+          </a:fontRef>
+        </p:style>
+        <p:txBody>
+          <a:bodyPr rtlCol="0" anchor="ctr"/>
+          <a:lstStyle/>
+          <a:p>
+            <a:pPr algn="ctr"/>
+            <a:endParaRPr lang="zh-TW" altLang="en-US"/>
+          </a:p>
+        </p:txBody>
+      </p:sp>
+      <p:pic>
+        <p:nvPicPr>
+          <p:cNvPr id="11" name="圖片 10" descr="06.法規用語與法規解釋之淺析.doc(受保護的檢視) - Word">
+            <a:extLst>
+              <a:ext uri="{FF2B5EF4-FFF2-40B4-BE49-F238E27FC236}">
+                <a16:creationId xmlns:a16="http://schemas.microsoft.com/office/drawing/2014/main" id="{F1D67177-6AC0-408E-AFA5-FE18D205E455}"/>
+              </a:ext>
+            </a:extLst>
+          </p:cNvPr>
+          <p:cNvPicPr>
+            <a:picLocks noChangeAspect="1"/>
+          </p:cNvPicPr>
+          <p:nvPr/>
+        </p:nvPicPr>
+        <p:blipFill rotWithShape="1">
+          <a:blip r:embed="rId2"/>
+          <a:srcRect l="24348" t="13714" r="24870"/>
+          <a:stretch/>
+        </p:blipFill>
+        <p:spPr>
+          <a:xfrm>
+            <a:off x="467081" y="1039570"/>
+            <a:ext cx="4065161" cy="4438106"/>
+          </a:xfrm>
+          <a:prstGeom prst="rect">
+            <a:avLst/>
+          </a:prstGeom>
+        </p:spPr>
+      </p:pic>
+      <p:sp>
+        <p:nvSpPr>
+          <p:cNvPr id="12" name="文字方塊 11">
+            <a:extLst>
+              <a:ext uri="{FF2B5EF4-FFF2-40B4-BE49-F238E27FC236}">
+                <a16:creationId xmlns:a16="http://schemas.microsoft.com/office/drawing/2014/main" id="{F62C9E38-63AA-4C43-8605-BAE1C954680D}"/>
+              </a:ext>
+            </a:extLst>
+          </p:cNvPr>
+          <p:cNvSpPr txBox="1"/>
+          <p:nvPr/>
+        </p:nvSpPr>
+        <p:spPr>
+          <a:xfrm>
+            <a:off x="5063162" y="1786999"/>
+            <a:ext cx="3263671" cy="2246769"/>
+          </a:xfrm>
+          <a:prstGeom prst="rect">
+            <a:avLst/>
+          </a:prstGeom>
+          <a:noFill/>
+        </p:spPr>
+        <p:txBody>
+          <a:bodyPr wrap="square" rtlCol="0">
+            <a:spAutoFit/>
+          </a:bodyPr>
+          <a:lstStyle/>
+          <a:p>
+            <a:r>
+              <a:rPr lang="zh-TW" altLang="en-US" dirty="0"/>
+              <a:t>例：</a:t>
+            </a:r>
+            <a:endParaRPr lang="en-US" altLang="zh-TW" dirty="0"/>
+          </a:p>
+          <a:p>
+            <a:r>
+              <a:rPr lang="zh-TW" altLang="en-US" dirty="0"/>
+              <a:t>屆期、逾期 ：</a:t>
+            </a:r>
+          </a:p>
+          <a:p>
+            <a:r>
+              <a:rPr lang="zh-TW" altLang="en-US" dirty="0"/>
+              <a:t>「屆期」與「逾期」以往多未予區分使用，然二者意義實有所不同，所謂「屆期」係指在一定期間內必須行為者，例如「．．限期命其改善；屆期不改善者．．．。」；而「逾期」係表達已過一定期限之事實，例如「．．請求權之行使，以二年為限，逾期不予受理。．．」。</a:t>
+            </a:r>
+          </a:p>
+        </p:txBody>
+      </p:sp>
+    </p:spTree>
+    <p:extLst>
+      <p:ext uri="{BB962C8B-B14F-4D97-AF65-F5344CB8AC3E}">
+        <p14:creationId xmlns:p14="http://schemas.microsoft.com/office/powerpoint/2010/main" val="3710534227"/>
       </p:ext>
     </p:extLst>
   </p:cSld>
